--- a/static/presentation/RayTensor.pptx
+++ b/static/presentation/RayTensor.pptx
@@ -17,6 +17,7 @@
     <p:sldId id="263" r:id="rId12"/>
     <p:sldId id="264" r:id="rId13"/>
     <p:sldId id="265" r:id="rId14"/>
+    <p:sldId id="266" r:id="rId15"/>
   </p:sldIdLst>
   <p:sldSz cx="12192000" cy="6858000"/>
   <p:notesSz cx="7559675" cy="10691812"/>
@@ -64,7 +65,7 @@
       </p:grpSpPr>
       <p:sp>
         <p:nvSpPr>
-          <p:cNvPr id="26" name="PlaceHolder 1"/>
+          <p:cNvPr id="23" name="PlaceHolder 1"/>
           <p:cNvSpPr>
             <a:spLocks noGrp="1"/>
           </p:cNvSpPr>
@@ -75,7 +76,7 @@
         <p:spPr>
           <a:xfrm>
             <a:off x="1523880" y="1122480"/>
-            <a:ext cx="9143640" cy="2387160"/>
+            <a:ext cx="9143280" cy="2386800"/>
           </a:xfrm>
           <a:prstGeom prst="rect">
             <a:avLst/>
@@ -86,18 +87,16 @@
             <a:noAutofit/>
           </a:bodyPr>
           <a:p>
-            <a:endParaRPr b="0" lang="ru-RU" sz="1800" spc="-1" strike="noStrike">
-              <a:solidFill>
-                <a:srgbClr val="000000"/>
-              </a:solidFill>
-              <a:latin typeface="Calibri"/>
-            </a:endParaRPr>
-          </a:p>
-        </p:txBody>
-      </p:sp>
-      <p:sp>
-        <p:nvSpPr>
-          <p:cNvPr id="27" name="PlaceHolder 2"/>
+            <a:pPr algn="ctr"/>
+            <a:endParaRPr b="0" lang="ru-RU" sz="4400" spc="-1" strike="noStrike">
+              <a:latin typeface="Arial"/>
+            </a:endParaRPr>
+          </a:p>
+        </p:txBody>
+      </p:sp>
+      <p:sp>
+        <p:nvSpPr>
+          <p:cNvPr id="24" name="PlaceHolder 2"/>
           <p:cNvSpPr>
             <a:spLocks noGrp="1"/>
           </p:cNvSpPr>
@@ -119,18 +118,15 @@
             <a:normAutofit/>
           </a:bodyPr>
           <a:p>
-            <a:endParaRPr b="0" lang="ru-RU" sz="2800" spc="-1" strike="noStrike">
-              <a:solidFill>
-                <a:srgbClr val="000000"/>
-              </a:solidFill>
-              <a:latin typeface="Calibri"/>
-            </a:endParaRPr>
-          </a:p>
-        </p:txBody>
-      </p:sp>
-      <p:sp>
-        <p:nvSpPr>
-          <p:cNvPr id="28" name="PlaceHolder 3"/>
+            <a:endParaRPr b="0" lang="ru-RU" sz="3200" spc="-1" strike="noStrike">
+              <a:latin typeface="Arial"/>
+            </a:endParaRPr>
+          </a:p>
+        </p:txBody>
+      </p:sp>
+      <p:sp>
+        <p:nvSpPr>
+          <p:cNvPr id="25" name="PlaceHolder 3"/>
           <p:cNvSpPr>
             <a:spLocks noGrp="1"/>
           </p:cNvSpPr>
@@ -152,11 +148,8 @@
             <a:normAutofit/>
           </a:bodyPr>
           <a:p>
-            <a:endParaRPr b="0" lang="ru-RU" sz="2800" spc="-1" strike="noStrike">
-              <a:solidFill>
-                <a:srgbClr val="000000"/>
-              </a:solidFill>
-              <a:latin typeface="Calibri"/>
+            <a:endParaRPr b="0" lang="ru-RU" sz="3200" spc="-1" strike="noStrike">
+              <a:latin typeface="Arial"/>
             </a:endParaRPr>
           </a:p>
         </p:txBody>
@@ -185,7 +178,7 @@
       </p:grpSpPr>
       <p:sp>
         <p:nvSpPr>
-          <p:cNvPr id="29" name="PlaceHolder 1"/>
+          <p:cNvPr id="26" name="PlaceHolder 1"/>
           <p:cNvSpPr>
             <a:spLocks noGrp="1"/>
           </p:cNvSpPr>
@@ -196,7 +189,7 @@
         <p:spPr>
           <a:xfrm>
             <a:off x="1523880" y="1122480"/>
-            <a:ext cx="9143640" cy="2387160"/>
+            <a:ext cx="9143280" cy="2386800"/>
           </a:xfrm>
           <a:prstGeom prst="rect">
             <a:avLst/>
@@ -207,18 +200,16 @@
             <a:noAutofit/>
           </a:bodyPr>
           <a:p>
-            <a:endParaRPr b="0" lang="ru-RU" sz="1800" spc="-1" strike="noStrike">
-              <a:solidFill>
-                <a:srgbClr val="000000"/>
-              </a:solidFill>
-              <a:latin typeface="Calibri"/>
-            </a:endParaRPr>
-          </a:p>
-        </p:txBody>
-      </p:sp>
-      <p:sp>
-        <p:nvSpPr>
-          <p:cNvPr id="30" name="PlaceHolder 2"/>
+            <a:pPr algn="ctr"/>
+            <a:endParaRPr b="0" lang="ru-RU" sz="4400" spc="-1" strike="noStrike">
+              <a:latin typeface="Arial"/>
+            </a:endParaRPr>
+          </a:p>
+        </p:txBody>
+      </p:sp>
+      <p:sp>
+        <p:nvSpPr>
+          <p:cNvPr id="27" name="PlaceHolder 2"/>
           <p:cNvSpPr>
             <a:spLocks noGrp="1"/>
           </p:cNvSpPr>
@@ -240,18 +231,15 @@
             <a:normAutofit/>
           </a:bodyPr>
           <a:p>
-            <a:endParaRPr b="0" lang="ru-RU" sz="2800" spc="-1" strike="noStrike">
-              <a:solidFill>
-                <a:srgbClr val="000000"/>
-              </a:solidFill>
-              <a:latin typeface="Calibri"/>
-            </a:endParaRPr>
-          </a:p>
-        </p:txBody>
-      </p:sp>
-      <p:sp>
-        <p:nvSpPr>
-          <p:cNvPr id="31" name="PlaceHolder 3"/>
+            <a:endParaRPr b="0" lang="ru-RU" sz="3200" spc="-1" strike="noStrike">
+              <a:latin typeface="Arial"/>
+            </a:endParaRPr>
+          </a:p>
+        </p:txBody>
+      </p:sp>
+      <p:sp>
+        <p:nvSpPr>
+          <p:cNvPr id="28" name="PlaceHolder 3"/>
           <p:cNvSpPr>
             <a:spLocks noGrp="1"/>
           </p:cNvSpPr>
@@ -273,18 +261,15 @@
             <a:normAutofit/>
           </a:bodyPr>
           <a:p>
-            <a:endParaRPr b="0" lang="ru-RU" sz="2800" spc="-1" strike="noStrike">
-              <a:solidFill>
-                <a:srgbClr val="000000"/>
-              </a:solidFill>
-              <a:latin typeface="Calibri"/>
-            </a:endParaRPr>
-          </a:p>
-        </p:txBody>
-      </p:sp>
-      <p:sp>
-        <p:nvSpPr>
-          <p:cNvPr id="32" name="PlaceHolder 4"/>
+            <a:endParaRPr b="0" lang="ru-RU" sz="3200" spc="-1" strike="noStrike">
+              <a:latin typeface="Arial"/>
+            </a:endParaRPr>
+          </a:p>
+        </p:txBody>
+      </p:sp>
+      <p:sp>
+        <p:nvSpPr>
+          <p:cNvPr id="29" name="PlaceHolder 4"/>
           <p:cNvSpPr>
             <a:spLocks noGrp="1"/>
           </p:cNvSpPr>
@@ -306,18 +291,15 @@
             <a:normAutofit/>
           </a:bodyPr>
           <a:p>
-            <a:endParaRPr b="0" lang="ru-RU" sz="2800" spc="-1" strike="noStrike">
-              <a:solidFill>
-                <a:srgbClr val="000000"/>
-              </a:solidFill>
-              <a:latin typeface="Calibri"/>
-            </a:endParaRPr>
-          </a:p>
-        </p:txBody>
-      </p:sp>
-      <p:sp>
-        <p:nvSpPr>
-          <p:cNvPr id="33" name="PlaceHolder 5"/>
+            <a:endParaRPr b="0" lang="ru-RU" sz="3200" spc="-1" strike="noStrike">
+              <a:latin typeface="Arial"/>
+            </a:endParaRPr>
+          </a:p>
+        </p:txBody>
+      </p:sp>
+      <p:sp>
+        <p:nvSpPr>
+          <p:cNvPr id="30" name="PlaceHolder 5"/>
           <p:cNvSpPr>
             <a:spLocks noGrp="1"/>
           </p:cNvSpPr>
@@ -339,11 +321,8 @@
             <a:normAutofit/>
           </a:bodyPr>
           <a:p>
-            <a:endParaRPr b="0" lang="ru-RU" sz="2800" spc="-1" strike="noStrike">
-              <a:solidFill>
-                <a:srgbClr val="000000"/>
-              </a:solidFill>
-              <a:latin typeface="Calibri"/>
+            <a:endParaRPr b="0" lang="ru-RU" sz="3200" spc="-1" strike="noStrike">
+              <a:latin typeface="Arial"/>
             </a:endParaRPr>
           </a:p>
         </p:txBody>
@@ -372,7 +351,7 @@
       </p:grpSpPr>
       <p:sp>
         <p:nvSpPr>
-          <p:cNvPr id="34" name="PlaceHolder 1"/>
+          <p:cNvPr id="31" name="PlaceHolder 1"/>
           <p:cNvSpPr>
             <a:spLocks noGrp="1"/>
           </p:cNvSpPr>
@@ -383,7 +362,7 @@
         <p:spPr>
           <a:xfrm>
             <a:off x="1523880" y="1122480"/>
-            <a:ext cx="9143640" cy="2387160"/>
+            <a:ext cx="9143280" cy="2386800"/>
           </a:xfrm>
           <a:prstGeom prst="rect">
             <a:avLst/>
@@ -394,18 +373,16 @@
             <a:noAutofit/>
           </a:bodyPr>
           <a:p>
-            <a:endParaRPr b="0" lang="ru-RU" sz="1800" spc="-1" strike="noStrike">
-              <a:solidFill>
-                <a:srgbClr val="000000"/>
-              </a:solidFill>
-              <a:latin typeface="Calibri"/>
-            </a:endParaRPr>
-          </a:p>
-        </p:txBody>
-      </p:sp>
-      <p:sp>
-        <p:nvSpPr>
-          <p:cNvPr id="35" name="PlaceHolder 2"/>
+            <a:pPr algn="ctr"/>
+            <a:endParaRPr b="0" lang="ru-RU" sz="4400" spc="-1" strike="noStrike">
+              <a:latin typeface="Arial"/>
+            </a:endParaRPr>
+          </a:p>
+        </p:txBody>
+      </p:sp>
+      <p:sp>
+        <p:nvSpPr>
+          <p:cNvPr id="32" name="PlaceHolder 2"/>
           <p:cNvSpPr>
             <a:spLocks noGrp="1"/>
           </p:cNvSpPr>
@@ -427,18 +404,15 @@
             <a:normAutofit/>
           </a:bodyPr>
           <a:p>
-            <a:endParaRPr b="0" lang="ru-RU" sz="2800" spc="-1" strike="noStrike">
-              <a:solidFill>
-                <a:srgbClr val="000000"/>
-              </a:solidFill>
-              <a:latin typeface="Calibri"/>
-            </a:endParaRPr>
-          </a:p>
-        </p:txBody>
-      </p:sp>
-      <p:sp>
-        <p:nvSpPr>
-          <p:cNvPr id="36" name="PlaceHolder 3"/>
+            <a:endParaRPr b="0" lang="ru-RU" sz="3200" spc="-1" strike="noStrike">
+              <a:latin typeface="Arial"/>
+            </a:endParaRPr>
+          </a:p>
+        </p:txBody>
+      </p:sp>
+      <p:sp>
+        <p:nvSpPr>
+          <p:cNvPr id="33" name="PlaceHolder 3"/>
           <p:cNvSpPr>
             <a:spLocks noGrp="1"/>
           </p:cNvSpPr>
@@ -460,18 +434,15 @@
             <a:normAutofit/>
           </a:bodyPr>
           <a:p>
-            <a:endParaRPr b="0" lang="ru-RU" sz="2800" spc="-1" strike="noStrike">
-              <a:solidFill>
-                <a:srgbClr val="000000"/>
-              </a:solidFill>
-              <a:latin typeface="Calibri"/>
-            </a:endParaRPr>
-          </a:p>
-        </p:txBody>
-      </p:sp>
-      <p:sp>
-        <p:nvSpPr>
-          <p:cNvPr id="37" name="PlaceHolder 4"/>
+            <a:endParaRPr b="0" lang="ru-RU" sz="3200" spc="-1" strike="noStrike">
+              <a:latin typeface="Arial"/>
+            </a:endParaRPr>
+          </a:p>
+        </p:txBody>
+      </p:sp>
+      <p:sp>
+        <p:nvSpPr>
+          <p:cNvPr id="34" name="PlaceHolder 4"/>
           <p:cNvSpPr>
             <a:spLocks noGrp="1"/>
           </p:cNvSpPr>
@@ -493,18 +464,15 @@
             <a:normAutofit/>
           </a:bodyPr>
           <a:p>
-            <a:endParaRPr b="0" lang="ru-RU" sz="2800" spc="-1" strike="noStrike">
-              <a:solidFill>
-                <a:srgbClr val="000000"/>
-              </a:solidFill>
-              <a:latin typeface="Calibri"/>
-            </a:endParaRPr>
-          </a:p>
-        </p:txBody>
-      </p:sp>
-      <p:sp>
-        <p:nvSpPr>
-          <p:cNvPr id="38" name="PlaceHolder 5"/>
+            <a:endParaRPr b="0" lang="ru-RU" sz="3200" spc="-1" strike="noStrike">
+              <a:latin typeface="Arial"/>
+            </a:endParaRPr>
+          </a:p>
+        </p:txBody>
+      </p:sp>
+      <p:sp>
+        <p:nvSpPr>
+          <p:cNvPr id="35" name="PlaceHolder 5"/>
           <p:cNvSpPr>
             <a:spLocks noGrp="1"/>
           </p:cNvSpPr>
@@ -526,18 +494,15 @@
             <a:normAutofit/>
           </a:bodyPr>
           <a:p>
-            <a:endParaRPr b="0" lang="ru-RU" sz="2800" spc="-1" strike="noStrike">
-              <a:solidFill>
-                <a:srgbClr val="000000"/>
-              </a:solidFill>
-              <a:latin typeface="Calibri"/>
-            </a:endParaRPr>
-          </a:p>
-        </p:txBody>
-      </p:sp>
-      <p:sp>
-        <p:nvSpPr>
-          <p:cNvPr id="39" name="PlaceHolder 6"/>
+            <a:endParaRPr b="0" lang="ru-RU" sz="3200" spc="-1" strike="noStrike">
+              <a:latin typeface="Arial"/>
+            </a:endParaRPr>
+          </a:p>
+        </p:txBody>
+      </p:sp>
+      <p:sp>
+        <p:nvSpPr>
+          <p:cNvPr id="36" name="PlaceHolder 6"/>
           <p:cNvSpPr>
             <a:spLocks noGrp="1"/>
           </p:cNvSpPr>
@@ -559,18 +524,15 @@
             <a:normAutofit/>
           </a:bodyPr>
           <a:p>
-            <a:endParaRPr b="0" lang="ru-RU" sz="2800" spc="-1" strike="noStrike">
-              <a:solidFill>
-                <a:srgbClr val="000000"/>
-              </a:solidFill>
-              <a:latin typeface="Calibri"/>
-            </a:endParaRPr>
-          </a:p>
-        </p:txBody>
-      </p:sp>
-      <p:sp>
-        <p:nvSpPr>
-          <p:cNvPr id="40" name="PlaceHolder 7"/>
+            <a:endParaRPr b="0" lang="ru-RU" sz="3200" spc="-1" strike="noStrike">
+              <a:latin typeface="Arial"/>
+            </a:endParaRPr>
+          </a:p>
+        </p:txBody>
+      </p:sp>
+      <p:sp>
+        <p:nvSpPr>
+          <p:cNvPr id="37" name="PlaceHolder 7"/>
           <p:cNvSpPr>
             <a:spLocks noGrp="1"/>
           </p:cNvSpPr>
@@ -592,11 +554,8 @@
             <a:normAutofit/>
           </a:bodyPr>
           <a:p>
-            <a:endParaRPr b="0" lang="ru-RU" sz="2800" spc="-1" strike="noStrike">
-              <a:solidFill>
-                <a:srgbClr val="000000"/>
-              </a:solidFill>
-              <a:latin typeface="Calibri"/>
+            <a:endParaRPr b="0" lang="ru-RU" sz="3200" spc="-1" strike="noStrike">
+              <a:latin typeface="Arial"/>
             </a:endParaRPr>
           </a:p>
         </p:txBody>
@@ -647,7 +606,7 @@
       </p:grpSpPr>
       <p:sp>
         <p:nvSpPr>
-          <p:cNvPr id="47" name="PlaceHolder 1"/>
+          <p:cNvPr id="41" name="PlaceHolder 1"/>
           <p:cNvSpPr>
             <a:spLocks noGrp="1"/>
           </p:cNvSpPr>
@@ -658,7 +617,7 @@
         <p:spPr>
           <a:xfrm>
             <a:off x="1523880" y="1122480"/>
-            <a:ext cx="9143640" cy="2387160"/>
+            <a:ext cx="9143280" cy="2386800"/>
           </a:xfrm>
           <a:prstGeom prst="rect">
             <a:avLst/>
@@ -669,18 +628,16 @@
             <a:noAutofit/>
           </a:bodyPr>
           <a:p>
-            <a:endParaRPr b="0" lang="ru-RU" sz="1800" spc="-1" strike="noStrike">
-              <a:solidFill>
-                <a:srgbClr val="000000"/>
-              </a:solidFill>
-              <a:latin typeface="Calibri"/>
-            </a:endParaRPr>
-          </a:p>
-        </p:txBody>
-      </p:sp>
-      <p:sp>
-        <p:nvSpPr>
-          <p:cNvPr id="48" name="PlaceHolder 2"/>
+            <a:pPr algn="ctr"/>
+            <a:endParaRPr b="0" lang="ru-RU" sz="4400" spc="-1" strike="noStrike">
+              <a:latin typeface="Arial"/>
+            </a:endParaRPr>
+          </a:p>
+        </p:txBody>
+      </p:sp>
+      <p:sp>
+        <p:nvSpPr>
+          <p:cNvPr id="42" name="PlaceHolder 2"/>
           <p:cNvSpPr>
             <a:spLocks noGrp="1"/>
           </p:cNvSpPr>
@@ -733,7 +690,7 @@
       </p:grpSpPr>
       <p:sp>
         <p:nvSpPr>
-          <p:cNvPr id="49" name="PlaceHolder 1"/>
+          <p:cNvPr id="43" name="PlaceHolder 1"/>
           <p:cNvSpPr>
             <a:spLocks noGrp="1"/>
           </p:cNvSpPr>
@@ -744,7 +701,7 @@
         <p:spPr>
           <a:xfrm>
             <a:off x="1523880" y="1122480"/>
-            <a:ext cx="9143640" cy="2387160"/>
+            <a:ext cx="9143280" cy="2386800"/>
           </a:xfrm>
           <a:prstGeom prst="rect">
             <a:avLst/>
@@ -755,18 +712,16 @@
             <a:noAutofit/>
           </a:bodyPr>
           <a:p>
-            <a:endParaRPr b="0" lang="ru-RU" sz="1800" spc="-1" strike="noStrike">
-              <a:solidFill>
-                <a:srgbClr val="000000"/>
-              </a:solidFill>
-              <a:latin typeface="Calibri"/>
-            </a:endParaRPr>
-          </a:p>
-        </p:txBody>
-      </p:sp>
-      <p:sp>
-        <p:nvSpPr>
-          <p:cNvPr id="50" name="PlaceHolder 2"/>
+            <a:pPr algn="ctr"/>
+            <a:endParaRPr b="0" lang="ru-RU" sz="4400" spc="-1" strike="noStrike">
+              <a:latin typeface="Arial"/>
+            </a:endParaRPr>
+          </a:p>
+        </p:txBody>
+      </p:sp>
+      <p:sp>
+        <p:nvSpPr>
+          <p:cNvPr id="44" name="PlaceHolder 2"/>
           <p:cNvSpPr>
             <a:spLocks noGrp="1"/>
           </p:cNvSpPr>
@@ -788,11 +743,8 @@
             <a:normAutofit/>
           </a:bodyPr>
           <a:p>
-            <a:endParaRPr b="0" lang="ru-RU" sz="2800" spc="-1" strike="noStrike">
-              <a:solidFill>
-                <a:srgbClr val="000000"/>
-              </a:solidFill>
-              <a:latin typeface="Calibri"/>
+            <a:endParaRPr b="0" lang="ru-RU" sz="3200" spc="-1" strike="noStrike">
+              <a:latin typeface="Arial"/>
             </a:endParaRPr>
           </a:p>
         </p:txBody>
@@ -821,7 +773,7 @@
       </p:grpSpPr>
       <p:sp>
         <p:nvSpPr>
-          <p:cNvPr id="51" name="PlaceHolder 1"/>
+          <p:cNvPr id="45" name="PlaceHolder 1"/>
           <p:cNvSpPr>
             <a:spLocks noGrp="1"/>
           </p:cNvSpPr>
@@ -832,7 +784,7 @@
         <p:spPr>
           <a:xfrm>
             <a:off x="1523880" y="1122480"/>
-            <a:ext cx="9143640" cy="2387160"/>
+            <a:ext cx="9143280" cy="2386800"/>
           </a:xfrm>
           <a:prstGeom prst="rect">
             <a:avLst/>
@@ -843,18 +795,16 @@
             <a:noAutofit/>
           </a:bodyPr>
           <a:p>
-            <a:endParaRPr b="0" lang="ru-RU" sz="1800" spc="-1" strike="noStrike">
-              <a:solidFill>
-                <a:srgbClr val="000000"/>
-              </a:solidFill>
-              <a:latin typeface="Calibri"/>
-            </a:endParaRPr>
-          </a:p>
-        </p:txBody>
-      </p:sp>
-      <p:sp>
-        <p:nvSpPr>
-          <p:cNvPr id="52" name="PlaceHolder 2"/>
+            <a:pPr algn="ctr"/>
+            <a:endParaRPr b="0" lang="ru-RU" sz="4400" spc="-1" strike="noStrike">
+              <a:latin typeface="Arial"/>
+            </a:endParaRPr>
+          </a:p>
+        </p:txBody>
+      </p:sp>
+      <p:sp>
+        <p:nvSpPr>
+          <p:cNvPr id="46" name="PlaceHolder 2"/>
           <p:cNvSpPr>
             <a:spLocks noGrp="1"/>
           </p:cNvSpPr>
@@ -876,18 +826,15 @@
             <a:normAutofit/>
           </a:bodyPr>
           <a:p>
-            <a:endParaRPr b="0" lang="ru-RU" sz="2800" spc="-1" strike="noStrike">
-              <a:solidFill>
-                <a:srgbClr val="000000"/>
-              </a:solidFill>
-              <a:latin typeface="Calibri"/>
-            </a:endParaRPr>
-          </a:p>
-        </p:txBody>
-      </p:sp>
-      <p:sp>
-        <p:nvSpPr>
-          <p:cNvPr id="53" name="PlaceHolder 3"/>
+            <a:endParaRPr b="0" lang="ru-RU" sz="3200" spc="-1" strike="noStrike">
+              <a:latin typeface="Arial"/>
+            </a:endParaRPr>
+          </a:p>
+        </p:txBody>
+      </p:sp>
+      <p:sp>
+        <p:nvSpPr>
+          <p:cNvPr id="47" name="PlaceHolder 3"/>
           <p:cNvSpPr>
             <a:spLocks noGrp="1"/>
           </p:cNvSpPr>
@@ -909,11 +856,8 @@
             <a:normAutofit/>
           </a:bodyPr>
           <a:p>
-            <a:endParaRPr b="0" lang="ru-RU" sz="2800" spc="-1" strike="noStrike">
-              <a:solidFill>
-                <a:srgbClr val="000000"/>
-              </a:solidFill>
-              <a:latin typeface="Calibri"/>
+            <a:endParaRPr b="0" lang="ru-RU" sz="3200" spc="-1" strike="noStrike">
+              <a:latin typeface="Arial"/>
             </a:endParaRPr>
           </a:p>
         </p:txBody>
@@ -942,7 +886,7 @@
       </p:grpSpPr>
       <p:sp>
         <p:nvSpPr>
-          <p:cNvPr id="54" name="PlaceHolder 1"/>
+          <p:cNvPr id="48" name="PlaceHolder 1"/>
           <p:cNvSpPr>
             <a:spLocks noGrp="1"/>
           </p:cNvSpPr>
@@ -953,7 +897,7 @@
         <p:spPr>
           <a:xfrm>
             <a:off x="1523880" y="1122480"/>
-            <a:ext cx="9143640" cy="2387160"/>
+            <a:ext cx="9143280" cy="2386800"/>
           </a:xfrm>
           <a:prstGeom prst="rect">
             <a:avLst/>
@@ -964,11 +908,9 @@
             <a:noAutofit/>
           </a:bodyPr>
           <a:p>
-            <a:endParaRPr b="0" lang="ru-RU" sz="1800" spc="-1" strike="noStrike">
-              <a:solidFill>
-                <a:srgbClr val="000000"/>
-              </a:solidFill>
-              <a:latin typeface="Calibri"/>
+            <a:pPr algn="ctr"/>
+            <a:endParaRPr b="0" lang="ru-RU" sz="4400" spc="-1" strike="noStrike">
+              <a:latin typeface="Arial"/>
             </a:endParaRPr>
           </a:p>
         </p:txBody>
@@ -997,7 +939,7 @@
       </p:grpSpPr>
       <p:sp>
         <p:nvSpPr>
-          <p:cNvPr id="55" name="PlaceHolder 1"/>
+          <p:cNvPr id="49" name="PlaceHolder 1"/>
           <p:cNvSpPr>
             <a:spLocks noGrp="1"/>
           </p:cNvSpPr>
@@ -1008,7 +950,7 @@
         <p:spPr>
           <a:xfrm>
             <a:off x="1523880" y="1122480"/>
-            <a:ext cx="9143640" cy="11066760"/>
+            <a:ext cx="9143280" cy="11064960"/>
           </a:xfrm>
           <a:prstGeom prst="rect">
             <a:avLst/>
@@ -1050,7 +992,7 @@
       </p:grpSpPr>
       <p:sp>
         <p:nvSpPr>
-          <p:cNvPr id="56" name="PlaceHolder 1"/>
+          <p:cNvPr id="50" name="PlaceHolder 1"/>
           <p:cNvSpPr>
             <a:spLocks noGrp="1"/>
           </p:cNvSpPr>
@@ -1061,7 +1003,7 @@
         <p:spPr>
           <a:xfrm>
             <a:off x="1523880" y="1122480"/>
-            <a:ext cx="9143640" cy="2387160"/>
+            <a:ext cx="9143280" cy="2386800"/>
           </a:xfrm>
           <a:prstGeom prst="rect">
             <a:avLst/>
@@ -1072,18 +1014,16 @@
             <a:noAutofit/>
           </a:bodyPr>
           <a:p>
-            <a:endParaRPr b="0" lang="ru-RU" sz="1800" spc="-1" strike="noStrike">
-              <a:solidFill>
-                <a:srgbClr val="000000"/>
-              </a:solidFill>
-              <a:latin typeface="Calibri"/>
-            </a:endParaRPr>
-          </a:p>
-        </p:txBody>
-      </p:sp>
-      <p:sp>
-        <p:nvSpPr>
-          <p:cNvPr id="57" name="PlaceHolder 2"/>
+            <a:pPr algn="ctr"/>
+            <a:endParaRPr b="0" lang="ru-RU" sz="4400" spc="-1" strike="noStrike">
+              <a:latin typeface="Arial"/>
+            </a:endParaRPr>
+          </a:p>
+        </p:txBody>
+      </p:sp>
+      <p:sp>
+        <p:nvSpPr>
+          <p:cNvPr id="51" name="PlaceHolder 2"/>
           <p:cNvSpPr>
             <a:spLocks noGrp="1"/>
           </p:cNvSpPr>
@@ -1105,18 +1045,15 @@
             <a:normAutofit/>
           </a:bodyPr>
           <a:p>
-            <a:endParaRPr b="0" lang="ru-RU" sz="2800" spc="-1" strike="noStrike">
-              <a:solidFill>
-                <a:srgbClr val="000000"/>
-              </a:solidFill>
-              <a:latin typeface="Calibri"/>
-            </a:endParaRPr>
-          </a:p>
-        </p:txBody>
-      </p:sp>
-      <p:sp>
-        <p:nvSpPr>
-          <p:cNvPr id="58" name="PlaceHolder 3"/>
+            <a:endParaRPr b="0" lang="ru-RU" sz="3200" spc="-1" strike="noStrike">
+              <a:latin typeface="Arial"/>
+            </a:endParaRPr>
+          </a:p>
+        </p:txBody>
+      </p:sp>
+      <p:sp>
+        <p:nvSpPr>
+          <p:cNvPr id="52" name="PlaceHolder 3"/>
           <p:cNvSpPr>
             <a:spLocks noGrp="1"/>
           </p:cNvSpPr>
@@ -1138,18 +1075,15 @@
             <a:normAutofit/>
           </a:bodyPr>
           <a:p>
-            <a:endParaRPr b="0" lang="ru-RU" sz="2800" spc="-1" strike="noStrike">
-              <a:solidFill>
-                <a:srgbClr val="000000"/>
-              </a:solidFill>
-              <a:latin typeface="Calibri"/>
-            </a:endParaRPr>
-          </a:p>
-        </p:txBody>
-      </p:sp>
-      <p:sp>
-        <p:nvSpPr>
-          <p:cNvPr id="59" name="PlaceHolder 4"/>
+            <a:endParaRPr b="0" lang="ru-RU" sz="3200" spc="-1" strike="noStrike">
+              <a:latin typeface="Arial"/>
+            </a:endParaRPr>
+          </a:p>
+        </p:txBody>
+      </p:sp>
+      <p:sp>
+        <p:nvSpPr>
+          <p:cNvPr id="53" name="PlaceHolder 4"/>
           <p:cNvSpPr>
             <a:spLocks noGrp="1"/>
           </p:cNvSpPr>
@@ -1171,11 +1105,8 @@
             <a:normAutofit/>
           </a:bodyPr>
           <a:p>
-            <a:endParaRPr b="0" lang="ru-RU" sz="2800" spc="-1" strike="noStrike">
-              <a:solidFill>
-                <a:srgbClr val="000000"/>
-              </a:solidFill>
-              <a:latin typeface="Calibri"/>
+            <a:endParaRPr b="0" lang="ru-RU" sz="3200" spc="-1" strike="noStrike">
+              <a:latin typeface="Arial"/>
             </a:endParaRPr>
           </a:p>
         </p:txBody>
@@ -1204,7 +1135,7 @@
       </p:grpSpPr>
       <p:sp>
         <p:nvSpPr>
-          <p:cNvPr id="5" name="PlaceHolder 1"/>
+          <p:cNvPr id="2" name="PlaceHolder 1"/>
           <p:cNvSpPr>
             <a:spLocks noGrp="1"/>
           </p:cNvSpPr>
@@ -1215,7 +1146,7 @@
         <p:spPr>
           <a:xfrm>
             <a:off x="1523880" y="1122480"/>
-            <a:ext cx="9143640" cy="2387160"/>
+            <a:ext cx="9143280" cy="2386800"/>
           </a:xfrm>
           <a:prstGeom prst="rect">
             <a:avLst/>
@@ -1226,18 +1157,16 @@
             <a:noAutofit/>
           </a:bodyPr>
           <a:p>
-            <a:endParaRPr b="0" lang="ru-RU" sz="1800" spc="-1" strike="noStrike">
-              <a:solidFill>
-                <a:srgbClr val="000000"/>
-              </a:solidFill>
-              <a:latin typeface="Calibri"/>
-            </a:endParaRPr>
-          </a:p>
-        </p:txBody>
-      </p:sp>
-      <p:sp>
-        <p:nvSpPr>
-          <p:cNvPr id="6" name="PlaceHolder 2"/>
+            <a:pPr algn="ctr"/>
+            <a:endParaRPr b="0" lang="ru-RU" sz="4400" spc="-1" strike="noStrike">
+              <a:latin typeface="Arial"/>
+            </a:endParaRPr>
+          </a:p>
+        </p:txBody>
+      </p:sp>
+      <p:sp>
+        <p:nvSpPr>
+          <p:cNvPr id="3" name="PlaceHolder 2"/>
           <p:cNvSpPr>
             <a:spLocks noGrp="1"/>
           </p:cNvSpPr>
@@ -1290,7 +1219,7 @@
       </p:grpSpPr>
       <p:sp>
         <p:nvSpPr>
-          <p:cNvPr id="60" name="PlaceHolder 1"/>
+          <p:cNvPr id="54" name="PlaceHolder 1"/>
           <p:cNvSpPr>
             <a:spLocks noGrp="1"/>
           </p:cNvSpPr>
@@ -1301,7 +1230,7 @@
         <p:spPr>
           <a:xfrm>
             <a:off x="1523880" y="1122480"/>
-            <a:ext cx="9143640" cy="2387160"/>
+            <a:ext cx="9143280" cy="2386800"/>
           </a:xfrm>
           <a:prstGeom prst="rect">
             <a:avLst/>
@@ -1312,18 +1241,16 @@
             <a:noAutofit/>
           </a:bodyPr>
           <a:p>
-            <a:endParaRPr b="0" lang="ru-RU" sz="1800" spc="-1" strike="noStrike">
-              <a:solidFill>
-                <a:srgbClr val="000000"/>
-              </a:solidFill>
-              <a:latin typeface="Calibri"/>
-            </a:endParaRPr>
-          </a:p>
-        </p:txBody>
-      </p:sp>
-      <p:sp>
-        <p:nvSpPr>
-          <p:cNvPr id="61" name="PlaceHolder 2"/>
+            <a:pPr algn="ctr"/>
+            <a:endParaRPr b="0" lang="ru-RU" sz="4400" spc="-1" strike="noStrike">
+              <a:latin typeface="Arial"/>
+            </a:endParaRPr>
+          </a:p>
+        </p:txBody>
+      </p:sp>
+      <p:sp>
+        <p:nvSpPr>
+          <p:cNvPr id="55" name="PlaceHolder 2"/>
           <p:cNvSpPr>
             <a:spLocks noGrp="1"/>
           </p:cNvSpPr>
@@ -1345,18 +1272,15 @@
             <a:normAutofit/>
           </a:bodyPr>
           <a:p>
-            <a:endParaRPr b="0" lang="ru-RU" sz="2800" spc="-1" strike="noStrike">
-              <a:solidFill>
-                <a:srgbClr val="000000"/>
-              </a:solidFill>
-              <a:latin typeface="Calibri"/>
-            </a:endParaRPr>
-          </a:p>
-        </p:txBody>
-      </p:sp>
-      <p:sp>
-        <p:nvSpPr>
-          <p:cNvPr id="62" name="PlaceHolder 3"/>
+            <a:endParaRPr b="0" lang="ru-RU" sz="3200" spc="-1" strike="noStrike">
+              <a:latin typeface="Arial"/>
+            </a:endParaRPr>
+          </a:p>
+        </p:txBody>
+      </p:sp>
+      <p:sp>
+        <p:nvSpPr>
+          <p:cNvPr id="56" name="PlaceHolder 3"/>
           <p:cNvSpPr>
             <a:spLocks noGrp="1"/>
           </p:cNvSpPr>
@@ -1378,18 +1302,15 @@
             <a:normAutofit/>
           </a:bodyPr>
           <a:p>
-            <a:endParaRPr b="0" lang="ru-RU" sz="2800" spc="-1" strike="noStrike">
-              <a:solidFill>
-                <a:srgbClr val="000000"/>
-              </a:solidFill>
-              <a:latin typeface="Calibri"/>
-            </a:endParaRPr>
-          </a:p>
-        </p:txBody>
-      </p:sp>
-      <p:sp>
-        <p:nvSpPr>
-          <p:cNvPr id="63" name="PlaceHolder 4"/>
+            <a:endParaRPr b="0" lang="ru-RU" sz="3200" spc="-1" strike="noStrike">
+              <a:latin typeface="Arial"/>
+            </a:endParaRPr>
+          </a:p>
+        </p:txBody>
+      </p:sp>
+      <p:sp>
+        <p:nvSpPr>
+          <p:cNvPr id="57" name="PlaceHolder 4"/>
           <p:cNvSpPr>
             <a:spLocks noGrp="1"/>
           </p:cNvSpPr>
@@ -1411,11 +1332,8 @@
             <a:normAutofit/>
           </a:bodyPr>
           <a:p>
-            <a:endParaRPr b="0" lang="ru-RU" sz="2800" spc="-1" strike="noStrike">
-              <a:solidFill>
-                <a:srgbClr val="000000"/>
-              </a:solidFill>
-              <a:latin typeface="Calibri"/>
+            <a:endParaRPr b="0" lang="ru-RU" sz="3200" spc="-1" strike="noStrike">
+              <a:latin typeface="Arial"/>
             </a:endParaRPr>
           </a:p>
         </p:txBody>
@@ -1444,7 +1362,7 @@
       </p:grpSpPr>
       <p:sp>
         <p:nvSpPr>
-          <p:cNvPr id="64" name="PlaceHolder 1"/>
+          <p:cNvPr id="58" name="PlaceHolder 1"/>
           <p:cNvSpPr>
             <a:spLocks noGrp="1"/>
           </p:cNvSpPr>
@@ -1455,7 +1373,7 @@
         <p:spPr>
           <a:xfrm>
             <a:off x="1523880" y="1122480"/>
-            <a:ext cx="9143640" cy="2387160"/>
+            <a:ext cx="9143280" cy="2386800"/>
           </a:xfrm>
           <a:prstGeom prst="rect">
             <a:avLst/>
@@ -1466,18 +1384,16 @@
             <a:noAutofit/>
           </a:bodyPr>
           <a:p>
-            <a:endParaRPr b="0" lang="ru-RU" sz="1800" spc="-1" strike="noStrike">
-              <a:solidFill>
-                <a:srgbClr val="000000"/>
-              </a:solidFill>
-              <a:latin typeface="Calibri"/>
-            </a:endParaRPr>
-          </a:p>
-        </p:txBody>
-      </p:sp>
-      <p:sp>
-        <p:nvSpPr>
-          <p:cNvPr id="65" name="PlaceHolder 2"/>
+            <a:pPr algn="ctr"/>
+            <a:endParaRPr b="0" lang="ru-RU" sz="4400" spc="-1" strike="noStrike">
+              <a:latin typeface="Arial"/>
+            </a:endParaRPr>
+          </a:p>
+        </p:txBody>
+      </p:sp>
+      <p:sp>
+        <p:nvSpPr>
+          <p:cNvPr id="59" name="PlaceHolder 2"/>
           <p:cNvSpPr>
             <a:spLocks noGrp="1"/>
           </p:cNvSpPr>
@@ -1499,18 +1415,15 @@
             <a:normAutofit/>
           </a:bodyPr>
           <a:p>
-            <a:endParaRPr b="0" lang="ru-RU" sz="2800" spc="-1" strike="noStrike">
-              <a:solidFill>
-                <a:srgbClr val="000000"/>
-              </a:solidFill>
-              <a:latin typeface="Calibri"/>
-            </a:endParaRPr>
-          </a:p>
-        </p:txBody>
-      </p:sp>
-      <p:sp>
-        <p:nvSpPr>
-          <p:cNvPr id="66" name="PlaceHolder 3"/>
+            <a:endParaRPr b="0" lang="ru-RU" sz="3200" spc="-1" strike="noStrike">
+              <a:latin typeface="Arial"/>
+            </a:endParaRPr>
+          </a:p>
+        </p:txBody>
+      </p:sp>
+      <p:sp>
+        <p:nvSpPr>
+          <p:cNvPr id="60" name="PlaceHolder 3"/>
           <p:cNvSpPr>
             <a:spLocks noGrp="1"/>
           </p:cNvSpPr>
@@ -1532,18 +1445,15 @@
             <a:normAutofit/>
           </a:bodyPr>
           <a:p>
-            <a:endParaRPr b="0" lang="ru-RU" sz="2800" spc="-1" strike="noStrike">
-              <a:solidFill>
-                <a:srgbClr val="000000"/>
-              </a:solidFill>
-              <a:latin typeface="Calibri"/>
-            </a:endParaRPr>
-          </a:p>
-        </p:txBody>
-      </p:sp>
-      <p:sp>
-        <p:nvSpPr>
-          <p:cNvPr id="67" name="PlaceHolder 4"/>
+            <a:endParaRPr b="0" lang="ru-RU" sz="3200" spc="-1" strike="noStrike">
+              <a:latin typeface="Arial"/>
+            </a:endParaRPr>
+          </a:p>
+        </p:txBody>
+      </p:sp>
+      <p:sp>
+        <p:nvSpPr>
+          <p:cNvPr id="61" name="PlaceHolder 4"/>
           <p:cNvSpPr>
             <a:spLocks noGrp="1"/>
           </p:cNvSpPr>
@@ -1565,11 +1475,8 @@
             <a:normAutofit/>
           </a:bodyPr>
           <a:p>
-            <a:endParaRPr b="0" lang="ru-RU" sz="2800" spc="-1" strike="noStrike">
-              <a:solidFill>
-                <a:srgbClr val="000000"/>
-              </a:solidFill>
-              <a:latin typeface="Calibri"/>
+            <a:endParaRPr b="0" lang="ru-RU" sz="3200" spc="-1" strike="noStrike">
+              <a:latin typeface="Arial"/>
             </a:endParaRPr>
           </a:p>
         </p:txBody>
@@ -1598,7 +1505,7 @@
       </p:grpSpPr>
       <p:sp>
         <p:nvSpPr>
-          <p:cNvPr id="68" name="PlaceHolder 1"/>
+          <p:cNvPr id="62" name="PlaceHolder 1"/>
           <p:cNvSpPr>
             <a:spLocks noGrp="1"/>
           </p:cNvSpPr>
@@ -1609,7 +1516,7 @@
         <p:spPr>
           <a:xfrm>
             <a:off x="1523880" y="1122480"/>
-            <a:ext cx="9143640" cy="2387160"/>
+            <a:ext cx="9143280" cy="2386800"/>
           </a:xfrm>
           <a:prstGeom prst="rect">
             <a:avLst/>
@@ -1620,18 +1527,16 @@
             <a:noAutofit/>
           </a:bodyPr>
           <a:p>
-            <a:endParaRPr b="0" lang="ru-RU" sz="1800" spc="-1" strike="noStrike">
-              <a:solidFill>
-                <a:srgbClr val="000000"/>
-              </a:solidFill>
-              <a:latin typeface="Calibri"/>
-            </a:endParaRPr>
-          </a:p>
-        </p:txBody>
-      </p:sp>
-      <p:sp>
-        <p:nvSpPr>
-          <p:cNvPr id="69" name="PlaceHolder 2"/>
+            <a:pPr algn="ctr"/>
+            <a:endParaRPr b="0" lang="ru-RU" sz="4400" spc="-1" strike="noStrike">
+              <a:latin typeface="Arial"/>
+            </a:endParaRPr>
+          </a:p>
+        </p:txBody>
+      </p:sp>
+      <p:sp>
+        <p:nvSpPr>
+          <p:cNvPr id="63" name="PlaceHolder 2"/>
           <p:cNvSpPr>
             <a:spLocks noGrp="1"/>
           </p:cNvSpPr>
@@ -1653,18 +1558,15 @@
             <a:normAutofit/>
           </a:bodyPr>
           <a:p>
-            <a:endParaRPr b="0" lang="ru-RU" sz="2800" spc="-1" strike="noStrike">
-              <a:solidFill>
-                <a:srgbClr val="000000"/>
-              </a:solidFill>
-              <a:latin typeface="Calibri"/>
-            </a:endParaRPr>
-          </a:p>
-        </p:txBody>
-      </p:sp>
-      <p:sp>
-        <p:nvSpPr>
-          <p:cNvPr id="70" name="PlaceHolder 3"/>
+            <a:endParaRPr b="0" lang="ru-RU" sz="3200" spc="-1" strike="noStrike">
+              <a:latin typeface="Arial"/>
+            </a:endParaRPr>
+          </a:p>
+        </p:txBody>
+      </p:sp>
+      <p:sp>
+        <p:nvSpPr>
+          <p:cNvPr id="64" name="PlaceHolder 3"/>
           <p:cNvSpPr>
             <a:spLocks noGrp="1"/>
           </p:cNvSpPr>
@@ -1686,11 +1588,8 @@
             <a:normAutofit/>
           </a:bodyPr>
           <a:p>
-            <a:endParaRPr b="0" lang="ru-RU" sz="2800" spc="-1" strike="noStrike">
-              <a:solidFill>
-                <a:srgbClr val="000000"/>
-              </a:solidFill>
-              <a:latin typeface="Calibri"/>
+            <a:endParaRPr b="0" lang="ru-RU" sz="3200" spc="-1" strike="noStrike">
+              <a:latin typeface="Arial"/>
             </a:endParaRPr>
           </a:p>
         </p:txBody>
@@ -1719,7 +1618,7 @@
       </p:grpSpPr>
       <p:sp>
         <p:nvSpPr>
-          <p:cNvPr id="71" name="PlaceHolder 1"/>
+          <p:cNvPr id="65" name="PlaceHolder 1"/>
           <p:cNvSpPr>
             <a:spLocks noGrp="1"/>
           </p:cNvSpPr>
@@ -1730,7 +1629,7 @@
         <p:spPr>
           <a:xfrm>
             <a:off x="1523880" y="1122480"/>
-            <a:ext cx="9143640" cy="2387160"/>
+            <a:ext cx="9143280" cy="2386800"/>
           </a:xfrm>
           <a:prstGeom prst="rect">
             <a:avLst/>
@@ -1741,18 +1640,16 @@
             <a:noAutofit/>
           </a:bodyPr>
           <a:p>
-            <a:endParaRPr b="0" lang="ru-RU" sz="1800" spc="-1" strike="noStrike">
-              <a:solidFill>
-                <a:srgbClr val="000000"/>
-              </a:solidFill>
-              <a:latin typeface="Calibri"/>
-            </a:endParaRPr>
-          </a:p>
-        </p:txBody>
-      </p:sp>
-      <p:sp>
-        <p:nvSpPr>
-          <p:cNvPr id="72" name="PlaceHolder 2"/>
+            <a:pPr algn="ctr"/>
+            <a:endParaRPr b="0" lang="ru-RU" sz="4400" spc="-1" strike="noStrike">
+              <a:latin typeface="Arial"/>
+            </a:endParaRPr>
+          </a:p>
+        </p:txBody>
+      </p:sp>
+      <p:sp>
+        <p:nvSpPr>
+          <p:cNvPr id="66" name="PlaceHolder 2"/>
           <p:cNvSpPr>
             <a:spLocks noGrp="1"/>
           </p:cNvSpPr>
@@ -1774,18 +1671,15 @@
             <a:normAutofit/>
           </a:bodyPr>
           <a:p>
-            <a:endParaRPr b="0" lang="ru-RU" sz="2800" spc="-1" strike="noStrike">
-              <a:solidFill>
-                <a:srgbClr val="000000"/>
-              </a:solidFill>
-              <a:latin typeface="Calibri"/>
-            </a:endParaRPr>
-          </a:p>
-        </p:txBody>
-      </p:sp>
-      <p:sp>
-        <p:nvSpPr>
-          <p:cNvPr id="73" name="PlaceHolder 3"/>
+            <a:endParaRPr b="0" lang="ru-RU" sz="3200" spc="-1" strike="noStrike">
+              <a:latin typeface="Arial"/>
+            </a:endParaRPr>
+          </a:p>
+        </p:txBody>
+      </p:sp>
+      <p:sp>
+        <p:nvSpPr>
+          <p:cNvPr id="67" name="PlaceHolder 3"/>
           <p:cNvSpPr>
             <a:spLocks noGrp="1"/>
           </p:cNvSpPr>
@@ -1807,18 +1701,15 @@
             <a:normAutofit/>
           </a:bodyPr>
           <a:p>
-            <a:endParaRPr b="0" lang="ru-RU" sz="2800" spc="-1" strike="noStrike">
-              <a:solidFill>
-                <a:srgbClr val="000000"/>
-              </a:solidFill>
-              <a:latin typeface="Calibri"/>
-            </a:endParaRPr>
-          </a:p>
-        </p:txBody>
-      </p:sp>
-      <p:sp>
-        <p:nvSpPr>
-          <p:cNvPr id="74" name="PlaceHolder 4"/>
+            <a:endParaRPr b="0" lang="ru-RU" sz="3200" spc="-1" strike="noStrike">
+              <a:latin typeface="Arial"/>
+            </a:endParaRPr>
+          </a:p>
+        </p:txBody>
+      </p:sp>
+      <p:sp>
+        <p:nvSpPr>
+          <p:cNvPr id="68" name="PlaceHolder 4"/>
           <p:cNvSpPr>
             <a:spLocks noGrp="1"/>
           </p:cNvSpPr>
@@ -1840,18 +1731,15 @@
             <a:normAutofit/>
           </a:bodyPr>
           <a:p>
-            <a:endParaRPr b="0" lang="ru-RU" sz="2800" spc="-1" strike="noStrike">
-              <a:solidFill>
-                <a:srgbClr val="000000"/>
-              </a:solidFill>
-              <a:latin typeface="Calibri"/>
-            </a:endParaRPr>
-          </a:p>
-        </p:txBody>
-      </p:sp>
-      <p:sp>
-        <p:nvSpPr>
-          <p:cNvPr id="75" name="PlaceHolder 5"/>
+            <a:endParaRPr b="0" lang="ru-RU" sz="3200" spc="-1" strike="noStrike">
+              <a:latin typeface="Arial"/>
+            </a:endParaRPr>
+          </a:p>
+        </p:txBody>
+      </p:sp>
+      <p:sp>
+        <p:nvSpPr>
+          <p:cNvPr id="69" name="PlaceHolder 5"/>
           <p:cNvSpPr>
             <a:spLocks noGrp="1"/>
           </p:cNvSpPr>
@@ -1873,11 +1761,8 @@
             <a:normAutofit/>
           </a:bodyPr>
           <a:p>
-            <a:endParaRPr b="0" lang="ru-RU" sz="2800" spc="-1" strike="noStrike">
-              <a:solidFill>
-                <a:srgbClr val="000000"/>
-              </a:solidFill>
-              <a:latin typeface="Calibri"/>
+            <a:endParaRPr b="0" lang="ru-RU" sz="3200" spc="-1" strike="noStrike">
+              <a:latin typeface="Arial"/>
             </a:endParaRPr>
           </a:p>
         </p:txBody>
@@ -1906,7 +1791,7 @@
       </p:grpSpPr>
       <p:sp>
         <p:nvSpPr>
-          <p:cNvPr id="76" name="PlaceHolder 1"/>
+          <p:cNvPr id="70" name="PlaceHolder 1"/>
           <p:cNvSpPr>
             <a:spLocks noGrp="1"/>
           </p:cNvSpPr>
@@ -1917,7 +1802,7 @@
         <p:spPr>
           <a:xfrm>
             <a:off x="1523880" y="1122480"/>
-            <a:ext cx="9143640" cy="2387160"/>
+            <a:ext cx="9143280" cy="2386800"/>
           </a:xfrm>
           <a:prstGeom prst="rect">
             <a:avLst/>
@@ -1928,18 +1813,16 @@
             <a:noAutofit/>
           </a:bodyPr>
           <a:p>
-            <a:endParaRPr b="0" lang="ru-RU" sz="1800" spc="-1" strike="noStrike">
-              <a:solidFill>
-                <a:srgbClr val="000000"/>
-              </a:solidFill>
-              <a:latin typeface="Calibri"/>
-            </a:endParaRPr>
-          </a:p>
-        </p:txBody>
-      </p:sp>
-      <p:sp>
-        <p:nvSpPr>
-          <p:cNvPr id="77" name="PlaceHolder 2"/>
+            <a:pPr algn="ctr"/>
+            <a:endParaRPr b="0" lang="ru-RU" sz="4400" spc="-1" strike="noStrike">
+              <a:latin typeface="Arial"/>
+            </a:endParaRPr>
+          </a:p>
+        </p:txBody>
+      </p:sp>
+      <p:sp>
+        <p:nvSpPr>
+          <p:cNvPr id="71" name="PlaceHolder 2"/>
           <p:cNvSpPr>
             <a:spLocks noGrp="1"/>
           </p:cNvSpPr>
@@ -1961,18 +1844,15 @@
             <a:normAutofit/>
           </a:bodyPr>
           <a:p>
-            <a:endParaRPr b="0" lang="ru-RU" sz="2800" spc="-1" strike="noStrike">
-              <a:solidFill>
-                <a:srgbClr val="000000"/>
-              </a:solidFill>
-              <a:latin typeface="Calibri"/>
-            </a:endParaRPr>
-          </a:p>
-        </p:txBody>
-      </p:sp>
-      <p:sp>
-        <p:nvSpPr>
-          <p:cNvPr id="78" name="PlaceHolder 3"/>
+            <a:endParaRPr b="0" lang="ru-RU" sz="3200" spc="-1" strike="noStrike">
+              <a:latin typeface="Arial"/>
+            </a:endParaRPr>
+          </a:p>
+        </p:txBody>
+      </p:sp>
+      <p:sp>
+        <p:nvSpPr>
+          <p:cNvPr id="72" name="PlaceHolder 3"/>
           <p:cNvSpPr>
             <a:spLocks noGrp="1"/>
           </p:cNvSpPr>
@@ -1994,18 +1874,15 @@
             <a:normAutofit/>
           </a:bodyPr>
           <a:p>
-            <a:endParaRPr b="0" lang="ru-RU" sz="2800" spc="-1" strike="noStrike">
-              <a:solidFill>
-                <a:srgbClr val="000000"/>
-              </a:solidFill>
-              <a:latin typeface="Calibri"/>
-            </a:endParaRPr>
-          </a:p>
-        </p:txBody>
-      </p:sp>
-      <p:sp>
-        <p:nvSpPr>
-          <p:cNvPr id="79" name="PlaceHolder 4"/>
+            <a:endParaRPr b="0" lang="ru-RU" sz="3200" spc="-1" strike="noStrike">
+              <a:latin typeface="Arial"/>
+            </a:endParaRPr>
+          </a:p>
+        </p:txBody>
+      </p:sp>
+      <p:sp>
+        <p:nvSpPr>
+          <p:cNvPr id="73" name="PlaceHolder 4"/>
           <p:cNvSpPr>
             <a:spLocks noGrp="1"/>
           </p:cNvSpPr>
@@ -2027,18 +1904,15 @@
             <a:normAutofit/>
           </a:bodyPr>
           <a:p>
-            <a:endParaRPr b="0" lang="ru-RU" sz="2800" spc="-1" strike="noStrike">
-              <a:solidFill>
-                <a:srgbClr val="000000"/>
-              </a:solidFill>
-              <a:latin typeface="Calibri"/>
-            </a:endParaRPr>
-          </a:p>
-        </p:txBody>
-      </p:sp>
-      <p:sp>
-        <p:nvSpPr>
-          <p:cNvPr id="80" name="PlaceHolder 5"/>
+            <a:endParaRPr b="0" lang="ru-RU" sz="3200" spc="-1" strike="noStrike">
+              <a:latin typeface="Arial"/>
+            </a:endParaRPr>
+          </a:p>
+        </p:txBody>
+      </p:sp>
+      <p:sp>
+        <p:nvSpPr>
+          <p:cNvPr id="74" name="PlaceHolder 5"/>
           <p:cNvSpPr>
             <a:spLocks noGrp="1"/>
           </p:cNvSpPr>
@@ -2060,18 +1934,15 @@
             <a:normAutofit/>
           </a:bodyPr>
           <a:p>
-            <a:endParaRPr b="0" lang="ru-RU" sz="2800" spc="-1" strike="noStrike">
-              <a:solidFill>
-                <a:srgbClr val="000000"/>
-              </a:solidFill>
-              <a:latin typeface="Calibri"/>
-            </a:endParaRPr>
-          </a:p>
-        </p:txBody>
-      </p:sp>
-      <p:sp>
-        <p:nvSpPr>
-          <p:cNvPr id="81" name="PlaceHolder 6"/>
+            <a:endParaRPr b="0" lang="ru-RU" sz="3200" spc="-1" strike="noStrike">
+              <a:latin typeface="Arial"/>
+            </a:endParaRPr>
+          </a:p>
+        </p:txBody>
+      </p:sp>
+      <p:sp>
+        <p:nvSpPr>
+          <p:cNvPr id="75" name="PlaceHolder 6"/>
           <p:cNvSpPr>
             <a:spLocks noGrp="1"/>
           </p:cNvSpPr>
@@ -2093,18 +1964,15 @@
             <a:normAutofit/>
           </a:bodyPr>
           <a:p>
-            <a:endParaRPr b="0" lang="ru-RU" sz="2800" spc="-1" strike="noStrike">
-              <a:solidFill>
-                <a:srgbClr val="000000"/>
-              </a:solidFill>
-              <a:latin typeface="Calibri"/>
-            </a:endParaRPr>
-          </a:p>
-        </p:txBody>
-      </p:sp>
-      <p:sp>
-        <p:nvSpPr>
-          <p:cNvPr id="82" name="PlaceHolder 7"/>
+            <a:endParaRPr b="0" lang="ru-RU" sz="3200" spc="-1" strike="noStrike">
+              <a:latin typeface="Arial"/>
+            </a:endParaRPr>
+          </a:p>
+        </p:txBody>
+      </p:sp>
+      <p:sp>
+        <p:nvSpPr>
+          <p:cNvPr id="76" name="PlaceHolder 7"/>
           <p:cNvSpPr>
             <a:spLocks noGrp="1"/>
           </p:cNvSpPr>
@@ -2126,11 +1994,8 @@
             <a:normAutofit/>
           </a:bodyPr>
           <a:p>
-            <a:endParaRPr b="0" lang="ru-RU" sz="2800" spc="-1" strike="noStrike">
-              <a:solidFill>
-                <a:srgbClr val="000000"/>
-              </a:solidFill>
-              <a:latin typeface="Calibri"/>
+            <a:endParaRPr b="0" lang="ru-RU" sz="3200" spc="-1" strike="noStrike">
+              <a:latin typeface="Arial"/>
             </a:endParaRPr>
           </a:p>
         </p:txBody>
@@ -2181,7 +2046,7 @@
       </p:grpSpPr>
       <p:sp>
         <p:nvSpPr>
-          <p:cNvPr id="88" name="PlaceHolder 1"/>
+          <p:cNvPr id="79" name="PlaceHolder 1"/>
           <p:cNvSpPr>
             <a:spLocks noGrp="1"/>
           </p:cNvSpPr>
@@ -2192,7 +2057,7 @@
         <p:spPr>
           <a:xfrm>
             <a:off x="1523880" y="1122480"/>
-            <a:ext cx="9143640" cy="2387160"/>
+            <a:ext cx="9143280" cy="2386800"/>
           </a:xfrm>
           <a:prstGeom prst="rect">
             <a:avLst/>
@@ -2203,18 +2068,16 @@
             <a:noAutofit/>
           </a:bodyPr>
           <a:p>
-            <a:endParaRPr b="0" lang="ru-RU" sz="1800" spc="-1" strike="noStrike">
-              <a:solidFill>
-                <a:srgbClr val="000000"/>
-              </a:solidFill>
-              <a:latin typeface="Calibri"/>
-            </a:endParaRPr>
-          </a:p>
-        </p:txBody>
-      </p:sp>
-      <p:sp>
-        <p:nvSpPr>
-          <p:cNvPr id="89" name="PlaceHolder 2"/>
+            <a:pPr algn="ctr"/>
+            <a:endParaRPr b="0" lang="ru-RU" sz="4400" spc="-1" strike="noStrike">
+              <a:latin typeface="Arial"/>
+            </a:endParaRPr>
+          </a:p>
+        </p:txBody>
+      </p:sp>
+      <p:sp>
+        <p:nvSpPr>
+          <p:cNvPr id="80" name="PlaceHolder 2"/>
           <p:cNvSpPr>
             <a:spLocks noGrp="1"/>
           </p:cNvSpPr>
@@ -2267,7 +2130,7 @@
       </p:grpSpPr>
       <p:sp>
         <p:nvSpPr>
-          <p:cNvPr id="90" name="PlaceHolder 1"/>
+          <p:cNvPr id="81" name="PlaceHolder 1"/>
           <p:cNvSpPr>
             <a:spLocks noGrp="1"/>
           </p:cNvSpPr>
@@ -2278,7 +2141,7 @@
         <p:spPr>
           <a:xfrm>
             <a:off x="1523880" y="1122480"/>
-            <a:ext cx="9143640" cy="2387160"/>
+            <a:ext cx="9143280" cy="2386800"/>
           </a:xfrm>
           <a:prstGeom prst="rect">
             <a:avLst/>
@@ -2289,18 +2152,16 @@
             <a:noAutofit/>
           </a:bodyPr>
           <a:p>
-            <a:endParaRPr b="0" lang="ru-RU" sz="1800" spc="-1" strike="noStrike">
-              <a:solidFill>
-                <a:srgbClr val="000000"/>
-              </a:solidFill>
-              <a:latin typeface="Calibri"/>
-            </a:endParaRPr>
-          </a:p>
-        </p:txBody>
-      </p:sp>
-      <p:sp>
-        <p:nvSpPr>
-          <p:cNvPr id="91" name="PlaceHolder 2"/>
+            <a:pPr algn="ctr"/>
+            <a:endParaRPr b="0" lang="ru-RU" sz="4400" spc="-1" strike="noStrike">
+              <a:latin typeface="Arial"/>
+            </a:endParaRPr>
+          </a:p>
+        </p:txBody>
+      </p:sp>
+      <p:sp>
+        <p:nvSpPr>
+          <p:cNvPr id="82" name="PlaceHolder 2"/>
           <p:cNvSpPr>
             <a:spLocks noGrp="1"/>
           </p:cNvSpPr>
@@ -2322,11 +2183,8 @@
             <a:normAutofit/>
           </a:bodyPr>
           <a:p>
-            <a:endParaRPr b="0" lang="ru-RU" sz="2800" spc="-1" strike="noStrike">
-              <a:solidFill>
-                <a:srgbClr val="000000"/>
-              </a:solidFill>
-              <a:latin typeface="Calibri"/>
+            <a:endParaRPr b="0" lang="ru-RU" sz="3200" spc="-1" strike="noStrike">
+              <a:latin typeface="Arial"/>
             </a:endParaRPr>
           </a:p>
         </p:txBody>
@@ -2355,7 +2213,7 @@
       </p:grpSpPr>
       <p:sp>
         <p:nvSpPr>
-          <p:cNvPr id="92" name="PlaceHolder 1"/>
+          <p:cNvPr id="83" name="PlaceHolder 1"/>
           <p:cNvSpPr>
             <a:spLocks noGrp="1"/>
           </p:cNvSpPr>
@@ -2366,7 +2224,7 @@
         <p:spPr>
           <a:xfrm>
             <a:off x="1523880" y="1122480"/>
-            <a:ext cx="9143640" cy="2387160"/>
+            <a:ext cx="9143280" cy="2386800"/>
           </a:xfrm>
           <a:prstGeom prst="rect">
             <a:avLst/>
@@ -2377,18 +2235,16 @@
             <a:noAutofit/>
           </a:bodyPr>
           <a:p>
-            <a:endParaRPr b="0" lang="ru-RU" sz="1800" spc="-1" strike="noStrike">
-              <a:solidFill>
-                <a:srgbClr val="000000"/>
-              </a:solidFill>
-              <a:latin typeface="Calibri"/>
-            </a:endParaRPr>
-          </a:p>
-        </p:txBody>
-      </p:sp>
-      <p:sp>
-        <p:nvSpPr>
-          <p:cNvPr id="93" name="PlaceHolder 2"/>
+            <a:pPr algn="ctr"/>
+            <a:endParaRPr b="0" lang="ru-RU" sz="4400" spc="-1" strike="noStrike">
+              <a:latin typeface="Arial"/>
+            </a:endParaRPr>
+          </a:p>
+        </p:txBody>
+      </p:sp>
+      <p:sp>
+        <p:nvSpPr>
+          <p:cNvPr id="84" name="PlaceHolder 2"/>
           <p:cNvSpPr>
             <a:spLocks noGrp="1"/>
           </p:cNvSpPr>
@@ -2410,18 +2266,15 @@
             <a:normAutofit/>
           </a:bodyPr>
           <a:p>
-            <a:endParaRPr b="0" lang="ru-RU" sz="2800" spc="-1" strike="noStrike">
-              <a:solidFill>
-                <a:srgbClr val="000000"/>
-              </a:solidFill>
-              <a:latin typeface="Calibri"/>
-            </a:endParaRPr>
-          </a:p>
-        </p:txBody>
-      </p:sp>
-      <p:sp>
-        <p:nvSpPr>
-          <p:cNvPr id="94" name="PlaceHolder 3"/>
+            <a:endParaRPr b="0" lang="ru-RU" sz="3200" spc="-1" strike="noStrike">
+              <a:latin typeface="Arial"/>
+            </a:endParaRPr>
+          </a:p>
+        </p:txBody>
+      </p:sp>
+      <p:sp>
+        <p:nvSpPr>
+          <p:cNvPr id="85" name="PlaceHolder 3"/>
           <p:cNvSpPr>
             <a:spLocks noGrp="1"/>
           </p:cNvSpPr>
@@ -2443,11 +2296,8 @@
             <a:normAutofit/>
           </a:bodyPr>
           <a:p>
-            <a:endParaRPr b="0" lang="ru-RU" sz="2800" spc="-1" strike="noStrike">
-              <a:solidFill>
-                <a:srgbClr val="000000"/>
-              </a:solidFill>
-              <a:latin typeface="Calibri"/>
+            <a:endParaRPr b="0" lang="ru-RU" sz="3200" spc="-1" strike="noStrike">
+              <a:latin typeface="Arial"/>
             </a:endParaRPr>
           </a:p>
         </p:txBody>
@@ -2476,7 +2326,7 @@
       </p:grpSpPr>
       <p:sp>
         <p:nvSpPr>
-          <p:cNvPr id="95" name="PlaceHolder 1"/>
+          <p:cNvPr id="86" name="PlaceHolder 1"/>
           <p:cNvSpPr>
             <a:spLocks noGrp="1"/>
           </p:cNvSpPr>
@@ -2487,7 +2337,7 @@
         <p:spPr>
           <a:xfrm>
             <a:off x="1523880" y="1122480"/>
-            <a:ext cx="9143640" cy="2387160"/>
+            <a:ext cx="9143280" cy="2386800"/>
           </a:xfrm>
           <a:prstGeom prst="rect">
             <a:avLst/>
@@ -2498,11 +2348,9 @@
             <a:noAutofit/>
           </a:bodyPr>
           <a:p>
-            <a:endParaRPr b="0" lang="ru-RU" sz="1800" spc="-1" strike="noStrike">
-              <a:solidFill>
-                <a:srgbClr val="000000"/>
-              </a:solidFill>
-              <a:latin typeface="Calibri"/>
+            <a:pPr algn="ctr"/>
+            <a:endParaRPr b="0" lang="ru-RU" sz="4400" spc="-1" strike="noStrike">
+              <a:latin typeface="Arial"/>
             </a:endParaRPr>
           </a:p>
         </p:txBody>
@@ -2531,7 +2379,7 @@
       </p:grpSpPr>
       <p:sp>
         <p:nvSpPr>
-          <p:cNvPr id="7" name="PlaceHolder 1"/>
+          <p:cNvPr id="4" name="PlaceHolder 1"/>
           <p:cNvSpPr>
             <a:spLocks noGrp="1"/>
           </p:cNvSpPr>
@@ -2542,7 +2390,7 @@
         <p:spPr>
           <a:xfrm>
             <a:off x="1523880" y="1122480"/>
-            <a:ext cx="9143640" cy="2387160"/>
+            <a:ext cx="9143280" cy="2386800"/>
           </a:xfrm>
           <a:prstGeom prst="rect">
             <a:avLst/>
@@ -2553,18 +2401,16 @@
             <a:noAutofit/>
           </a:bodyPr>
           <a:p>
-            <a:endParaRPr b="0" lang="ru-RU" sz="1800" spc="-1" strike="noStrike">
-              <a:solidFill>
-                <a:srgbClr val="000000"/>
-              </a:solidFill>
-              <a:latin typeface="Calibri"/>
-            </a:endParaRPr>
-          </a:p>
-        </p:txBody>
-      </p:sp>
-      <p:sp>
-        <p:nvSpPr>
-          <p:cNvPr id="8" name="PlaceHolder 2"/>
+            <a:pPr algn="ctr"/>
+            <a:endParaRPr b="0" lang="ru-RU" sz="4400" spc="-1" strike="noStrike">
+              <a:latin typeface="Arial"/>
+            </a:endParaRPr>
+          </a:p>
+        </p:txBody>
+      </p:sp>
+      <p:sp>
+        <p:nvSpPr>
+          <p:cNvPr id="5" name="PlaceHolder 2"/>
           <p:cNvSpPr>
             <a:spLocks noGrp="1"/>
           </p:cNvSpPr>
@@ -2586,11 +2432,8 @@
             <a:normAutofit/>
           </a:bodyPr>
           <a:p>
-            <a:endParaRPr b="0" lang="ru-RU" sz="2800" spc="-1" strike="noStrike">
-              <a:solidFill>
-                <a:srgbClr val="000000"/>
-              </a:solidFill>
-              <a:latin typeface="Calibri"/>
+            <a:endParaRPr b="0" lang="ru-RU" sz="3200" spc="-1" strike="noStrike">
+              <a:latin typeface="Arial"/>
             </a:endParaRPr>
           </a:p>
         </p:txBody>
@@ -2619,7 +2462,7 @@
       </p:grpSpPr>
       <p:sp>
         <p:nvSpPr>
-          <p:cNvPr id="96" name="PlaceHolder 1"/>
+          <p:cNvPr id="87" name="PlaceHolder 1"/>
           <p:cNvSpPr>
             <a:spLocks noGrp="1"/>
           </p:cNvSpPr>
@@ -2630,7 +2473,7 @@
         <p:spPr>
           <a:xfrm>
             <a:off x="1523880" y="1122480"/>
-            <a:ext cx="9143640" cy="11066760"/>
+            <a:ext cx="9143280" cy="11064960"/>
           </a:xfrm>
           <a:prstGeom prst="rect">
             <a:avLst/>
@@ -2672,7 +2515,7 @@
       </p:grpSpPr>
       <p:sp>
         <p:nvSpPr>
-          <p:cNvPr id="97" name="PlaceHolder 1"/>
+          <p:cNvPr id="88" name="PlaceHolder 1"/>
           <p:cNvSpPr>
             <a:spLocks noGrp="1"/>
           </p:cNvSpPr>
@@ -2683,7 +2526,7 @@
         <p:spPr>
           <a:xfrm>
             <a:off x="1523880" y="1122480"/>
-            <a:ext cx="9143640" cy="2387160"/>
+            <a:ext cx="9143280" cy="2386800"/>
           </a:xfrm>
           <a:prstGeom prst="rect">
             <a:avLst/>
@@ -2694,18 +2537,16 @@
             <a:noAutofit/>
           </a:bodyPr>
           <a:p>
-            <a:endParaRPr b="0" lang="ru-RU" sz="1800" spc="-1" strike="noStrike">
-              <a:solidFill>
-                <a:srgbClr val="000000"/>
-              </a:solidFill>
-              <a:latin typeface="Calibri"/>
-            </a:endParaRPr>
-          </a:p>
-        </p:txBody>
-      </p:sp>
-      <p:sp>
-        <p:nvSpPr>
-          <p:cNvPr id="98" name="PlaceHolder 2"/>
+            <a:pPr algn="ctr"/>
+            <a:endParaRPr b="0" lang="ru-RU" sz="4400" spc="-1" strike="noStrike">
+              <a:latin typeface="Arial"/>
+            </a:endParaRPr>
+          </a:p>
+        </p:txBody>
+      </p:sp>
+      <p:sp>
+        <p:nvSpPr>
+          <p:cNvPr id="89" name="PlaceHolder 2"/>
           <p:cNvSpPr>
             <a:spLocks noGrp="1"/>
           </p:cNvSpPr>
@@ -2727,18 +2568,15 @@
             <a:normAutofit/>
           </a:bodyPr>
           <a:p>
-            <a:endParaRPr b="0" lang="ru-RU" sz="2800" spc="-1" strike="noStrike">
-              <a:solidFill>
-                <a:srgbClr val="000000"/>
-              </a:solidFill>
-              <a:latin typeface="Calibri"/>
-            </a:endParaRPr>
-          </a:p>
-        </p:txBody>
-      </p:sp>
-      <p:sp>
-        <p:nvSpPr>
-          <p:cNvPr id="99" name="PlaceHolder 3"/>
+            <a:endParaRPr b="0" lang="ru-RU" sz="3200" spc="-1" strike="noStrike">
+              <a:latin typeface="Arial"/>
+            </a:endParaRPr>
+          </a:p>
+        </p:txBody>
+      </p:sp>
+      <p:sp>
+        <p:nvSpPr>
+          <p:cNvPr id="90" name="PlaceHolder 3"/>
           <p:cNvSpPr>
             <a:spLocks noGrp="1"/>
           </p:cNvSpPr>
@@ -2760,18 +2598,15 @@
             <a:normAutofit/>
           </a:bodyPr>
           <a:p>
-            <a:endParaRPr b="0" lang="ru-RU" sz="2800" spc="-1" strike="noStrike">
-              <a:solidFill>
-                <a:srgbClr val="000000"/>
-              </a:solidFill>
-              <a:latin typeface="Calibri"/>
-            </a:endParaRPr>
-          </a:p>
-        </p:txBody>
-      </p:sp>
-      <p:sp>
-        <p:nvSpPr>
-          <p:cNvPr id="100" name="PlaceHolder 4"/>
+            <a:endParaRPr b="0" lang="ru-RU" sz="3200" spc="-1" strike="noStrike">
+              <a:latin typeface="Arial"/>
+            </a:endParaRPr>
+          </a:p>
+        </p:txBody>
+      </p:sp>
+      <p:sp>
+        <p:nvSpPr>
+          <p:cNvPr id="91" name="PlaceHolder 4"/>
           <p:cNvSpPr>
             <a:spLocks noGrp="1"/>
           </p:cNvSpPr>
@@ -2793,11 +2628,8 @@
             <a:normAutofit/>
           </a:bodyPr>
           <a:p>
-            <a:endParaRPr b="0" lang="ru-RU" sz="2800" spc="-1" strike="noStrike">
-              <a:solidFill>
-                <a:srgbClr val="000000"/>
-              </a:solidFill>
-              <a:latin typeface="Calibri"/>
+            <a:endParaRPr b="0" lang="ru-RU" sz="3200" spc="-1" strike="noStrike">
+              <a:latin typeface="Arial"/>
             </a:endParaRPr>
           </a:p>
         </p:txBody>
@@ -2826,7 +2658,7 @@
       </p:grpSpPr>
       <p:sp>
         <p:nvSpPr>
-          <p:cNvPr id="101" name="PlaceHolder 1"/>
+          <p:cNvPr id="92" name="PlaceHolder 1"/>
           <p:cNvSpPr>
             <a:spLocks noGrp="1"/>
           </p:cNvSpPr>
@@ -2837,7 +2669,7 @@
         <p:spPr>
           <a:xfrm>
             <a:off x="1523880" y="1122480"/>
-            <a:ext cx="9143640" cy="2387160"/>
+            <a:ext cx="9143280" cy="2386800"/>
           </a:xfrm>
           <a:prstGeom prst="rect">
             <a:avLst/>
@@ -2848,18 +2680,16 @@
             <a:noAutofit/>
           </a:bodyPr>
           <a:p>
-            <a:endParaRPr b="0" lang="ru-RU" sz="1800" spc="-1" strike="noStrike">
-              <a:solidFill>
-                <a:srgbClr val="000000"/>
-              </a:solidFill>
-              <a:latin typeface="Calibri"/>
-            </a:endParaRPr>
-          </a:p>
-        </p:txBody>
-      </p:sp>
-      <p:sp>
-        <p:nvSpPr>
-          <p:cNvPr id="102" name="PlaceHolder 2"/>
+            <a:pPr algn="ctr"/>
+            <a:endParaRPr b="0" lang="ru-RU" sz="4400" spc="-1" strike="noStrike">
+              <a:latin typeface="Arial"/>
+            </a:endParaRPr>
+          </a:p>
+        </p:txBody>
+      </p:sp>
+      <p:sp>
+        <p:nvSpPr>
+          <p:cNvPr id="93" name="PlaceHolder 2"/>
           <p:cNvSpPr>
             <a:spLocks noGrp="1"/>
           </p:cNvSpPr>
@@ -2881,18 +2711,15 @@
             <a:normAutofit/>
           </a:bodyPr>
           <a:p>
-            <a:endParaRPr b="0" lang="ru-RU" sz="2800" spc="-1" strike="noStrike">
-              <a:solidFill>
-                <a:srgbClr val="000000"/>
-              </a:solidFill>
-              <a:latin typeface="Calibri"/>
-            </a:endParaRPr>
-          </a:p>
-        </p:txBody>
-      </p:sp>
-      <p:sp>
-        <p:nvSpPr>
-          <p:cNvPr id="103" name="PlaceHolder 3"/>
+            <a:endParaRPr b="0" lang="ru-RU" sz="3200" spc="-1" strike="noStrike">
+              <a:latin typeface="Arial"/>
+            </a:endParaRPr>
+          </a:p>
+        </p:txBody>
+      </p:sp>
+      <p:sp>
+        <p:nvSpPr>
+          <p:cNvPr id="94" name="PlaceHolder 3"/>
           <p:cNvSpPr>
             <a:spLocks noGrp="1"/>
           </p:cNvSpPr>
@@ -2914,18 +2741,15 @@
             <a:normAutofit/>
           </a:bodyPr>
           <a:p>
-            <a:endParaRPr b="0" lang="ru-RU" sz="2800" spc="-1" strike="noStrike">
-              <a:solidFill>
-                <a:srgbClr val="000000"/>
-              </a:solidFill>
-              <a:latin typeface="Calibri"/>
-            </a:endParaRPr>
-          </a:p>
-        </p:txBody>
-      </p:sp>
-      <p:sp>
-        <p:nvSpPr>
-          <p:cNvPr id="104" name="PlaceHolder 4"/>
+            <a:endParaRPr b="0" lang="ru-RU" sz="3200" spc="-1" strike="noStrike">
+              <a:latin typeface="Arial"/>
+            </a:endParaRPr>
+          </a:p>
+        </p:txBody>
+      </p:sp>
+      <p:sp>
+        <p:nvSpPr>
+          <p:cNvPr id="95" name="PlaceHolder 4"/>
           <p:cNvSpPr>
             <a:spLocks noGrp="1"/>
           </p:cNvSpPr>
@@ -2947,11 +2771,8 @@
             <a:normAutofit/>
           </a:bodyPr>
           <a:p>
-            <a:endParaRPr b="0" lang="ru-RU" sz="2800" spc="-1" strike="noStrike">
-              <a:solidFill>
-                <a:srgbClr val="000000"/>
-              </a:solidFill>
-              <a:latin typeface="Calibri"/>
+            <a:endParaRPr b="0" lang="ru-RU" sz="3200" spc="-1" strike="noStrike">
+              <a:latin typeface="Arial"/>
             </a:endParaRPr>
           </a:p>
         </p:txBody>
@@ -2980,7 +2801,7 @@
       </p:grpSpPr>
       <p:sp>
         <p:nvSpPr>
-          <p:cNvPr id="105" name="PlaceHolder 1"/>
+          <p:cNvPr id="96" name="PlaceHolder 1"/>
           <p:cNvSpPr>
             <a:spLocks noGrp="1"/>
           </p:cNvSpPr>
@@ -2991,7 +2812,7 @@
         <p:spPr>
           <a:xfrm>
             <a:off x="1523880" y="1122480"/>
-            <a:ext cx="9143640" cy="2387160"/>
+            <a:ext cx="9143280" cy="2386800"/>
           </a:xfrm>
           <a:prstGeom prst="rect">
             <a:avLst/>
@@ -3002,18 +2823,16 @@
             <a:noAutofit/>
           </a:bodyPr>
           <a:p>
-            <a:endParaRPr b="0" lang="ru-RU" sz="1800" spc="-1" strike="noStrike">
-              <a:solidFill>
-                <a:srgbClr val="000000"/>
-              </a:solidFill>
-              <a:latin typeface="Calibri"/>
-            </a:endParaRPr>
-          </a:p>
-        </p:txBody>
-      </p:sp>
-      <p:sp>
-        <p:nvSpPr>
-          <p:cNvPr id="106" name="PlaceHolder 2"/>
+            <a:pPr algn="ctr"/>
+            <a:endParaRPr b="0" lang="ru-RU" sz="4400" spc="-1" strike="noStrike">
+              <a:latin typeface="Arial"/>
+            </a:endParaRPr>
+          </a:p>
+        </p:txBody>
+      </p:sp>
+      <p:sp>
+        <p:nvSpPr>
+          <p:cNvPr id="97" name="PlaceHolder 2"/>
           <p:cNvSpPr>
             <a:spLocks noGrp="1"/>
           </p:cNvSpPr>
@@ -3035,18 +2854,15 @@
             <a:normAutofit/>
           </a:bodyPr>
           <a:p>
-            <a:endParaRPr b="0" lang="ru-RU" sz="2800" spc="-1" strike="noStrike">
-              <a:solidFill>
-                <a:srgbClr val="000000"/>
-              </a:solidFill>
-              <a:latin typeface="Calibri"/>
-            </a:endParaRPr>
-          </a:p>
-        </p:txBody>
-      </p:sp>
-      <p:sp>
-        <p:nvSpPr>
-          <p:cNvPr id="107" name="PlaceHolder 3"/>
+            <a:endParaRPr b="0" lang="ru-RU" sz="3200" spc="-1" strike="noStrike">
+              <a:latin typeface="Arial"/>
+            </a:endParaRPr>
+          </a:p>
+        </p:txBody>
+      </p:sp>
+      <p:sp>
+        <p:nvSpPr>
+          <p:cNvPr id="98" name="PlaceHolder 3"/>
           <p:cNvSpPr>
             <a:spLocks noGrp="1"/>
           </p:cNvSpPr>
@@ -3068,18 +2884,15 @@
             <a:normAutofit/>
           </a:bodyPr>
           <a:p>
-            <a:endParaRPr b="0" lang="ru-RU" sz="2800" spc="-1" strike="noStrike">
-              <a:solidFill>
-                <a:srgbClr val="000000"/>
-              </a:solidFill>
-              <a:latin typeface="Calibri"/>
-            </a:endParaRPr>
-          </a:p>
-        </p:txBody>
-      </p:sp>
-      <p:sp>
-        <p:nvSpPr>
-          <p:cNvPr id="108" name="PlaceHolder 4"/>
+            <a:endParaRPr b="0" lang="ru-RU" sz="3200" spc="-1" strike="noStrike">
+              <a:latin typeface="Arial"/>
+            </a:endParaRPr>
+          </a:p>
+        </p:txBody>
+      </p:sp>
+      <p:sp>
+        <p:nvSpPr>
+          <p:cNvPr id="99" name="PlaceHolder 4"/>
           <p:cNvSpPr>
             <a:spLocks noGrp="1"/>
           </p:cNvSpPr>
@@ -3101,11 +2914,8 @@
             <a:normAutofit/>
           </a:bodyPr>
           <a:p>
-            <a:endParaRPr b="0" lang="ru-RU" sz="2800" spc="-1" strike="noStrike">
-              <a:solidFill>
-                <a:srgbClr val="000000"/>
-              </a:solidFill>
-              <a:latin typeface="Calibri"/>
+            <a:endParaRPr b="0" lang="ru-RU" sz="3200" spc="-1" strike="noStrike">
+              <a:latin typeface="Arial"/>
             </a:endParaRPr>
           </a:p>
         </p:txBody>
@@ -3134,7 +2944,7 @@
       </p:grpSpPr>
       <p:sp>
         <p:nvSpPr>
-          <p:cNvPr id="109" name="PlaceHolder 1"/>
+          <p:cNvPr id="100" name="PlaceHolder 1"/>
           <p:cNvSpPr>
             <a:spLocks noGrp="1"/>
           </p:cNvSpPr>
@@ -3145,7 +2955,7 @@
         <p:spPr>
           <a:xfrm>
             <a:off x="1523880" y="1122480"/>
-            <a:ext cx="9143640" cy="2387160"/>
+            <a:ext cx="9143280" cy="2386800"/>
           </a:xfrm>
           <a:prstGeom prst="rect">
             <a:avLst/>
@@ -3156,18 +2966,16 @@
             <a:noAutofit/>
           </a:bodyPr>
           <a:p>
-            <a:endParaRPr b="0" lang="ru-RU" sz="1800" spc="-1" strike="noStrike">
-              <a:solidFill>
-                <a:srgbClr val="000000"/>
-              </a:solidFill>
-              <a:latin typeface="Calibri"/>
-            </a:endParaRPr>
-          </a:p>
-        </p:txBody>
-      </p:sp>
-      <p:sp>
-        <p:nvSpPr>
-          <p:cNvPr id="110" name="PlaceHolder 2"/>
+            <a:pPr algn="ctr"/>
+            <a:endParaRPr b="0" lang="ru-RU" sz="4400" spc="-1" strike="noStrike">
+              <a:latin typeface="Arial"/>
+            </a:endParaRPr>
+          </a:p>
+        </p:txBody>
+      </p:sp>
+      <p:sp>
+        <p:nvSpPr>
+          <p:cNvPr id="101" name="PlaceHolder 2"/>
           <p:cNvSpPr>
             <a:spLocks noGrp="1"/>
           </p:cNvSpPr>
@@ -3189,18 +2997,15 @@
             <a:normAutofit/>
           </a:bodyPr>
           <a:p>
-            <a:endParaRPr b="0" lang="ru-RU" sz="2800" spc="-1" strike="noStrike">
-              <a:solidFill>
-                <a:srgbClr val="000000"/>
-              </a:solidFill>
-              <a:latin typeface="Calibri"/>
-            </a:endParaRPr>
-          </a:p>
-        </p:txBody>
-      </p:sp>
-      <p:sp>
-        <p:nvSpPr>
-          <p:cNvPr id="111" name="PlaceHolder 3"/>
+            <a:endParaRPr b="0" lang="ru-RU" sz="3200" spc="-1" strike="noStrike">
+              <a:latin typeface="Arial"/>
+            </a:endParaRPr>
+          </a:p>
+        </p:txBody>
+      </p:sp>
+      <p:sp>
+        <p:nvSpPr>
+          <p:cNvPr id="102" name="PlaceHolder 3"/>
           <p:cNvSpPr>
             <a:spLocks noGrp="1"/>
           </p:cNvSpPr>
@@ -3222,11 +3027,8 @@
             <a:normAutofit/>
           </a:bodyPr>
           <a:p>
-            <a:endParaRPr b="0" lang="ru-RU" sz="2800" spc="-1" strike="noStrike">
-              <a:solidFill>
-                <a:srgbClr val="000000"/>
-              </a:solidFill>
-              <a:latin typeface="Calibri"/>
+            <a:endParaRPr b="0" lang="ru-RU" sz="3200" spc="-1" strike="noStrike">
+              <a:latin typeface="Arial"/>
             </a:endParaRPr>
           </a:p>
         </p:txBody>
@@ -3255,7 +3057,7 @@
       </p:grpSpPr>
       <p:sp>
         <p:nvSpPr>
-          <p:cNvPr id="112" name="PlaceHolder 1"/>
+          <p:cNvPr id="103" name="PlaceHolder 1"/>
           <p:cNvSpPr>
             <a:spLocks noGrp="1"/>
           </p:cNvSpPr>
@@ -3266,7 +3068,7 @@
         <p:spPr>
           <a:xfrm>
             <a:off x="1523880" y="1122480"/>
-            <a:ext cx="9143640" cy="2387160"/>
+            <a:ext cx="9143280" cy="2386800"/>
           </a:xfrm>
           <a:prstGeom prst="rect">
             <a:avLst/>
@@ -3277,18 +3079,16 @@
             <a:noAutofit/>
           </a:bodyPr>
           <a:p>
-            <a:endParaRPr b="0" lang="ru-RU" sz="1800" spc="-1" strike="noStrike">
-              <a:solidFill>
-                <a:srgbClr val="000000"/>
-              </a:solidFill>
-              <a:latin typeface="Calibri"/>
-            </a:endParaRPr>
-          </a:p>
-        </p:txBody>
-      </p:sp>
-      <p:sp>
-        <p:nvSpPr>
-          <p:cNvPr id="113" name="PlaceHolder 2"/>
+            <a:pPr algn="ctr"/>
+            <a:endParaRPr b="0" lang="ru-RU" sz="4400" spc="-1" strike="noStrike">
+              <a:latin typeface="Arial"/>
+            </a:endParaRPr>
+          </a:p>
+        </p:txBody>
+      </p:sp>
+      <p:sp>
+        <p:nvSpPr>
+          <p:cNvPr id="104" name="PlaceHolder 2"/>
           <p:cNvSpPr>
             <a:spLocks noGrp="1"/>
           </p:cNvSpPr>
@@ -3310,18 +3110,15 @@
             <a:normAutofit/>
           </a:bodyPr>
           <a:p>
-            <a:endParaRPr b="0" lang="ru-RU" sz="2800" spc="-1" strike="noStrike">
-              <a:solidFill>
-                <a:srgbClr val="000000"/>
-              </a:solidFill>
-              <a:latin typeface="Calibri"/>
-            </a:endParaRPr>
-          </a:p>
-        </p:txBody>
-      </p:sp>
-      <p:sp>
-        <p:nvSpPr>
-          <p:cNvPr id="114" name="PlaceHolder 3"/>
+            <a:endParaRPr b="0" lang="ru-RU" sz="3200" spc="-1" strike="noStrike">
+              <a:latin typeface="Arial"/>
+            </a:endParaRPr>
+          </a:p>
+        </p:txBody>
+      </p:sp>
+      <p:sp>
+        <p:nvSpPr>
+          <p:cNvPr id="105" name="PlaceHolder 3"/>
           <p:cNvSpPr>
             <a:spLocks noGrp="1"/>
           </p:cNvSpPr>
@@ -3343,18 +3140,15 @@
             <a:normAutofit/>
           </a:bodyPr>
           <a:p>
-            <a:endParaRPr b="0" lang="ru-RU" sz="2800" spc="-1" strike="noStrike">
-              <a:solidFill>
-                <a:srgbClr val="000000"/>
-              </a:solidFill>
-              <a:latin typeface="Calibri"/>
-            </a:endParaRPr>
-          </a:p>
-        </p:txBody>
-      </p:sp>
-      <p:sp>
-        <p:nvSpPr>
-          <p:cNvPr id="115" name="PlaceHolder 4"/>
+            <a:endParaRPr b="0" lang="ru-RU" sz="3200" spc="-1" strike="noStrike">
+              <a:latin typeface="Arial"/>
+            </a:endParaRPr>
+          </a:p>
+        </p:txBody>
+      </p:sp>
+      <p:sp>
+        <p:nvSpPr>
+          <p:cNvPr id="106" name="PlaceHolder 4"/>
           <p:cNvSpPr>
             <a:spLocks noGrp="1"/>
           </p:cNvSpPr>
@@ -3376,18 +3170,15 @@
             <a:normAutofit/>
           </a:bodyPr>
           <a:p>
-            <a:endParaRPr b="0" lang="ru-RU" sz="2800" spc="-1" strike="noStrike">
-              <a:solidFill>
-                <a:srgbClr val="000000"/>
-              </a:solidFill>
-              <a:latin typeface="Calibri"/>
-            </a:endParaRPr>
-          </a:p>
-        </p:txBody>
-      </p:sp>
-      <p:sp>
-        <p:nvSpPr>
-          <p:cNvPr id="116" name="PlaceHolder 5"/>
+            <a:endParaRPr b="0" lang="ru-RU" sz="3200" spc="-1" strike="noStrike">
+              <a:latin typeface="Arial"/>
+            </a:endParaRPr>
+          </a:p>
+        </p:txBody>
+      </p:sp>
+      <p:sp>
+        <p:nvSpPr>
+          <p:cNvPr id="107" name="PlaceHolder 5"/>
           <p:cNvSpPr>
             <a:spLocks noGrp="1"/>
           </p:cNvSpPr>
@@ -3409,11 +3200,8 @@
             <a:normAutofit/>
           </a:bodyPr>
           <a:p>
-            <a:endParaRPr b="0" lang="ru-RU" sz="2800" spc="-1" strike="noStrike">
-              <a:solidFill>
-                <a:srgbClr val="000000"/>
-              </a:solidFill>
-              <a:latin typeface="Calibri"/>
+            <a:endParaRPr b="0" lang="ru-RU" sz="3200" spc="-1" strike="noStrike">
+              <a:latin typeface="Arial"/>
             </a:endParaRPr>
           </a:p>
         </p:txBody>
@@ -3442,7 +3230,7 @@
       </p:grpSpPr>
       <p:sp>
         <p:nvSpPr>
-          <p:cNvPr id="117" name="PlaceHolder 1"/>
+          <p:cNvPr id="108" name="PlaceHolder 1"/>
           <p:cNvSpPr>
             <a:spLocks noGrp="1"/>
           </p:cNvSpPr>
@@ -3453,7 +3241,7 @@
         <p:spPr>
           <a:xfrm>
             <a:off x="1523880" y="1122480"/>
-            <a:ext cx="9143640" cy="2387160"/>
+            <a:ext cx="9143280" cy="2386800"/>
           </a:xfrm>
           <a:prstGeom prst="rect">
             <a:avLst/>
@@ -3464,18 +3252,16 @@
             <a:noAutofit/>
           </a:bodyPr>
           <a:p>
-            <a:endParaRPr b="0" lang="ru-RU" sz="1800" spc="-1" strike="noStrike">
-              <a:solidFill>
-                <a:srgbClr val="000000"/>
-              </a:solidFill>
-              <a:latin typeface="Calibri"/>
-            </a:endParaRPr>
-          </a:p>
-        </p:txBody>
-      </p:sp>
-      <p:sp>
-        <p:nvSpPr>
-          <p:cNvPr id="118" name="PlaceHolder 2"/>
+            <a:pPr algn="ctr"/>
+            <a:endParaRPr b="0" lang="ru-RU" sz="4400" spc="-1" strike="noStrike">
+              <a:latin typeface="Arial"/>
+            </a:endParaRPr>
+          </a:p>
+        </p:txBody>
+      </p:sp>
+      <p:sp>
+        <p:nvSpPr>
+          <p:cNvPr id="109" name="PlaceHolder 2"/>
           <p:cNvSpPr>
             <a:spLocks noGrp="1"/>
           </p:cNvSpPr>
@@ -3497,18 +3283,15 @@
             <a:normAutofit/>
           </a:bodyPr>
           <a:p>
-            <a:endParaRPr b="0" lang="ru-RU" sz="2800" spc="-1" strike="noStrike">
-              <a:solidFill>
-                <a:srgbClr val="000000"/>
-              </a:solidFill>
-              <a:latin typeface="Calibri"/>
-            </a:endParaRPr>
-          </a:p>
-        </p:txBody>
-      </p:sp>
-      <p:sp>
-        <p:nvSpPr>
-          <p:cNvPr id="119" name="PlaceHolder 3"/>
+            <a:endParaRPr b="0" lang="ru-RU" sz="3200" spc="-1" strike="noStrike">
+              <a:latin typeface="Arial"/>
+            </a:endParaRPr>
+          </a:p>
+        </p:txBody>
+      </p:sp>
+      <p:sp>
+        <p:nvSpPr>
+          <p:cNvPr id="110" name="PlaceHolder 3"/>
           <p:cNvSpPr>
             <a:spLocks noGrp="1"/>
           </p:cNvSpPr>
@@ -3530,18 +3313,15 @@
             <a:normAutofit/>
           </a:bodyPr>
           <a:p>
-            <a:endParaRPr b="0" lang="ru-RU" sz="2800" spc="-1" strike="noStrike">
-              <a:solidFill>
-                <a:srgbClr val="000000"/>
-              </a:solidFill>
-              <a:latin typeface="Calibri"/>
-            </a:endParaRPr>
-          </a:p>
-        </p:txBody>
-      </p:sp>
-      <p:sp>
-        <p:nvSpPr>
-          <p:cNvPr id="120" name="PlaceHolder 4"/>
+            <a:endParaRPr b="0" lang="ru-RU" sz="3200" spc="-1" strike="noStrike">
+              <a:latin typeface="Arial"/>
+            </a:endParaRPr>
+          </a:p>
+        </p:txBody>
+      </p:sp>
+      <p:sp>
+        <p:nvSpPr>
+          <p:cNvPr id="111" name="PlaceHolder 4"/>
           <p:cNvSpPr>
             <a:spLocks noGrp="1"/>
           </p:cNvSpPr>
@@ -3563,18 +3343,15 @@
             <a:normAutofit/>
           </a:bodyPr>
           <a:p>
-            <a:endParaRPr b="0" lang="ru-RU" sz="2800" spc="-1" strike="noStrike">
-              <a:solidFill>
-                <a:srgbClr val="000000"/>
-              </a:solidFill>
-              <a:latin typeface="Calibri"/>
-            </a:endParaRPr>
-          </a:p>
-        </p:txBody>
-      </p:sp>
-      <p:sp>
-        <p:nvSpPr>
-          <p:cNvPr id="121" name="PlaceHolder 5"/>
+            <a:endParaRPr b="0" lang="ru-RU" sz="3200" spc="-1" strike="noStrike">
+              <a:latin typeface="Arial"/>
+            </a:endParaRPr>
+          </a:p>
+        </p:txBody>
+      </p:sp>
+      <p:sp>
+        <p:nvSpPr>
+          <p:cNvPr id="112" name="PlaceHolder 5"/>
           <p:cNvSpPr>
             <a:spLocks noGrp="1"/>
           </p:cNvSpPr>
@@ -3596,18 +3373,15 @@
             <a:normAutofit/>
           </a:bodyPr>
           <a:p>
-            <a:endParaRPr b="0" lang="ru-RU" sz="2800" spc="-1" strike="noStrike">
-              <a:solidFill>
-                <a:srgbClr val="000000"/>
-              </a:solidFill>
-              <a:latin typeface="Calibri"/>
-            </a:endParaRPr>
-          </a:p>
-        </p:txBody>
-      </p:sp>
-      <p:sp>
-        <p:nvSpPr>
-          <p:cNvPr id="122" name="PlaceHolder 6"/>
+            <a:endParaRPr b="0" lang="ru-RU" sz="3200" spc="-1" strike="noStrike">
+              <a:latin typeface="Arial"/>
+            </a:endParaRPr>
+          </a:p>
+        </p:txBody>
+      </p:sp>
+      <p:sp>
+        <p:nvSpPr>
+          <p:cNvPr id="113" name="PlaceHolder 6"/>
           <p:cNvSpPr>
             <a:spLocks noGrp="1"/>
           </p:cNvSpPr>
@@ -3629,18 +3403,15 @@
             <a:normAutofit/>
           </a:bodyPr>
           <a:p>
-            <a:endParaRPr b="0" lang="ru-RU" sz="2800" spc="-1" strike="noStrike">
-              <a:solidFill>
-                <a:srgbClr val="000000"/>
-              </a:solidFill>
-              <a:latin typeface="Calibri"/>
-            </a:endParaRPr>
-          </a:p>
-        </p:txBody>
-      </p:sp>
-      <p:sp>
-        <p:nvSpPr>
-          <p:cNvPr id="123" name="PlaceHolder 7"/>
+            <a:endParaRPr b="0" lang="ru-RU" sz="3200" spc="-1" strike="noStrike">
+              <a:latin typeface="Arial"/>
+            </a:endParaRPr>
+          </a:p>
+        </p:txBody>
+      </p:sp>
+      <p:sp>
+        <p:nvSpPr>
+          <p:cNvPr id="114" name="PlaceHolder 7"/>
           <p:cNvSpPr>
             <a:spLocks noGrp="1"/>
           </p:cNvSpPr>
@@ -3662,11 +3433,8 @@
             <a:normAutofit/>
           </a:bodyPr>
           <a:p>
-            <a:endParaRPr b="0" lang="ru-RU" sz="2800" spc="-1" strike="noStrike">
-              <a:solidFill>
-                <a:srgbClr val="000000"/>
-              </a:solidFill>
-              <a:latin typeface="Calibri"/>
+            <a:endParaRPr b="0" lang="ru-RU" sz="3200" spc="-1" strike="noStrike">
+              <a:latin typeface="Arial"/>
             </a:endParaRPr>
           </a:p>
         </p:txBody>
@@ -3695,7 +3463,7 @@
       </p:grpSpPr>
       <p:sp>
         <p:nvSpPr>
-          <p:cNvPr id="9" name="PlaceHolder 1"/>
+          <p:cNvPr id="6" name="PlaceHolder 1"/>
           <p:cNvSpPr>
             <a:spLocks noGrp="1"/>
           </p:cNvSpPr>
@@ -3706,7 +3474,7 @@
         <p:spPr>
           <a:xfrm>
             <a:off x="1523880" y="1122480"/>
-            <a:ext cx="9143640" cy="2387160"/>
+            <a:ext cx="9143280" cy="2386800"/>
           </a:xfrm>
           <a:prstGeom prst="rect">
             <a:avLst/>
@@ -3717,18 +3485,16 @@
             <a:noAutofit/>
           </a:bodyPr>
           <a:p>
-            <a:endParaRPr b="0" lang="ru-RU" sz="1800" spc="-1" strike="noStrike">
-              <a:solidFill>
-                <a:srgbClr val="000000"/>
-              </a:solidFill>
-              <a:latin typeface="Calibri"/>
-            </a:endParaRPr>
-          </a:p>
-        </p:txBody>
-      </p:sp>
-      <p:sp>
-        <p:nvSpPr>
-          <p:cNvPr id="10" name="PlaceHolder 2"/>
+            <a:pPr algn="ctr"/>
+            <a:endParaRPr b="0" lang="ru-RU" sz="4400" spc="-1" strike="noStrike">
+              <a:latin typeface="Arial"/>
+            </a:endParaRPr>
+          </a:p>
+        </p:txBody>
+      </p:sp>
+      <p:sp>
+        <p:nvSpPr>
+          <p:cNvPr id="7" name="PlaceHolder 2"/>
           <p:cNvSpPr>
             <a:spLocks noGrp="1"/>
           </p:cNvSpPr>
@@ -3750,18 +3516,15 @@
             <a:normAutofit/>
           </a:bodyPr>
           <a:p>
-            <a:endParaRPr b="0" lang="ru-RU" sz="2800" spc="-1" strike="noStrike">
-              <a:solidFill>
-                <a:srgbClr val="000000"/>
-              </a:solidFill>
-              <a:latin typeface="Calibri"/>
-            </a:endParaRPr>
-          </a:p>
-        </p:txBody>
-      </p:sp>
-      <p:sp>
-        <p:nvSpPr>
-          <p:cNvPr id="11" name="PlaceHolder 3"/>
+            <a:endParaRPr b="0" lang="ru-RU" sz="3200" spc="-1" strike="noStrike">
+              <a:latin typeface="Arial"/>
+            </a:endParaRPr>
+          </a:p>
+        </p:txBody>
+      </p:sp>
+      <p:sp>
+        <p:nvSpPr>
+          <p:cNvPr id="8" name="PlaceHolder 3"/>
           <p:cNvSpPr>
             <a:spLocks noGrp="1"/>
           </p:cNvSpPr>
@@ -3783,11 +3546,8 @@
             <a:normAutofit/>
           </a:bodyPr>
           <a:p>
-            <a:endParaRPr b="0" lang="ru-RU" sz="2800" spc="-1" strike="noStrike">
-              <a:solidFill>
-                <a:srgbClr val="000000"/>
-              </a:solidFill>
-              <a:latin typeface="Calibri"/>
+            <a:endParaRPr b="0" lang="ru-RU" sz="3200" spc="-1" strike="noStrike">
+              <a:latin typeface="Arial"/>
             </a:endParaRPr>
           </a:p>
         </p:txBody>
@@ -3816,7 +3576,7 @@
       </p:grpSpPr>
       <p:sp>
         <p:nvSpPr>
-          <p:cNvPr id="12" name="PlaceHolder 1"/>
+          <p:cNvPr id="9" name="PlaceHolder 1"/>
           <p:cNvSpPr>
             <a:spLocks noGrp="1"/>
           </p:cNvSpPr>
@@ -3827,7 +3587,7 @@
         <p:spPr>
           <a:xfrm>
             <a:off x="1523880" y="1122480"/>
-            <a:ext cx="9143640" cy="2387160"/>
+            <a:ext cx="9143280" cy="2386800"/>
           </a:xfrm>
           <a:prstGeom prst="rect">
             <a:avLst/>
@@ -3838,11 +3598,9 @@
             <a:noAutofit/>
           </a:bodyPr>
           <a:p>
-            <a:endParaRPr b="0" lang="ru-RU" sz="1800" spc="-1" strike="noStrike">
-              <a:solidFill>
-                <a:srgbClr val="000000"/>
-              </a:solidFill>
-              <a:latin typeface="Calibri"/>
+            <a:pPr algn="ctr"/>
+            <a:endParaRPr b="0" lang="ru-RU" sz="4400" spc="-1" strike="noStrike">
+              <a:latin typeface="Arial"/>
             </a:endParaRPr>
           </a:p>
         </p:txBody>
@@ -3871,7 +3629,7 @@
       </p:grpSpPr>
       <p:sp>
         <p:nvSpPr>
-          <p:cNvPr id="13" name="PlaceHolder 1"/>
+          <p:cNvPr id="10" name="PlaceHolder 1"/>
           <p:cNvSpPr>
             <a:spLocks noGrp="1"/>
           </p:cNvSpPr>
@@ -3882,7 +3640,7 @@
         <p:spPr>
           <a:xfrm>
             <a:off x="1523880" y="1122480"/>
-            <a:ext cx="9143640" cy="11066760"/>
+            <a:ext cx="9143280" cy="11064960"/>
           </a:xfrm>
           <a:prstGeom prst="rect">
             <a:avLst/>
@@ -3924,7 +3682,7 @@
       </p:grpSpPr>
       <p:sp>
         <p:nvSpPr>
-          <p:cNvPr id="14" name="PlaceHolder 1"/>
+          <p:cNvPr id="11" name="PlaceHolder 1"/>
           <p:cNvSpPr>
             <a:spLocks noGrp="1"/>
           </p:cNvSpPr>
@@ -3935,7 +3693,7 @@
         <p:spPr>
           <a:xfrm>
             <a:off x="1523880" y="1122480"/>
-            <a:ext cx="9143640" cy="2387160"/>
+            <a:ext cx="9143280" cy="2386800"/>
           </a:xfrm>
           <a:prstGeom prst="rect">
             <a:avLst/>
@@ -3946,18 +3704,16 @@
             <a:noAutofit/>
           </a:bodyPr>
           <a:p>
-            <a:endParaRPr b="0" lang="ru-RU" sz="1800" spc="-1" strike="noStrike">
-              <a:solidFill>
-                <a:srgbClr val="000000"/>
-              </a:solidFill>
-              <a:latin typeface="Calibri"/>
-            </a:endParaRPr>
-          </a:p>
-        </p:txBody>
-      </p:sp>
-      <p:sp>
-        <p:nvSpPr>
-          <p:cNvPr id="15" name="PlaceHolder 2"/>
+            <a:pPr algn="ctr"/>
+            <a:endParaRPr b="0" lang="ru-RU" sz="4400" spc="-1" strike="noStrike">
+              <a:latin typeface="Arial"/>
+            </a:endParaRPr>
+          </a:p>
+        </p:txBody>
+      </p:sp>
+      <p:sp>
+        <p:nvSpPr>
+          <p:cNvPr id="12" name="PlaceHolder 2"/>
           <p:cNvSpPr>
             <a:spLocks noGrp="1"/>
           </p:cNvSpPr>
@@ -3979,18 +3735,15 @@
             <a:normAutofit/>
           </a:bodyPr>
           <a:p>
-            <a:endParaRPr b="0" lang="ru-RU" sz="2800" spc="-1" strike="noStrike">
-              <a:solidFill>
-                <a:srgbClr val="000000"/>
-              </a:solidFill>
-              <a:latin typeface="Calibri"/>
-            </a:endParaRPr>
-          </a:p>
-        </p:txBody>
-      </p:sp>
-      <p:sp>
-        <p:nvSpPr>
-          <p:cNvPr id="16" name="PlaceHolder 3"/>
+            <a:endParaRPr b="0" lang="ru-RU" sz="3200" spc="-1" strike="noStrike">
+              <a:latin typeface="Arial"/>
+            </a:endParaRPr>
+          </a:p>
+        </p:txBody>
+      </p:sp>
+      <p:sp>
+        <p:nvSpPr>
+          <p:cNvPr id="13" name="PlaceHolder 3"/>
           <p:cNvSpPr>
             <a:spLocks noGrp="1"/>
           </p:cNvSpPr>
@@ -4012,18 +3765,15 @@
             <a:normAutofit/>
           </a:bodyPr>
           <a:p>
-            <a:endParaRPr b="0" lang="ru-RU" sz="2800" spc="-1" strike="noStrike">
-              <a:solidFill>
-                <a:srgbClr val="000000"/>
-              </a:solidFill>
-              <a:latin typeface="Calibri"/>
-            </a:endParaRPr>
-          </a:p>
-        </p:txBody>
-      </p:sp>
-      <p:sp>
-        <p:nvSpPr>
-          <p:cNvPr id="17" name="PlaceHolder 4"/>
+            <a:endParaRPr b="0" lang="ru-RU" sz="3200" spc="-1" strike="noStrike">
+              <a:latin typeface="Arial"/>
+            </a:endParaRPr>
+          </a:p>
+        </p:txBody>
+      </p:sp>
+      <p:sp>
+        <p:nvSpPr>
+          <p:cNvPr id="14" name="PlaceHolder 4"/>
           <p:cNvSpPr>
             <a:spLocks noGrp="1"/>
           </p:cNvSpPr>
@@ -4045,11 +3795,8 @@
             <a:normAutofit/>
           </a:bodyPr>
           <a:p>
-            <a:endParaRPr b="0" lang="ru-RU" sz="2800" spc="-1" strike="noStrike">
-              <a:solidFill>
-                <a:srgbClr val="000000"/>
-              </a:solidFill>
-              <a:latin typeface="Calibri"/>
+            <a:endParaRPr b="0" lang="ru-RU" sz="3200" spc="-1" strike="noStrike">
+              <a:latin typeface="Arial"/>
             </a:endParaRPr>
           </a:p>
         </p:txBody>
@@ -4078,7 +3825,7 @@
       </p:grpSpPr>
       <p:sp>
         <p:nvSpPr>
-          <p:cNvPr id="18" name="PlaceHolder 1"/>
+          <p:cNvPr id="15" name="PlaceHolder 1"/>
           <p:cNvSpPr>
             <a:spLocks noGrp="1"/>
           </p:cNvSpPr>
@@ -4089,7 +3836,7 @@
         <p:spPr>
           <a:xfrm>
             <a:off x="1523880" y="1122480"/>
-            <a:ext cx="9143640" cy="2387160"/>
+            <a:ext cx="9143280" cy="2386800"/>
           </a:xfrm>
           <a:prstGeom prst="rect">
             <a:avLst/>
@@ -4100,18 +3847,16 @@
             <a:noAutofit/>
           </a:bodyPr>
           <a:p>
-            <a:endParaRPr b="0" lang="ru-RU" sz="1800" spc="-1" strike="noStrike">
-              <a:solidFill>
-                <a:srgbClr val="000000"/>
-              </a:solidFill>
-              <a:latin typeface="Calibri"/>
-            </a:endParaRPr>
-          </a:p>
-        </p:txBody>
-      </p:sp>
-      <p:sp>
-        <p:nvSpPr>
-          <p:cNvPr id="19" name="PlaceHolder 2"/>
+            <a:pPr algn="ctr"/>
+            <a:endParaRPr b="0" lang="ru-RU" sz="4400" spc="-1" strike="noStrike">
+              <a:latin typeface="Arial"/>
+            </a:endParaRPr>
+          </a:p>
+        </p:txBody>
+      </p:sp>
+      <p:sp>
+        <p:nvSpPr>
+          <p:cNvPr id="16" name="PlaceHolder 2"/>
           <p:cNvSpPr>
             <a:spLocks noGrp="1"/>
           </p:cNvSpPr>
@@ -4133,18 +3878,15 @@
             <a:normAutofit/>
           </a:bodyPr>
           <a:p>
-            <a:endParaRPr b="0" lang="ru-RU" sz="2800" spc="-1" strike="noStrike">
-              <a:solidFill>
-                <a:srgbClr val="000000"/>
-              </a:solidFill>
-              <a:latin typeface="Calibri"/>
-            </a:endParaRPr>
-          </a:p>
-        </p:txBody>
-      </p:sp>
-      <p:sp>
-        <p:nvSpPr>
-          <p:cNvPr id="20" name="PlaceHolder 3"/>
+            <a:endParaRPr b="0" lang="ru-RU" sz="3200" spc="-1" strike="noStrike">
+              <a:latin typeface="Arial"/>
+            </a:endParaRPr>
+          </a:p>
+        </p:txBody>
+      </p:sp>
+      <p:sp>
+        <p:nvSpPr>
+          <p:cNvPr id="17" name="PlaceHolder 3"/>
           <p:cNvSpPr>
             <a:spLocks noGrp="1"/>
           </p:cNvSpPr>
@@ -4166,18 +3908,15 @@
             <a:normAutofit/>
           </a:bodyPr>
           <a:p>
-            <a:endParaRPr b="0" lang="ru-RU" sz="2800" spc="-1" strike="noStrike">
-              <a:solidFill>
-                <a:srgbClr val="000000"/>
-              </a:solidFill>
-              <a:latin typeface="Calibri"/>
-            </a:endParaRPr>
-          </a:p>
-        </p:txBody>
-      </p:sp>
-      <p:sp>
-        <p:nvSpPr>
-          <p:cNvPr id="21" name="PlaceHolder 4"/>
+            <a:endParaRPr b="0" lang="ru-RU" sz="3200" spc="-1" strike="noStrike">
+              <a:latin typeface="Arial"/>
+            </a:endParaRPr>
+          </a:p>
+        </p:txBody>
+      </p:sp>
+      <p:sp>
+        <p:nvSpPr>
+          <p:cNvPr id="18" name="PlaceHolder 4"/>
           <p:cNvSpPr>
             <a:spLocks noGrp="1"/>
           </p:cNvSpPr>
@@ -4199,11 +3938,8 @@
             <a:normAutofit/>
           </a:bodyPr>
           <a:p>
-            <a:endParaRPr b="0" lang="ru-RU" sz="2800" spc="-1" strike="noStrike">
-              <a:solidFill>
-                <a:srgbClr val="000000"/>
-              </a:solidFill>
-              <a:latin typeface="Calibri"/>
+            <a:endParaRPr b="0" lang="ru-RU" sz="3200" spc="-1" strike="noStrike">
+              <a:latin typeface="Arial"/>
             </a:endParaRPr>
           </a:p>
         </p:txBody>
@@ -4232,7 +3968,7 @@
       </p:grpSpPr>
       <p:sp>
         <p:nvSpPr>
-          <p:cNvPr id="22" name="PlaceHolder 1"/>
+          <p:cNvPr id="19" name="PlaceHolder 1"/>
           <p:cNvSpPr>
             <a:spLocks noGrp="1"/>
           </p:cNvSpPr>
@@ -4243,7 +3979,7 @@
         <p:spPr>
           <a:xfrm>
             <a:off x="1523880" y="1122480"/>
-            <a:ext cx="9143640" cy="2387160"/>
+            <a:ext cx="9143280" cy="2386800"/>
           </a:xfrm>
           <a:prstGeom prst="rect">
             <a:avLst/>
@@ -4254,18 +3990,16 @@
             <a:noAutofit/>
           </a:bodyPr>
           <a:p>
-            <a:endParaRPr b="0" lang="ru-RU" sz="1800" spc="-1" strike="noStrike">
-              <a:solidFill>
-                <a:srgbClr val="000000"/>
-              </a:solidFill>
-              <a:latin typeface="Calibri"/>
-            </a:endParaRPr>
-          </a:p>
-        </p:txBody>
-      </p:sp>
-      <p:sp>
-        <p:nvSpPr>
-          <p:cNvPr id="23" name="PlaceHolder 2"/>
+            <a:pPr algn="ctr"/>
+            <a:endParaRPr b="0" lang="ru-RU" sz="4400" spc="-1" strike="noStrike">
+              <a:latin typeface="Arial"/>
+            </a:endParaRPr>
+          </a:p>
+        </p:txBody>
+      </p:sp>
+      <p:sp>
+        <p:nvSpPr>
+          <p:cNvPr id="20" name="PlaceHolder 2"/>
           <p:cNvSpPr>
             <a:spLocks noGrp="1"/>
           </p:cNvSpPr>
@@ -4287,18 +4021,15 @@
             <a:normAutofit/>
           </a:bodyPr>
           <a:p>
-            <a:endParaRPr b="0" lang="ru-RU" sz="2800" spc="-1" strike="noStrike">
-              <a:solidFill>
-                <a:srgbClr val="000000"/>
-              </a:solidFill>
-              <a:latin typeface="Calibri"/>
-            </a:endParaRPr>
-          </a:p>
-        </p:txBody>
-      </p:sp>
-      <p:sp>
-        <p:nvSpPr>
-          <p:cNvPr id="24" name="PlaceHolder 3"/>
+            <a:endParaRPr b="0" lang="ru-RU" sz="3200" spc="-1" strike="noStrike">
+              <a:latin typeface="Arial"/>
+            </a:endParaRPr>
+          </a:p>
+        </p:txBody>
+      </p:sp>
+      <p:sp>
+        <p:nvSpPr>
+          <p:cNvPr id="21" name="PlaceHolder 3"/>
           <p:cNvSpPr>
             <a:spLocks noGrp="1"/>
           </p:cNvSpPr>
@@ -4320,18 +4051,15 @@
             <a:normAutofit/>
           </a:bodyPr>
           <a:p>
-            <a:endParaRPr b="0" lang="ru-RU" sz="2800" spc="-1" strike="noStrike">
-              <a:solidFill>
-                <a:srgbClr val="000000"/>
-              </a:solidFill>
-              <a:latin typeface="Calibri"/>
-            </a:endParaRPr>
-          </a:p>
-        </p:txBody>
-      </p:sp>
-      <p:sp>
-        <p:nvSpPr>
-          <p:cNvPr id="25" name="PlaceHolder 4"/>
+            <a:endParaRPr b="0" lang="ru-RU" sz="3200" spc="-1" strike="noStrike">
+              <a:latin typeface="Arial"/>
+            </a:endParaRPr>
+          </a:p>
+        </p:txBody>
+      </p:sp>
+      <p:sp>
+        <p:nvSpPr>
+          <p:cNvPr id="22" name="PlaceHolder 4"/>
           <p:cNvSpPr>
             <a:spLocks noGrp="1"/>
           </p:cNvSpPr>
@@ -4353,11 +4081,8 @@
             <a:normAutofit/>
           </a:bodyPr>
           <a:p>
-            <a:endParaRPr b="0" lang="ru-RU" sz="2800" spc="-1" strike="noStrike">
-              <a:solidFill>
-                <a:srgbClr val="000000"/>
-              </a:solidFill>
-              <a:latin typeface="Calibri"/>
+            <a:endParaRPr b="0" lang="ru-RU" sz="3200" spc="-1" strike="noStrike">
+              <a:latin typeface="Arial"/>
             </a:endParaRPr>
           </a:p>
         </p:txBody>
@@ -4404,36 +4129,25 @@
         <p:spPr>
           <a:xfrm>
             <a:off x="1523880" y="1122480"/>
-            <a:ext cx="9143640" cy="2387160"/>
-          </a:xfrm>
-          <a:prstGeom prst="rect">
-            <a:avLst/>
-          </a:prstGeom>
-        </p:spPr>
-        <p:txBody>
-          <a:bodyPr anchor="b">
+            <a:ext cx="9143280" cy="2386800"/>
+          </a:xfrm>
+          <a:prstGeom prst="rect">
+            <a:avLst/>
+          </a:prstGeom>
+        </p:spPr>
+        <p:txBody>
+          <a:bodyPr lIns="0" rIns="0" tIns="0" bIns="0" anchor="ctr">
             <a:noAutofit/>
           </a:bodyPr>
           <a:p>
-            <a:pPr algn="ctr">
-              <a:lnSpc>
-                <a:spcPct val="90000"/>
-              </a:lnSpc>
-            </a:pPr>
             <a:r>
-              <a:rPr b="0" lang="ru-RU" sz="6000" spc="-1" strike="noStrike">
-                <a:solidFill>
-                  <a:srgbClr val="000000"/>
-                </a:solidFill>
-                <a:latin typeface="Calibri Light"/>
+              <a:rPr b="0" lang="ru-RU" sz="1800" spc="-1" strike="noStrike">
+                <a:latin typeface="Arial"/>
               </a:rPr>
-              <a:t>Образец заголовка</a:t>
+              <a:t>Click to edit the title text format</a:t>
             </a:r>
-            <a:endParaRPr b="0" lang="ru-RU" sz="6000" spc="-1" strike="noStrike">
-              <a:solidFill>
-                <a:srgbClr val="000000"/>
-              </a:solidFill>
-              <a:latin typeface="Calibri"/>
+            <a:endParaRPr b="0" lang="ru-RU" sz="1800" spc="-1" strike="noStrike">
+              <a:latin typeface="Arial"/>
             </a:endParaRPr>
           </a:p>
         </p:txBody>
@@ -4441,124 +4155,6 @@
       <p:sp>
         <p:nvSpPr>
           <p:cNvPr id="1" name="PlaceHolder 2"/>
-          <p:cNvSpPr>
-            <a:spLocks noGrp="1"/>
-          </p:cNvSpPr>
-          <p:nvPr>
-            <p:ph type="dt"/>
-          </p:nvPr>
-        </p:nvSpPr>
-        <p:spPr>
-          <a:xfrm>
-            <a:off x="838080" y="6356520"/>
-            <a:ext cx="2742840" cy="364680"/>
-          </a:xfrm>
-          <a:prstGeom prst="rect">
-            <a:avLst/>
-          </a:prstGeom>
-        </p:spPr>
-        <p:txBody>
-          <a:bodyPr anchor="ctr">
-            <a:noAutofit/>
-          </a:bodyPr>
-          <a:p>
-            <a:pPr>
-              <a:lnSpc>
-                <a:spcPct val="100000"/>
-              </a:lnSpc>
-            </a:pPr>
-            <a:fld id="{F4705D9D-B810-490A-B11A-ED4AB167A8B4}" type="datetime">
-              <a:rPr b="0" lang="ru-RU" sz="1200" spc="-1" strike="noStrike">
-                <a:solidFill>
-                  <a:srgbClr val="8b8b8b"/>
-                </a:solidFill>
-                <a:latin typeface="Calibri"/>
-              </a:rPr>
-              <a:t>18.5.22</a:t>
-            </a:fld>
-            <a:endParaRPr b="0" lang="ru-RU" sz="1200" spc="-1" strike="noStrike">
-              <a:latin typeface="Times New Roman"/>
-            </a:endParaRPr>
-          </a:p>
-        </p:txBody>
-      </p:sp>
-      <p:sp>
-        <p:nvSpPr>
-          <p:cNvPr id="2" name="PlaceHolder 3"/>
-          <p:cNvSpPr>
-            <a:spLocks noGrp="1"/>
-          </p:cNvSpPr>
-          <p:nvPr>
-            <p:ph type="ftr"/>
-          </p:nvPr>
-        </p:nvSpPr>
-        <p:spPr>
-          <a:xfrm>
-            <a:off x="4038480" y="6356520"/>
-            <a:ext cx="4114440" cy="364680"/>
-          </a:xfrm>
-          <a:prstGeom prst="rect">
-            <a:avLst/>
-          </a:prstGeom>
-        </p:spPr>
-        <p:txBody>
-          <a:bodyPr anchor="ctr">
-            <a:noAutofit/>
-          </a:bodyPr>
-          <a:p>
-            <a:endParaRPr b="0" lang="ru-RU" sz="2400" spc="-1" strike="noStrike">
-              <a:latin typeface="Times New Roman"/>
-            </a:endParaRPr>
-          </a:p>
-        </p:txBody>
-      </p:sp>
-      <p:sp>
-        <p:nvSpPr>
-          <p:cNvPr id="3" name="PlaceHolder 4"/>
-          <p:cNvSpPr>
-            <a:spLocks noGrp="1"/>
-          </p:cNvSpPr>
-          <p:nvPr>
-            <p:ph type="sldNum"/>
-          </p:nvPr>
-        </p:nvSpPr>
-        <p:spPr>
-          <a:xfrm>
-            <a:off x="8610480" y="6356520"/>
-            <a:ext cx="2742840" cy="364680"/>
-          </a:xfrm>
-          <a:prstGeom prst="rect">
-            <a:avLst/>
-          </a:prstGeom>
-        </p:spPr>
-        <p:txBody>
-          <a:bodyPr anchor="ctr">
-            <a:noAutofit/>
-          </a:bodyPr>
-          <a:p>
-            <a:pPr algn="r">
-              <a:lnSpc>
-                <a:spcPct val="100000"/>
-              </a:lnSpc>
-            </a:pPr>
-            <a:fld id="{EC18066D-555F-4740-9D13-A640992A5272}" type="slidenum">
-              <a:rPr b="0" lang="ru-RU" sz="1200" spc="-1" strike="noStrike">
-                <a:solidFill>
-                  <a:srgbClr val="8b8b8b"/>
-                </a:solidFill>
-                <a:latin typeface="Calibri"/>
-              </a:rPr>
-              <a:t>&lt;number&gt;</a:t>
-            </a:fld>
-            <a:endParaRPr b="0" lang="ru-RU" sz="1200" spc="-1" strike="noStrike">
-              <a:latin typeface="Times New Roman"/>
-            </a:endParaRPr>
-          </a:p>
-        </p:txBody>
-      </p:sp>
-      <p:sp>
-        <p:nvSpPr>
-          <p:cNvPr id="4" name="PlaceHolder 5"/>
           <p:cNvSpPr>
             <a:spLocks noGrp="1"/>
           </p:cNvSpPr>
@@ -4592,19 +4188,13 @@
               <a:buChar char=""/>
             </a:pPr>
             <a:r>
-              <a:rPr b="0" lang="ru-RU" sz="2800" spc="-1" strike="noStrike">
-                <a:solidFill>
-                  <a:srgbClr val="000000"/>
-                </a:solidFill>
-                <a:latin typeface="Calibri"/>
+              <a:rPr b="0" lang="ru-RU" sz="3200" spc="-1" strike="noStrike">
+                <a:latin typeface="Arial"/>
               </a:rPr>
               <a:t>Click to edit the outline text format</a:t>
             </a:r>
-            <a:endParaRPr b="0" lang="ru-RU" sz="2800" spc="-1" strike="noStrike">
-              <a:solidFill>
-                <a:srgbClr val="000000"/>
-              </a:solidFill>
-              <a:latin typeface="Calibri"/>
+            <a:endParaRPr b="0" lang="ru-RU" sz="3200" spc="-1" strike="noStrike">
+              <a:latin typeface="Arial"/>
             </a:endParaRPr>
           </a:p>
           <a:p>
@@ -4620,19 +4210,13 @@
               <a:buChar char=""/>
             </a:pPr>
             <a:r>
-              <a:rPr b="0" lang="ru-RU" sz="2000" spc="-1" strike="noStrike">
-                <a:solidFill>
-                  <a:srgbClr val="000000"/>
-                </a:solidFill>
-                <a:latin typeface="Calibri"/>
+              <a:rPr b="0" lang="ru-RU" sz="2800" spc="-1" strike="noStrike">
+                <a:latin typeface="Arial"/>
               </a:rPr>
               <a:t>Second Outline Level</a:t>
             </a:r>
-            <a:endParaRPr b="0" lang="ru-RU" sz="2000" spc="-1" strike="noStrike">
-              <a:solidFill>
-                <a:srgbClr val="000000"/>
-              </a:solidFill>
-              <a:latin typeface="Calibri"/>
+            <a:endParaRPr b="0" lang="ru-RU" sz="2800" spc="-1" strike="noStrike">
+              <a:latin typeface="Arial"/>
             </a:endParaRPr>
           </a:p>
           <a:p>
@@ -4648,19 +4232,13 @@
               <a:buChar char=""/>
             </a:pPr>
             <a:r>
-              <a:rPr b="0" lang="ru-RU" sz="1800" spc="-1" strike="noStrike">
-                <a:solidFill>
-                  <a:srgbClr val="000000"/>
-                </a:solidFill>
-                <a:latin typeface="Calibri"/>
+              <a:rPr b="0" lang="ru-RU" sz="2400" spc="-1" strike="noStrike">
+                <a:latin typeface="Arial"/>
               </a:rPr>
               <a:t>Third Outline Level</a:t>
             </a:r>
-            <a:endParaRPr b="0" lang="ru-RU" sz="1800" spc="-1" strike="noStrike">
-              <a:solidFill>
-                <a:srgbClr val="000000"/>
-              </a:solidFill>
-              <a:latin typeface="Calibri"/>
+            <a:endParaRPr b="0" lang="ru-RU" sz="2400" spc="-1" strike="noStrike">
+              <a:latin typeface="Arial"/>
             </a:endParaRPr>
           </a:p>
           <a:p>
@@ -4676,19 +4254,13 @@
               <a:buChar char=""/>
             </a:pPr>
             <a:r>
-              <a:rPr b="0" lang="ru-RU" sz="1800" spc="-1" strike="noStrike">
-                <a:solidFill>
-                  <a:srgbClr val="000000"/>
-                </a:solidFill>
-                <a:latin typeface="Calibri"/>
+              <a:rPr b="0" lang="ru-RU" sz="2000" spc="-1" strike="noStrike">
+                <a:latin typeface="Arial"/>
               </a:rPr>
               <a:t>Fourth Outline Level</a:t>
             </a:r>
-            <a:endParaRPr b="0" lang="ru-RU" sz="1800" spc="-1" strike="noStrike">
-              <a:solidFill>
-                <a:srgbClr val="000000"/>
-              </a:solidFill>
-              <a:latin typeface="Calibri"/>
+            <a:endParaRPr b="0" lang="ru-RU" sz="2000" spc="-1" strike="noStrike">
+              <a:latin typeface="Arial"/>
             </a:endParaRPr>
           </a:p>
           <a:p>
@@ -4705,18 +4277,12 @@
             </a:pPr>
             <a:r>
               <a:rPr b="0" lang="ru-RU" sz="2000" spc="-1" strike="noStrike">
-                <a:solidFill>
-                  <a:srgbClr val="000000"/>
-                </a:solidFill>
-                <a:latin typeface="Calibri"/>
+                <a:latin typeface="Arial"/>
               </a:rPr>
               <a:t>Fifth Outline Level</a:t>
             </a:r>
             <a:endParaRPr b="0" lang="ru-RU" sz="2000" spc="-1" strike="noStrike">
-              <a:solidFill>
-                <a:srgbClr val="000000"/>
-              </a:solidFill>
-              <a:latin typeface="Calibri"/>
+              <a:latin typeface="Arial"/>
             </a:endParaRPr>
           </a:p>
           <a:p>
@@ -4733,18 +4299,12 @@
             </a:pPr>
             <a:r>
               <a:rPr b="0" lang="ru-RU" sz="2000" spc="-1" strike="noStrike">
-                <a:solidFill>
-                  <a:srgbClr val="000000"/>
-                </a:solidFill>
-                <a:latin typeface="Calibri"/>
+                <a:latin typeface="Arial"/>
               </a:rPr>
               <a:t>Sixth Outline Level</a:t>
             </a:r>
             <a:endParaRPr b="0" lang="ru-RU" sz="2000" spc="-1" strike="noStrike">
-              <a:solidFill>
-                <a:srgbClr val="000000"/>
-              </a:solidFill>
-              <a:latin typeface="Calibri"/>
+              <a:latin typeface="Arial"/>
             </a:endParaRPr>
           </a:p>
           <a:p>
@@ -4761,18 +4321,12 @@
             </a:pPr>
             <a:r>
               <a:rPr b="0" lang="ru-RU" sz="2000" spc="-1" strike="noStrike">
-                <a:solidFill>
-                  <a:srgbClr val="000000"/>
-                </a:solidFill>
-                <a:latin typeface="Calibri"/>
+                <a:latin typeface="Arial"/>
               </a:rPr>
               <a:t>Seventh Outline Level</a:t>
             </a:r>
             <a:endParaRPr b="0" lang="ru-RU" sz="2000" spc="-1" strike="noStrike">
-              <a:solidFill>
-                <a:srgbClr val="000000"/>
-              </a:solidFill>
-              <a:latin typeface="Calibri"/>
+              <a:latin typeface="Arial"/>
             </a:endParaRPr>
           </a:p>
         </p:txBody>
@@ -4823,7 +4377,7 @@
       </p:grpSpPr>
       <p:sp>
         <p:nvSpPr>
-          <p:cNvPr id="41" name="PlaceHolder 1"/>
+          <p:cNvPr id="38" name="PlaceHolder 1"/>
           <p:cNvSpPr>
             <a:spLocks noGrp="1"/>
           </p:cNvSpPr>
@@ -4833,44 +4387,33 @@
         </p:nvSpPr>
         <p:spPr>
           <a:xfrm>
-            <a:off x="838080" y="365040"/>
-            <a:ext cx="10515240" cy="1325160"/>
-          </a:xfrm>
-          <a:prstGeom prst="rect">
-            <a:avLst/>
-          </a:prstGeom>
-        </p:spPr>
-        <p:txBody>
-          <a:bodyPr anchor="ctr">
+            <a:off x="1523880" y="1122480"/>
+            <a:ext cx="9143280" cy="2386800"/>
+          </a:xfrm>
+          <a:prstGeom prst="rect">
+            <a:avLst/>
+          </a:prstGeom>
+        </p:spPr>
+        <p:txBody>
+          <a:bodyPr lIns="0" rIns="0" tIns="0" bIns="0" anchor="ctr">
             <a:noAutofit/>
           </a:bodyPr>
           <a:p>
-            <a:pPr>
-              <a:lnSpc>
-                <a:spcPct val="90000"/>
-              </a:lnSpc>
-            </a:pPr>
             <a:r>
-              <a:rPr b="0" lang="ru-RU" sz="4400" spc="-1" strike="noStrike">
-                <a:solidFill>
-                  <a:srgbClr val="000000"/>
-                </a:solidFill>
-                <a:latin typeface="Calibri Light"/>
+              <a:rPr b="0" lang="ru-RU" sz="1800" spc="-1" strike="noStrike">
+                <a:latin typeface="Arial"/>
               </a:rPr>
-              <a:t>Образец заголовка</a:t>
+              <a:t>Click to edit the title text format</a:t>
             </a:r>
-            <a:endParaRPr b="0" lang="ru-RU" sz="4400" spc="-1" strike="noStrike">
-              <a:solidFill>
-                <a:srgbClr val="000000"/>
-              </a:solidFill>
-              <a:latin typeface="Calibri"/>
-            </a:endParaRPr>
-          </a:p>
-        </p:txBody>
-      </p:sp>
-      <p:sp>
-        <p:nvSpPr>
-          <p:cNvPr id="42" name="PlaceHolder 2"/>
+            <a:endParaRPr b="0" lang="ru-RU" sz="1800" spc="-1" strike="noStrike">
+              <a:latin typeface="Arial"/>
+            </a:endParaRPr>
+          </a:p>
+        </p:txBody>
+      </p:sp>
+      <p:sp>
+        <p:nvSpPr>
+          <p:cNvPr id="39" name="PlaceHolder 2"/>
           <p:cNvSpPr>
             <a:spLocks noGrp="1"/>
           </p:cNvSpPr>
@@ -4880,458 +4423,348 @@
         </p:nvSpPr>
         <p:spPr>
           <a:xfrm>
-            <a:off x="838080" y="1825560"/>
-            <a:ext cx="5181120" cy="4350960"/>
-          </a:xfrm>
-          <a:prstGeom prst="rect">
-            <a:avLst/>
-          </a:prstGeom>
-        </p:spPr>
-        <p:txBody>
-          <a:bodyPr>
-            <a:noAutofit/>
-          </a:bodyPr>
-          <a:p>
-            <a:pPr marL="228600" indent="-228240">
-              <a:lnSpc>
-                <a:spcPct val="90000"/>
-              </a:lnSpc>
+            <a:off x="609480" y="1604520"/>
+            <a:ext cx="5353920" cy="3976920"/>
+          </a:xfrm>
+          <a:prstGeom prst="rect">
+            <a:avLst/>
+          </a:prstGeom>
+        </p:spPr>
+        <p:txBody>
+          <a:bodyPr lIns="0" rIns="0" tIns="0" bIns="0">
+            <a:normAutofit/>
+          </a:bodyPr>
+          <a:p>
+            <a:pPr marL="432000" indent="-324000">
               <a:spcBef>
-                <a:spcPts val="1001"/>
+                <a:spcPts val="1417"/>
               </a:spcBef>
               <a:buClr>
                 <a:srgbClr val="000000"/>
               </a:buClr>
-              <a:buFont typeface="Arial"/>
-              <a:buChar char="•"/>
+              <a:buSzPct val="45000"/>
+              <a:buFont typeface="Wingdings" charset="2"/>
+              <a:buChar char=""/>
             </a:pPr>
             <a:r>
-              <a:rPr b="0" lang="ru-RU" sz="2800" spc="-1" strike="noStrike">
-                <a:solidFill>
-                  <a:srgbClr val="000000"/>
-                </a:solidFill>
-                <a:latin typeface="Calibri"/>
+              <a:rPr b="0" lang="ru-RU" sz="1800" spc="-1" strike="noStrike">
+                <a:latin typeface="Arial"/>
               </a:rPr>
-              <a:t>Образец текста</a:t>
+              <a:t>Click to edit the outline text format</a:t>
             </a:r>
-            <a:endParaRPr b="0" lang="ru-RU" sz="2800" spc="-1" strike="noStrike">
-              <a:solidFill>
-                <a:srgbClr val="000000"/>
-              </a:solidFill>
-              <a:latin typeface="Calibri"/>
-            </a:endParaRPr>
-          </a:p>
-          <a:p>
-            <a:pPr lvl="1" marL="685800" indent="-228240">
-              <a:lnSpc>
-                <a:spcPct val="90000"/>
-              </a:lnSpc>
+            <a:endParaRPr b="0" lang="ru-RU" sz="1800" spc="-1" strike="noStrike">
+              <a:latin typeface="Arial"/>
+            </a:endParaRPr>
+          </a:p>
+          <a:p>
+            <a:pPr lvl="1" marL="864000" indent="-324000">
               <a:spcBef>
-                <a:spcPts val="499"/>
+                <a:spcPts val="1134"/>
               </a:spcBef>
               <a:buClr>
                 <a:srgbClr val="000000"/>
               </a:buClr>
-              <a:buFont typeface="Arial"/>
-              <a:buChar char="•"/>
+              <a:buSzPct val="75000"/>
+              <a:buFont typeface="Symbol" charset="2"/>
+              <a:buChar char=""/>
             </a:pPr>
             <a:r>
-              <a:rPr b="0" lang="ru-RU" sz="2400" spc="-1" strike="noStrike">
-                <a:solidFill>
-                  <a:srgbClr val="000000"/>
-                </a:solidFill>
-                <a:latin typeface="Calibri"/>
+              <a:rPr b="0" lang="ru-RU" sz="1800" spc="-1" strike="noStrike">
+                <a:latin typeface="Arial"/>
               </a:rPr>
-              <a:t>Второй уровень</a:t>
+              <a:t>Second Outline Level</a:t>
             </a:r>
-            <a:endParaRPr b="0" lang="ru-RU" sz="2400" spc="-1" strike="noStrike">
-              <a:solidFill>
-                <a:srgbClr val="000000"/>
-              </a:solidFill>
-              <a:latin typeface="Calibri"/>
-            </a:endParaRPr>
-          </a:p>
-          <a:p>
-            <a:pPr lvl="2" marL="1143000" indent="-228240">
-              <a:lnSpc>
-                <a:spcPct val="90000"/>
-              </a:lnSpc>
+            <a:endParaRPr b="0" lang="ru-RU" sz="1800" spc="-1" strike="noStrike">
+              <a:latin typeface="Arial"/>
+            </a:endParaRPr>
+          </a:p>
+          <a:p>
+            <a:pPr lvl="2" marL="1296000" indent="-288000">
               <a:spcBef>
-                <a:spcPts val="499"/>
+                <a:spcPts val="850"/>
               </a:spcBef>
               <a:buClr>
                 <a:srgbClr val="000000"/>
               </a:buClr>
-              <a:buFont typeface="Arial"/>
-              <a:buChar char="•"/>
+              <a:buSzPct val="45000"/>
+              <a:buFont typeface="Wingdings" charset="2"/>
+              <a:buChar char=""/>
             </a:pPr>
             <a:r>
-              <a:rPr b="0" lang="ru-RU" sz="2000" spc="-1" strike="noStrike">
-                <a:solidFill>
-                  <a:srgbClr val="000000"/>
-                </a:solidFill>
-                <a:latin typeface="Calibri"/>
+              <a:rPr b="0" lang="ru-RU" sz="1800" spc="-1" strike="noStrike">
+                <a:latin typeface="Arial"/>
               </a:rPr>
-              <a:t>Третий уровень</a:t>
+              <a:t>Third Outline Level</a:t>
             </a:r>
-            <a:endParaRPr b="0" lang="ru-RU" sz="2000" spc="-1" strike="noStrike">
-              <a:solidFill>
-                <a:srgbClr val="000000"/>
-              </a:solidFill>
-              <a:latin typeface="Calibri"/>
-            </a:endParaRPr>
-          </a:p>
-          <a:p>
-            <a:pPr lvl="3" marL="1600200" indent="-228240">
-              <a:lnSpc>
-                <a:spcPct val="90000"/>
-              </a:lnSpc>
+            <a:endParaRPr b="0" lang="ru-RU" sz="1800" spc="-1" strike="noStrike">
+              <a:latin typeface="Arial"/>
+            </a:endParaRPr>
+          </a:p>
+          <a:p>
+            <a:pPr lvl="3" marL="1728000" indent="-216000">
               <a:spcBef>
-                <a:spcPts val="499"/>
+                <a:spcPts val="567"/>
               </a:spcBef>
               <a:buClr>
                 <a:srgbClr val="000000"/>
               </a:buClr>
-              <a:buFont typeface="Arial"/>
-              <a:buChar char="•"/>
+              <a:buSzPct val="75000"/>
+              <a:buFont typeface="Symbol" charset="2"/>
+              <a:buChar char=""/>
             </a:pPr>
             <a:r>
               <a:rPr b="0" lang="ru-RU" sz="1800" spc="-1" strike="noStrike">
-                <a:solidFill>
-                  <a:srgbClr val="000000"/>
-                </a:solidFill>
-                <a:latin typeface="Calibri"/>
+                <a:latin typeface="Arial"/>
               </a:rPr>
-              <a:t>Четвертый уровень</a:t>
+              <a:t>Fourth Outline Level</a:t>
             </a:r>
             <a:endParaRPr b="0" lang="ru-RU" sz="1800" spc="-1" strike="noStrike">
-              <a:solidFill>
-                <a:srgbClr val="000000"/>
-              </a:solidFill>
-              <a:latin typeface="Calibri"/>
-            </a:endParaRPr>
-          </a:p>
-          <a:p>
-            <a:pPr lvl="4" marL="2057400" indent="-228240">
-              <a:lnSpc>
-                <a:spcPct val="90000"/>
-              </a:lnSpc>
+              <a:latin typeface="Arial"/>
+            </a:endParaRPr>
+          </a:p>
+          <a:p>
+            <a:pPr lvl="4" marL="2160000" indent="-216000">
               <a:spcBef>
-                <a:spcPts val="499"/>
+                <a:spcPts val="283"/>
               </a:spcBef>
               <a:buClr>
                 <a:srgbClr val="000000"/>
               </a:buClr>
-              <a:buFont typeface="Arial"/>
-              <a:buChar char="•"/>
+              <a:buSzPct val="45000"/>
+              <a:buFont typeface="Wingdings" charset="2"/>
+              <a:buChar char=""/>
             </a:pPr>
             <a:r>
               <a:rPr b="0" lang="ru-RU" sz="1800" spc="-1" strike="noStrike">
-                <a:solidFill>
-                  <a:srgbClr val="000000"/>
-                </a:solidFill>
-                <a:latin typeface="Calibri"/>
+                <a:latin typeface="Arial"/>
               </a:rPr>
-              <a:t>Пятый уровень</a:t>
+              <a:t>Fifth Outline Level</a:t>
             </a:r>
             <a:endParaRPr b="0" lang="ru-RU" sz="1800" spc="-1" strike="noStrike">
-              <a:solidFill>
-                <a:srgbClr val="000000"/>
-              </a:solidFill>
-              <a:latin typeface="Calibri"/>
-            </a:endParaRPr>
-          </a:p>
-        </p:txBody>
-      </p:sp>
-      <p:sp>
-        <p:nvSpPr>
-          <p:cNvPr id="43" name="PlaceHolder 3"/>
-          <p:cNvSpPr>
-            <a:spLocks noGrp="1"/>
-          </p:cNvSpPr>
-          <p:nvPr>
-            <p:ph type="body"/>
-          </p:nvPr>
-        </p:nvSpPr>
-        <p:spPr>
-          <a:xfrm>
-            <a:off x="6172200" y="1825560"/>
-            <a:ext cx="5181120" cy="4350960"/>
-          </a:xfrm>
-          <a:prstGeom prst="rect">
-            <a:avLst/>
-          </a:prstGeom>
-        </p:spPr>
-        <p:txBody>
-          <a:bodyPr>
-            <a:noAutofit/>
-          </a:bodyPr>
-          <a:p>
-            <a:pPr marL="228600" indent="-228240">
-              <a:lnSpc>
-                <a:spcPct val="90000"/>
-              </a:lnSpc>
+              <a:latin typeface="Arial"/>
+            </a:endParaRPr>
+          </a:p>
+          <a:p>
+            <a:pPr lvl="5" marL="2592000" indent="-216000">
               <a:spcBef>
-                <a:spcPts val="1001"/>
+                <a:spcPts val="283"/>
               </a:spcBef>
               <a:buClr>
                 <a:srgbClr val="000000"/>
               </a:buClr>
-              <a:buFont typeface="Arial"/>
-              <a:buChar char="•"/>
+              <a:buSzPct val="45000"/>
+              <a:buFont typeface="Wingdings" charset="2"/>
+              <a:buChar char=""/>
             </a:pPr>
             <a:r>
-              <a:rPr b="0" lang="ru-RU" sz="2800" spc="-1" strike="noStrike">
-                <a:solidFill>
-                  <a:srgbClr val="000000"/>
-                </a:solidFill>
-                <a:latin typeface="Calibri"/>
+              <a:rPr b="0" lang="ru-RU" sz="1800" spc="-1" strike="noStrike">
+                <a:latin typeface="Arial"/>
               </a:rPr>
-              <a:t>Образец текста</a:t>
+              <a:t>Sixth Outline Level</a:t>
             </a:r>
-            <a:endParaRPr b="0" lang="ru-RU" sz="2800" spc="-1" strike="noStrike">
-              <a:solidFill>
-                <a:srgbClr val="000000"/>
-              </a:solidFill>
-              <a:latin typeface="Calibri"/>
-            </a:endParaRPr>
-          </a:p>
-          <a:p>
-            <a:pPr lvl="1" marL="685800" indent="-228240">
-              <a:lnSpc>
-                <a:spcPct val="90000"/>
-              </a:lnSpc>
+            <a:endParaRPr b="0" lang="ru-RU" sz="1800" spc="-1" strike="noStrike">
+              <a:latin typeface="Arial"/>
+            </a:endParaRPr>
+          </a:p>
+          <a:p>
+            <a:pPr lvl="6" marL="3024000" indent="-216000">
               <a:spcBef>
-                <a:spcPts val="499"/>
+                <a:spcPts val="283"/>
               </a:spcBef>
               <a:buClr>
                 <a:srgbClr val="000000"/>
               </a:buClr>
-              <a:buFont typeface="Arial"/>
-              <a:buChar char="•"/>
+              <a:buSzPct val="45000"/>
+              <a:buFont typeface="Wingdings" charset="2"/>
+              <a:buChar char=""/>
             </a:pPr>
             <a:r>
-              <a:rPr b="0" lang="ru-RU" sz="2400" spc="-1" strike="noStrike">
-                <a:solidFill>
-                  <a:srgbClr val="000000"/>
-                </a:solidFill>
-                <a:latin typeface="Calibri"/>
+              <a:rPr b="0" lang="ru-RU" sz="1800" spc="-1" strike="noStrike">
+                <a:latin typeface="Arial"/>
               </a:rPr>
-              <a:t>Второй уровень</a:t>
+              <a:t>Seventh Outline Level</a:t>
             </a:r>
-            <a:endParaRPr b="0" lang="ru-RU" sz="2400" spc="-1" strike="noStrike">
-              <a:solidFill>
-                <a:srgbClr val="000000"/>
-              </a:solidFill>
-              <a:latin typeface="Calibri"/>
-            </a:endParaRPr>
-          </a:p>
-          <a:p>
-            <a:pPr lvl="2" marL="1143000" indent="-228240">
-              <a:lnSpc>
-                <a:spcPct val="90000"/>
-              </a:lnSpc>
+            <a:endParaRPr b="0" lang="ru-RU" sz="1800" spc="-1" strike="noStrike">
+              <a:latin typeface="Arial"/>
+            </a:endParaRPr>
+          </a:p>
+        </p:txBody>
+      </p:sp>
+      <p:sp>
+        <p:nvSpPr>
+          <p:cNvPr id="40" name="PlaceHolder 3"/>
+          <p:cNvSpPr>
+            <a:spLocks noGrp="1"/>
+          </p:cNvSpPr>
+          <p:nvPr>
+            <p:ph type="body"/>
+          </p:nvPr>
+        </p:nvSpPr>
+        <p:spPr>
+          <a:xfrm>
+            <a:off x="6231960" y="1604520"/>
+            <a:ext cx="5353920" cy="3976920"/>
+          </a:xfrm>
+          <a:prstGeom prst="rect">
+            <a:avLst/>
+          </a:prstGeom>
+        </p:spPr>
+        <p:txBody>
+          <a:bodyPr lIns="0" rIns="0" tIns="0" bIns="0">
+            <a:normAutofit/>
+          </a:bodyPr>
+          <a:p>
+            <a:pPr marL="432000" indent="-324000">
               <a:spcBef>
-                <a:spcPts val="499"/>
+                <a:spcPts val="1417"/>
               </a:spcBef>
               <a:buClr>
                 <a:srgbClr val="000000"/>
               </a:buClr>
-              <a:buFont typeface="Arial"/>
-              <a:buChar char="•"/>
+              <a:buSzPct val="45000"/>
+              <a:buFont typeface="Wingdings" charset="2"/>
+              <a:buChar char=""/>
             </a:pPr>
             <a:r>
-              <a:rPr b="0" lang="ru-RU" sz="2000" spc="-1" strike="noStrike">
-                <a:solidFill>
-                  <a:srgbClr val="000000"/>
-                </a:solidFill>
-                <a:latin typeface="Calibri"/>
+              <a:rPr b="0" lang="ru-RU" sz="1800" spc="-1" strike="noStrike">
+                <a:latin typeface="Arial"/>
               </a:rPr>
-              <a:t>Третий уровень</a:t>
+              <a:t>Click to edit the outline text format</a:t>
             </a:r>
-            <a:endParaRPr b="0" lang="ru-RU" sz="2000" spc="-1" strike="noStrike">
-              <a:solidFill>
-                <a:srgbClr val="000000"/>
-              </a:solidFill>
-              <a:latin typeface="Calibri"/>
-            </a:endParaRPr>
-          </a:p>
-          <a:p>
-            <a:pPr lvl="3" marL="1600200" indent="-228240">
-              <a:lnSpc>
-                <a:spcPct val="90000"/>
-              </a:lnSpc>
+            <a:endParaRPr b="0" lang="ru-RU" sz="1800" spc="-1" strike="noStrike">
+              <a:latin typeface="Arial"/>
+            </a:endParaRPr>
+          </a:p>
+          <a:p>
+            <a:pPr lvl="1" marL="864000" indent="-324000">
               <a:spcBef>
-                <a:spcPts val="499"/>
+                <a:spcPts val="1134"/>
               </a:spcBef>
               <a:buClr>
                 <a:srgbClr val="000000"/>
               </a:buClr>
-              <a:buFont typeface="Arial"/>
-              <a:buChar char="•"/>
+              <a:buSzPct val="75000"/>
+              <a:buFont typeface="Symbol" charset="2"/>
+              <a:buChar char=""/>
             </a:pPr>
             <a:r>
               <a:rPr b="0" lang="ru-RU" sz="1800" spc="-1" strike="noStrike">
-                <a:solidFill>
-                  <a:srgbClr val="000000"/>
-                </a:solidFill>
-                <a:latin typeface="Calibri"/>
+                <a:latin typeface="Arial"/>
               </a:rPr>
-              <a:t>Четвертый уровень</a:t>
+              <a:t>Second Outline Level</a:t>
             </a:r>
             <a:endParaRPr b="0" lang="ru-RU" sz="1800" spc="-1" strike="noStrike">
-              <a:solidFill>
-                <a:srgbClr val="000000"/>
-              </a:solidFill>
-              <a:latin typeface="Calibri"/>
-            </a:endParaRPr>
-          </a:p>
-          <a:p>
-            <a:pPr lvl="4" marL="2057400" indent="-228240">
-              <a:lnSpc>
-                <a:spcPct val="90000"/>
-              </a:lnSpc>
+              <a:latin typeface="Arial"/>
+            </a:endParaRPr>
+          </a:p>
+          <a:p>
+            <a:pPr lvl="2" marL="1296000" indent="-288000">
               <a:spcBef>
-                <a:spcPts val="499"/>
+                <a:spcPts val="850"/>
               </a:spcBef>
               <a:buClr>
                 <a:srgbClr val="000000"/>
               </a:buClr>
-              <a:buFont typeface="Arial"/>
-              <a:buChar char="•"/>
+              <a:buSzPct val="45000"/>
+              <a:buFont typeface="Wingdings" charset="2"/>
+              <a:buChar char=""/>
             </a:pPr>
             <a:r>
               <a:rPr b="0" lang="ru-RU" sz="1800" spc="-1" strike="noStrike">
-                <a:solidFill>
-                  <a:srgbClr val="000000"/>
-                </a:solidFill>
-                <a:latin typeface="Calibri"/>
+                <a:latin typeface="Arial"/>
               </a:rPr>
-              <a:t>Пятый уровень</a:t>
+              <a:t>Third Outline Level</a:t>
             </a:r>
             <a:endParaRPr b="0" lang="ru-RU" sz="1800" spc="-1" strike="noStrike">
-              <a:solidFill>
+              <a:latin typeface="Arial"/>
+            </a:endParaRPr>
+          </a:p>
+          <a:p>
+            <a:pPr lvl="3" marL="1728000" indent="-216000">
+              <a:spcBef>
+                <a:spcPts val="567"/>
+              </a:spcBef>
+              <a:buClr>
                 <a:srgbClr val="000000"/>
-              </a:solidFill>
-              <a:latin typeface="Calibri"/>
-            </a:endParaRPr>
-          </a:p>
-        </p:txBody>
-      </p:sp>
-      <p:sp>
-        <p:nvSpPr>
-          <p:cNvPr id="44" name="PlaceHolder 4"/>
-          <p:cNvSpPr>
-            <a:spLocks noGrp="1"/>
-          </p:cNvSpPr>
-          <p:nvPr>
-            <p:ph type="dt"/>
-          </p:nvPr>
-        </p:nvSpPr>
-        <p:spPr>
-          <a:xfrm>
-            <a:off x="838080" y="6356520"/>
-            <a:ext cx="2742840" cy="364680"/>
-          </a:xfrm>
-          <a:prstGeom prst="rect">
-            <a:avLst/>
-          </a:prstGeom>
-        </p:spPr>
-        <p:txBody>
-          <a:bodyPr anchor="ctr">
-            <a:noAutofit/>
-          </a:bodyPr>
-          <a:p>
-            <a:pPr>
-              <a:lnSpc>
-                <a:spcPct val="100000"/>
-              </a:lnSpc>
+              </a:buClr>
+              <a:buSzPct val="75000"/>
+              <a:buFont typeface="Symbol" charset="2"/>
+              <a:buChar char=""/>
             </a:pPr>
-            <a:fld id="{0F08E3EE-C1CB-458D-A396-FEC1F93D54AA}" type="datetime">
-              <a:rPr b="0" lang="ru-RU" sz="1200" spc="-1" strike="noStrike">
-                <a:solidFill>
-                  <a:srgbClr val="8b8b8b"/>
-                </a:solidFill>
-                <a:latin typeface="Calibri"/>
+            <a:r>
+              <a:rPr b="0" lang="ru-RU" sz="1800" spc="-1" strike="noStrike">
+                <a:latin typeface="Arial"/>
               </a:rPr>
-              <a:t>18.5.22</a:t>
-            </a:fld>
-            <a:endParaRPr b="0" lang="ru-RU" sz="1200" spc="-1" strike="noStrike">
-              <a:latin typeface="Times New Roman"/>
-            </a:endParaRPr>
-          </a:p>
-        </p:txBody>
-      </p:sp>
-      <p:sp>
-        <p:nvSpPr>
-          <p:cNvPr id="45" name="PlaceHolder 5"/>
-          <p:cNvSpPr>
-            <a:spLocks noGrp="1"/>
-          </p:cNvSpPr>
-          <p:nvPr>
-            <p:ph type="ftr"/>
-          </p:nvPr>
-        </p:nvSpPr>
-        <p:spPr>
-          <a:xfrm>
-            <a:off x="4038480" y="6356520"/>
-            <a:ext cx="4114440" cy="364680"/>
-          </a:xfrm>
-          <a:prstGeom prst="rect">
-            <a:avLst/>
-          </a:prstGeom>
-        </p:spPr>
-        <p:txBody>
-          <a:bodyPr anchor="ctr">
-            <a:noAutofit/>
-          </a:bodyPr>
-          <a:p>
-            <a:endParaRPr b="0" lang="ru-RU" sz="2400" spc="-1" strike="noStrike">
-              <a:latin typeface="Times New Roman"/>
-            </a:endParaRPr>
-          </a:p>
-        </p:txBody>
-      </p:sp>
-      <p:sp>
-        <p:nvSpPr>
-          <p:cNvPr id="46" name="PlaceHolder 6"/>
-          <p:cNvSpPr>
-            <a:spLocks noGrp="1"/>
-          </p:cNvSpPr>
-          <p:nvPr>
-            <p:ph type="sldNum"/>
-          </p:nvPr>
-        </p:nvSpPr>
-        <p:spPr>
-          <a:xfrm>
-            <a:off x="8610480" y="6356520"/>
-            <a:ext cx="2742840" cy="364680"/>
-          </a:xfrm>
-          <a:prstGeom prst="rect">
-            <a:avLst/>
-          </a:prstGeom>
-        </p:spPr>
-        <p:txBody>
-          <a:bodyPr anchor="ctr">
-            <a:noAutofit/>
-          </a:bodyPr>
-          <a:p>
-            <a:pPr algn="r">
-              <a:lnSpc>
-                <a:spcPct val="100000"/>
-              </a:lnSpc>
+              <a:t>Fourth Outline Level</a:t>
+            </a:r>
+            <a:endParaRPr b="0" lang="ru-RU" sz="1800" spc="-1" strike="noStrike">
+              <a:latin typeface="Arial"/>
+            </a:endParaRPr>
+          </a:p>
+          <a:p>
+            <a:pPr lvl="4" marL="2160000" indent="-216000">
+              <a:spcBef>
+                <a:spcPts val="283"/>
+              </a:spcBef>
+              <a:buClr>
+                <a:srgbClr val="000000"/>
+              </a:buClr>
+              <a:buSzPct val="45000"/>
+              <a:buFont typeface="Wingdings" charset="2"/>
+              <a:buChar char=""/>
             </a:pPr>
-            <a:fld id="{4D2EFE9C-A7F6-45CB-AFBC-71D1C357D916}" type="slidenum">
-              <a:rPr b="0" lang="ru-RU" sz="1200" spc="-1" strike="noStrike">
-                <a:solidFill>
-                  <a:srgbClr val="8b8b8b"/>
-                </a:solidFill>
-                <a:latin typeface="Calibri"/>
+            <a:r>
+              <a:rPr b="0" lang="ru-RU" sz="1800" spc="-1" strike="noStrike">
+                <a:latin typeface="Arial"/>
               </a:rPr>
-              <a:t>&lt;number&gt;</a:t>
-            </a:fld>
-            <a:endParaRPr b="0" lang="ru-RU" sz="1200" spc="-1" strike="noStrike">
-              <a:latin typeface="Times New Roman"/>
+              <a:t>Fifth Outline Level</a:t>
+            </a:r>
+            <a:endParaRPr b="0" lang="ru-RU" sz="1800" spc="-1" strike="noStrike">
+              <a:latin typeface="Arial"/>
+            </a:endParaRPr>
+          </a:p>
+          <a:p>
+            <a:pPr lvl="5" marL="2592000" indent="-216000">
+              <a:spcBef>
+                <a:spcPts val="283"/>
+              </a:spcBef>
+              <a:buClr>
+                <a:srgbClr val="000000"/>
+              </a:buClr>
+              <a:buSzPct val="45000"/>
+              <a:buFont typeface="Wingdings" charset="2"/>
+              <a:buChar char=""/>
+            </a:pPr>
+            <a:r>
+              <a:rPr b="0" lang="ru-RU" sz="1800" spc="-1" strike="noStrike">
+                <a:latin typeface="Arial"/>
+              </a:rPr>
+              <a:t>Sixth Outline Level</a:t>
+            </a:r>
+            <a:endParaRPr b="0" lang="ru-RU" sz="1800" spc="-1" strike="noStrike">
+              <a:latin typeface="Arial"/>
+            </a:endParaRPr>
+          </a:p>
+          <a:p>
+            <a:pPr lvl="6" marL="3024000" indent="-216000">
+              <a:spcBef>
+                <a:spcPts val="283"/>
+              </a:spcBef>
+              <a:buClr>
+                <a:srgbClr val="000000"/>
+              </a:buClr>
+              <a:buSzPct val="45000"/>
+              <a:buFont typeface="Wingdings" charset="2"/>
+              <a:buChar char=""/>
+            </a:pPr>
+            <a:r>
+              <a:rPr b="0" lang="ru-RU" sz="1800" spc="-1" strike="noStrike">
+                <a:latin typeface="Arial"/>
+              </a:rPr>
+              <a:t>Seventh Outline Level</a:t>
+            </a:r>
+            <a:endParaRPr b="0" lang="ru-RU" sz="1800" spc="-1" strike="noStrike">
+              <a:latin typeface="Arial"/>
             </a:endParaRPr>
           </a:p>
         </p:txBody>
@@ -5382,7 +4815,7 @@
       </p:grpSpPr>
       <p:sp>
         <p:nvSpPr>
-          <p:cNvPr id="83" name="PlaceHolder 1"/>
+          <p:cNvPr id="77" name="PlaceHolder 1"/>
           <p:cNvSpPr>
             <a:spLocks noGrp="1"/>
           </p:cNvSpPr>
@@ -5392,44 +4825,34 @@
         </p:nvSpPr>
         <p:spPr>
           <a:xfrm>
-            <a:off x="838080" y="365040"/>
-            <a:ext cx="10515240" cy="1325160"/>
-          </a:xfrm>
-          <a:prstGeom prst="rect">
-            <a:avLst/>
-          </a:prstGeom>
-        </p:spPr>
-        <p:txBody>
-          <a:bodyPr anchor="ctr">
+            <a:off x="609480" y="273600"/>
+            <a:ext cx="10972440" cy="1144800"/>
+          </a:xfrm>
+          <a:prstGeom prst="rect">
+            <a:avLst/>
+          </a:prstGeom>
+        </p:spPr>
+        <p:txBody>
+          <a:bodyPr lIns="0" rIns="0" tIns="0" bIns="0" anchor="ctr">
             <a:noAutofit/>
           </a:bodyPr>
           <a:p>
-            <a:pPr>
-              <a:lnSpc>
-                <a:spcPct val="90000"/>
-              </a:lnSpc>
-            </a:pPr>
+            <a:pPr algn="ctr"/>
             <a:r>
               <a:rPr b="0" lang="ru-RU" sz="4400" spc="-1" strike="noStrike">
-                <a:solidFill>
-                  <a:srgbClr val="000000"/>
-                </a:solidFill>
-                <a:latin typeface="Calibri Light"/>
+                <a:latin typeface="Arial"/>
               </a:rPr>
-              <a:t>Образец заголовка</a:t>
+              <a:t>Click to edit the title text format</a:t>
             </a:r>
             <a:endParaRPr b="0" lang="ru-RU" sz="4400" spc="-1" strike="noStrike">
-              <a:solidFill>
-                <a:srgbClr val="000000"/>
-              </a:solidFill>
-              <a:latin typeface="Calibri"/>
-            </a:endParaRPr>
-          </a:p>
-        </p:txBody>
-      </p:sp>
-      <p:sp>
-        <p:nvSpPr>
-          <p:cNvPr id="84" name="PlaceHolder 2"/>
+              <a:latin typeface="Arial"/>
+            </a:endParaRPr>
+          </a:p>
+        </p:txBody>
+      </p:sp>
+      <p:sp>
+        <p:nvSpPr>
+          <p:cNvPr id="78" name="PlaceHolder 2"/>
           <p:cNvSpPr>
             <a:spLocks noGrp="1"/>
           </p:cNvSpPr>
@@ -5439,283 +4862,169 @@
         </p:nvSpPr>
         <p:spPr>
           <a:xfrm>
-            <a:off x="838080" y="1825560"/>
-            <a:ext cx="10515240" cy="4350960"/>
-          </a:xfrm>
-          <a:prstGeom prst="rect">
-            <a:avLst/>
-          </a:prstGeom>
-        </p:spPr>
-        <p:txBody>
-          <a:bodyPr>
-            <a:noAutofit/>
-          </a:bodyPr>
-          <a:p>
-            <a:pPr marL="228600" indent="-228240">
-              <a:lnSpc>
-                <a:spcPct val="90000"/>
-              </a:lnSpc>
+            <a:off x="609480" y="1604520"/>
+            <a:ext cx="10972440" cy="3977280"/>
+          </a:xfrm>
+          <a:prstGeom prst="rect">
+            <a:avLst/>
+          </a:prstGeom>
+        </p:spPr>
+        <p:txBody>
+          <a:bodyPr lIns="0" rIns="0" tIns="0" bIns="0">
+            <a:normAutofit/>
+          </a:bodyPr>
+          <a:p>
+            <a:pPr marL="432000" indent="-324000">
               <a:spcBef>
-                <a:spcPts val="1001"/>
+                <a:spcPts val="1417"/>
               </a:spcBef>
               <a:buClr>
                 <a:srgbClr val="000000"/>
               </a:buClr>
-              <a:buFont typeface="Arial"/>
-              <a:buChar char="•"/>
+              <a:buSzPct val="45000"/>
+              <a:buFont typeface="Wingdings" charset="2"/>
+              <a:buChar char=""/>
             </a:pPr>
             <a:r>
-              <a:rPr b="0" lang="ru-RU" sz="2800" spc="-1" strike="noStrike">
-                <a:solidFill>
-                  <a:srgbClr val="000000"/>
-                </a:solidFill>
-                <a:latin typeface="Calibri"/>
+              <a:rPr b="0" lang="ru-RU" sz="3200" spc="-1" strike="noStrike">
+                <a:latin typeface="Arial"/>
               </a:rPr>
-              <a:t>Образец текста</a:t>
+              <a:t>Click to edit the outline text format</a:t>
             </a:r>
-            <a:endParaRPr b="0" lang="ru-RU" sz="2800" spc="-1" strike="noStrike">
-              <a:solidFill>
-                <a:srgbClr val="000000"/>
-              </a:solidFill>
-              <a:latin typeface="Calibri"/>
-            </a:endParaRPr>
-          </a:p>
-          <a:p>
-            <a:pPr lvl="1" marL="685800" indent="-228240">
-              <a:lnSpc>
-                <a:spcPct val="90000"/>
-              </a:lnSpc>
+            <a:endParaRPr b="0" lang="ru-RU" sz="3200" spc="-1" strike="noStrike">
+              <a:latin typeface="Arial"/>
+            </a:endParaRPr>
+          </a:p>
+          <a:p>
+            <a:pPr lvl="1" marL="864000" indent="-324000">
               <a:spcBef>
-                <a:spcPts val="499"/>
+                <a:spcPts val="1134"/>
               </a:spcBef>
               <a:buClr>
                 <a:srgbClr val="000000"/>
               </a:buClr>
-              <a:buFont typeface="Arial"/>
-              <a:buChar char="•"/>
+              <a:buSzPct val="75000"/>
+              <a:buFont typeface="Symbol" charset="2"/>
+              <a:buChar char=""/>
             </a:pPr>
             <a:r>
-              <a:rPr b="0" lang="ru-RU" sz="2400" spc="-1" strike="noStrike">
-                <a:solidFill>
-                  <a:srgbClr val="000000"/>
-                </a:solidFill>
-                <a:latin typeface="Calibri"/>
+              <a:rPr b="0" lang="ru-RU" sz="2800" spc="-1" strike="noStrike">
+                <a:latin typeface="Arial"/>
               </a:rPr>
-              <a:t>Второй уровень</a:t>
+              <a:t>Second Outline Level</a:t>
             </a:r>
-            <a:endParaRPr b="0" lang="ru-RU" sz="2400" spc="-1" strike="noStrike">
-              <a:solidFill>
-                <a:srgbClr val="000000"/>
-              </a:solidFill>
-              <a:latin typeface="Calibri"/>
-            </a:endParaRPr>
-          </a:p>
-          <a:p>
-            <a:pPr lvl="2" marL="1143000" indent="-228240">
-              <a:lnSpc>
-                <a:spcPct val="90000"/>
-              </a:lnSpc>
+            <a:endParaRPr b="0" lang="ru-RU" sz="2800" spc="-1" strike="noStrike">
+              <a:latin typeface="Arial"/>
+            </a:endParaRPr>
+          </a:p>
+          <a:p>
+            <a:pPr lvl="2" marL="1296000" indent="-288000">
               <a:spcBef>
-                <a:spcPts val="499"/>
+                <a:spcPts val="850"/>
               </a:spcBef>
               <a:buClr>
                 <a:srgbClr val="000000"/>
               </a:buClr>
-              <a:buFont typeface="Arial"/>
-              <a:buChar char="•"/>
+              <a:buSzPct val="45000"/>
+              <a:buFont typeface="Wingdings" charset="2"/>
+              <a:buChar char=""/>
             </a:pPr>
             <a:r>
-              <a:rPr b="0" lang="ru-RU" sz="2000" spc="-1" strike="noStrike">
-                <a:solidFill>
-                  <a:srgbClr val="000000"/>
-                </a:solidFill>
-                <a:latin typeface="Calibri"/>
+              <a:rPr b="0" lang="ru-RU" sz="2400" spc="-1" strike="noStrike">
+                <a:latin typeface="Arial"/>
               </a:rPr>
-              <a:t>Третий уровень</a:t>
+              <a:t>Third Outline Level</a:t>
             </a:r>
-            <a:endParaRPr b="0" lang="ru-RU" sz="2000" spc="-1" strike="noStrike">
-              <a:solidFill>
-                <a:srgbClr val="000000"/>
-              </a:solidFill>
-              <a:latin typeface="Calibri"/>
-            </a:endParaRPr>
-          </a:p>
-          <a:p>
-            <a:pPr lvl="3" marL="1600200" indent="-228240">
-              <a:lnSpc>
-                <a:spcPct val="90000"/>
-              </a:lnSpc>
+            <a:endParaRPr b="0" lang="ru-RU" sz="2400" spc="-1" strike="noStrike">
+              <a:latin typeface="Arial"/>
+            </a:endParaRPr>
+          </a:p>
+          <a:p>
+            <a:pPr lvl="3" marL="1728000" indent="-216000">
               <a:spcBef>
-                <a:spcPts val="499"/>
+                <a:spcPts val="567"/>
               </a:spcBef>
               <a:buClr>
                 <a:srgbClr val="000000"/>
               </a:buClr>
-              <a:buFont typeface="Arial"/>
-              <a:buChar char="•"/>
+              <a:buSzPct val="75000"/>
+              <a:buFont typeface="Symbol" charset="2"/>
+              <a:buChar char=""/>
             </a:pPr>
             <a:r>
-              <a:rPr b="0" lang="ru-RU" sz="1800" spc="-1" strike="noStrike">
-                <a:solidFill>
-                  <a:srgbClr val="000000"/>
-                </a:solidFill>
-                <a:latin typeface="Calibri"/>
+              <a:rPr b="0" lang="ru-RU" sz="2000" spc="-1" strike="noStrike">
+                <a:latin typeface="Arial"/>
               </a:rPr>
-              <a:t>Четвертый уровень</a:t>
+              <a:t>Fourth Outline Level</a:t>
             </a:r>
-            <a:endParaRPr b="0" lang="ru-RU" sz="1800" spc="-1" strike="noStrike">
-              <a:solidFill>
-                <a:srgbClr val="000000"/>
-              </a:solidFill>
-              <a:latin typeface="Calibri"/>
-            </a:endParaRPr>
-          </a:p>
-          <a:p>
-            <a:pPr lvl="4" marL="2057400" indent="-228240">
-              <a:lnSpc>
-                <a:spcPct val="90000"/>
-              </a:lnSpc>
+            <a:endParaRPr b="0" lang="ru-RU" sz="2000" spc="-1" strike="noStrike">
+              <a:latin typeface="Arial"/>
+            </a:endParaRPr>
+          </a:p>
+          <a:p>
+            <a:pPr lvl="4" marL="2160000" indent="-216000">
               <a:spcBef>
-                <a:spcPts val="499"/>
+                <a:spcPts val="283"/>
               </a:spcBef>
               <a:buClr>
                 <a:srgbClr val="000000"/>
               </a:buClr>
-              <a:buFont typeface="Arial"/>
-              <a:buChar char="•"/>
+              <a:buSzPct val="45000"/>
+              <a:buFont typeface="Wingdings" charset="2"/>
+              <a:buChar char=""/>
             </a:pPr>
             <a:r>
-              <a:rPr b="0" lang="ru-RU" sz="1800" spc="-1" strike="noStrike">
-                <a:solidFill>
-                  <a:srgbClr val="000000"/>
-                </a:solidFill>
-                <a:latin typeface="Calibri"/>
+              <a:rPr b="0" lang="ru-RU" sz="2000" spc="-1" strike="noStrike">
+                <a:latin typeface="Arial"/>
               </a:rPr>
-              <a:t>Пятый уровень</a:t>
+              <a:t>Fifth Outline Level</a:t>
             </a:r>
-            <a:endParaRPr b="0" lang="ru-RU" sz="1800" spc="-1" strike="noStrike">
-              <a:solidFill>
+            <a:endParaRPr b="0" lang="ru-RU" sz="2000" spc="-1" strike="noStrike">
+              <a:latin typeface="Arial"/>
+            </a:endParaRPr>
+          </a:p>
+          <a:p>
+            <a:pPr lvl="5" marL="2592000" indent="-216000">
+              <a:spcBef>
+                <a:spcPts val="283"/>
+              </a:spcBef>
+              <a:buClr>
                 <a:srgbClr val="000000"/>
-              </a:solidFill>
-              <a:latin typeface="Calibri"/>
-            </a:endParaRPr>
-          </a:p>
-        </p:txBody>
-      </p:sp>
-      <p:sp>
-        <p:nvSpPr>
-          <p:cNvPr id="85" name="PlaceHolder 3"/>
-          <p:cNvSpPr>
-            <a:spLocks noGrp="1"/>
-          </p:cNvSpPr>
-          <p:nvPr>
-            <p:ph type="dt"/>
-          </p:nvPr>
-        </p:nvSpPr>
-        <p:spPr>
-          <a:xfrm>
-            <a:off x="838080" y="6356520"/>
-            <a:ext cx="2742840" cy="364680"/>
-          </a:xfrm>
-          <a:prstGeom prst="rect">
-            <a:avLst/>
-          </a:prstGeom>
-        </p:spPr>
-        <p:txBody>
-          <a:bodyPr anchor="ctr">
-            <a:noAutofit/>
-          </a:bodyPr>
-          <a:p>
-            <a:pPr>
-              <a:lnSpc>
-                <a:spcPct val="100000"/>
-              </a:lnSpc>
+              </a:buClr>
+              <a:buSzPct val="45000"/>
+              <a:buFont typeface="Wingdings" charset="2"/>
+              <a:buChar char=""/>
             </a:pPr>
-            <a:fld id="{F9068509-77DC-45B3-A6ED-C7BE4FB3380C}" type="datetime">
-              <a:rPr b="0" lang="ru-RU" sz="1200" spc="-1" strike="noStrike">
-                <a:solidFill>
-                  <a:srgbClr val="8b8b8b"/>
-                </a:solidFill>
-                <a:latin typeface="Calibri"/>
+            <a:r>
+              <a:rPr b="0" lang="ru-RU" sz="2000" spc="-1" strike="noStrike">
+                <a:latin typeface="Arial"/>
               </a:rPr>
-              <a:t>18.5.22</a:t>
-            </a:fld>
-            <a:endParaRPr b="0" lang="ru-RU" sz="1200" spc="-1" strike="noStrike">
-              <a:latin typeface="Times New Roman"/>
-            </a:endParaRPr>
-          </a:p>
-        </p:txBody>
-      </p:sp>
-      <p:sp>
-        <p:nvSpPr>
-          <p:cNvPr id="86" name="PlaceHolder 4"/>
-          <p:cNvSpPr>
-            <a:spLocks noGrp="1"/>
-          </p:cNvSpPr>
-          <p:nvPr>
-            <p:ph type="ftr"/>
-          </p:nvPr>
-        </p:nvSpPr>
-        <p:spPr>
-          <a:xfrm>
-            <a:off x="4038480" y="6356520"/>
-            <a:ext cx="4114440" cy="364680"/>
-          </a:xfrm>
-          <a:prstGeom prst="rect">
-            <a:avLst/>
-          </a:prstGeom>
-        </p:spPr>
-        <p:txBody>
-          <a:bodyPr anchor="ctr">
-            <a:noAutofit/>
-          </a:bodyPr>
-          <a:p>
-            <a:endParaRPr b="0" lang="ru-RU" sz="2400" spc="-1" strike="noStrike">
-              <a:latin typeface="Times New Roman"/>
-            </a:endParaRPr>
-          </a:p>
-        </p:txBody>
-      </p:sp>
-      <p:sp>
-        <p:nvSpPr>
-          <p:cNvPr id="87" name="PlaceHolder 5"/>
-          <p:cNvSpPr>
-            <a:spLocks noGrp="1"/>
-          </p:cNvSpPr>
-          <p:nvPr>
-            <p:ph type="sldNum"/>
-          </p:nvPr>
-        </p:nvSpPr>
-        <p:spPr>
-          <a:xfrm>
-            <a:off x="8610480" y="6356520"/>
-            <a:ext cx="2742840" cy="364680"/>
-          </a:xfrm>
-          <a:prstGeom prst="rect">
-            <a:avLst/>
-          </a:prstGeom>
-        </p:spPr>
-        <p:txBody>
-          <a:bodyPr anchor="ctr">
-            <a:noAutofit/>
-          </a:bodyPr>
-          <a:p>
-            <a:pPr algn="r">
-              <a:lnSpc>
-                <a:spcPct val="100000"/>
-              </a:lnSpc>
+              <a:t>Sixth Outline Level</a:t>
+            </a:r>
+            <a:endParaRPr b="0" lang="ru-RU" sz="2000" spc="-1" strike="noStrike">
+              <a:latin typeface="Arial"/>
+            </a:endParaRPr>
+          </a:p>
+          <a:p>
+            <a:pPr lvl="6" marL="3024000" indent="-216000">
+              <a:spcBef>
+                <a:spcPts val="283"/>
+              </a:spcBef>
+              <a:buClr>
+                <a:srgbClr val="000000"/>
+              </a:buClr>
+              <a:buSzPct val="45000"/>
+              <a:buFont typeface="Wingdings" charset="2"/>
+              <a:buChar char=""/>
             </a:pPr>
-            <a:fld id="{02BF84DA-EEE9-4D15-AE67-BA689F795BF1}" type="slidenum">
-              <a:rPr b="0" lang="ru-RU" sz="1200" spc="-1" strike="noStrike">
-                <a:solidFill>
-                  <a:srgbClr val="8b8b8b"/>
-                </a:solidFill>
-                <a:latin typeface="Calibri"/>
+            <a:r>
+              <a:rPr b="0" lang="ru-RU" sz="2000" spc="-1" strike="noStrike">
+                <a:latin typeface="Arial"/>
               </a:rPr>
-              <a:t>&lt;number&gt;</a:t>
-            </a:fld>
-            <a:endParaRPr b="0" lang="ru-RU" sz="1200" spc="-1" strike="noStrike">
-              <a:latin typeface="Times New Roman"/>
+              <a:t>Seventh Outline Level</a:t>
+            </a:r>
+            <a:endParaRPr b="0" lang="ru-RU" sz="2000" spc="-1" strike="noStrike">
+              <a:latin typeface="Arial"/>
             </a:endParaRPr>
           </a:p>
         </p:txBody>
@@ -5766,7 +5075,7 @@
       </p:grpSpPr>
       <p:pic>
         <p:nvPicPr>
-          <p:cNvPr id="124" name="Рисунок 12" descr=""/>
+          <p:cNvPr id="115" name="Рисунок 12" descr=""/>
           <p:cNvPicPr/>
           <p:nvPr/>
         </p:nvPicPr>
@@ -5777,7 +5086,7 @@
         <p:spPr>
           <a:xfrm>
             <a:off x="10667880" y="183600"/>
-            <a:ext cx="1148400" cy="1232640"/>
+            <a:ext cx="1148040" cy="1232280"/>
           </a:xfrm>
           <a:prstGeom prst="rect">
             <a:avLst/>
@@ -5789,14 +5098,14 @@
       </p:pic>
       <p:sp>
         <p:nvSpPr>
-          <p:cNvPr id="125" name="TextShape 1"/>
-          <p:cNvSpPr txBox="1"/>
+          <p:cNvPr id="116" name="CustomShape 1"/>
+          <p:cNvSpPr/>
           <p:nvPr/>
         </p:nvSpPr>
         <p:spPr>
           <a:xfrm>
             <a:off x="1523880" y="1600200"/>
-            <a:ext cx="9143640" cy="2677680"/>
+            <a:ext cx="9143280" cy="2677320"/>
           </a:xfrm>
           <a:prstGeom prst="rect">
             <a:avLst/>
@@ -5806,8 +5115,14 @@
             <a:noFill/>
           </a:ln>
         </p:spPr>
-        <p:txBody>
-          <a:bodyPr anchor="b">
+        <p:style>
+          <a:lnRef idx="0"/>
+          <a:fillRef idx="0"/>
+          <a:effectRef idx="0"/>
+          <a:fontRef idx="minor"/>
+        </p:style>
+        <p:txBody>
+          <a:bodyPr lIns="90000" rIns="90000" tIns="45000" bIns="45000" anchor="b">
             <a:normAutofit fontScale="40000"/>
           </a:bodyPr>
           <a:p>
@@ -5836,24 +5151,21 @@
               <a:t>Нейронная сеть для диагностики заболеваний лёгких и дыхательных путей.</a:t>
             </a:r>
             <a:endParaRPr b="0" lang="ru-RU" sz="6000" spc="-1" strike="noStrike">
-              <a:solidFill>
-                <a:srgbClr val="000000"/>
-              </a:solidFill>
-              <a:latin typeface="Calibri"/>
-            </a:endParaRPr>
-          </a:p>
-        </p:txBody>
-      </p:sp>
-      <p:sp>
-        <p:nvSpPr>
-          <p:cNvPr id="126" name="CustomShape 2"/>
+              <a:latin typeface="Arial"/>
+            </a:endParaRPr>
+          </a:p>
+        </p:txBody>
+      </p:sp>
+      <p:sp>
+        <p:nvSpPr>
+          <p:cNvPr id="117" name="CustomShape 2"/>
           <p:cNvSpPr/>
           <p:nvPr/>
         </p:nvSpPr>
         <p:spPr>
           <a:xfrm>
             <a:off x="7959600" y="5202360"/>
-            <a:ext cx="4232160" cy="1655280"/>
+            <a:ext cx="4231800" cy="1654920"/>
           </a:xfrm>
           <a:prstGeom prst="rect">
             <a:avLst/>
@@ -5870,7 +5182,7 @@
           <a:fontRef idx="minor"/>
         </p:style>
         <p:txBody>
-          <a:bodyPr>
+          <a:bodyPr lIns="90000" rIns="90000" tIns="45000" bIns="45000">
             <a:normAutofit/>
           </a:bodyPr>
           <a:p>
@@ -5891,6 +5203,7 @@
                   <a:srgbClr val="ffffff"/>
                 </a:solidFill>
                 <a:latin typeface="Circe Bold"/>
+                <a:ea typeface="DejaVu Sans"/>
               </a:rPr>
               <a:t>Наставник проекта:</a:t>
             </a:r>
@@ -5916,6 +5229,7 @@
                   <a:srgbClr val="ffffff"/>
                 </a:solidFill>
                 <a:latin typeface="Circe"/>
+                <a:ea typeface="DejaVu Sans"/>
               </a:rPr>
               <a:t>Буистов Владислав Валерьевич</a:t>
             </a:r>
@@ -5943,14 +5257,14 @@
       </p:sp>
       <p:sp>
         <p:nvSpPr>
-          <p:cNvPr id="127" name="CustomShape 3"/>
+          <p:cNvPr id="118" name="CustomShape 3"/>
           <p:cNvSpPr/>
           <p:nvPr/>
         </p:nvSpPr>
         <p:spPr>
           <a:xfrm>
             <a:off x="617760" y="4278240"/>
-            <a:ext cx="8068680" cy="1663200"/>
+            <a:ext cx="8068320" cy="1662840"/>
           </a:xfrm>
           <a:prstGeom prst="rect">
             <a:avLst/>
@@ -5967,7 +5281,7 @@
           <a:fontRef idx="minor"/>
         </p:style>
         <p:txBody>
-          <a:bodyPr>
+          <a:bodyPr lIns="90000" rIns="90000" tIns="45000" bIns="45000">
             <a:normAutofit/>
           </a:bodyPr>
           <a:p>
@@ -5988,6 +5302,7 @@
                   <a:srgbClr val="ffffff"/>
                 </a:solidFill>
                 <a:latin typeface="Circe"/>
+                <a:ea typeface="DejaVu Sans"/>
               </a:rPr>
               <a:t>Проект выполнил:</a:t>
             </a:r>
@@ -6013,6 +5328,7 @@
                   <a:srgbClr val="ffffff"/>
                 </a:solidFill>
                 <a:latin typeface="Circe"/>
+                <a:ea typeface="DejaVu Sans"/>
               </a:rPr>
               <a:t>Никитин Вячеслав</a:t>
             </a:r>
@@ -6036,6 +5352,59 @@
 </file>
 
 <file path=ppt/slides/slide10.xml><?xml version="1.0" encoding="utf-8"?>
+<p:sld xmlns:a="http://schemas.openxmlformats.org/drawingml/2006/main" xmlns:p="http://schemas.openxmlformats.org/presentationml/2006/main" xmlns:r="http://schemas.openxmlformats.org/officeDocument/2006/relationships" xmlns:p14="http://schemas.microsoft.com/office/powerpoint/2010/main" xmlns:p15="http://schemas.microsoft.com/office/powerpoint/2012/main" xmlns:mc="http://schemas.openxmlformats.org/markup-compatibility/2006">
+  <p:cSld>
+    <p:spTree>
+      <p:nvGrpSpPr>
+        <p:cNvPr id="1" name=""/>
+        <p:cNvGrpSpPr/>
+        <p:nvPr/>
+      </p:nvGrpSpPr>
+      <p:grpSpPr>
+        <a:xfrm>
+          <a:off x="0" y="0"/>
+          <a:ext cx="0" cy="0"/>
+          <a:chOff x="0" y="0"/>
+          <a:chExt cx="0" cy="0"/>
+        </a:xfrm>
+      </p:grpSpPr>
+      <p:pic>
+        <p:nvPicPr>
+          <p:cNvPr id="177" name="Рисунок 5" descr=""/>
+          <p:cNvPicPr/>
+          <p:nvPr/>
+        </p:nvPicPr>
+        <p:blipFill>
+          <a:blip r:embed="rId1"/>
+          <a:stretch/>
+        </p:blipFill>
+        <p:spPr>
+          <a:xfrm>
+            <a:off x="0" y="0"/>
+            <a:ext cx="12191400" cy="5363280"/>
+          </a:xfrm>
+          <a:prstGeom prst="rect">
+            <a:avLst/>
+          </a:prstGeom>
+          <a:ln>
+            <a:noFill/>
+          </a:ln>
+        </p:spPr>
+      </p:pic>
+    </p:spTree>
+  </p:cSld>
+  <mc:AlternateContent>
+    <mc:Choice Requires="p14">
+      <p:transition spd="slow" p14:dur="2000"/>
+    </mc:Choice>
+    <mc:Fallback>
+      <p:transition spd="slow"/>
+    </mc:Fallback>
+  </mc:AlternateContent>
+</p:sld>
+</file>
+
+<file path=ppt/slides/slide11.xml><?xml version="1.0" encoding="utf-8"?>
 <p:sld xmlns:a="http://schemas.openxmlformats.org/drawingml/2006/main" xmlns:p="http://schemas.openxmlformats.org/presentationml/2006/main" xmlns:r="http://schemas.openxmlformats.org/officeDocument/2006/relationships" xmlns:p14="http://schemas.microsoft.com/office/powerpoint/2010/main" xmlns:p15="http://schemas.microsoft.com/office/powerpoint/2012/main" xmlns:mc="http://schemas.openxmlformats.org/markup-compatibility/2006">
   <p:cSld>
     <p:bg>
@@ -6061,14 +5430,14 @@
       </p:grpSpPr>
       <p:sp>
         <p:nvSpPr>
-          <p:cNvPr id="177" name="TextShape 1"/>
-          <p:cNvSpPr txBox="1"/>
+          <p:cNvPr id="178" name="CustomShape 1"/>
+          <p:cNvSpPr/>
           <p:nvPr/>
         </p:nvSpPr>
         <p:spPr>
           <a:xfrm>
             <a:off x="1523880" y="1600200"/>
-            <a:ext cx="9143640" cy="1909440"/>
+            <a:ext cx="9143280" cy="1909080"/>
           </a:xfrm>
           <a:prstGeom prst="rect">
             <a:avLst/>
@@ -6078,8 +5447,14 @@
             <a:noFill/>
           </a:ln>
         </p:spPr>
-        <p:txBody>
-          <a:bodyPr anchor="b">
+        <p:style>
+          <a:lnRef idx="0"/>
+          <a:fillRef idx="0"/>
+          <a:effectRef idx="0"/>
+          <a:fontRef idx="minor"/>
+        </p:style>
+        <p:txBody>
+          <a:bodyPr lIns="90000" rIns="90000" tIns="45000" bIns="45000" anchor="b">
             <a:noAutofit/>
           </a:bodyPr>
           <a:p>
@@ -6098,24 +5473,21 @@
               <a:t>Спасибо за внимание!</a:t>
             </a:r>
             <a:endParaRPr b="0" lang="ru-RU" sz="6000" spc="-1" strike="noStrike">
-              <a:solidFill>
-                <a:srgbClr val="000000"/>
-              </a:solidFill>
-              <a:latin typeface="Calibri"/>
-            </a:endParaRPr>
-          </a:p>
-        </p:txBody>
-      </p:sp>
-      <p:sp>
-        <p:nvSpPr>
-          <p:cNvPr id="178" name="TextShape 2"/>
-          <p:cNvSpPr txBox="1"/>
+              <a:latin typeface="Arial"/>
+            </a:endParaRPr>
+          </a:p>
+        </p:txBody>
+      </p:sp>
+      <p:sp>
+        <p:nvSpPr>
+          <p:cNvPr id="179" name="CustomShape 2"/>
+          <p:cNvSpPr/>
           <p:nvPr/>
         </p:nvSpPr>
         <p:spPr>
           <a:xfrm>
             <a:off x="1523880" y="3875760"/>
-            <a:ext cx="9143640" cy="1381680"/>
+            <a:ext cx="9143280" cy="1381320"/>
           </a:xfrm>
           <a:prstGeom prst="rect">
             <a:avLst/>
@@ -6125,8 +5497,14 @@
             <a:noFill/>
           </a:ln>
         </p:spPr>
-        <p:txBody>
-          <a:bodyPr>
+        <p:style>
+          <a:lnRef idx="0"/>
+          <a:fillRef idx="0"/>
+          <a:effectRef idx="0"/>
+          <a:fontRef idx="minor"/>
+        </p:style>
+        <p:txBody>
+          <a:bodyPr lIns="90000" rIns="90000" tIns="45000" bIns="45000">
             <a:noAutofit/>
           </a:bodyPr>
           <a:p>
@@ -6174,7 +5552,7 @@
       </p:sp>
       <p:pic>
         <p:nvPicPr>
-          <p:cNvPr id="179" name="Рисунок 12" descr=""/>
+          <p:cNvPr id="180" name="Рисунок 12" descr=""/>
           <p:cNvPicPr/>
           <p:nvPr/>
         </p:nvPicPr>
@@ -6185,7 +5563,7 @@
         <p:spPr>
           <a:xfrm>
             <a:off x="10667880" y="183600"/>
-            <a:ext cx="1148400" cy="1232640"/>
+            <a:ext cx="1148040" cy="1232280"/>
           </a:xfrm>
           <a:prstGeom prst="rect">
             <a:avLst/>
@@ -6227,7 +5605,7 @@
       </p:grpSpPr>
       <p:pic>
         <p:nvPicPr>
-          <p:cNvPr id="128" name="Рисунок 15" descr=""/>
+          <p:cNvPr id="119" name="Рисунок 15" descr=""/>
           <p:cNvPicPr/>
           <p:nvPr/>
         </p:nvPicPr>
@@ -6238,7 +5616,7 @@
         <p:spPr>
           <a:xfrm>
             <a:off x="0" y="343800"/>
-            <a:ext cx="12191760" cy="6513840"/>
+            <a:ext cx="12191400" cy="6513480"/>
           </a:xfrm>
           <a:prstGeom prst="rect">
             <a:avLst/>
@@ -6250,7 +5628,7 @@
       </p:pic>
       <p:pic>
         <p:nvPicPr>
-          <p:cNvPr id="129" name="Рисунок 4" descr=""/>
+          <p:cNvPr id="120" name="Рисунок 4" descr=""/>
           <p:cNvPicPr/>
           <p:nvPr/>
         </p:nvPicPr>
@@ -6261,7 +5639,7 @@
         <p:spPr>
           <a:xfrm>
             <a:off x="0" y="0"/>
-            <a:ext cx="12191760" cy="343440"/>
+            <a:ext cx="12191400" cy="343080"/>
           </a:xfrm>
           <a:prstGeom prst="rect">
             <a:avLst/>
@@ -6273,7 +5651,7 @@
       </p:pic>
       <p:pic>
         <p:nvPicPr>
-          <p:cNvPr id="130" name="Рисунок 5" descr=""/>
+          <p:cNvPr id="121" name="Рисунок 5" descr=""/>
           <p:cNvPicPr/>
           <p:nvPr/>
         </p:nvPicPr>
@@ -6284,7 +5662,7 @@
         <p:spPr>
           <a:xfrm>
             <a:off x="6095880" y="6537240"/>
-            <a:ext cx="6095520" cy="320400"/>
+            <a:ext cx="6095160" cy="320040"/>
           </a:xfrm>
           <a:prstGeom prst="rect">
             <a:avLst/>
@@ -6296,14 +5674,14 @@
       </p:pic>
       <p:sp>
         <p:nvSpPr>
-          <p:cNvPr id="131" name="CustomShape 1"/>
+          <p:cNvPr id="122" name="CustomShape 1"/>
           <p:cNvSpPr/>
           <p:nvPr/>
         </p:nvSpPr>
         <p:spPr>
           <a:xfrm>
             <a:off x="9840240" y="188280"/>
-            <a:ext cx="1654920" cy="1458360"/>
+            <a:ext cx="1654560" cy="1458000"/>
           </a:xfrm>
           <a:prstGeom prst="hexagon">
             <a:avLst>
@@ -6335,7 +5713,7 @@
       </p:sp>
       <p:pic>
         <p:nvPicPr>
-          <p:cNvPr id="132" name="Рисунок 8" descr=""/>
+          <p:cNvPr id="123" name="Рисунок 8" descr=""/>
           <p:cNvPicPr/>
           <p:nvPr/>
         </p:nvPicPr>
@@ -6346,7 +5724,7 @@
         <p:spPr>
           <a:xfrm>
             <a:off x="10159560" y="371880"/>
-            <a:ext cx="1016640" cy="1090800"/>
+            <a:ext cx="1016280" cy="1090440"/>
           </a:xfrm>
           <a:prstGeom prst="rect">
             <a:avLst/>
@@ -6358,14 +5736,14 @@
       </p:pic>
       <p:sp>
         <p:nvSpPr>
-          <p:cNvPr id="133" name="CustomShape 2"/>
+          <p:cNvPr id="124" name="CustomShape 2"/>
           <p:cNvSpPr/>
           <p:nvPr/>
         </p:nvSpPr>
         <p:spPr>
           <a:xfrm>
             <a:off x="547560" y="-12600"/>
-            <a:ext cx="3787200" cy="364680"/>
+            <a:ext cx="3786840" cy="364320"/>
           </a:xfrm>
           <a:prstGeom prst="rect">
             <a:avLst/>
@@ -6397,6 +5775,7 @@
                   <a:srgbClr val="ffffff"/>
                 </a:solidFill>
                 <a:latin typeface="Circe Bold"/>
+                <a:ea typeface="DejaVu Sans"/>
               </a:rPr>
               <a:t>Направление обучения: Python </a:t>
             </a:r>
@@ -6408,14 +5787,14 @@
       </p:sp>
       <p:sp>
         <p:nvSpPr>
-          <p:cNvPr id="134" name="CustomShape 3"/>
+          <p:cNvPr id="125" name="CustomShape 3"/>
           <p:cNvSpPr/>
           <p:nvPr/>
         </p:nvSpPr>
         <p:spPr>
           <a:xfrm>
             <a:off x="6415920" y="6521400"/>
-            <a:ext cx="5455800" cy="364680"/>
+            <a:ext cx="5455800" cy="364320"/>
           </a:xfrm>
           <a:prstGeom prst="rect">
             <a:avLst/>
@@ -6447,6 +5826,7 @@
                   <a:srgbClr val="ffffff"/>
                 </a:solidFill>
                 <a:latin typeface="Circe Bold"/>
+                <a:ea typeface="DejaVu Sans"/>
               </a:rPr>
               <a:t>Центр цифрового образования детей «IT-КУБ» </a:t>
             </a:r>
@@ -6458,14 +5838,14 @@
       </p:sp>
       <p:sp>
         <p:nvSpPr>
-          <p:cNvPr id="135" name="TextShape 4"/>
-          <p:cNvSpPr txBox="1"/>
+          <p:cNvPr id="126" name="CustomShape 4"/>
+          <p:cNvSpPr/>
           <p:nvPr/>
         </p:nvSpPr>
         <p:spPr>
           <a:xfrm>
             <a:off x="838080" y="716760"/>
-            <a:ext cx="8682480" cy="973440"/>
+            <a:ext cx="8682120" cy="973080"/>
           </a:xfrm>
           <a:prstGeom prst="rect">
             <a:avLst/>
@@ -6475,8 +5855,14 @@
             <a:noFill/>
           </a:ln>
         </p:spPr>
-        <p:txBody>
-          <a:bodyPr anchor="ctr">
+        <p:style>
+          <a:lnRef idx="0"/>
+          <a:fillRef idx="0"/>
+          <a:effectRef idx="0"/>
+          <a:fontRef idx="minor"/>
+        </p:style>
+        <p:txBody>
+          <a:bodyPr lIns="90000" rIns="90000" tIns="45000" bIns="45000" anchor="ctr">
             <a:noAutofit/>
           </a:bodyPr>
           <a:p>
@@ -6495,24 +5881,21 @@
               <a:t>Актуальность</a:t>
             </a:r>
             <a:endParaRPr b="0" lang="ru-RU" sz="4400" spc="-1" strike="noStrike">
-              <a:solidFill>
-                <a:srgbClr val="000000"/>
-              </a:solidFill>
-              <a:latin typeface="Calibri"/>
-            </a:endParaRPr>
-          </a:p>
-        </p:txBody>
-      </p:sp>
-      <p:sp>
-        <p:nvSpPr>
-          <p:cNvPr id="136" name="TextShape 5"/>
-          <p:cNvSpPr txBox="1"/>
+              <a:latin typeface="Arial"/>
+            </a:endParaRPr>
+          </a:p>
+        </p:txBody>
+      </p:sp>
+      <p:sp>
+        <p:nvSpPr>
+          <p:cNvPr id="127" name="CustomShape 5"/>
+          <p:cNvSpPr/>
           <p:nvPr/>
         </p:nvSpPr>
         <p:spPr>
           <a:xfrm>
             <a:off x="329760" y="1425240"/>
-            <a:ext cx="10337760" cy="4350960"/>
+            <a:ext cx="10337400" cy="4350600"/>
           </a:xfrm>
           <a:prstGeom prst="rect">
             <a:avLst/>
@@ -6522,12 +5905,18 @@
             <a:noFill/>
           </a:ln>
         </p:spPr>
-        <p:txBody>
-          <a:bodyPr>
+        <p:style>
+          <a:lnRef idx="0"/>
+          <a:fillRef idx="0"/>
+          <a:effectRef idx="0"/>
+          <a:fontRef idx="minor"/>
+        </p:style>
+        <p:txBody>
+          <a:bodyPr lIns="90000" rIns="90000" tIns="45000" bIns="45000">
             <a:noAutofit/>
           </a:bodyPr>
           <a:p>
-            <a:pPr marL="228600" indent="-228240">
+            <a:pPr marL="228600" indent="-227880">
               <a:lnSpc>
                 <a:spcPct val="90000"/>
               </a:lnSpc>
@@ -6550,24 +5939,21 @@
               <a:t>В настоящее время технологическое развитие больниц в нашей стране отстаёт от мировых стандартов. Шагом к цифровизации и автоматизации больниц станет разработанная мной нейронная сеть, способная автоматически диагностировать с точностью более 90% заболевания лёгких и дыхательной системы. Минималистичный дизайн, совмещённый с высоким функционалом обеспечит быструю постановку диагноза любым человеком с любым устройством, имеющим выход в интернет, т.к. для использования программы не требуются медицинские знания или глубокие знания компьютера. </a:t>
             </a:r>
             <a:endParaRPr b="0" lang="ru-RU" sz="2800" spc="-1" strike="noStrike">
-              <a:solidFill>
-                <a:srgbClr val="000000"/>
-              </a:solidFill>
-              <a:latin typeface="Calibri"/>
-            </a:endParaRPr>
-          </a:p>
-        </p:txBody>
-      </p:sp>
-      <p:sp>
-        <p:nvSpPr>
-          <p:cNvPr id="137" name="TextShape 6"/>
-          <p:cNvSpPr txBox="1"/>
+              <a:latin typeface="Arial"/>
+            </a:endParaRPr>
+          </a:p>
+        </p:txBody>
+      </p:sp>
+      <p:sp>
+        <p:nvSpPr>
+          <p:cNvPr id="128" name="CustomShape 6"/>
+          <p:cNvSpPr/>
           <p:nvPr/>
         </p:nvSpPr>
         <p:spPr>
           <a:xfrm>
             <a:off x="838080" y="6352560"/>
-            <a:ext cx="2742840" cy="364680"/>
+            <a:ext cx="2742480" cy="364320"/>
           </a:xfrm>
           <a:prstGeom prst="rect">
             <a:avLst/>
@@ -6577,8 +5963,14 @@
             <a:noFill/>
           </a:ln>
         </p:spPr>
-        <p:txBody>
-          <a:bodyPr anchor="ctr">
+        <p:style>
+          <a:lnRef idx="0"/>
+          <a:fillRef idx="0"/>
+          <a:effectRef idx="0"/>
+          <a:fontRef idx="minor"/>
+        </p:style>
+        <p:txBody>
+          <a:bodyPr lIns="90000" rIns="90000" tIns="45000" bIns="45000" anchor="ctr">
             <a:noAutofit/>
           </a:bodyPr>
           <a:p>
@@ -6587,24 +5979,24 @@
                 <a:spcPct val="100000"/>
               </a:lnSpc>
             </a:pPr>
-            <a:fld id="{CCFCD257-4007-4332-A315-AB2422A1D5CF}" type="slidenum">
+            <a:fld id="{369C2F72-C582-43A5-BC90-74983EEDC9B6}" type="slidenum">
               <a:rPr b="1" lang="ru-RU" sz="1600" spc="-1" strike="noStrike">
                 <a:solidFill>
                   <a:srgbClr val="000000"/>
                 </a:solidFill>
                 <a:latin typeface="Circe Bold"/>
               </a:rPr>
-              <a:t>1</a:t>
+              <a:t>&lt;number&gt;</a:t>
             </a:fld>
             <a:endParaRPr b="0" lang="ru-RU" sz="1600" spc="-1" strike="noStrike">
-              <a:latin typeface="Times New Roman"/>
+              <a:latin typeface="Arial"/>
             </a:endParaRPr>
           </a:p>
         </p:txBody>
       </p:sp>
       <p:pic>
         <p:nvPicPr>
-          <p:cNvPr id="138" name="" descr=""/>
+          <p:cNvPr id="129" name="" descr=""/>
           <p:cNvPicPr/>
           <p:nvPr/>
         </p:nvPicPr>
@@ -6615,7 +6007,7 @@
         <p:spPr>
           <a:xfrm>
             <a:off x="1656000" y="6061320"/>
-            <a:ext cx="10542240" cy="418680"/>
+            <a:ext cx="10541880" cy="418320"/>
           </a:xfrm>
           <a:prstGeom prst="rect">
             <a:avLst/>
@@ -6657,7 +6049,7 @@
       </p:grpSpPr>
       <p:pic>
         <p:nvPicPr>
-          <p:cNvPr id="139" name="Рисунок 15" descr=""/>
+          <p:cNvPr id="130" name="Рисунок 15" descr=""/>
           <p:cNvPicPr/>
           <p:nvPr/>
         </p:nvPicPr>
@@ -6668,7 +6060,7 @@
         <p:spPr>
           <a:xfrm>
             <a:off x="0" y="343800"/>
-            <a:ext cx="12191760" cy="6513840"/>
+            <a:ext cx="12191400" cy="6513480"/>
           </a:xfrm>
           <a:prstGeom prst="rect">
             <a:avLst/>
@@ -6680,7 +6072,7 @@
       </p:pic>
       <p:pic>
         <p:nvPicPr>
-          <p:cNvPr id="140" name="Рисунок 4" descr=""/>
+          <p:cNvPr id="131" name="Рисунок 4" descr=""/>
           <p:cNvPicPr/>
           <p:nvPr/>
         </p:nvPicPr>
@@ -6691,7 +6083,7 @@
         <p:spPr>
           <a:xfrm>
             <a:off x="0" y="0"/>
-            <a:ext cx="12191760" cy="343440"/>
+            <a:ext cx="12191400" cy="343080"/>
           </a:xfrm>
           <a:prstGeom prst="rect">
             <a:avLst/>
@@ -6703,7 +6095,7 @@
       </p:pic>
       <p:pic>
         <p:nvPicPr>
-          <p:cNvPr id="141" name="Рисунок 5" descr=""/>
+          <p:cNvPr id="132" name="Рисунок 5" descr=""/>
           <p:cNvPicPr/>
           <p:nvPr/>
         </p:nvPicPr>
@@ -6714,7 +6106,7 @@
         <p:spPr>
           <a:xfrm>
             <a:off x="6095880" y="6537240"/>
-            <a:ext cx="6095520" cy="320400"/>
+            <a:ext cx="6095160" cy="320040"/>
           </a:xfrm>
           <a:prstGeom prst="rect">
             <a:avLst/>
@@ -6726,14 +6118,14 @@
       </p:pic>
       <p:sp>
         <p:nvSpPr>
-          <p:cNvPr id="142" name="CustomShape 1"/>
+          <p:cNvPr id="133" name="CustomShape 1"/>
           <p:cNvSpPr/>
           <p:nvPr/>
         </p:nvSpPr>
         <p:spPr>
           <a:xfrm>
             <a:off x="9840240" y="188280"/>
-            <a:ext cx="1654920" cy="1458360"/>
+            <a:ext cx="1654560" cy="1458000"/>
           </a:xfrm>
           <a:prstGeom prst="hexagon">
             <a:avLst>
@@ -6765,7 +6157,7 @@
       </p:sp>
       <p:pic>
         <p:nvPicPr>
-          <p:cNvPr id="143" name="Рисунок 8" descr=""/>
+          <p:cNvPr id="134" name="Рисунок 8" descr=""/>
           <p:cNvPicPr/>
           <p:nvPr/>
         </p:nvPicPr>
@@ -6776,7 +6168,7 @@
         <p:spPr>
           <a:xfrm>
             <a:off x="10159560" y="371880"/>
-            <a:ext cx="1016640" cy="1090800"/>
+            <a:ext cx="1016280" cy="1090440"/>
           </a:xfrm>
           <a:prstGeom prst="rect">
             <a:avLst/>
@@ -6788,14 +6180,14 @@
       </p:pic>
       <p:sp>
         <p:nvSpPr>
-          <p:cNvPr id="144" name="CustomShape 2"/>
+          <p:cNvPr id="135" name="CustomShape 2"/>
           <p:cNvSpPr/>
           <p:nvPr/>
         </p:nvSpPr>
         <p:spPr>
           <a:xfrm>
             <a:off x="547560" y="-12600"/>
-            <a:ext cx="3787200" cy="364680"/>
+            <a:ext cx="3786840" cy="364320"/>
           </a:xfrm>
           <a:prstGeom prst="rect">
             <a:avLst/>
@@ -6827,6 +6219,7 @@
                   <a:srgbClr val="ffffff"/>
                 </a:solidFill>
                 <a:latin typeface="Circe Bold"/>
+                <a:ea typeface="DejaVu Sans"/>
               </a:rPr>
               <a:t>Направление обучения: Python </a:t>
             </a:r>
@@ -6838,14 +6231,14 @@
       </p:sp>
       <p:sp>
         <p:nvSpPr>
-          <p:cNvPr id="145" name="CustomShape 3"/>
+          <p:cNvPr id="136" name="CustomShape 3"/>
           <p:cNvSpPr/>
           <p:nvPr/>
         </p:nvSpPr>
         <p:spPr>
           <a:xfrm>
             <a:off x="6415920" y="6521400"/>
-            <a:ext cx="5455800" cy="364680"/>
+            <a:ext cx="5455800" cy="364320"/>
           </a:xfrm>
           <a:prstGeom prst="rect">
             <a:avLst/>
@@ -6877,6 +6270,7 @@
                   <a:srgbClr val="ffffff"/>
                 </a:solidFill>
                 <a:latin typeface="Circe Bold"/>
+                <a:ea typeface="DejaVu Sans"/>
               </a:rPr>
               <a:t>Центр цифрового образования детей «IT-КУБ» </a:t>
             </a:r>
@@ -6888,14 +6282,14 @@
       </p:sp>
       <p:sp>
         <p:nvSpPr>
-          <p:cNvPr id="146" name="TextShape 4"/>
-          <p:cNvSpPr txBox="1"/>
+          <p:cNvPr id="137" name="CustomShape 4"/>
+          <p:cNvSpPr/>
           <p:nvPr/>
         </p:nvSpPr>
         <p:spPr>
           <a:xfrm>
             <a:off x="838080" y="716760"/>
-            <a:ext cx="8682480" cy="973440"/>
+            <a:ext cx="8682120" cy="973080"/>
           </a:xfrm>
           <a:prstGeom prst="rect">
             <a:avLst/>
@@ -6905,8 +6299,14 @@
             <a:noFill/>
           </a:ln>
         </p:spPr>
-        <p:txBody>
-          <a:bodyPr anchor="ctr">
+        <p:style>
+          <a:lnRef idx="0"/>
+          <a:fillRef idx="0"/>
+          <a:effectRef idx="0"/>
+          <a:fontRef idx="minor"/>
+        </p:style>
+        <p:txBody>
+          <a:bodyPr lIns="90000" rIns="90000" tIns="45000" bIns="45000" anchor="ctr">
             <a:noAutofit/>
           </a:bodyPr>
           <a:p>
@@ -6925,24 +6325,21 @@
               <a:t>Целевая аудитория</a:t>
             </a:r>
             <a:endParaRPr b="0" lang="ru-RU" sz="4400" spc="-1" strike="noStrike">
-              <a:solidFill>
-                <a:srgbClr val="000000"/>
-              </a:solidFill>
-              <a:latin typeface="Calibri"/>
-            </a:endParaRPr>
-          </a:p>
-        </p:txBody>
-      </p:sp>
-      <p:sp>
-        <p:nvSpPr>
-          <p:cNvPr id="147" name="TextShape 5"/>
-          <p:cNvSpPr txBox="1"/>
+              <a:latin typeface="Arial"/>
+            </a:endParaRPr>
+          </a:p>
+        </p:txBody>
+      </p:sp>
+      <p:sp>
+        <p:nvSpPr>
+          <p:cNvPr id="138" name="CustomShape 5"/>
+          <p:cNvSpPr/>
           <p:nvPr/>
         </p:nvSpPr>
         <p:spPr>
           <a:xfrm>
             <a:off x="838080" y="1825560"/>
-            <a:ext cx="10337760" cy="4350960"/>
+            <a:ext cx="10337400" cy="4350600"/>
           </a:xfrm>
           <a:prstGeom prst="rect">
             <a:avLst/>
@@ -6952,12 +6349,18 @@
             <a:noFill/>
           </a:ln>
         </p:spPr>
-        <p:txBody>
-          <a:bodyPr>
+        <p:style>
+          <a:lnRef idx="0"/>
+          <a:fillRef idx="0"/>
+          <a:effectRef idx="0"/>
+          <a:fontRef idx="minor"/>
+        </p:style>
+        <p:txBody>
+          <a:bodyPr lIns="90000" rIns="90000" tIns="45000" bIns="45000">
             <a:noAutofit/>
           </a:bodyPr>
           <a:p>
-            <a:pPr marL="228600" indent="-228240">
+            <a:pPr marL="228600" indent="-227880">
               <a:lnSpc>
                 <a:spcPct val="90000"/>
               </a:lnSpc>
@@ -6977,54 +6380,24 @@
                 </a:solidFill>
                 <a:latin typeface="Circe"/>
               </a:rPr>
-              <a:t>Целевой аудиторией моего проекта являются любые </a:t>
-            </a:r>
-            <a:r>
-              <a:rPr b="0" lang="ru-RU" sz="2800" spc="-1" strike="noStrike">
-                <a:solidFill>
-                  <a:srgbClr val="000000"/>
-                </a:solidFill>
-                <a:latin typeface="Circe"/>
-              </a:rPr>
-              <a:t>медицинские учреждения, желающие ускорить </a:t>
-            </a:r>
-            <a:r>
-              <a:rPr b="0" lang="ru-RU" sz="2800" spc="-1" strike="noStrike">
-                <a:solidFill>
-                  <a:srgbClr val="000000"/>
-                </a:solidFill>
-                <a:latin typeface="Circe"/>
-              </a:rPr>
-              <a:t>постановку диагноза пациентам, заметно повысив </a:t>
-            </a:r>
-            <a:r>
-              <a:rPr b="0" lang="ru-RU" sz="2800" spc="-1" strike="noStrike">
-                <a:solidFill>
-                  <a:srgbClr val="000000"/>
-                </a:solidFill>
-                <a:latin typeface="Circe"/>
-              </a:rPr>
-              <a:t>производительность лечения.</a:t>
+              <a:t>Целевой аудиторией моего проекта являются любые медицинские учреждения, желающие ускорить постановку диагноза пациентам, заметно повысив производительность лечения.</a:t>
             </a:r>
             <a:endParaRPr b="0" lang="ru-RU" sz="2800" spc="-1" strike="noStrike">
-              <a:solidFill>
-                <a:srgbClr val="000000"/>
-              </a:solidFill>
-              <a:latin typeface="Calibri"/>
-            </a:endParaRPr>
-          </a:p>
-        </p:txBody>
-      </p:sp>
-      <p:sp>
-        <p:nvSpPr>
-          <p:cNvPr id="148" name="TextShape 6"/>
-          <p:cNvSpPr txBox="1"/>
+              <a:latin typeface="Arial"/>
+            </a:endParaRPr>
+          </a:p>
+        </p:txBody>
+      </p:sp>
+      <p:sp>
+        <p:nvSpPr>
+          <p:cNvPr id="139" name="CustomShape 6"/>
+          <p:cNvSpPr/>
           <p:nvPr/>
         </p:nvSpPr>
         <p:spPr>
           <a:xfrm>
             <a:off x="838080" y="6352560"/>
-            <a:ext cx="2742840" cy="364680"/>
+            <a:ext cx="2742480" cy="364320"/>
           </a:xfrm>
           <a:prstGeom prst="rect">
             <a:avLst/>
@@ -7034,8 +6407,14 @@
             <a:noFill/>
           </a:ln>
         </p:spPr>
-        <p:txBody>
-          <a:bodyPr anchor="ctr">
+        <p:style>
+          <a:lnRef idx="0"/>
+          <a:fillRef idx="0"/>
+          <a:effectRef idx="0"/>
+          <a:fontRef idx="minor"/>
+        </p:style>
+        <p:txBody>
+          <a:bodyPr lIns="90000" rIns="90000" tIns="45000" bIns="45000" anchor="ctr">
             <a:noAutofit/>
           </a:bodyPr>
           <a:p>
@@ -7044,24 +6423,24 @@
                 <a:spcPct val="100000"/>
               </a:lnSpc>
             </a:pPr>
-            <a:fld id="{E4F2F3B0-4D46-44C8-B5AD-09A4A929E004}" type="slidenum">
+            <a:fld id="{F1018010-46AB-4769-8D41-EB51FCB440BB}" type="slidenum">
               <a:rPr b="1" lang="ru-RU" sz="1600" spc="-1" strike="noStrike">
                 <a:solidFill>
                   <a:srgbClr val="000000"/>
                 </a:solidFill>
                 <a:latin typeface="Circe Bold"/>
               </a:rPr>
-              <a:t>1</a:t>
+              <a:t>&lt;number&gt;</a:t>
             </a:fld>
             <a:endParaRPr b="0" lang="ru-RU" sz="1600" spc="-1" strike="noStrike">
-              <a:latin typeface="Times New Roman"/>
+              <a:latin typeface="Arial"/>
             </a:endParaRPr>
           </a:p>
         </p:txBody>
       </p:sp>
       <p:pic>
         <p:nvPicPr>
-          <p:cNvPr id="149" name="Рисунок 7" descr=""/>
+          <p:cNvPr id="140" name="Рисунок 7" descr=""/>
           <p:cNvPicPr/>
           <p:nvPr/>
         </p:nvPicPr>
@@ -7072,7 +6451,7 @@
         <p:spPr>
           <a:xfrm>
             <a:off x="5328000" y="3493080"/>
-            <a:ext cx="6863760" cy="3019680"/>
+            <a:ext cx="6863400" cy="3019320"/>
           </a:xfrm>
           <a:prstGeom prst="rect">
             <a:avLst/>
@@ -7114,7 +6493,7 @@
       </p:grpSpPr>
       <p:pic>
         <p:nvPicPr>
-          <p:cNvPr id="150" name="Рисунок 15" descr=""/>
+          <p:cNvPr id="141" name="Рисунок 15" descr=""/>
           <p:cNvPicPr/>
           <p:nvPr/>
         </p:nvPicPr>
@@ -7125,7 +6504,7 @@
         <p:spPr>
           <a:xfrm>
             <a:off x="0" y="343800"/>
-            <a:ext cx="12191760" cy="6513840"/>
+            <a:ext cx="12191400" cy="6513480"/>
           </a:xfrm>
           <a:prstGeom prst="rect">
             <a:avLst/>
@@ -7137,7 +6516,7 @@
       </p:pic>
       <p:pic>
         <p:nvPicPr>
-          <p:cNvPr id="151" name="Рисунок 4" descr=""/>
+          <p:cNvPr id="142" name="Рисунок 4" descr=""/>
           <p:cNvPicPr/>
           <p:nvPr/>
         </p:nvPicPr>
@@ -7148,7 +6527,7 @@
         <p:spPr>
           <a:xfrm>
             <a:off x="0" y="0"/>
-            <a:ext cx="12191760" cy="343440"/>
+            <a:ext cx="12191400" cy="343080"/>
           </a:xfrm>
           <a:prstGeom prst="rect">
             <a:avLst/>
@@ -7160,7 +6539,7 @@
       </p:pic>
       <p:pic>
         <p:nvPicPr>
-          <p:cNvPr id="152" name="Рисунок 5" descr=""/>
+          <p:cNvPr id="143" name="Рисунок 5" descr=""/>
           <p:cNvPicPr/>
           <p:nvPr/>
         </p:nvPicPr>
@@ -7171,7 +6550,7 @@
         <p:spPr>
           <a:xfrm>
             <a:off x="6095880" y="6537240"/>
-            <a:ext cx="6095520" cy="320400"/>
+            <a:ext cx="6095160" cy="320040"/>
           </a:xfrm>
           <a:prstGeom prst="rect">
             <a:avLst/>
@@ -7183,14 +6562,14 @@
       </p:pic>
       <p:sp>
         <p:nvSpPr>
-          <p:cNvPr id="153" name="CustomShape 1"/>
+          <p:cNvPr id="144" name="CustomShape 1"/>
           <p:cNvSpPr/>
           <p:nvPr/>
         </p:nvSpPr>
         <p:spPr>
           <a:xfrm>
             <a:off x="9840240" y="188280"/>
-            <a:ext cx="1654920" cy="1458360"/>
+            <a:ext cx="1654560" cy="1458000"/>
           </a:xfrm>
           <a:prstGeom prst="hexagon">
             <a:avLst>
@@ -7222,7 +6601,7 @@
       </p:sp>
       <p:pic>
         <p:nvPicPr>
-          <p:cNvPr id="154" name="Рисунок 8" descr=""/>
+          <p:cNvPr id="145" name="Рисунок 8" descr=""/>
           <p:cNvPicPr/>
           <p:nvPr/>
         </p:nvPicPr>
@@ -7233,7 +6612,7 @@
         <p:spPr>
           <a:xfrm>
             <a:off x="10159560" y="371880"/>
-            <a:ext cx="1016640" cy="1090800"/>
+            <a:ext cx="1016280" cy="1090440"/>
           </a:xfrm>
           <a:prstGeom prst="rect">
             <a:avLst/>
@@ -7245,14 +6624,14 @@
       </p:pic>
       <p:sp>
         <p:nvSpPr>
-          <p:cNvPr id="155" name="CustomShape 2"/>
+          <p:cNvPr id="146" name="CustomShape 2"/>
           <p:cNvSpPr/>
           <p:nvPr/>
         </p:nvSpPr>
         <p:spPr>
           <a:xfrm>
             <a:off x="547560" y="-12600"/>
-            <a:ext cx="3787200" cy="364680"/>
+            <a:ext cx="3786840" cy="364320"/>
           </a:xfrm>
           <a:prstGeom prst="rect">
             <a:avLst/>
@@ -7284,6 +6663,7 @@
                   <a:srgbClr val="ffffff"/>
                 </a:solidFill>
                 <a:latin typeface="Circe Bold"/>
+                <a:ea typeface="DejaVu Sans"/>
               </a:rPr>
               <a:t>Направление обучения: Python </a:t>
             </a:r>
@@ -7295,14 +6675,14 @@
       </p:sp>
       <p:sp>
         <p:nvSpPr>
-          <p:cNvPr id="156" name="CustomShape 3"/>
+          <p:cNvPr id="147" name="CustomShape 3"/>
           <p:cNvSpPr/>
           <p:nvPr/>
         </p:nvSpPr>
         <p:spPr>
           <a:xfrm>
             <a:off x="6415920" y="6521400"/>
-            <a:ext cx="5455800" cy="364680"/>
+            <a:ext cx="5455800" cy="364320"/>
           </a:xfrm>
           <a:prstGeom prst="rect">
             <a:avLst/>
@@ -7334,6 +6714,7 @@
                   <a:srgbClr val="ffffff"/>
                 </a:solidFill>
                 <a:latin typeface="Circe Bold"/>
+                <a:ea typeface="DejaVu Sans"/>
               </a:rPr>
               <a:t>Центр цифрового образования детей «IT-КУБ» </a:t>
             </a:r>
@@ -7345,14 +6726,14 @@
       </p:sp>
       <p:sp>
         <p:nvSpPr>
-          <p:cNvPr id="157" name="TextShape 4"/>
-          <p:cNvSpPr txBox="1"/>
+          <p:cNvPr id="148" name="CustomShape 4"/>
+          <p:cNvSpPr/>
           <p:nvPr/>
         </p:nvSpPr>
         <p:spPr>
           <a:xfrm>
             <a:off x="838080" y="805320"/>
-            <a:ext cx="9001800" cy="884880"/>
+            <a:ext cx="9001440" cy="884520"/>
           </a:xfrm>
           <a:prstGeom prst="rect">
             <a:avLst/>
@@ -7362,8 +6743,14 @@
             <a:noFill/>
           </a:ln>
         </p:spPr>
-        <p:txBody>
-          <a:bodyPr anchor="ctr">
+        <p:style>
+          <a:lnRef idx="0"/>
+          <a:fillRef idx="0"/>
+          <a:effectRef idx="0"/>
+          <a:fontRef idx="minor"/>
+        </p:style>
+        <p:txBody>
+          <a:bodyPr lIns="90000" rIns="90000" tIns="45000" bIns="45000" anchor="ctr">
             <a:noAutofit/>
           </a:bodyPr>
           <a:p>
@@ -7382,24 +6769,21 @@
               <a:t>Цели и задачи</a:t>
             </a:r>
             <a:endParaRPr b="0" lang="ru-RU" sz="4400" spc="-1" strike="noStrike">
-              <a:solidFill>
-                <a:srgbClr val="000000"/>
-              </a:solidFill>
-              <a:latin typeface="Calibri"/>
-            </a:endParaRPr>
-          </a:p>
-        </p:txBody>
-      </p:sp>
-      <p:sp>
-        <p:nvSpPr>
-          <p:cNvPr id="158" name="TextShape 5"/>
-          <p:cNvSpPr txBox="1"/>
+              <a:latin typeface="Arial"/>
+            </a:endParaRPr>
+          </a:p>
+        </p:txBody>
+      </p:sp>
+      <p:sp>
+        <p:nvSpPr>
+          <p:cNvPr id="149" name="CustomShape 5"/>
+          <p:cNvSpPr/>
           <p:nvPr/>
         </p:nvSpPr>
         <p:spPr>
           <a:xfrm>
             <a:off x="838080" y="1825560"/>
-            <a:ext cx="10515240" cy="4350960"/>
+            <a:ext cx="10514880" cy="4350600"/>
           </a:xfrm>
           <a:prstGeom prst="rect">
             <a:avLst/>
@@ -7409,12 +6793,18 @@
             <a:noFill/>
           </a:ln>
         </p:spPr>
-        <p:txBody>
-          <a:bodyPr>
+        <p:style>
+          <a:lnRef idx="0"/>
+          <a:fillRef idx="0"/>
+          <a:effectRef idx="0"/>
+          <a:fontRef idx="minor"/>
+        </p:style>
+        <p:txBody>
+          <a:bodyPr lIns="90000" rIns="90000" tIns="45000" bIns="45000">
             <a:noAutofit/>
           </a:bodyPr>
           <a:p>
-            <a:pPr marL="228600" indent="-228240">
+            <a:pPr marL="228600" indent="-227880">
               <a:lnSpc>
                 <a:spcPct val="90000"/>
               </a:lnSpc>
@@ -7437,14 +6827,11 @@
               <a:t>Цели: бучить нейронную сеть на наборе снимков КТ и рентгена, добиться высокой точности определения диагноза, интегрировать нейронную сеть с микрофреймворком Flask, написать простой интуитивно понятный HTML каркас, подкреплённый стилями Bootstrap CSS.</a:t>
             </a:r>
             <a:endParaRPr b="0" lang="ru-RU" sz="2800" spc="-1" strike="noStrike">
-              <a:solidFill>
-                <a:srgbClr val="000000"/>
-              </a:solidFill>
-              <a:latin typeface="Calibri"/>
-            </a:endParaRPr>
-          </a:p>
-          <a:p>
-            <a:pPr marL="228600" indent="-228240">
+              <a:latin typeface="Arial"/>
+            </a:endParaRPr>
+          </a:p>
+          <a:p>
+            <a:pPr marL="228600" indent="-227880">
               <a:lnSpc>
                 <a:spcPct val="90000"/>
               </a:lnSpc>
@@ -7467,14 +6854,11 @@
               <a:t>Задачи:</a:t>
             </a:r>
             <a:endParaRPr b="0" lang="ru-RU" sz="2800" spc="-1" strike="noStrike">
-              <a:solidFill>
-                <a:srgbClr val="000000"/>
-              </a:solidFill>
-              <a:latin typeface="Calibri"/>
-            </a:endParaRPr>
-          </a:p>
-          <a:p>
-            <a:pPr marL="228600" indent="-228240">
+              <a:latin typeface="Arial"/>
+            </a:endParaRPr>
+          </a:p>
+          <a:p>
+            <a:pPr marL="228600" indent="-227880">
               <a:lnSpc>
                 <a:spcPct val="90000"/>
               </a:lnSpc>
@@ -7497,24 +6881,21 @@
               <a:t>1. Изучить устройство необходимых библиотек: Tensorflow, keras, flask, werkzeug, jinja, os, pillow, requests, pytest, numpy.</a:t>
             </a:r>
             <a:endParaRPr b="0" lang="ru-RU" sz="2800" spc="-1" strike="noStrike">
-              <a:solidFill>
-                <a:srgbClr val="000000"/>
-              </a:solidFill>
-              <a:latin typeface="Calibri"/>
-            </a:endParaRPr>
-          </a:p>
-        </p:txBody>
-      </p:sp>
-      <p:sp>
-        <p:nvSpPr>
-          <p:cNvPr id="159" name="TextShape 6"/>
-          <p:cNvSpPr txBox="1"/>
+              <a:latin typeface="Arial"/>
+            </a:endParaRPr>
+          </a:p>
+        </p:txBody>
+      </p:sp>
+      <p:sp>
+        <p:nvSpPr>
+          <p:cNvPr id="150" name="CustomShape 6"/>
+          <p:cNvSpPr/>
           <p:nvPr/>
         </p:nvSpPr>
         <p:spPr>
           <a:xfrm>
             <a:off x="838080" y="6352560"/>
-            <a:ext cx="2742840" cy="364680"/>
+            <a:ext cx="2742480" cy="364320"/>
           </a:xfrm>
           <a:prstGeom prst="rect">
             <a:avLst/>
@@ -7524,8 +6905,14 @@
             <a:noFill/>
           </a:ln>
         </p:spPr>
-        <p:txBody>
-          <a:bodyPr anchor="ctr">
+        <p:style>
+          <a:lnRef idx="0"/>
+          <a:fillRef idx="0"/>
+          <a:effectRef idx="0"/>
+          <a:fontRef idx="minor"/>
+        </p:style>
+        <p:txBody>
+          <a:bodyPr lIns="90000" rIns="90000" tIns="45000" bIns="45000" anchor="ctr">
             <a:noAutofit/>
           </a:bodyPr>
           <a:p>
@@ -7534,17 +6921,17 @@
                 <a:spcPct val="100000"/>
               </a:lnSpc>
             </a:pPr>
-            <a:fld id="{B16A2B5A-E571-4198-85AA-F8AED333A72C}" type="slidenum">
+            <a:fld id="{6A5C4D1D-580B-442C-AB2D-356DCD82B97F}" type="slidenum">
               <a:rPr b="1" lang="ru-RU" sz="1600" spc="-1" strike="noStrike">
                 <a:solidFill>
                   <a:srgbClr val="000000"/>
                 </a:solidFill>
                 <a:latin typeface="Circe Bold"/>
               </a:rPr>
-              <a:t>1</a:t>
+              <a:t>&lt;number&gt;</a:t>
             </a:fld>
             <a:endParaRPr b="0" lang="ru-RU" sz="1600" spc="-1" strike="noStrike">
-              <a:latin typeface="Times New Roman"/>
+              <a:latin typeface="Arial"/>
             </a:endParaRPr>
           </a:p>
         </p:txBody>
@@ -7581,7 +6968,7 @@
       </p:grpSpPr>
       <p:pic>
         <p:nvPicPr>
-          <p:cNvPr id="160" name="Рисунок 15" descr=""/>
+          <p:cNvPr id="151" name="Рисунок 15" descr=""/>
           <p:cNvPicPr/>
           <p:nvPr/>
         </p:nvPicPr>
@@ -7592,7 +6979,7 @@
         <p:spPr>
           <a:xfrm>
             <a:off x="0" y="343800"/>
-            <a:ext cx="12191760" cy="6513840"/>
+            <a:ext cx="12191400" cy="6513480"/>
           </a:xfrm>
           <a:prstGeom prst="rect">
             <a:avLst/>
@@ -7604,7 +6991,7 @@
       </p:pic>
       <p:pic>
         <p:nvPicPr>
-          <p:cNvPr id="161" name="Рисунок 4" descr=""/>
+          <p:cNvPr id="152" name="Рисунок 4" descr=""/>
           <p:cNvPicPr/>
           <p:nvPr/>
         </p:nvPicPr>
@@ -7615,7 +7002,7 @@
         <p:spPr>
           <a:xfrm>
             <a:off x="0" y="0"/>
-            <a:ext cx="12191760" cy="343440"/>
+            <a:ext cx="12191400" cy="343080"/>
           </a:xfrm>
           <a:prstGeom prst="rect">
             <a:avLst/>
@@ -7627,7 +7014,7 @@
       </p:pic>
       <p:pic>
         <p:nvPicPr>
-          <p:cNvPr id="162" name="Рисунок 5" descr=""/>
+          <p:cNvPr id="153" name="Рисунок 5" descr=""/>
           <p:cNvPicPr/>
           <p:nvPr/>
         </p:nvPicPr>
@@ -7638,7 +7025,7 @@
         <p:spPr>
           <a:xfrm>
             <a:off x="6095880" y="6537240"/>
-            <a:ext cx="6095520" cy="320400"/>
+            <a:ext cx="6095160" cy="320040"/>
           </a:xfrm>
           <a:prstGeom prst="rect">
             <a:avLst/>
@@ -7650,14 +7037,14 @@
       </p:pic>
       <p:sp>
         <p:nvSpPr>
-          <p:cNvPr id="163" name="CustomShape 1"/>
+          <p:cNvPr id="154" name="CustomShape 1"/>
           <p:cNvSpPr/>
           <p:nvPr/>
         </p:nvSpPr>
         <p:spPr>
           <a:xfrm>
             <a:off x="9840240" y="188280"/>
-            <a:ext cx="1654920" cy="1458360"/>
+            <a:ext cx="1654560" cy="1458000"/>
           </a:xfrm>
           <a:prstGeom prst="hexagon">
             <a:avLst>
@@ -7689,7 +7076,7 @@
       </p:sp>
       <p:pic>
         <p:nvPicPr>
-          <p:cNvPr id="164" name="Рисунок 8" descr=""/>
+          <p:cNvPr id="155" name="Рисунок 8" descr=""/>
           <p:cNvPicPr/>
           <p:nvPr/>
         </p:nvPicPr>
@@ -7700,7 +7087,7 @@
         <p:spPr>
           <a:xfrm>
             <a:off x="10159560" y="371880"/>
-            <a:ext cx="1016640" cy="1090800"/>
+            <a:ext cx="1016280" cy="1090440"/>
           </a:xfrm>
           <a:prstGeom prst="rect">
             <a:avLst/>
@@ -7712,14 +7099,14 @@
       </p:pic>
       <p:sp>
         <p:nvSpPr>
-          <p:cNvPr id="165" name="CustomShape 2"/>
+          <p:cNvPr id="156" name="CustomShape 2"/>
           <p:cNvSpPr/>
           <p:nvPr/>
         </p:nvSpPr>
         <p:spPr>
           <a:xfrm>
             <a:off x="547560" y="-12600"/>
-            <a:ext cx="3787200" cy="364680"/>
+            <a:ext cx="3786840" cy="364320"/>
           </a:xfrm>
           <a:prstGeom prst="rect">
             <a:avLst/>
@@ -7751,6 +7138,7 @@
                   <a:srgbClr val="ffffff"/>
                 </a:solidFill>
                 <a:latin typeface="Circe Bold"/>
+                <a:ea typeface="DejaVu Sans"/>
               </a:rPr>
               <a:t>Направление обучения: Python </a:t>
             </a:r>
@@ -7762,14 +7150,14 @@
       </p:sp>
       <p:sp>
         <p:nvSpPr>
-          <p:cNvPr id="166" name="CustomShape 3"/>
+          <p:cNvPr id="157" name="CustomShape 3"/>
           <p:cNvSpPr/>
           <p:nvPr/>
         </p:nvSpPr>
         <p:spPr>
           <a:xfrm>
             <a:off x="6415920" y="6521400"/>
-            <a:ext cx="5455800" cy="364680"/>
+            <a:ext cx="5455800" cy="364320"/>
           </a:xfrm>
           <a:prstGeom prst="rect">
             <a:avLst/>
@@ -7801,6 +7189,7 @@
                   <a:srgbClr val="ffffff"/>
                 </a:solidFill>
                 <a:latin typeface="Circe Bold"/>
+                <a:ea typeface="DejaVu Sans"/>
               </a:rPr>
               <a:t>Центр цифрового образования детей «IT-КУБ» </a:t>
             </a:r>
@@ -7812,14 +7201,14 @@
       </p:sp>
       <p:sp>
         <p:nvSpPr>
-          <p:cNvPr id="167" name="TextShape 4"/>
-          <p:cNvSpPr txBox="1"/>
+          <p:cNvPr id="158" name="CustomShape 4"/>
+          <p:cNvSpPr/>
           <p:nvPr/>
         </p:nvSpPr>
         <p:spPr>
           <a:xfrm>
             <a:off x="838080" y="716760"/>
-            <a:ext cx="8682480" cy="973440"/>
+            <a:ext cx="8682120" cy="973080"/>
           </a:xfrm>
           <a:prstGeom prst="rect">
             <a:avLst/>
@@ -7829,8 +7218,14 @@
             <a:noFill/>
           </a:ln>
         </p:spPr>
-        <p:txBody>
-          <a:bodyPr anchor="ctr">
+        <p:style>
+          <a:lnRef idx="0"/>
+          <a:fillRef idx="0"/>
+          <a:effectRef idx="0"/>
+          <a:fontRef idx="minor"/>
+        </p:style>
+        <p:txBody>
+          <a:bodyPr lIns="90000" rIns="90000" tIns="45000" bIns="45000" anchor="ctr">
             <a:noAutofit/>
           </a:bodyPr>
           <a:p>
@@ -7849,24 +7244,21 @@
               <a:t>Перспективы развития</a:t>
             </a:r>
             <a:endParaRPr b="0" lang="ru-RU" sz="4400" spc="-1" strike="noStrike">
-              <a:solidFill>
-                <a:srgbClr val="000000"/>
-              </a:solidFill>
-              <a:latin typeface="Calibri"/>
-            </a:endParaRPr>
-          </a:p>
-        </p:txBody>
-      </p:sp>
-      <p:sp>
-        <p:nvSpPr>
-          <p:cNvPr id="168" name="TextShape 5"/>
-          <p:cNvSpPr txBox="1"/>
+              <a:latin typeface="Arial"/>
+            </a:endParaRPr>
+          </a:p>
+        </p:txBody>
+      </p:sp>
+      <p:sp>
+        <p:nvSpPr>
+          <p:cNvPr id="159" name="CustomShape 5"/>
+          <p:cNvSpPr/>
           <p:nvPr/>
         </p:nvSpPr>
         <p:spPr>
           <a:xfrm>
             <a:off x="838080" y="1825560"/>
-            <a:ext cx="10337760" cy="4350960"/>
+            <a:ext cx="10337400" cy="4350600"/>
           </a:xfrm>
           <a:prstGeom prst="rect">
             <a:avLst/>
@@ -7876,12 +7268,18 @@
             <a:noFill/>
           </a:ln>
         </p:spPr>
-        <p:txBody>
-          <a:bodyPr>
+        <p:style>
+          <a:lnRef idx="0"/>
+          <a:fillRef idx="0"/>
+          <a:effectRef idx="0"/>
+          <a:fontRef idx="minor"/>
+        </p:style>
+        <p:txBody>
+          <a:bodyPr lIns="90000" rIns="90000" tIns="45000" bIns="45000">
             <a:normAutofit fontScale="63000"/>
           </a:bodyPr>
           <a:p>
-            <a:pPr marL="228600" indent="-228240">
+            <a:pPr marL="228600" indent="-227880">
               <a:lnSpc>
                 <a:spcPct val="90000"/>
               </a:lnSpc>
@@ -7904,14 +7302,11 @@
               <a:t>В дальнейшие планы развития проекта входит:</a:t>
             </a:r>
             <a:endParaRPr b="0" lang="ru-RU" sz="2800" spc="-1" strike="noStrike">
-              <a:solidFill>
-                <a:srgbClr val="000000"/>
-              </a:solidFill>
-              <a:latin typeface="Calibri"/>
-            </a:endParaRPr>
-          </a:p>
-          <a:p>
-            <a:pPr marL="228600" indent="-228240">
+              <a:latin typeface="Arial"/>
+            </a:endParaRPr>
+          </a:p>
+          <a:p>
+            <a:pPr marL="228600" indent="-227880">
               <a:lnSpc>
                 <a:spcPct val="90000"/>
               </a:lnSpc>
@@ -7934,14 +7329,11 @@
               <a:t>1. Повышение точности определения диагноза у двух режимов.</a:t>
             </a:r>
             <a:endParaRPr b="0" lang="ru-RU" sz="2800" spc="-1" strike="noStrike">
-              <a:solidFill>
-                <a:srgbClr val="000000"/>
-              </a:solidFill>
-              <a:latin typeface="Calibri"/>
-            </a:endParaRPr>
-          </a:p>
-          <a:p>
-            <a:pPr marL="228600" indent="-228240">
+              <a:latin typeface="Arial"/>
+            </a:endParaRPr>
+          </a:p>
+          <a:p>
+            <a:pPr marL="228600" indent="-227880">
               <a:lnSpc>
                 <a:spcPct val="90000"/>
               </a:lnSpc>
@@ -7964,14 +7356,11 @@
               <a:t>2. Повышение визуального качества сайта.</a:t>
             </a:r>
             <a:endParaRPr b="0" lang="ru-RU" sz="2800" spc="-1" strike="noStrike">
-              <a:solidFill>
-                <a:srgbClr val="000000"/>
-              </a:solidFill>
-              <a:latin typeface="Calibri"/>
-            </a:endParaRPr>
-          </a:p>
-          <a:p>
-            <a:pPr marL="228600" indent="-228240">
+              <a:latin typeface="Arial"/>
+            </a:endParaRPr>
+          </a:p>
+          <a:p>
+            <a:pPr marL="228600" indent="-227880">
               <a:lnSpc>
                 <a:spcPct val="90000"/>
               </a:lnSpc>
@@ -7994,14 +7383,11 @@
               <a:t>3. Добавление определения других заболеваний (рак лёгких, ХОБЛ, аллергический альвеолит, бронхит, отёк лёгких (для реанимационных КТ), ОРДС ).</a:t>
             </a:r>
             <a:endParaRPr b="0" lang="ru-RU" sz="2800" spc="-1" strike="noStrike">
-              <a:solidFill>
-                <a:srgbClr val="000000"/>
-              </a:solidFill>
-              <a:latin typeface="Calibri"/>
-            </a:endParaRPr>
-          </a:p>
-          <a:p>
-            <a:pPr marL="228600" indent="-228240">
+              <a:latin typeface="Arial"/>
+            </a:endParaRPr>
+          </a:p>
+          <a:p>
+            <a:pPr marL="228600" indent="-227880">
               <a:lnSpc>
                 <a:spcPct val="90000"/>
               </a:lnSpc>
@@ -8024,24 +7410,21 @@
               <a:t>4. Создание обширной библиотеки для INOBITEC DICOM, позволяющая диагностировать заболевания автоматически после создания снимка, а так же отправлять данные в медицинскую базу данных пациентов.</a:t>
             </a:r>
             <a:endParaRPr b="0" lang="ru-RU" sz="2800" spc="-1" strike="noStrike">
-              <a:solidFill>
-                <a:srgbClr val="000000"/>
-              </a:solidFill>
-              <a:latin typeface="Calibri"/>
-            </a:endParaRPr>
-          </a:p>
-        </p:txBody>
-      </p:sp>
-      <p:sp>
-        <p:nvSpPr>
-          <p:cNvPr id="169" name="TextShape 6"/>
-          <p:cNvSpPr txBox="1"/>
+              <a:latin typeface="Arial"/>
+            </a:endParaRPr>
+          </a:p>
+        </p:txBody>
+      </p:sp>
+      <p:sp>
+        <p:nvSpPr>
+          <p:cNvPr id="160" name="CustomShape 6"/>
+          <p:cNvSpPr/>
           <p:nvPr/>
         </p:nvSpPr>
         <p:spPr>
           <a:xfrm>
             <a:off x="838080" y="6352560"/>
-            <a:ext cx="2742840" cy="364680"/>
+            <a:ext cx="2742480" cy="364320"/>
           </a:xfrm>
           <a:prstGeom prst="rect">
             <a:avLst/>
@@ -8051,8 +7434,14 @@
             <a:noFill/>
           </a:ln>
         </p:spPr>
-        <p:txBody>
-          <a:bodyPr anchor="ctr">
+        <p:style>
+          <a:lnRef idx="0"/>
+          <a:fillRef idx="0"/>
+          <a:effectRef idx="0"/>
+          <a:fontRef idx="minor"/>
+        </p:style>
+        <p:txBody>
+          <a:bodyPr lIns="90000" rIns="90000" tIns="45000" bIns="45000" anchor="ctr">
             <a:noAutofit/>
           </a:bodyPr>
           <a:p>
@@ -8061,7 +7450,7 @@
                 <a:spcPct val="100000"/>
               </a:lnSpc>
             </a:pPr>
-            <a:fld id="{E2C988D8-F4FC-44E8-ABCF-C9A111AA5089}" type="slidenum">
+            <a:fld id="{E3008EE2-CB42-4D0B-B88B-4E21241323CC}" type="slidenum">
               <a:rPr b="1" lang="ru-RU" sz="1600" spc="-1" strike="noStrike">
                 <a:solidFill>
                   <a:srgbClr val="000000"/>
@@ -8071,7 +7460,7 @@
               <a:t>5</a:t>
             </a:fld>
             <a:endParaRPr b="0" lang="ru-RU" sz="1600" spc="-1" strike="noStrike">
-              <a:latin typeface="Times New Roman"/>
+              <a:latin typeface="Arial"/>
             </a:endParaRPr>
           </a:p>
         </p:txBody>
@@ -8108,7 +7497,7 @@
       </p:grpSpPr>
       <p:pic>
         <p:nvPicPr>
-          <p:cNvPr id="170" name="Рисунок 5" descr=""/>
+          <p:cNvPr id="161" name="Рисунок 15_0" descr=""/>
           <p:cNvPicPr/>
           <p:nvPr/>
         </p:nvPicPr>
@@ -8118,8 +7507,8 @@
         </p:blipFill>
         <p:spPr>
           <a:xfrm>
-            <a:off x="0" y="0"/>
-            <a:ext cx="6370920" cy="3723480"/>
+            <a:off x="0" y="343800"/>
+            <a:ext cx="12191400" cy="6513480"/>
           </a:xfrm>
           <a:prstGeom prst="rect">
             <a:avLst/>
@@ -8131,7 +7520,7 @@
       </p:pic>
       <p:pic>
         <p:nvPicPr>
-          <p:cNvPr id="171" name="Рисунок 7" descr=""/>
+          <p:cNvPr id="162" name="Рисунок 4_1" descr=""/>
           <p:cNvPicPr/>
           <p:nvPr/>
         </p:nvPicPr>
@@ -8141,8 +7530,8 @@
         </p:blipFill>
         <p:spPr>
           <a:xfrm>
-            <a:off x="6371280" y="-8640"/>
-            <a:ext cx="5813640" cy="3723480"/>
+            <a:off x="0" y="0"/>
+            <a:ext cx="12191400" cy="343080"/>
           </a:xfrm>
           <a:prstGeom prst="rect">
             <a:avLst/>
@@ -8154,7 +7543,7 @@
       </p:pic>
       <p:pic>
         <p:nvPicPr>
-          <p:cNvPr id="172" name="Рисунок 9" descr=""/>
+          <p:cNvPr id="163" name="Рисунок 5_1" descr=""/>
           <p:cNvPicPr/>
           <p:nvPr/>
         </p:nvPicPr>
@@ -8164,8 +7553,8 @@
         </p:blipFill>
         <p:spPr>
           <a:xfrm>
-            <a:off x="-87840" y="3486240"/>
-            <a:ext cx="6183360" cy="3595680"/>
+            <a:off x="6095880" y="6537240"/>
+            <a:ext cx="6095160" cy="320040"/>
           </a:xfrm>
           <a:prstGeom prst="rect">
             <a:avLst/>
@@ -8175,9 +7564,48 @@
           </a:ln>
         </p:spPr>
       </p:pic>
+      <p:sp>
+        <p:nvSpPr>
+          <p:cNvPr id="164" name="CustomShape 1"/>
+          <p:cNvSpPr/>
+          <p:nvPr/>
+        </p:nvSpPr>
+        <p:spPr>
+          <a:xfrm>
+            <a:off x="9840240" y="188280"/>
+            <a:ext cx="1654560" cy="1458000"/>
+          </a:xfrm>
+          <a:prstGeom prst="hexagon">
+            <a:avLst>
+              <a:gd name="adj" fmla="val 25000"/>
+              <a:gd name="vf" fmla="val 115470"/>
+            </a:avLst>
+          </a:prstGeom>
+          <a:solidFill>
+            <a:srgbClr val="fecc16"/>
+          </a:solidFill>
+          <a:ln>
+            <a:noFill/>
+          </a:ln>
+        </p:spPr>
+        <p:style>
+          <a:lnRef idx="2">
+            <a:schemeClr val="accent1">
+              <a:shade val="50000"/>
+            </a:schemeClr>
+          </a:lnRef>
+          <a:fillRef idx="1">
+            <a:schemeClr val="accent1"/>
+          </a:fillRef>
+          <a:effectRef idx="0">
+            <a:schemeClr val="accent1"/>
+          </a:effectRef>
+          <a:fontRef idx="minor"/>
+        </p:style>
+      </p:sp>
       <p:pic>
         <p:nvPicPr>
-          <p:cNvPr id="173" name="Рисунок 11" descr=""/>
+          <p:cNvPr id="165" name="Рисунок 8_1" descr=""/>
           <p:cNvPicPr/>
           <p:nvPr/>
         </p:nvPicPr>
@@ -8187,8 +7615,233 @@
         </p:blipFill>
         <p:spPr>
           <a:xfrm>
-            <a:off x="6008040" y="3715200"/>
-            <a:ext cx="6183360" cy="3341520"/>
+            <a:off x="10159560" y="371880"/>
+            <a:ext cx="1016280" cy="1090440"/>
+          </a:xfrm>
+          <a:prstGeom prst="rect">
+            <a:avLst/>
+          </a:prstGeom>
+          <a:ln>
+            <a:noFill/>
+          </a:ln>
+        </p:spPr>
+      </p:pic>
+      <p:sp>
+        <p:nvSpPr>
+          <p:cNvPr id="166" name="CustomShape 2"/>
+          <p:cNvSpPr/>
+          <p:nvPr/>
+        </p:nvSpPr>
+        <p:spPr>
+          <a:xfrm>
+            <a:off x="547560" y="-12600"/>
+            <a:ext cx="3786840" cy="364320"/>
+          </a:xfrm>
+          <a:prstGeom prst="rect">
+            <a:avLst/>
+          </a:prstGeom>
+          <a:noFill/>
+          <a:ln>
+            <a:noFill/>
+          </a:ln>
+        </p:spPr>
+        <p:style>
+          <a:lnRef idx="0"/>
+          <a:fillRef idx="0"/>
+          <a:effectRef idx="0"/>
+          <a:fontRef idx="minor"/>
+        </p:style>
+        <p:txBody>
+          <a:bodyPr wrap="none" lIns="90000" rIns="90000" tIns="45000" bIns="45000">
+            <a:spAutoFit/>
+          </a:bodyPr>
+          <a:p>
+            <a:pPr>
+              <a:lnSpc>
+                <a:spcPct val="100000"/>
+              </a:lnSpc>
+            </a:pPr>
+            <a:r>
+              <a:rPr b="0" lang="ru-RU" sz="1800" spc="-1" strike="noStrike">
+                <a:solidFill>
+                  <a:srgbClr val="ffffff"/>
+                </a:solidFill>
+                <a:latin typeface="Circe Bold"/>
+                <a:ea typeface="DejaVu Sans"/>
+              </a:rPr>
+              <a:t>Направление обучения: Python </a:t>
+            </a:r>
+            <a:endParaRPr b="0" lang="ru-RU" sz="1800" spc="-1" strike="noStrike">
+              <a:latin typeface="Arial"/>
+            </a:endParaRPr>
+          </a:p>
+        </p:txBody>
+      </p:sp>
+      <p:sp>
+        <p:nvSpPr>
+          <p:cNvPr id="167" name="CustomShape 3"/>
+          <p:cNvSpPr/>
+          <p:nvPr/>
+        </p:nvSpPr>
+        <p:spPr>
+          <a:xfrm>
+            <a:off x="6415920" y="6521400"/>
+            <a:ext cx="5455800" cy="364320"/>
+          </a:xfrm>
+          <a:prstGeom prst="rect">
+            <a:avLst/>
+          </a:prstGeom>
+          <a:noFill/>
+          <a:ln>
+            <a:noFill/>
+          </a:ln>
+        </p:spPr>
+        <p:style>
+          <a:lnRef idx="0"/>
+          <a:fillRef idx="0"/>
+          <a:effectRef idx="0"/>
+          <a:fontRef idx="minor"/>
+        </p:style>
+        <p:txBody>
+          <a:bodyPr wrap="none" lIns="90000" rIns="90000" tIns="45000" bIns="45000">
+            <a:spAutoFit/>
+          </a:bodyPr>
+          <a:p>
+            <a:pPr>
+              <a:lnSpc>
+                <a:spcPct val="100000"/>
+              </a:lnSpc>
+            </a:pPr>
+            <a:r>
+              <a:rPr b="0" lang="ru-RU" sz="1800" spc="-1" strike="noStrike">
+                <a:solidFill>
+                  <a:srgbClr val="ffffff"/>
+                </a:solidFill>
+                <a:latin typeface="Circe Bold"/>
+                <a:ea typeface="DejaVu Sans"/>
+              </a:rPr>
+              <a:t>Центр цифрового образования детей «IT-КУБ» </a:t>
+            </a:r>
+            <a:endParaRPr b="0" lang="ru-RU" sz="1800" spc="-1" strike="noStrike">
+              <a:latin typeface="Arial"/>
+            </a:endParaRPr>
+          </a:p>
+        </p:txBody>
+      </p:sp>
+      <p:sp>
+        <p:nvSpPr>
+          <p:cNvPr id="168" name="CustomShape 4"/>
+          <p:cNvSpPr/>
+          <p:nvPr/>
+        </p:nvSpPr>
+        <p:spPr>
+          <a:xfrm>
+            <a:off x="838080" y="716760"/>
+            <a:ext cx="8682120" cy="973080"/>
+          </a:xfrm>
+          <a:prstGeom prst="rect">
+            <a:avLst/>
+          </a:prstGeom>
+          <a:noFill/>
+          <a:ln>
+            <a:noFill/>
+          </a:ln>
+        </p:spPr>
+        <p:style>
+          <a:lnRef idx="0"/>
+          <a:fillRef idx="0"/>
+          <a:effectRef idx="0"/>
+          <a:fontRef idx="minor"/>
+        </p:style>
+        <p:txBody>
+          <a:bodyPr lIns="90000" rIns="90000" tIns="45000" bIns="45000" anchor="ctr">
+            <a:noAutofit/>
+          </a:bodyPr>
+          <a:p>
+            <a:pPr>
+              <a:lnSpc>
+                <a:spcPct val="90000"/>
+              </a:lnSpc>
+            </a:pPr>
+            <a:r>
+              <a:rPr b="0" lang="ru-RU" sz="4400" spc="-1" strike="noStrike">
+                <a:solidFill>
+                  <a:srgbClr val="000000"/>
+                </a:solidFill>
+                <a:latin typeface="Circe Bold"/>
+              </a:rPr>
+              <a:t>Репозиторий GitHub</a:t>
+            </a:r>
+            <a:endParaRPr b="0" lang="ru-RU" sz="4400" spc="-1" strike="noStrike">
+              <a:latin typeface="Arial"/>
+            </a:endParaRPr>
+          </a:p>
+        </p:txBody>
+      </p:sp>
+      <p:sp>
+        <p:nvSpPr>
+          <p:cNvPr id="169" name="CustomShape 5"/>
+          <p:cNvSpPr/>
+          <p:nvPr/>
+        </p:nvSpPr>
+        <p:spPr>
+          <a:xfrm>
+            <a:off x="838080" y="6352560"/>
+            <a:ext cx="2742480" cy="364320"/>
+          </a:xfrm>
+          <a:prstGeom prst="rect">
+            <a:avLst/>
+          </a:prstGeom>
+          <a:noFill/>
+          <a:ln>
+            <a:noFill/>
+          </a:ln>
+        </p:spPr>
+        <p:style>
+          <a:lnRef idx="0"/>
+          <a:fillRef idx="0"/>
+          <a:effectRef idx="0"/>
+          <a:fontRef idx="minor"/>
+        </p:style>
+        <p:txBody>
+          <a:bodyPr lIns="90000" rIns="90000" tIns="45000" bIns="45000" anchor="ctr">
+            <a:noAutofit/>
+          </a:bodyPr>
+          <a:p>
+            <a:pPr>
+              <a:lnSpc>
+                <a:spcPct val="100000"/>
+              </a:lnSpc>
+            </a:pPr>
+            <a:fld id="{DBFAA9D5-4166-4868-B80F-D95019C061EF}" type="slidenum">
+              <a:rPr b="1" lang="ru-RU" sz="1600" spc="-1" strike="noStrike">
+                <a:solidFill>
+                  <a:srgbClr val="000000"/>
+                </a:solidFill>
+                <a:latin typeface="Circe Bold"/>
+              </a:rPr>
+              <a:t>&lt;number&gt;</a:t>
+            </a:fld>
+            <a:endParaRPr b="0" lang="ru-RU" sz="1600" spc="-1" strike="noStrike">
+              <a:latin typeface="Arial"/>
+            </a:endParaRPr>
+          </a:p>
+        </p:txBody>
+      </p:sp>
+      <p:pic>
+        <p:nvPicPr>
+          <p:cNvPr id="170" name="" descr=""/>
+          <p:cNvPicPr/>
+          <p:nvPr/>
+        </p:nvPicPr>
+        <p:blipFill>
+          <a:blip r:embed="rId5"/>
+          <a:stretch/>
+        </p:blipFill>
+        <p:spPr>
+          <a:xfrm>
+            <a:off x="4003560" y="1584000"/>
+            <a:ext cx="4132440" cy="4132440"/>
           </a:xfrm>
           <a:prstGeom prst="rect">
             <a:avLst/>
@@ -8230,7 +7883,7 @@
       </p:grpSpPr>
       <p:pic>
         <p:nvPicPr>
-          <p:cNvPr id="174" name="Рисунок 5" descr=""/>
+          <p:cNvPr id="171" name="Рисунок 5" descr=""/>
           <p:cNvPicPr/>
           <p:nvPr/>
         </p:nvPicPr>
@@ -8241,7 +7894,76 @@
         <p:spPr>
           <a:xfrm>
             <a:off x="0" y="0"/>
-            <a:ext cx="12168360" cy="5353560"/>
+            <a:ext cx="6370560" cy="3723120"/>
+          </a:xfrm>
+          <a:prstGeom prst="rect">
+            <a:avLst/>
+          </a:prstGeom>
+          <a:ln>
+            <a:noFill/>
+          </a:ln>
+        </p:spPr>
+      </p:pic>
+      <p:pic>
+        <p:nvPicPr>
+          <p:cNvPr id="172" name="Рисунок 7" descr=""/>
+          <p:cNvPicPr/>
+          <p:nvPr/>
+        </p:nvPicPr>
+        <p:blipFill>
+          <a:blip r:embed="rId2"/>
+          <a:stretch/>
+        </p:blipFill>
+        <p:spPr>
+          <a:xfrm>
+            <a:off x="6371280" y="-8640"/>
+            <a:ext cx="5813280" cy="3723120"/>
+          </a:xfrm>
+          <a:prstGeom prst="rect">
+            <a:avLst/>
+          </a:prstGeom>
+          <a:ln>
+            <a:noFill/>
+          </a:ln>
+        </p:spPr>
+      </p:pic>
+      <p:pic>
+        <p:nvPicPr>
+          <p:cNvPr id="173" name="Рисунок 9" descr=""/>
+          <p:cNvPicPr/>
+          <p:nvPr/>
+        </p:nvPicPr>
+        <p:blipFill>
+          <a:blip r:embed="rId3"/>
+          <a:stretch/>
+        </p:blipFill>
+        <p:spPr>
+          <a:xfrm>
+            <a:off x="-87840" y="3486240"/>
+            <a:ext cx="6183000" cy="3595320"/>
+          </a:xfrm>
+          <a:prstGeom prst="rect">
+            <a:avLst/>
+          </a:prstGeom>
+          <a:ln>
+            <a:noFill/>
+          </a:ln>
+        </p:spPr>
+      </p:pic>
+      <p:pic>
+        <p:nvPicPr>
+          <p:cNvPr id="174" name="Рисунок 11" descr=""/>
+          <p:cNvPicPr/>
+          <p:nvPr/>
+        </p:nvPicPr>
+        <p:blipFill>
+          <a:blip r:embed="rId4"/>
+          <a:stretch/>
+        </p:blipFill>
+        <p:spPr>
+          <a:xfrm>
+            <a:off x="6008040" y="3715200"/>
+            <a:ext cx="6183000" cy="3341160"/>
           </a:xfrm>
           <a:prstGeom prst="rect">
             <a:avLst/>
@@ -8283,7 +8005,7 @@
       </p:grpSpPr>
       <p:pic>
         <p:nvPicPr>
-          <p:cNvPr id="175" name="Рисунок 9" descr=""/>
+          <p:cNvPr id="175" name="Рисунок 5" descr=""/>
           <p:cNvPicPr/>
           <p:nvPr/>
         </p:nvPicPr>
@@ -8294,7 +8016,7 @@
         <p:spPr>
           <a:xfrm>
             <a:off x="0" y="0"/>
-            <a:ext cx="12191760" cy="5381640"/>
+            <a:ext cx="12168000" cy="5353200"/>
           </a:xfrm>
           <a:prstGeom prst="rect">
             <a:avLst/>
@@ -8336,7 +8058,7 @@
       </p:grpSpPr>
       <p:pic>
         <p:nvPicPr>
-          <p:cNvPr id="176" name="Рисунок 5" descr=""/>
+          <p:cNvPr id="176" name="Рисунок 9" descr=""/>
           <p:cNvPicPr/>
           <p:nvPr/>
         </p:nvPicPr>
@@ -8347,7 +8069,7 @@
         <p:spPr>
           <a:xfrm>
             <a:off x="0" y="0"/>
-            <a:ext cx="12191760" cy="5363640"/>
+            <a:ext cx="12191400" cy="5381280"/>
           </a:xfrm>
           <a:prstGeom prst="rect">
             <a:avLst/>

--- a/static/presentation/RayTensor.pptx
+++ b/static/presentation/RayTensor.pptx
@@ -17,10 +17,9 @@
     <p:sldId id="263" r:id="rId12"/>
     <p:sldId id="264" r:id="rId13"/>
     <p:sldId id="265" r:id="rId14"/>
-    <p:sldId id="266" r:id="rId15"/>
   </p:sldIdLst>
   <p:sldSz cx="12192000" cy="6858000"/>
-  <p:notesSz cx="7559675" cy="10691812"/>
+  <p:notesSz cx="7559675" cy="10691813"/>
 </p:presentation>
 </file>
 
@@ -76,18 +75,24 @@
         <p:spPr>
           <a:xfrm>
             <a:off x="1523880" y="1122480"/>
-            <a:ext cx="9143280" cy="2386800"/>
-          </a:xfrm>
-          <a:prstGeom prst="rect">
-            <a:avLst/>
-          </a:prstGeom>
+            <a:ext cx="9142560" cy="2386080"/>
+          </a:xfrm>
+          <a:prstGeom prst="rect">
+            <a:avLst/>
+          </a:prstGeom>
+          <a:noFill/>
+          <a:ln w="0">
+            <a:noFill/>
+          </a:ln>
         </p:spPr>
         <p:txBody>
           <a:bodyPr lIns="0" rIns="0" tIns="0" bIns="0" anchor="ctr">
             <a:noAutofit/>
           </a:bodyPr>
           <a:p>
-            <a:pPr algn="ctr"/>
+            <a:pPr algn="ctr">
+              <a:buNone/>
+            </a:pPr>
             <a:endParaRPr b="0" lang="ru-RU" sz="4400" spc="-1" strike="noStrike">
               <a:latin typeface="Arial"/>
             </a:endParaRPr>
@@ -101,21 +106,25 @@
             <a:spLocks noGrp="1"/>
           </p:cNvSpPr>
           <p:nvPr>
-            <p:ph type="body"/>
+            <p:ph/>
           </p:nvPr>
         </p:nvSpPr>
         <p:spPr>
           <a:xfrm>
             <a:off x="609480" y="1604520"/>
-            <a:ext cx="10972440" cy="1896840"/>
-          </a:xfrm>
-          <a:prstGeom prst="rect">
-            <a:avLst/>
-          </a:prstGeom>
-        </p:spPr>
-        <p:txBody>
-          <a:bodyPr lIns="0" rIns="0" tIns="0" bIns="0">
-            <a:normAutofit/>
+            <a:ext cx="2612160" cy="1896480"/>
+          </a:xfrm>
+          <a:prstGeom prst="rect">
+            <a:avLst/>
+          </a:prstGeom>
+          <a:noFill/>
+          <a:ln w="0">
+            <a:noFill/>
+          </a:ln>
+        </p:spPr>
+        <p:txBody>
+          <a:bodyPr lIns="0" rIns="0" tIns="0" bIns="0" anchor="t">
+            <a:normAutofit fontScale="83000"/>
           </a:bodyPr>
           <a:p>
             <a:endParaRPr b="0" lang="ru-RU" sz="3200" spc="-1" strike="noStrike">
@@ -131,21 +140,25 @@
             <a:spLocks noGrp="1"/>
           </p:cNvSpPr>
           <p:nvPr>
-            <p:ph type="body"/>
-          </p:nvPr>
-        </p:nvSpPr>
-        <p:spPr>
-          <a:xfrm>
-            <a:off x="609480" y="3682080"/>
-            <a:ext cx="10972440" cy="1896840"/>
-          </a:xfrm>
-          <a:prstGeom prst="rect">
-            <a:avLst/>
-          </a:prstGeom>
-        </p:spPr>
-        <p:txBody>
-          <a:bodyPr lIns="0" rIns="0" tIns="0" bIns="0">
-            <a:normAutofit/>
+            <p:ph/>
+          </p:nvPr>
+        </p:nvSpPr>
+        <p:spPr>
+          <a:xfrm>
+            <a:off x="609480" y="3681720"/>
+            <a:ext cx="2612160" cy="1896480"/>
+          </a:xfrm>
+          <a:prstGeom prst="rect">
+            <a:avLst/>
+          </a:prstGeom>
+          <a:noFill/>
+          <a:ln w="0">
+            <a:noFill/>
+          </a:ln>
+        </p:spPr>
+        <p:txBody>
+          <a:bodyPr lIns="0" rIns="0" tIns="0" bIns="0" anchor="t">
+            <a:normAutofit fontScale="83000"/>
           </a:bodyPr>
           <a:p>
             <a:endParaRPr b="0" lang="ru-RU" sz="3200" spc="-1" strike="noStrike">
@@ -189,18 +202,24 @@
         <p:spPr>
           <a:xfrm>
             <a:off x="1523880" y="1122480"/>
-            <a:ext cx="9143280" cy="2386800"/>
-          </a:xfrm>
-          <a:prstGeom prst="rect">
-            <a:avLst/>
-          </a:prstGeom>
+            <a:ext cx="9142560" cy="2386080"/>
+          </a:xfrm>
+          <a:prstGeom prst="rect">
+            <a:avLst/>
+          </a:prstGeom>
+          <a:noFill/>
+          <a:ln w="0">
+            <a:noFill/>
+          </a:ln>
         </p:spPr>
         <p:txBody>
           <a:bodyPr lIns="0" rIns="0" tIns="0" bIns="0" anchor="ctr">
             <a:noAutofit/>
           </a:bodyPr>
           <a:p>
-            <a:pPr algn="ctr"/>
+            <a:pPr algn="ctr">
+              <a:buNone/>
+            </a:pPr>
             <a:endParaRPr b="0" lang="ru-RU" sz="4400" spc="-1" strike="noStrike">
               <a:latin typeface="Arial"/>
             </a:endParaRPr>
@@ -214,21 +233,25 @@
             <a:spLocks noGrp="1"/>
           </p:cNvSpPr>
           <p:nvPr>
-            <p:ph type="body"/>
+            <p:ph/>
           </p:nvPr>
         </p:nvSpPr>
         <p:spPr>
           <a:xfrm>
             <a:off x="609480" y="1604520"/>
-            <a:ext cx="5354280" cy="1896840"/>
-          </a:xfrm>
-          <a:prstGeom prst="rect">
-            <a:avLst/>
-          </a:prstGeom>
-        </p:spPr>
-        <p:txBody>
-          <a:bodyPr lIns="0" rIns="0" tIns="0" bIns="0">
-            <a:normAutofit/>
+            <a:ext cx="1274400" cy="1896480"/>
+          </a:xfrm>
+          <a:prstGeom prst="rect">
+            <a:avLst/>
+          </a:prstGeom>
+          <a:noFill/>
+          <a:ln w="0">
+            <a:noFill/>
+          </a:ln>
+        </p:spPr>
+        <p:txBody>
+          <a:bodyPr lIns="0" rIns="0" tIns="0" bIns="0" anchor="t">
+            <a:normAutofit fontScale="59000"/>
           </a:bodyPr>
           <a:p>
             <a:endParaRPr b="0" lang="ru-RU" sz="3200" spc="-1" strike="noStrike">
@@ -244,21 +267,25 @@
             <a:spLocks noGrp="1"/>
           </p:cNvSpPr>
           <p:nvPr>
-            <p:ph type="body"/>
-          </p:nvPr>
-        </p:nvSpPr>
-        <p:spPr>
-          <a:xfrm>
-            <a:off x="6231960" y="1604520"/>
-            <a:ext cx="5354280" cy="1896840"/>
-          </a:xfrm>
-          <a:prstGeom prst="rect">
-            <a:avLst/>
-          </a:prstGeom>
-        </p:spPr>
-        <p:txBody>
-          <a:bodyPr lIns="0" rIns="0" tIns="0" bIns="0">
-            <a:normAutofit/>
+            <p:ph/>
+          </p:nvPr>
+        </p:nvSpPr>
+        <p:spPr>
+          <a:xfrm>
+            <a:off x="1947960" y="1604520"/>
+            <a:ext cx="1274400" cy="1896480"/>
+          </a:xfrm>
+          <a:prstGeom prst="rect">
+            <a:avLst/>
+          </a:prstGeom>
+          <a:noFill/>
+          <a:ln w="0">
+            <a:noFill/>
+          </a:ln>
+        </p:spPr>
+        <p:txBody>
+          <a:bodyPr lIns="0" rIns="0" tIns="0" bIns="0" anchor="t">
+            <a:normAutofit fontScale="59000"/>
           </a:bodyPr>
           <a:p>
             <a:endParaRPr b="0" lang="ru-RU" sz="3200" spc="-1" strike="noStrike">
@@ -274,21 +301,25 @@
             <a:spLocks noGrp="1"/>
           </p:cNvSpPr>
           <p:nvPr>
-            <p:ph type="body"/>
-          </p:nvPr>
-        </p:nvSpPr>
-        <p:spPr>
-          <a:xfrm>
-            <a:off x="609480" y="3682080"/>
-            <a:ext cx="5354280" cy="1896840"/>
-          </a:xfrm>
-          <a:prstGeom prst="rect">
-            <a:avLst/>
-          </a:prstGeom>
-        </p:spPr>
-        <p:txBody>
-          <a:bodyPr lIns="0" rIns="0" tIns="0" bIns="0">
-            <a:normAutofit/>
+            <p:ph/>
+          </p:nvPr>
+        </p:nvSpPr>
+        <p:spPr>
+          <a:xfrm>
+            <a:off x="609480" y="3681720"/>
+            <a:ext cx="1274400" cy="1896480"/>
+          </a:xfrm>
+          <a:prstGeom prst="rect">
+            <a:avLst/>
+          </a:prstGeom>
+          <a:noFill/>
+          <a:ln w="0">
+            <a:noFill/>
+          </a:ln>
+        </p:spPr>
+        <p:txBody>
+          <a:bodyPr lIns="0" rIns="0" tIns="0" bIns="0" anchor="t">
+            <a:normAutofit fontScale="59000"/>
           </a:bodyPr>
           <a:p>
             <a:endParaRPr b="0" lang="ru-RU" sz="3200" spc="-1" strike="noStrike">
@@ -304,21 +335,25 @@
             <a:spLocks noGrp="1"/>
           </p:cNvSpPr>
           <p:nvPr>
-            <p:ph type="body"/>
-          </p:nvPr>
-        </p:nvSpPr>
-        <p:spPr>
-          <a:xfrm>
-            <a:off x="6231960" y="3682080"/>
-            <a:ext cx="5354280" cy="1896840"/>
-          </a:xfrm>
-          <a:prstGeom prst="rect">
-            <a:avLst/>
-          </a:prstGeom>
-        </p:spPr>
-        <p:txBody>
-          <a:bodyPr lIns="0" rIns="0" tIns="0" bIns="0">
-            <a:normAutofit/>
+            <p:ph/>
+          </p:nvPr>
+        </p:nvSpPr>
+        <p:spPr>
+          <a:xfrm>
+            <a:off x="1947960" y="3681720"/>
+            <a:ext cx="1274400" cy="1896480"/>
+          </a:xfrm>
+          <a:prstGeom prst="rect">
+            <a:avLst/>
+          </a:prstGeom>
+          <a:noFill/>
+          <a:ln w="0">
+            <a:noFill/>
+          </a:ln>
+        </p:spPr>
+        <p:txBody>
+          <a:bodyPr lIns="0" rIns="0" tIns="0" bIns="0" anchor="t">
+            <a:normAutofit fontScale="59000"/>
           </a:bodyPr>
           <a:p>
             <a:endParaRPr b="0" lang="ru-RU" sz="3200" spc="-1" strike="noStrike">
@@ -362,18 +397,24 @@
         <p:spPr>
           <a:xfrm>
             <a:off x="1523880" y="1122480"/>
-            <a:ext cx="9143280" cy="2386800"/>
-          </a:xfrm>
-          <a:prstGeom prst="rect">
-            <a:avLst/>
-          </a:prstGeom>
+            <a:ext cx="9142560" cy="2386080"/>
+          </a:xfrm>
+          <a:prstGeom prst="rect">
+            <a:avLst/>
+          </a:prstGeom>
+          <a:noFill/>
+          <a:ln w="0">
+            <a:noFill/>
+          </a:ln>
         </p:spPr>
         <p:txBody>
           <a:bodyPr lIns="0" rIns="0" tIns="0" bIns="0" anchor="ctr">
             <a:noAutofit/>
           </a:bodyPr>
           <a:p>
-            <a:pPr algn="ctr"/>
+            <a:pPr algn="ctr">
+              <a:buNone/>
+            </a:pPr>
             <a:endParaRPr b="0" lang="ru-RU" sz="4400" spc="-1" strike="noStrike">
               <a:latin typeface="Arial"/>
             </a:endParaRPr>
@@ -387,21 +428,25 @@
             <a:spLocks noGrp="1"/>
           </p:cNvSpPr>
           <p:nvPr>
-            <p:ph type="body"/>
+            <p:ph/>
           </p:nvPr>
         </p:nvSpPr>
         <p:spPr>
           <a:xfrm>
             <a:off x="609480" y="1604520"/>
-            <a:ext cx="3533040" cy="1896840"/>
-          </a:xfrm>
-          <a:prstGeom prst="rect">
-            <a:avLst/>
-          </a:prstGeom>
-        </p:spPr>
-        <p:txBody>
-          <a:bodyPr lIns="0" rIns="0" tIns="0" bIns="0">
-            <a:normAutofit/>
+            <a:ext cx="840960" cy="1896480"/>
+          </a:xfrm>
+          <a:prstGeom prst="rect">
+            <a:avLst/>
+          </a:prstGeom>
+          <a:noFill/>
+          <a:ln w="0">
+            <a:noFill/>
+          </a:ln>
+        </p:spPr>
+        <p:txBody>
+          <a:bodyPr lIns="0" rIns="0" tIns="0" bIns="0" anchor="t">
+            <a:normAutofit fontScale="51000"/>
           </a:bodyPr>
           <a:p>
             <a:endParaRPr b="0" lang="ru-RU" sz="3200" spc="-1" strike="noStrike">
@@ -417,21 +462,25 @@
             <a:spLocks noGrp="1"/>
           </p:cNvSpPr>
           <p:nvPr>
-            <p:ph type="body"/>
-          </p:nvPr>
-        </p:nvSpPr>
-        <p:spPr>
-          <a:xfrm>
-            <a:off x="4319640" y="1604520"/>
-            <a:ext cx="3533040" cy="1896840"/>
-          </a:xfrm>
-          <a:prstGeom prst="rect">
-            <a:avLst/>
-          </a:prstGeom>
-        </p:spPr>
-        <p:txBody>
-          <a:bodyPr lIns="0" rIns="0" tIns="0" bIns="0">
-            <a:normAutofit/>
+            <p:ph/>
+          </p:nvPr>
+        </p:nvSpPr>
+        <p:spPr>
+          <a:xfrm>
+            <a:off x="1492920" y="1604520"/>
+            <a:ext cx="840960" cy="1896480"/>
+          </a:xfrm>
+          <a:prstGeom prst="rect">
+            <a:avLst/>
+          </a:prstGeom>
+          <a:noFill/>
+          <a:ln w="0">
+            <a:noFill/>
+          </a:ln>
+        </p:spPr>
+        <p:txBody>
+          <a:bodyPr lIns="0" rIns="0" tIns="0" bIns="0" anchor="t">
+            <a:normAutofit fontScale="51000"/>
           </a:bodyPr>
           <a:p>
             <a:endParaRPr b="0" lang="ru-RU" sz="3200" spc="-1" strike="noStrike">
@@ -447,21 +496,25 @@
             <a:spLocks noGrp="1"/>
           </p:cNvSpPr>
           <p:nvPr>
-            <p:ph type="body"/>
-          </p:nvPr>
-        </p:nvSpPr>
-        <p:spPr>
-          <a:xfrm>
-            <a:off x="8029800" y="1604520"/>
-            <a:ext cx="3533040" cy="1896840"/>
-          </a:xfrm>
-          <a:prstGeom prst="rect">
-            <a:avLst/>
-          </a:prstGeom>
-        </p:spPr>
-        <p:txBody>
-          <a:bodyPr lIns="0" rIns="0" tIns="0" bIns="0">
-            <a:normAutofit/>
+            <p:ph/>
+          </p:nvPr>
+        </p:nvSpPr>
+        <p:spPr>
+          <a:xfrm>
+            <a:off x="2376360" y="1604520"/>
+            <a:ext cx="840960" cy="1896480"/>
+          </a:xfrm>
+          <a:prstGeom prst="rect">
+            <a:avLst/>
+          </a:prstGeom>
+          <a:noFill/>
+          <a:ln w="0">
+            <a:noFill/>
+          </a:ln>
+        </p:spPr>
+        <p:txBody>
+          <a:bodyPr lIns="0" rIns="0" tIns="0" bIns="0" anchor="t">
+            <a:normAutofit fontScale="51000"/>
           </a:bodyPr>
           <a:p>
             <a:endParaRPr b="0" lang="ru-RU" sz="3200" spc="-1" strike="noStrike">
@@ -477,21 +530,25 @@
             <a:spLocks noGrp="1"/>
           </p:cNvSpPr>
           <p:nvPr>
-            <p:ph type="body"/>
-          </p:nvPr>
-        </p:nvSpPr>
-        <p:spPr>
-          <a:xfrm>
-            <a:off x="609480" y="3682080"/>
-            <a:ext cx="3533040" cy="1896840"/>
-          </a:xfrm>
-          <a:prstGeom prst="rect">
-            <a:avLst/>
-          </a:prstGeom>
-        </p:spPr>
-        <p:txBody>
-          <a:bodyPr lIns="0" rIns="0" tIns="0" bIns="0">
-            <a:normAutofit/>
+            <p:ph/>
+          </p:nvPr>
+        </p:nvSpPr>
+        <p:spPr>
+          <a:xfrm>
+            <a:off x="609480" y="3681720"/>
+            <a:ext cx="840960" cy="1896480"/>
+          </a:xfrm>
+          <a:prstGeom prst="rect">
+            <a:avLst/>
+          </a:prstGeom>
+          <a:noFill/>
+          <a:ln w="0">
+            <a:noFill/>
+          </a:ln>
+        </p:spPr>
+        <p:txBody>
+          <a:bodyPr lIns="0" rIns="0" tIns="0" bIns="0" anchor="t">
+            <a:normAutofit fontScale="51000"/>
           </a:bodyPr>
           <a:p>
             <a:endParaRPr b="0" lang="ru-RU" sz="3200" spc="-1" strike="noStrike">
@@ -507,21 +564,25 @@
             <a:spLocks noGrp="1"/>
           </p:cNvSpPr>
           <p:nvPr>
-            <p:ph type="body"/>
-          </p:nvPr>
-        </p:nvSpPr>
-        <p:spPr>
-          <a:xfrm>
-            <a:off x="4319640" y="3682080"/>
-            <a:ext cx="3533040" cy="1896840"/>
-          </a:xfrm>
-          <a:prstGeom prst="rect">
-            <a:avLst/>
-          </a:prstGeom>
-        </p:spPr>
-        <p:txBody>
-          <a:bodyPr lIns="0" rIns="0" tIns="0" bIns="0">
-            <a:normAutofit/>
+            <p:ph/>
+          </p:nvPr>
+        </p:nvSpPr>
+        <p:spPr>
+          <a:xfrm>
+            <a:off x="1492920" y="3681720"/>
+            <a:ext cx="840960" cy="1896480"/>
+          </a:xfrm>
+          <a:prstGeom prst="rect">
+            <a:avLst/>
+          </a:prstGeom>
+          <a:noFill/>
+          <a:ln w="0">
+            <a:noFill/>
+          </a:ln>
+        </p:spPr>
+        <p:txBody>
+          <a:bodyPr lIns="0" rIns="0" tIns="0" bIns="0" anchor="t">
+            <a:normAutofit fontScale="51000"/>
           </a:bodyPr>
           <a:p>
             <a:endParaRPr b="0" lang="ru-RU" sz="3200" spc="-1" strike="noStrike">
@@ -537,21 +598,25 @@
             <a:spLocks noGrp="1"/>
           </p:cNvSpPr>
           <p:nvPr>
-            <p:ph type="body"/>
-          </p:nvPr>
-        </p:nvSpPr>
-        <p:spPr>
-          <a:xfrm>
-            <a:off x="8029800" y="3682080"/>
-            <a:ext cx="3533040" cy="1896840"/>
-          </a:xfrm>
-          <a:prstGeom prst="rect">
-            <a:avLst/>
-          </a:prstGeom>
-        </p:spPr>
-        <p:txBody>
-          <a:bodyPr lIns="0" rIns="0" tIns="0" bIns="0">
-            <a:normAutofit/>
+            <p:ph/>
+          </p:nvPr>
+        </p:nvSpPr>
+        <p:spPr>
+          <a:xfrm>
+            <a:off x="2376360" y="3681720"/>
+            <a:ext cx="840960" cy="1896480"/>
+          </a:xfrm>
+          <a:prstGeom prst="rect">
+            <a:avLst/>
+          </a:prstGeom>
+          <a:noFill/>
+          <a:ln w="0">
+            <a:noFill/>
+          </a:ln>
+        </p:spPr>
+        <p:txBody>
+          <a:bodyPr lIns="0" rIns="0" tIns="0" bIns="0" anchor="t">
+            <a:normAutofit fontScale="51000"/>
           </a:bodyPr>
           <a:p>
             <a:endParaRPr b="0" lang="ru-RU" sz="3200" spc="-1" strike="noStrike">
@@ -617,18 +682,24 @@
         <p:spPr>
           <a:xfrm>
             <a:off x="1523880" y="1122480"/>
-            <a:ext cx="9143280" cy="2386800"/>
-          </a:xfrm>
-          <a:prstGeom prst="rect">
-            <a:avLst/>
-          </a:prstGeom>
+            <a:ext cx="9142560" cy="2386080"/>
+          </a:xfrm>
+          <a:prstGeom prst="rect">
+            <a:avLst/>
+          </a:prstGeom>
+          <a:noFill/>
+          <a:ln w="0">
+            <a:noFill/>
+          </a:ln>
         </p:spPr>
         <p:txBody>
           <a:bodyPr lIns="0" rIns="0" tIns="0" bIns="0" anchor="ctr">
             <a:noAutofit/>
           </a:bodyPr>
           <a:p>
-            <a:pPr algn="ctr"/>
+            <a:pPr algn="ctr">
+              <a:buNone/>
+            </a:pPr>
             <a:endParaRPr b="0" lang="ru-RU" sz="4400" spc="-1" strike="noStrike">
               <a:latin typeface="Arial"/>
             </a:endParaRPr>
@@ -648,18 +719,24 @@
         <p:spPr>
           <a:xfrm>
             <a:off x="609480" y="1604520"/>
-            <a:ext cx="10972440" cy="3977280"/>
-          </a:xfrm>
-          <a:prstGeom prst="rect">
-            <a:avLst/>
-          </a:prstGeom>
+            <a:ext cx="2612160" cy="3976560"/>
+          </a:xfrm>
+          <a:prstGeom prst="rect">
+            <a:avLst/>
+          </a:prstGeom>
+          <a:noFill/>
+          <a:ln w="0">
+            <a:noFill/>
+          </a:ln>
         </p:spPr>
         <p:txBody>
           <a:bodyPr lIns="0" rIns="0" tIns="0" bIns="0" anchor="ctr">
             <a:noAutofit/>
           </a:bodyPr>
           <a:p>
-            <a:pPr algn="ctr"/>
+            <a:pPr algn="ctr">
+              <a:buNone/>
+            </a:pPr>
             <a:endParaRPr b="0" lang="ru-RU" sz="3200" spc="-1" strike="noStrike">
               <a:latin typeface="Arial"/>
             </a:endParaRPr>
@@ -701,18 +778,24 @@
         <p:spPr>
           <a:xfrm>
             <a:off x="1523880" y="1122480"/>
-            <a:ext cx="9143280" cy="2386800"/>
-          </a:xfrm>
-          <a:prstGeom prst="rect">
-            <a:avLst/>
-          </a:prstGeom>
+            <a:ext cx="9142560" cy="2386080"/>
+          </a:xfrm>
+          <a:prstGeom prst="rect">
+            <a:avLst/>
+          </a:prstGeom>
+          <a:noFill/>
+          <a:ln w="0">
+            <a:noFill/>
+          </a:ln>
         </p:spPr>
         <p:txBody>
           <a:bodyPr lIns="0" rIns="0" tIns="0" bIns="0" anchor="ctr">
             <a:noAutofit/>
           </a:bodyPr>
           <a:p>
-            <a:pPr algn="ctr"/>
+            <a:pPr algn="ctr">
+              <a:buNone/>
+            </a:pPr>
             <a:endParaRPr b="0" lang="ru-RU" sz="4400" spc="-1" strike="noStrike">
               <a:latin typeface="Arial"/>
             </a:endParaRPr>
@@ -726,20 +809,24 @@
             <a:spLocks noGrp="1"/>
           </p:cNvSpPr>
           <p:nvPr>
-            <p:ph type="body"/>
+            <p:ph/>
           </p:nvPr>
         </p:nvSpPr>
         <p:spPr>
           <a:xfrm>
             <a:off x="609480" y="1604520"/>
-            <a:ext cx="10972440" cy="3977280"/>
-          </a:xfrm>
-          <a:prstGeom prst="rect">
-            <a:avLst/>
-          </a:prstGeom>
-        </p:spPr>
-        <p:txBody>
-          <a:bodyPr lIns="0" rIns="0" tIns="0" bIns="0">
+            <a:ext cx="2612160" cy="3976560"/>
+          </a:xfrm>
+          <a:prstGeom prst="rect">
+            <a:avLst/>
+          </a:prstGeom>
+          <a:noFill/>
+          <a:ln w="0">
+            <a:noFill/>
+          </a:ln>
+        </p:spPr>
+        <p:txBody>
+          <a:bodyPr lIns="0" rIns="0" tIns="0" bIns="0" anchor="t">
             <a:normAutofit/>
           </a:bodyPr>
           <a:p>
@@ -784,18 +871,24 @@
         <p:spPr>
           <a:xfrm>
             <a:off x="1523880" y="1122480"/>
-            <a:ext cx="9143280" cy="2386800"/>
-          </a:xfrm>
-          <a:prstGeom prst="rect">
-            <a:avLst/>
-          </a:prstGeom>
+            <a:ext cx="9142560" cy="2386080"/>
+          </a:xfrm>
+          <a:prstGeom prst="rect">
+            <a:avLst/>
+          </a:prstGeom>
+          <a:noFill/>
+          <a:ln w="0">
+            <a:noFill/>
+          </a:ln>
         </p:spPr>
         <p:txBody>
           <a:bodyPr lIns="0" rIns="0" tIns="0" bIns="0" anchor="ctr">
             <a:noAutofit/>
           </a:bodyPr>
           <a:p>
-            <a:pPr algn="ctr"/>
+            <a:pPr algn="ctr">
+              <a:buNone/>
+            </a:pPr>
             <a:endParaRPr b="0" lang="ru-RU" sz="4400" spc="-1" strike="noStrike">
               <a:latin typeface="Arial"/>
             </a:endParaRPr>
@@ -809,21 +902,25 @@
             <a:spLocks noGrp="1"/>
           </p:cNvSpPr>
           <p:nvPr>
-            <p:ph type="body"/>
+            <p:ph/>
           </p:nvPr>
         </p:nvSpPr>
         <p:spPr>
           <a:xfrm>
             <a:off x="609480" y="1604520"/>
-            <a:ext cx="5354280" cy="3977280"/>
-          </a:xfrm>
-          <a:prstGeom prst="rect">
-            <a:avLst/>
-          </a:prstGeom>
-        </p:spPr>
-        <p:txBody>
-          <a:bodyPr lIns="0" rIns="0" tIns="0" bIns="0">
-            <a:normAutofit/>
+            <a:ext cx="1274400" cy="3976560"/>
+          </a:xfrm>
+          <a:prstGeom prst="rect">
+            <a:avLst/>
+          </a:prstGeom>
+          <a:noFill/>
+          <a:ln w="0">
+            <a:noFill/>
+          </a:ln>
+        </p:spPr>
+        <p:txBody>
+          <a:bodyPr lIns="0" rIns="0" tIns="0" bIns="0" anchor="t">
+            <a:normAutofit fontScale="87000"/>
           </a:bodyPr>
           <a:p>
             <a:endParaRPr b="0" lang="ru-RU" sz="3200" spc="-1" strike="noStrike">
@@ -839,21 +936,25 @@
             <a:spLocks noGrp="1"/>
           </p:cNvSpPr>
           <p:nvPr>
-            <p:ph type="body"/>
-          </p:nvPr>
-        </p:nvSpPr>
-        <p:spPr>
-          <a:xfrm>
-            <a:off x="6231960" y="1604520"/>
-            <a:ext cx="5354280" cy="3977280"/>
-          </a:xfrm>
-          <a:prstGeom prst="rect">
-            <a:avLst/>
-          </a:prstGeom>
-        </p:spPr>
-        <p:txBody>
-          <a:bodyPr lIns="0" rIns="0" tIns="0" bIns="0">
-            <a:normAutofit/>
+            <p:ph/>
+          </p:nvPr>
+        </p:nvSpPr>
+        <p:spPr>
+          <a:xfrm>
+            <a:off x="1947960" y="1604520"/>
+            <a:ext cx="1274400" cy="3976560"/>
+          </a:xfrm>
+          <a:prstGeom prst="rect">
+            <a:avLst/>
+          </a:prstGeom>
+          <a:noFill/>
+          <a:ln w="0">
+            <a:noFill/>
+          </a:ln>
+        </p:spPr>
+        <p:txBody>
+          <a:bodyPr lIns="0" rIns="0" tIns="0" bIns="0" anchor="t">
+            <a:normAutofit fontScale="87000"/>
           </a:bodyPr>
           <a:p>
             <a:endParaRPr b="0" lang="ru-RU" sz="3200" spc="-1" strike="noStrike">
@@ -897,18 +998,24 @@
         <p:spPr>
           <a:xfrm>
             <a:off x="1523880" y="1122480"/>
-            <a:ext cx="9143280" cy="2386800"/>
-          </a:xfrm>
-          <a:prstGeom prst="rect">
-            <a:avLst/>
-          </a:prstGeom>
+            <a:ext cx="9142560" cy="2386080"/>
+          </a:xfrm>
+          <a:prstGeom prst="rect">
+            <a:avLst/>
+          </a:prstGeom>
+          <a:noFill/>
+          <a:ln w="0">
+            <a:noFill/>
+          </a:ln>
         </p:spPr>
         <p:txBody>
           <a:bodyPr lIns="0" rIns="0" tIns="0" bIns="0" anchor="ctr">
             <a:noAutofit/>
           </a:bodyPr>
           <a:p>
-            <a:pPr algn="ctr"/>
+            <a:pPr algn="ctr">
+              <a:buNone/>
+            </a:pPr>
             <a:endParaRPr b="0" lang="ru-RU" sz="4400" spc="-1" strike="noStrike">
               <a:latin typeface="Arial"/>
             </a:endParaRPr>
@@ -950,18 +1057,24 @@
         <p:spPr>
           <a:xfrm>
             <a:off x="1523880" y="1122480"/>
-            <a:ext cx="9143280" cy="11064960"/>
-          </a:xfrm>
-          <a:prstGeom prst="rect">
-            <a:avLst/>
-          </a:prstGeom>
+            <a:ext cx="9142560" cy="11061720"/>
+          </a:xfrm>
+          <a:prstGeom prst="rect">
+            <a:avLst/>
+          </a:prstGeom>
+          <a:noFill/>
+          <a:ln w="0">
+            <a:noFill/>
+          </a:ln>
         </p:spPr>
         <p:txBody>
           <a:bodyPr lIns="0" rIns="0" tIns="0" bIns="0" anchor="ctr">
             <a:noAutofit/>
           </a:bodyPr>
           <a:p>
-            <a:pPr algn="ctr"/>
+            <a:pPr algn="ctr">
+              <a:buNone/>
+            </a:pPr>
             <a:endParaRPr b="0" lang="ru-RU" sz="3200" spc="-1" strike="noStrike">
               <a:latin typeface="Arial"/>
             </a:endParaRPr>
@@ -1003,18 +1116,24 @@
         <p:spPr>
           <a:xfrm>
             <a:off x="1523880" y="1122480"/>
-            <a:ext cx="9143280" cy="2386800"/>
-          </a:xfrm>
-          <a:prstGeom prst="rect">
-            <a:avLst/>
-          </a:prstGeom>
+            <a:ext cx="9142560" cy="2386080"/>
+          </a:xfrm>
+          <a:prstGeom prst="rect">
+            <a:avLst/>
+          </a:prstGeom>
+          <a:noFill/>
+          <a:ln w="0">
+            <a:noFill/>
+          </a:ln>
         </p:spPr>
         <p:txBody>
           <a:bodyPr lIns="0" rIns="0" tIns="0" bIns="0" anchor="ctr">
             <a:noAutofit/>
           </a:bodyPr>
           <a:p>
-            <a:pPr algn="ctr"/>
+            <a:pPr algn="ctr">
+              <a:buNone/>
+            </a:pPr>
             <a:endParaRPr b="0" lang="ru-RU" sz="4400" spc="-1" strike="noStrike">
               <a:latin typeface="Arial"/>
             </a:endParaRPr>
@@ -1028,21 +1147,25 @@
             <a:spLocks noGrp="1"/>
           </p:cNvSpPr>
           <p:nvPr>
-            <p:ph type="body"/>
+            <p:ph/>
           </p:nvPr>
         </p:nvSpPr>
         <p:spPr>
           <a:xfrm>
             <a:off x="609480" y="1604520"/>
-            <a:ext cx="5354280" cy="1896840"/>
-          </a:xfrm>
-          <a:prstGeom prst="rect">
-            <a:avLst/>
-          </a:prstGeom>
-        </p:spPr>
-        <p:txBody>
-          <a:bodyPr lIns="0" rIns="0" tIns="0" bIns="0">
-            <a:normAutofit/>
+            <a:ext cx="1274400" cy="1896480"/>
+          </a:xfrm>
+          <a:prstGeom prst="rect">
+            <a:avLst/>
+          </a:prstGeom>
+          <a:noFill/>
+          <a:ln w="0">
+            <a:noFill/>
+          </a:ln>
+        </p:spPr>
+        <p:txBody>
+          <a:bodyPr lIns="0" rIns="0" tIns="0" bIns="0" anchor="t">
+            <a:normAutofit fontScale="59000"/>
           </a:bodyPr>
           <a:p>
             <a:endParaRPr b="0" lang="ru-RU" sz="3200" spc="-1" strike="noStrike">
@@ -1058,21 +1181,25 @@
             <a:spLocks noGrp="1"/>
           </p:cNvSpPr>
           <p:nvPr>
-            <p:ph type="body"/>
-          </p:nvPr>
-        </p:nvSpPr>
-        <p:spPr>
-          <a:xfrm>
-            <a:off x="6231960" y="1604520"/>
-            <a:ext cx="5354280" cy="3977280"/>
-          </a:xfrm>
-          <a:prstGeom prst="rect">
-            <a:avLst/>
-          </a:prstGeom>
-        </p:spPr>
-        <p:txBody>
-          <a:bodyPr lIns="0" rIns="0" tIns="0" bIns="0">
-            <a:normAutofit/>
+            <p:ph/>
+          </p:nvPr>
+        </p:nvSpPr>
+        <p:spPr>
+          <a:xfrm>
+            <a:off x="1947960" y="1604520"/>
+            <a:ext cx="1274400" cy="3976560"/>
+          </a:xfrm>
+          <a:prstGeom prst="rect">
+            <a:avLst/>
+          </a:prstGeom>
+          <a:noFill/>
+          <a:ln w="0">
+            <a:noFill/>
+          </a:ln>
+        </p:spPr>
+        <p:txBody>
+          <a:bodyPr lIns="0" rIns="0" tIns="0" bIns="0" anchor="t">
+            <a:normAutofit fontScale="87000"/>
           </a:bodyPr>
           <a:p>
             <a:endParaRPr b="0" lang="ru-RU" sz="3200" spc="-1" strike="noStrike">
@@ -1088,21 +1215,25 @@
             <a:spLocks noGrp="1"/>
           </p:cNvSpPr>
           <p:nvPr>
-            <p:ph type="body"/>
-          </p:nvPr>
-        </p:nvSpPr>
-        <p:spPr>
-          <a:xfrm>
-            <a:off x="609480" y="3682080"/>
-            <a:ext cx="5354280" cy="1896840"/>
-          </a:xfrm>
-          <a:prstGeom prst="rect">
-            <a:avLst/>
-          </a:prstGeom>
-        </p:spPr>
-        <p:txBody>
-          <a:bodyPr lIns="0" rIns="0" tIns="0" bIns="0">
-            <a:normAutofit/>
+            <p:ph/>
+          </p:nvPr>
+        </p:nvSpPr>
+        <p:spPr>
+          <a:xfrm>
+            <a:off x="609480" y="3681720"/>
+            <a:ext cx="1274400" cy="1896480"/>
+          </a:xfrm>
+          <a:prstGeom prst="rect">
+            <a:avLst/>
+          </a:prstGeom>
+          <a:noFill/>
+          <a:ln w="0">
+            <a:noFill/>
+          </a:ln>
+        </p:spPr>
+        <p:txBody>
+          <a:bodyPr lIns="0" rIns="0" tIns="0" bIns="0" anchor="t">
+            <a:normAutofit fontScale="59000"/>
           </a:bodyPr>
           <a:p>
             <a:endParaRPr b="0" lang="ru-RU" sz="3200" spc="-1" strike="noStrike">
@@ -1146,18 +1277,24 @@
         <p:spPr>
           <a:xfrm>
             <a:off x="1523880" y="1122480"/>
-            <a:ext cx="9143280" cy="2386800"/>
-          </a:xfrm>
-          <a:prstGeom prst="rect">
-            <a:avLst/>
-          </a:prstGeom>
+            <a:ext cx="9142560" cy="2386080"/>
+          </a:xfrm>
+          <a:prstGeom prst="rect">
+            <a:avLst/>
+          </a:prstGeom>
+          <a:noFill/>
+          <a:ln w="0">
+            <a:noFill/>
+          </a:ln>
         </p:spPr>
         <p:txBody>
           <a:bodyPr lIns="0" rIns="0" tIns="0" bIns="0" anchor="ctr">
             <a:noAutofit/>
           </a:bodyPr>
           <a:p>
-            <a:pPr algn="ctr"/>
+            <a:pPr algn="ctr">
+              <a:buNone/>
+            </a:pPr>
             <a:endParaRPr b="0" lang="ru-RU" sz="4400" spc="-1" strike="noStrike">
               <a:latin typeface="Arial"/>
             </a:endParaRPr>
@@ -1177,18 +1314,24 @@
         <p:spPr>
           <a:xfrm>
             <a:off x="609480" y="1604520"/>
-            <a:ext cx="10972440" cy="3977280"/>
-          </a:xfrm>
-          <a:prstGeom prst="rect">
-            <a:avLst/>
-          </a:prstGeom>
+            <a:ext cx="2612160" cy="3976560"/>
+          </a:xfrm>
+          <a:prstGeom prst="rect">
+            <a:avLst/>
+          </a:prstGeom>
+          <a:noFill/>
+          <a:ln w="0">
+            <a:noFill/>
+          </a:ln>
         </p:spPr>
         <p:txBody>
           <a:bodyPr lIns="0" rIns="0" tIns="0" bIns="0" anchor="ctr">
             <a:noAutofit/>
           </a:bodyPr>
           <a:p>
-            <a:pPr algn="ctr"/>
+            <a:pPr algn="ctr">
+              <a:buNone/>
+            </a:pPr>
             <a:endParaRPr b="0" lang="ru-RU" sz="3200" spc="-1" strike="noStrike">
               <a:latin typeface="Arial"/>
             </a:endParaRPr>
@@ -1230,18 +1373,24 @@
         <p:spPr>
           <a:xfrm>
             <a:off x="1523880" y="1122480"/>
-            <a:ext cx="9143280" cy="2386800"/>
-          </a:xfrm>
-          <a:prstGeom prst="rect">
-            <a:avLst/>
-          </a:prstGeom>
+            <a:ext cx="9142560" cy="2386080"/>
+          </a:xfrm>
+          <a:prstGeom prst="rect">
+            <a:avLst/>
+          </a:prstGeom>
+          <a:noFill/>
+          <a:ln w="0">
+            <a:noFill/>
+          </a:ln>
         </p:spPr>
         <p:txBody>
           <a:bodyPr lIns="0" rIns="0" tIns="0" bIns="0" anchor="ctr">
             <a:noAutofit/>
           </a:bodyPr>
           <a:p>
-            <a:pPr algn="ctr"/>
+            <a:pPr algn="ctr">
+              <a:buNone/>
+            </a:pPr>
             <a:endParaRPr b="0" lang="ru-RU" sz="4400" spc="-1" strike="noStrike">
               <a:latin typeface="Arial"/>
             </a:endParaRPr>
@@ -1255,21 +1404,25 @@
             <a:spLocks noGrp="1"/>
           </p:cNvSpPr>
           <p:nvPr>
-            <p:ph type="body"/>
+            <p:ph/>
           </p:nvPr>
         </p:nvSpPr>
         <p:spPr>
           <a:xfrm>
             <a:off x="609480" y="1604520"/>
-            <a:ext cx="5354280" cy="3977280"/>
-          </a:xfrm>
-          <a:prstGeom prst="rect">
-            <a:avLst/>
-          </a:prstGeom>
-        </p:spPr>
-        <p:txBody>
-          <a:bodyPr lIns="0" rIns="0" tIns="0" bIns="0">
-            <a:normAutofit/>
+            <a:ext cx="1274400" cy="3976560"/>
+          </a:xfrm>
+          <a:prstGeom prst="rect">
+            <a:avLst/>
+          </a:prstGeom>
+          <a:noFill/>
+          <a:ln w="0">
+            <a:noFill/>
+          </a:ln>
+        </p:spPr>
+        <p:txBody>
+          <a:bodyPr lIns="0" rIns="0" tIns="0" bIns="0" anchor="t">
+            <a:normAutofit fontScale="87000"/>
           </a:bodyPr>
           <a:p>
             <a:endParaRPr b="0" lang="ru-RU" sz="3200" spc="-1" strike="noStrike">
@@ -1285,21 +1438,25 @@
             <a:spLocks noGrp="1"/>
           </p:cNvSpPr>
           <p:nvPr>
-            <p:ph type="body"/>
-          </p:nvPr>
-        </p:nvSpPr>
-        <p:spPr>
-          <a:xfrm>
-            <a:off x="6231960" y="1604520"/>
-            <a:ext cx="5354280" cy="1896840"/>
-          </a:xfrm>
-          <a:prstGeom prst="rect">
-            <a:avLst/>
-          </a:prstGeom>
-        </p:spPr>
-        <p:txBody>
-          <a:bodyPr lIns="0" rIns="0" tIns="0" bIns="0">
-            <a:normAutofit/>
+            <p:ph/>
+          </p:nvPr>
+        </p:nvSpPr>
+        <p:spPr>
+          <a:xfrm>
+            <a:off x="1947960" y="1604520"/>
+            <a:ext cx="1274400" cy="1896480"/>
+          </a:xfrm>
+          <a:prstGeom prst="rect">
+            <a:avLst/>
+          </a:prstGeom>
+          <a:noFill/>
+          <a:ln w="0">
+            <a:noFill/>
+          </a:ln>
+        </p:spPr>
+        <p:txBody>
+          <a:bodyPr lIns="0" rIns="0" tIns="0" bIns="0" anchor="t">
+            <a:normAutofit fontScale="59000"/>
           </a:bodyPr>
           <a:p>
             <a:endParaRPr b="0" lang="ru-RU" sz="3200" spc="-1" strike="noStrike">
@@ -1315,21 +1472,25 @@
             <a:spLocks noGrp="1"/>
           </p:cNvSpPr>
           <p:nvPr>
-            <p:ph type="body"/>
-          </p:nvPr>
-        </p:nvSpPr>
-        <p:spPr>
-          <a:xfrm>
-            <a:off x="6231960" y="3682080"/>
-            <a:ext cx="5354280" cy="1896840"/>
-          </a:xfrm>
-          <a:prstGeom prst="rect">
-            <a:avLst/>
-          </a:prstGeom>
-        </p:spPr>
-        <p:txBody>
-          <a:bodyPr lIns="0" rIns="0" tIns="0" bIns="0">
-            <a:normAutofit/>
+            <p:ph/>
+          </p:nvPr>
+        </p:nvSpPr>
+        <p:spPr>
+          <a:xfrm>
+            <a:off x="1947960" y="3681720"/>
+            <a:ext cx="1274400" cy="1896480"/>
+          </a:xfrm>
+          <a:prstGeom prst="rect">
+            <a:avLst/>
+          </a:prstGeom>
+          <a:noFill/>
+          <a:ln w="0">
+            <a:noFill/>
+          </a:ln>
+        </p:spPr>
+        <p:txBody>
+          <a:bodyPr lIns="0" rIns="0" tIns="0" bIns="0" anchor="t">
+            <a:normAutofit fontScale="59000"/>
           </a:bodyPr>
           <a:p>
             <a:endParaRPr b="0" lang="ru-RU" sz="3200" spc="-1" strike="noStrike">
@@ -1373,18 +1534,24 @@
         <p:spPr>
           <a:xfrm>
             <a:off x="1523880" y="1122480"/>
-            <a:ext cx="9143280" cy="2386800"/>
-          </a:xfrm>
-          <a:prstGeom prst="rect">
-            <a:avLst/>
-          </a:prstGeom>
+            <a:ext cx="9142560" cy="2386080"/>
+          </a:xfrm>
+          <a:prstGeom prst="rect">
+            <a:avLst/>
+          </a:prstGeom>
+          <a:noFill/>
+          <a:ln w="0">
+            <a:noFill/>
+          </a:ln>
         </p:spPr>
         <p:txBody>
           <a:bodyPr lIns="0" rIns="0" tIns="0" bIns="0" anchor="ctr">
             <a:noAutofit/>
           </a:bodyPr>
           <a:p>
-            <a:pPr algn="ctr"/>
+            <a:pPr algn="ctr">
+              <a:buNone/>
+            </a:pPr>
             <a:endParaRPr b="0" lang="ru-RU" sz="4400" spc="-1" strike="noStrike">
               <a:latin typeface="Arial"/>
             </a:endParaRPr>
@@ -1398,21 +1565,25 @@
             <a:spLocks noGrp="1"/>
           </p:cNvSpPr>
           <p:nvPr>
-            <p:ph type="body"/>
+            <p:ph/>
           </p:nvPr>
         </p:nvSpPr>
         <p:spPr>
           <a:xfrm>
             <a:off x="609480" y="1604520"/>
-            <a:ext cx="5354280" cy="1896840"/>
-          </a:xfrm>
-          <a:prstGeom prst="rect">
-            <a:avLst/>
-          </a:prstGeom>
-        </p:spPr>
-        <p:txBody>
-          <a:bodyPr lIns="0" rIns="0" tIns="0" bIns="0">
-            <a:normAutofit/>
+            <a:ext cx="1274400" cy="1896480"/>
+          </a:xfrm>
+          <a:prstGeom prst="rect">
+            <a:avLst/>
+          </a:prstGeom>
+          <a:noFill/>
+          <a:ln w="0">
+            <a:noFill/>
+          </a:ln>
+        </p:spPr>
+        <p:txBody>
+          <a:bodyPr lIns="0" rIns="0" tIns="0" bIns="0" anchor="t">
+            <a:normAutofit fontScale="59000"/>
           </a:bodyPr>
           <a:p>
             <a:endParaRPr b="0" lang="ru-RU" sz="3200" spc="-1" strike="noStrike">
@@ -1428,21 +1599,25 @@
             <a:spLocks noGrp="1"/>
           </p:cNvSpPr>
           <p:nvPr>
-            <p:ph type="body"/>
-          </p:nvPr>
-        </p:nvSpPr>
-        <p:spPr>
-          <a:xfrm>
-            <a:off x="6231960" y="1604520"/>
-            <a:ext cx="5354280" cy="1896840"/>
-          </a:xfrm>
-          <a:prstGeom prst="rect">
-            <a:avLst/>
-          </a:prstGeom>
-        </p:spPr>
-        <p:txBody>
-          <a:bodyPr lIns="0" rIns="0" tIns="0" bIns="0">
-            <a:normAutofit/>
+            <p:ph/>
+          </p:nvPr>
+        </p:nvSpPr>
+        <p:spPr>
+          <a:xfrm>
+            <a:off x="1947960" y="1604520"/>
+            <a:ext cx="1274400" cy="1896480"/>
+          </a:xfrm>
+          <a:prstGeom prst="rect">
+            <a:avLst/>
+          </a:prstGeom>
+          <a:noFill/>
+          <a:ln w="0">
+            <a:noFill/>
+          </a:ln>
+        </p:spPr>
+        <p:txBody>
+          <a:bodyPr lIns="0" rIns="0" tIns="0" bIns="0" anchor="t">
+            <a:normAutofit fontScale="59000"/>
           </a:bodyPr>
           <a:p>
             <a:endParaRPr b="0" lang="ru-RU" sz="3200" spc="-1" strike="noStrike">
@@ -1458,21 +1633,25 @@
             <a:spLocks noGrp="1"/>
           </p:cNvSpPr>
           <p:nvPr>
-            <p:ph type="body"/>
-          </p:nvPr>
-        </p:nvSpPr>
-        <p:spPr>
-          <a:xfrm>
-            <a:off x="609480" y="3682080"/>
-            <a:ext cx="10972440" cy="1896840"/>
-          </a:xfrm>
-          <a:prstGeom prst="rect">
-            <a:avLst/>
-          </a:prstGeom>
-        </p:spPr>
-        <p:txBody>
-          <a:bodyPr lIns="0" rIns="0" tIns="0" bIns="0">
-            <a:normAutofit/>
+            <p:ph/>
+          </p:nvPr>
+        </p:nvSpPr>
+        <p:spPr>
+          <a:xfrm>
+            <a:off x="609480" y="3681720"/>
+            <a:ext cx="2612160" cy="1896480"/>
+          </a:xfrm>
+          <a:prstGeom prst="rect">
+            <a:avLst/>
+          </a:prstGeom>
+          <a:noFill/>
+          <a:ln w="0">
+            <a:noFill/>
+          </a:ln>
+        </p:spPr>
+        <p:txBody>
+          <a:bodyPr lIns="0" rIns="0" tIns="0" bIns="0" anchor="t">
+            <a:normAutofit fontScale="83000"/>
           </a:bodyPr>
           <a:p>
             <a:endParaRPr b="0" lang="ru-RU" sz="3200" spc="-1" strike="noStrike">
@@ -1516,18 +1695,24 @@
         <p:spPr>
           <a:xfrm>
             <a:off x="1523880" y="1122480"/>
-            <a:ext cx="9143280" cy="2386800"/>
-          </a:xfrm>
-          <a:prstGeom prst="rect">
-            <a:avLst/>
-          </a:prstGeom>
+            <a:ext cx="9142560" cy="2386080"/>
+          </a:xfrm>
+          <a:prstGeom prst="rect">
+            <a:avLst/>
+          </a:prstGeom>
+          <a:noFill/>
+          <a:ln w="0">
+            <a:noFill/>
+          </a:ln>
         </p:spPr>
         <p:txBody>
           <a:bodyPr lIns="0" rIns="0" tIns="0" bIns="0" anchor="ctr">
             <a:noAutofit/>
           </a:bodyPr>
           <a:p>
-            <a:pPr algn="ctr"/>
+            <a:pPr algn="ctr">
+              <a:buNone/>
+            </a:pPr>
             <a:endParaRPr b="0" lang="ru-RU" sz="4400" spc="-1" strike="noStrike">
               <a:latin typeface="Arial"/>
             </a:endParaRPr>
@@ -1541,21 +1726,25 @@
             <a:spLocks noGrp="1"/>
           </p:cNvSpPr>
           <p:nvPr>
-            <p:ph type="body"/>
+            <p:ph/>
           </p:nvPr>
         </p:nvSpPr>
         <p:spPr>
           <a:xfrm>
             <a:off x="609480" y="1604520"/>
-            <a:ext cx="10972440" cy="1896840"/>
-          </a:xfrm>
-          <a:prstGeom prst="rect">
-            <a:avLst/>
-          </a:prstGeom>
-        </p:spPr>
-        <p:txBody>
-          <a:bodyPr lIns="0" rIns="0" tIns="0" bIns="0">
-            <a:normAutofit/>
+            <a:ext cx="2612160" cy="1896480"/>
+          </a:xfrm>
+          <a:prstGeom prst="rect">
+            <a:avLst/>
+          </a:prstGeom>
+          <a:noFill/>
+          <a:ln w="0">
+            <a:noFill/>
+          </a:ln>
+        </p:spPr>
+        <p:txBody>
+          <a:bodyPr lIns="0" rIns="0" tIns="0" bIns="0" anchor="t">
+            <a:normAutofit fontScale="83000"/>
           </a:bodyPr>
           <a:p>
             <a:endParaRPr b="0" lang="ru-RU" sz="3200" spc="-1" strike="noStrike">
@@ -1571,21 +1760,25 @@
             <a:spLocks noGrp="1"/>
           </p:cNvSpPr>
           <p:nvPr>
-            <p:ph type="body"/>
-          </p:nvPr>
-        </p:nvSpPr>
-        <p:spPr>
-          <a:xfrm>
-            <a:off x="609480" y="3682080"/>
-            <a:ext cx="10972440" cy="1896840"/>
-          </a:xfrm>
-          <a:prstGeom prst="rect">
-            <a:avLst/>
-          </a:prstGeom>
-        </p:spPr>
-        <p:txBody>
-          <a:bodyPr lIns="0" rIns="0" tIns="0" bIns="0">
-            <a:normAutofit/>
+            <p:ph/>
+          </p:nvPr>
+        </p:nvSpPr>
+        <p:spPr>
+          <a:xfrm>
+            <a:off x="609480" y="3681720"/>
+            <a:ext cx="2612160" cy="1896480"/>
+          </a:xfrm>
+          <a:prstGeom prst="rect">
+            <a:avLst/>
+          </a:prstGeom>
+          <a:noFill/>
+          <a:ln w="0">
+            <a:noFill/>
+          </a:ln>
+        </p:spPr>
+        <p:txBody>
+          <a:bodyPr lIns="0" rIns="0" tIns="0" bIns="0" anchor="t">
+            <a:normAutofit fontScale="83000"/>
           </a:bodyPr>
           <a:p>
             <a:endParaRPr b="0" lang="ru-RU" sz="3200" spc="-1" strike="noStrike">
@@ -1629,18 +1822,24 @@
         <p:spPr>
           <a:xfrm>
             <a:off x="1523880" y="1122480"/>
-            <a:ext cx="9143280" cy="2386800"/>
-          </a:xfrm>
-          <a:prstGeom prst="rect">
-            <a:avLst/>
-          </a:prstGeom>
+            <a:ext cx="9142560" cy="2386080"/>
+          </a:xfrm>
+          <a:prstGeom prst="rect">
+            <a:avLst/>
+          </a:prstGeom>
+          <a:noFill/>
+          <a:ln w="0">
+            <a:noFill/>
+          </a:ln>
         </p:spPr>
         <p:txBody>
           <a:bodyPr lIns="0" rIns="0" tIns="0" bIns="0" anchor="ctr">
             <a:noAutofit/>
           </a:bodyPr>
           <a:p>
-            <a:pPr algn="ctr"/>
+            <a:pPr algn="ctr">
+              <a:buNone/>
+            </a:pPr>
             <a:endParaRPr b="0" lang="ru-RU" sz="4400" spc="-1" strike="noStrike">
               <a:latin typeface="Arial"/>
             </a:endParaRPr>
@@ -1654,21 +1853,25 @@
             <a:spLocks noGrp="1"/>
           </p:cNvSpPr>
           <p:nvPr>
-            <p:ph type="body"/>
+            <p:ph/>
           </p:nvPr>
         </p:nvSpPr>
         <p:spPr>
           <a:xfrm>
             <a:off x="609480" y="1604520"/>
-            <a:ext cx="5354280" cy="1896840"/>
-          </a:xfrm>
-          <a:prstGeom prst="rect">
-            <a:avLst/>
-          </a:prstGeom>
-        </p:spPr>
-        <p:txBody>
-          <a:bodyPr lIns="0" rIns="0" tIns="0" bIns="0">
-            <a:normAutofit/>
+            <a:ext cx="1274400" cy="1896480"/>
+          </a:xfrm>
+          <a:prstGeom prst="rect">
+            <a:avLst/>
+          </a:prstGeom>
+          <a:noFill/>
+          <a:ln w="0">
+            <a:noFill/>
+          </a:ln>
+        </p:spPr>
+        <p:txBody>
+          <a:bodyPr lIns="0" rIns="0" tIns="0" bIns="0" anchor="t">
+            <a:normAutofit fontScale="59000"/>
           </a:bodyPr>
           <a:p>
             <a:endParaRPr b="0" lang="ru-RU" sz="3200" spc="-1" strike="noStrike">
@@ -1684,21 +1887,25 @@
             <a:spLocks noGrp="1"/>
           </p:cNvSpPr>
           <p:nvPr>
-            <p:ph type="body"/>
-          </p:nvPr>
-        </p:nvSpPr>
-        <p:spPr>
-          <a:xfrm>
-            <a:off x="6231960" y="1604520"/>
-            <a:ext cx="5354280" cy="1896840"/>
-          </a:xfrm>
-          <a:prstGeom prst="rect">
-            <a:avLst/>
-          </a:prstGeom>
-        </p:spPr>
-        <p:txBody>
-          <a:bodyPr lIns="0" rIns="0" tIns="0" bIns="0">
-            <a:normAutofit/>
+            <p:ph/>
+          </p:nvPr>
+        </p:nvSpPr>
+        <p:spPr>
+          <a:xfrm>
+            <a:off x="1947960" y="1604520"/>
+            <a:ext cx="1274400" cy="1896480"/>
+          </a:xfrm>
+          <a:prstGeom prst="rect">
+            <a:avLst/>
+          </a:prstGeom>
+          <a:noFill/>
+          <a:ln w="0">
+            <a:noFill/>
+          </a:ln>
+        </p:spPr>
+        <p:txBody>
+          <a:bodyPr lIns="0" rIns="0" tIns="0" bIns="0" anchor="t">
+            <a:normAutofit fontScale="59000"/>
           </a:bodyPr>
           <a:p>
             <a:endParaRPr b="0" lang="ru-RU" sz="3200" spc="-1" strike="noStrike">
@@ -1714,21 +1921,25 @@
             <a:spLocks noGrp="1"/>
           </p:cNvSpPr>
           <p:nvPr>
-            <p:ph type="body"/>
-          </p:nvPr>
-        </p:nvSpPr>
-        <p:spPr>
-          <a:xfrm>
-            <a:off x="609480" y="3682080"/>
-            <a:ext cx="5354280" cy="1896840"/>
-          </a:xfrm>
-          <a:prstGeom prst="rect">
-            <a:avLst/>
-          </a:prstGeom>
-        </p:spPr>
-        <p:txBody>
-          <a:bodyPr lIns="0" rIns="0" tIns="0" bIns="0">
-            <a:normAutofit/>
+            <p:ph/>
+          </p:nvPr>
+        </p:nvSpPr>
+        <p:spPr>
+          <a:xfrm>
+            <a:off x="609480" y="3681720"/>
+            <a:ext cx="1274400" cy="1896480"/>
+          </a:xfrm>
+          <a:prstGeom prst="rect">
+            <a:avLst/>
+          </a:prstGeom>
+          <a:noFill/>
+          <a:ln w="0">
+            <a:noFill/>
+          </a:ln>
+        </p:spPr>
+        <p:txBody>
+          <a:bodyPr lIns="0" rIns="0" tIns="0" bIns="0" anchor="t">
+            <a:normAutofit fontScale="59000"/>
           </a:bodyPr>
           <a:p>
             <a:endParaRPr b="0" lang="ru-RU" sz="3200" spc="-1" strike="noStrike">
@@ -1744,21 +1955,25 @@
             <a:spLocks noGrp="1"/>
           </p:cNvSpPr>
           <p:nvPr>
-            <p:ph type="body"/>
-          </p:nvPr>
-        </p:nvSpPr>
-        <p:spPr>
-          <a:xfrm>
-            <a:off x="6231960" y="3682080"/>
-            <a:ext cx="5354280" cy="1896840"/>
-          </a:xfrm>
-          <a:prstGeom prst="rect">
-            <a:avLst/>
-          </a:prstGeom>
-        </p:spPr>
-        <p:txBody>
-          <a:bodyPr lIns="0" rIns="0" tIns="0" bIns="0">
-            <a:normAutofit/>
+            <p:ph/>
+          </p:nvPr>
+        </p:nvSpPr>
+        <p:spPr>
+          <a:xfrm>
+            <a:off x="1947960" y="3681720"/>
+            <a:ext cx="1274400" cy="1896480"/>
+          </a:xfrm>
+          <a:prstGeom prst="rect">
+            <a:avLst/>
+          </a:prstGeom>
+          <a:noFill/>
+          <a:ln w="0">
+            <a:noFill/>
+          </a:ln>
+        </p:spPr>
+        <p:txBody>
+          <a:bodyPr lIns="0" rIns="0" tIns="0" bIns="0" anchor="t">
+            <a:normAutofit fontScale="59000"/>
           </a:bodyPr>
           <a:p>
             <a:endParaRPr b="0" lang="ru-RU" sz="3200" spc="-1" strike="noStrike">
@@ -1802,18 +2017,24 @@
         <p:spPr>
           <a:xfrm>
             <a:off x="1523880" y="1122480"/>
-            <a:ext cx="9143280" cy="2386800"/>
-          </a:xfrm>
-          <a:prstGeom prst="rect">
-            <a:avLst/>
-          </a:prstGeom>
+            <a:ext cx="9142560" cy="2386080"/>
+          </a:xfrm>
+          <a:prstGeom prst="rect">
+            <a:avLst/>
+          </a:prstGeom>
+          <a:noFill/>
+          <a:ln w="0">
+            <a:noFill/>
+          </a:ln>
         </p:spPr>
         <p:txBody>
           <a:bodyPr lIns="0" rIns="0" tIns="0" bIns="0" anchor="ctr">
             <a:noAutofit/>
           </a:bodyPr>
           <a:p>
-            <a:pPr algn="ctr"/>
+            <a:pPr algn="ctr">
+              <a:buNone/>
+            </a:pPr>
             <a:endParaRPr b="0" lang="ru-RU" sz="4400" spc="-1" strike="noStrike">
               <a:latin typeface="Arial"/>
             </a:endParaRPr>
@@ -1827,21 +2048,25 @@
             <a:spLocks noGrp="1"/>
           </p:cNvSpPr>
           <p:nvPr>
-            <p:ph type="body"/>
+            <p:ph/>
           </p:nvPr>
         </p:nvSpPr>
         <p:spPr>
           <a:xfrm>
             <a:off x="609480" y="1604520"/>
-            <a:ext cx="3533040" cy="1896840"/>
-          </a:xfrm>
-          <a:prstGeom prst="rect">
-            <a:avLst/>
-          </a:prstGeom>
-        </p:spPr>
-        <p:txBody>
-          <a:bodyPr lIns="0" rIns="0" tIns="0" bIns="0">
-            <a:normAutofit/>
+            <a:ext cx="840960" cy="1896480"/>
+          </a:xfrm>
+          <a:prstGeom prst="rect">
+            <a:avLst/>
+          </a:prstGeom>
+          <a:noFill/>
+          <a:ln w="0">
+            <a:noFill/>
+          </a:ln>
+        </p:spPr>
+        <p:txBody>
+          <a:bodyPr lIns="0" rIns="0" tIns="0" bIns="0" anchor="t">
+            <a:normAutofit fontScale="51000"/>
           </a:bodyPr>
           <a:p>
             <a:endParaRPr b="0" lang="ru-RU" sz="3200" spc="-1" strike="noStrike">
@@ -1857,21 +2082,25 @@
             <a:spLocks noGrp="1"/>
           </p:cNvSpPr>
           <p:nvPr>
-            <p:ph type="body"/>
-          </p:nvPr>
-        </p:nvSpPr>
-        <p:spPr>
-          <a:xfrm>
-            <a:off x="4319640" y="1604520"/>
-            <a:ext cx="3533040" cy="1896840"/>
-          </a:xfrm>
-          <a:prstGeom prst="rect">
-            <a:avLst/>
-          </a:prstGeom>
-        </p:spPr>
-        <p:txBody>
-          <a:bodyPr lIns="0" rIns="0" tIns="0" bIns="0">
-            <a:normAutofit/>
+            <p:ph/>
+          </p:nvPr>
+        </p:nvSpPr>
+        <p:spPr>
+          <a:xfrm>
+            <a:off x="1492920" y="1604520"/>
+            <a:ext cx="840960" cy="1896480"/>
+          </a:xfrm>
+          <a:prstGeom prst="rect">
+            <a:avLst/>
+          </a:prstGeom>
+          <a:noFill/>
+          <a:ln w="0">
+            <a:noFill/>
+          </a:ln>
+        </p:spPr>
+        <p:txBody>
+          <a:bodyPr lIns="0" rIns="0" tIns="0" bIns="0" anchor="t">
+            <a:normAutofit fontScale="51000"/>
           </a:bodyPr>
           <a:p>
             <a:endParaRPr b="0" lang="ru-RU" sz="3200" spc="-1" strike="noStrike">
@@ -1887,21 +2116,25 @@
             <a:spLocks noGrp="1"/>
           </p:cNvSpPr>
           <p:nvPr>
-            <p:ph type="body"/>
-          </p:nvPr>
-        </p:nvSpPr>
-        <p:spPr>
-          <a:xfrm>
-            <a:off x="8029800" y="1604520"/>
-            <a:ext cx="3533040" cy="1896840"/>
-          </a:xfrm>
-          <a:prstGeom prst="rect">
-            <a:avLst/>
-          </a:prstGeom>
-        </p:spPr>
-        <p:txBody>
-          <a:bodyPr lIns="0" rIns="0" tIns="0" bIns="0">
-            <a:normAutofit/>
+            <p:ph/>
+          </p:nvPr>
+        </p:nvSpPr>
+        <p:spPr>
+          <a:xfrm>
+            <a:off x="2376360" y="1604520"/>
+            <a:ext cx="840960" cy="1896480"/>
+          </a:xfrm>
+          <a:prstGeom prst="rect">
+            <a:avLst/>
+          </a:prstGeom>
+          <a:noFill/>
+          <a:ln w="0">
+            <a:noFill/>
+          </a:ln>
+        </p:spPr>
+        <p:txBody>
+          <a:bodyPr lIns="0" rIns="0" tIns="0" bIns="0" anchor="t">
+            <a:normAutofit fontScale="51000"/>
           </a:bodyPr>
           <a:p>
             <a:endParaRPr b="0" lang="ru-RU" sz="3200" spc="-1" strike="noStrike">
@@ -1917,21 +2150,25 @@
             <a:spLocks noGrp="1"/>
           </p:cNvSpPr>
           <p:nvPr>
-            <p:ph type="body"/>
-          </p:nvPr>
-        </p:nvSpPr>
-        <p:spPr>
-          <a:xfrm>
-            <a:off x="609480" y="3682080"/>
-            <a:ext cx="3533040" cy="1896840"/>
-          </a:xfrm>
-          <a:prstGeom prst="rect">
-            <a:avLst/>
-          </a:prstGeom>
-        </p:spPr>
-        <p:txBody>
-          <a:bodyPr lIns="0" rIns="0" tIns="0" bIns="0">
-            <a:normAutofit/>
+            <p:ph/>
+          </p:nvPr>
+        </p:nvSpPr>
+        <p:spPr>
+          <a:xfrm>
+            <a:off x="609480" y="3681720"/>
+            <a:ext cx="840960" cy="1896480"/>
+          </a:xfrm>
+          <a:prstGeom prst="rect">
+            <a:avLst/>
+          </a:prstGeom>
+          <a:noFill/>
+          <a:ln w="0">
+            <a:noFill/>
+          </a:ln>
+        </p:spPr>
+        <p:txBody>
+          <a:bodyPr lIns="0" rIns="0" tIns="0" bIns="0" anchor="t">
+            <a:normAutofit fontScale="51000"/>
           </a:bodyPr>
           <a:p>
             <a:endParaRPr b="0" lang="ru-RU" sz="3200" spc="-1" strike="noStrike">
@@ -1947,21 +2184,25 @@
             <a:spLocks noGrp="1"/>
           </p:cNvSpPr>
           <p:nvPr>
-            <p:ph type="body"/>
-          </p:nvPr>
-        </p:nvSpPr>
-        <p:spPr>
-          <a:xfrm>
-            <a:off x="4319640" y="3682080"/>
-            <a:ext cx="3533040" cy="1896840"/>
-          </a:xfrm>
-          <a:prstGeom prst="rect">
-            <a:avLst/>
-          </a:prstGeom>
-        </p:spPr>
-        <p:txBody>
-          <a:bodyPr lIns="0" rIns="0" tIns="0" bIns="0">
-            <a:normAutofit/>
+            <p:ph/>
+          </p:nvPr>
+        </p:nvSpPr>
+        <p:spPr>
+          <a:xfrm>
+            <a:off x="1492920" y="3681720"/>
+            <a:ext cx="840960" cy="1896480"/>
+          </a:xfrm>
+          <a:prstGeom prst="rect">
+            <a:avLst/>
+          </a:prstGeom>
+          <a:noFill/>
+          <a:ln w="0">
+            <a:noFill/>
+          </a:ln>
+        </p:spPr>
+        <p:txBody>
+          <a:bodyPr lIns="0" rIns="0" tIns="0" bIns="0" anchor="t">
+            <a:normAutofit fontScale="51000"/>
           </a:bodyPr>
           <a:p>
             <a:endParaRPr b="0" lang="ru-RU" sz="3200" spc="-1" strike="noStrike">
@@ -1977,21 +2218,25 @@
             <a:spLocks noGrp="1"/>
           </p:cNvSpPr>
           <p:nvPr>
-            <p:ph type="body"/>
-          </p:nvPr>
-        </p:nvSpPr>
-        <p:spPr>
-          <a:xfrm>
-            <a:off x="8029800" y="3682080"/>
-            <a:ext cx="3533040" cy="1896840"/>
-          </a:xfrm>
-          <a:prstGeom prst="rect">
-            <a:avLst/>
-          </a:prstGeom>
-        </p:spPr>
-        <p:txBody>
-          <a:bodyPr lIns="0" rIns="0" tIns="0" bIns="0">
-            <a:normAutofit/>
+            <p:ph/>
+          </p:nvPr>
+        </p:nvSpPr>
+        <p:spPr>
+          <a:xfrm>
+            <a:off x="2376360" y="3681720"/>
+            <a:ext cx="840960" cy="1896480"/>
+          </a:xfrm>
+          <a:prstGeom prst="rect">
+            <a:avLst/>
+          </a:prstGeom>
+          <a:noFill/>
+          <a:ln w="0">
+            <a:noFill/>
+          </a:ln>
+        </p:spPr>
+        <p:txBody>
+          <a:bodyPr lIns="0" rIns="0" tIns="0" bIns="0" anchor="t">
+            <a:normAutofit fontScale="51000"/>
           </a:bodyPr>
           <a:p>
             <a:endParaRPr b="0" lang="ru-RU" sz="3200" spc="-1" strike="noStrike">
@@ -2057,18 +2302,24 @@
         <p:spPr>
           <a:xfrm>
             <a:off x="1523880" y="1122480"/>
-            <a:ext cx="9143280" cy="2386800"/>
-          </a:xfrm>
-          <a:prstGeom prst="rect">
-            <a:avLst/>
-          </a:prstGeom>
+            <a:ext cx="9142560" cy="2386080"/>
+          </a:xfrm>
+          <a:prstGeom prst="rect">
+            <a:avLst/>
+          </a:prstGeom>
+          <a:noFill/>
+          <a:ln w="0">
+            <a:noFill/>
+          </a:ln>
         </p:spPr>
         <p:txBody>
           <a:bodyPr lIns="0" rIns="0" tIns="0" bIns="0" anchor="ctr">
             <a:noAutofit/>
           </a:bodyPr>
           <a:p>
-            <a:pPr algn="ctr"/>
+            <a:pPr algn="ctr">
+              <a:buNone/>
+            </a:pPr>
             <a:endParaRPr b="0" lang="ru-RU" sz="4400" spc="-1" strike="noStrike">
               <a:latin typeface="Arial"/>
             </a:endParaRPr>
@@ -2088,18 +2339,24 @@
         <p:spPr>
           <a:xfrm>
             <a:off x="609480" y="1604520"/>
-            <a:ext cx="10972440" cy="3977280"/>
-          </a:xfrm>
-          <a:prstGeom prst="rect">
-            <a:avLst/>
-          </a:prstGeom>
+            <a:ext cx="2612160" cy="3976560"/>
+          </a:xfrm>
+          <a:prstGeom prst="rect">
+            <a:avLst/>
+          </a:prstGeom>
+          <a:noFill/>
+          <a:ln w="0">
+            <a:noFill/>
+          </a:ln>
         </p:spPr>
         <p:txBody>
           <a:bodyPr lIns="0" rIns="0" tIns="0" bIns="0" anchor="ctr">
             <a:noAutofit/>
           </a:bodyPr>
           <a:p>
-            <a:pPr algn="ctr"/>
+            <a:pPr algn="ctr">
+              <a:buNone/>
+            </a:pPr>
             <a:endParaRPr b="0" lang="ru-RU" sz="3200" spc="-1" strike="noStrike">
               <a:latin typeface="Arial"/>
             </a:endParaRPr>
@@ -2141,18 +2398,24 @@
         <p:spPr>
           <a:xfrm>
             <a:off x="1523880" y="1122480"/>
-            <a:ext cx="9143280" cy="2386800"/>
-          </a:xfrm>
-          <a:prstGeom prst="rect">
-            <a:avLst/>
-          </a:prstGeom>
+            <a:ext cx="9142560" cy="2386080"/>
+          </a:xfrm>
+          <a:prstGeom prst="rect">
+            <a:avLst/>
+          </a:prstGeom>
+          <a:noFill/>
+          <a:ln w="0">
+            <a:noFill/>
+          </a:ln>
         </p:spPr>
         <p:txBody>
           <a:bodyPr lIns="0" rIns="0" tIns="0" bIns="0" anchor="ctr">
             <a:noAutofit/>
           </a:bodyPr>
           <a:p>
-            <a:pPr algn="ctr"/>
+            <a:pPr algn="ctr">
+              <a:buNone/>
+            </a:pPr>
             <a:endParaRPr b="0" lang="ru-RU" sz="4400" spc="-1" strike="noStrike">
               <a:latin typeface="Arial"/>
             </a:endParaRPr>
@@ -2166,20 +2429,24 @@
             <a:spLocks noGrp="1"/>
           </p:cNvSpPr>
           <p:nvPr>
-            <p:ph type="body"/>
+            <p:ph/>
           </p:nvPr>
         </p:nvSpPr>
         <p:spPr>
           <a:xfrm>
             <a:off x="609480" y="1604520"/>
-            <a:ext cx="10972440" cy="3977280"/>
-          </a:xfrm>
-          <a:prstGeom prst="rect">
-            <a:avLst/>
-          </a:prstGeom>
-        </p:spPr>
-        <p:txBody>
-          <a:bodyPr lIns="0" rIns="0" tIns="0" bIns="0">
+            <a:ext cx="2612160" cy="3976560"/>
+          </a:xfrm>
+          <a:prstGeom prst="rect">
+            <a:avLst/>
+          </a:prstGeom>
+          <a:noFill/>
+          <a:ln w="0">
+            <a:noFill/>
+          </a:ln>
+        </p:spPr>
+        <p:txBody>
+          <a:bodyPr lIns="0" rIns="0" tIns="0" bIns="0" anchor="t">
             <a:normAutofit/>
           </a:bodyPr>
           <a:p>
@@ -2224,18 +2491,24 @@
         <p:spPr>
           <a:xfrm>
             <a:off x="1523880" y="1122480"/>
-            <a:ext cx="9143280" cy="2386800"/>
-          </a:xfrm>
-          <a:prstGeom prst="rect">
-            <a:avLst/>
-          </a:prstGeom>
+            <a:ext cx="9142560" cy="2386080"/>
+          </a:xfrm>
+          <a:prstGeom prst="rect">
+            <a:avLst/>
+          </a:prstGeom>
+          <a:noFill/>
+          <a:ln w="0">
+            <a:noFill/>
+          </a:ln>
         </p:spPr>
         <p:txBody>
           <a:bodyPr lIns="0" rIns="0" tIns="0" bIns="0" anchor="ctr">
             <a:noAutofit/>
           </a:bodyPr>
           <a:p>
-            <a:pPr algn="ctr"/>
+            <a:pPr algn="ctr">
+              <a:buNone/>
+            </a:pPr>
             <a:endParaRPr b="0" lang="ru-RU" sz="4400" spc="-1" strike="noStrike">
               <a:latin typeface="Arial"/>
             </a:endParaRPr>
@@ -2249,21 +2522,25 @@
             <a:spLocks noGrp="1"/>
           </p:cNvSpPr>
           <p:nvPr>
-            <p:ph type="body"/>
+            <p:ph/>
           </p:nvPr>
         </p:nvSpPr>
         <p:spPr>
           <a:xfrm>
             <a:off x="609480" y="1604520"/>
-            <a:ext cx="5354280" cy="3977280"/>
-          </a:xfrm>
-          <a:prstGeom prst="rect">
-            <a:avLst/>
-          </a:prstGeom>
-        </p:spPr>
-        <p:txBody>
-          <a:bodyPr lIns="0" rIns="0" tIns="0" bIns="0">
-            <a:normAutofit/>
+            <a:ext cx="1274400" cy="3976560"/>
+          </a:xfrm>
+          <a:prstGeom prst="rect">
+            <a:avLst/>
+          </a:prstGeom>
+          <a:noFill/>
+          <a:ln w="0">
+            <a:noFill/>
+          </a:ln>
+        </p:spPr>
+        <p:txBody>
+          <a:bodyPr lIns="0" rIns="0" tIns="0" bIns="0" anchor="t">
+            <a:normAutofit fontScale="87000"/>
           </a:bodyPr>
           <a:p>
             <a:endParaRPr b="0" lang="ru-RU" sz="3200" spc="-1" strike="noStrike">
@@ -2279,21 +2556,25 @@
             <a:spLocks noGrp="1"/>
           </p:cNvSpPr>
           <p:nvPr>
-            <p:ph type="body"/>
-          </p:nvPr>
-        </p:nvSpPr>
-        <p:spPr>
-          <a:xfrm>
-            <a:off x="6231960" y="1604520"/>
-            <a:ext cx="5354280" cy="3977280"/>
-          </a:xfrm>
-          <a:prstGeom prst="rect">
-            <a:avLst/>
-          </a:prstGeom>
-        </p:spPr>
-        <p:txBody>
-          <a:bodyPr lIns="0" rIns="0" tIns="0" bIns="0">
-            <a:normAutofit/>
+            <p:ph/>
+          </p:nvPr>
+        </p:nvSpPr>
+        <p:spPr>
+          <a:xfrm>
+            <a:off x="1947960" y="1604520"/>
+            <a:ext cx="1274400" cy="3976560"/>
+          </a:xfrm>
+          <a:prstGeom prst="rect">
+            <a:avLst/>
+          </a:prstGeom>
+          <a:noFill/>
+          <a:ln w="0">
+            <a:noFill/>
+          </a:ln>
+        </p:spPr>
+        <p:txBody>
+          <a:bodyPr lIns="0" rIns="0" tIns="0" bIns="0" anchor="t">
+            <a:normAutofit fontScale="87000"/>
           </a:bodyPr>
           <a:p>
             <a:endParaRPr b="0" lang="ru-RU" sz="3200" spc="-1" strike="noStrike">
@@ -2337,18 +2618,24 @@
         <p:spPr>
           <a:xfrm>
             <a:off x="1523880" y="1122480"/>
-            <a:ext cx="9143280" cy="2386800"/>
-          </a:xfrm>
-          <a:prstGeom prst="rect">
-            <a:avLst/>
-          </a:prstGeom>
+            <a:ext cx="9142560" cy="2386080"/>
+          </a:xfrm>
+          <a:prstGeom prst="rect">
+            <a:avLst/>
+          </a:prstGeom>
+          <a:noFill/>
+          <a:ln w="0">
+            <a:noFill/>
+          </a:ln>
         </p:spPr>
         <p:txBody>
           <a:bodyPr lIns="0" rIns="0" tIns="0" bIns="0" anchor="ctr">
             <a:noAutofit/>
           </a:bodyPr>
           <a:p>
-            <a:pPr algn="ctr"/>
+            <a:pPr algn="ctr">
+              <a:buNone/>
+            </a:pPr>
             <a:endParaRPr b="0" lang="ru-RU" sz="4400" spc="-1" strike="noStrike">
               <a:latin typeface="Arial"/>
             </a:endParaRPr>
@@ -2390,18 +2677,24 @@
         <p:spPr>
           <a:xfrm>
             <a:off x="1523880" y="1122480"/>
-            <a:ext cx="9143280" cy="2386800"/>
-          </a:xfrm>
-          <a:prstGeom prst="rect">
-            <a:avLst/>
-          </a:prstGeom>
+            <a:ext cx="9142560" cy="2386080"/>
+          </a:xfrm>
+          <a:prstGeom prst="rect">
+            <a:avLst/>
+          </a:prstGeom>
+          <a:noFill/>
+          <a:ln w="0">
+            <a:noFill/>
+          </a:ln>
         </p:spPr>
         <p:txBody>
           <a:bodyPr lIns="0" rIns="0" tIns="0" bIns="0" anchor="ctr">
             <a:noAutofit/>
           </a:bodyPr>
           <a:p>
-            <a:pPr algn="ctr"/>
+            <a:pPr algn="ctr">
+              <a:buNone/>
+            </a:pPr>
             <a:endParaRPr b="0" lang="ru-RU" sz="4400" spc="-1" strike="noStrike">
               <a:latin typeface="Arial"/>
             </a:endParaRPr>
@@ -2415,20 +2708,24 @@
             <a:spLocks noGrp="1"/>
           </p:cNvSpPr>
           <p:nvPr>
-            <p:ph type="body"/>
+            <p:ph/>
           </p:nvPr>
         </p:nvSpPr>
         <p:spPr>
           <a:xfrm>
             <a:off x="609480" y="1604520"/>
-            <a:ext cx="10972440" cy="3977280"/>
-          </a:xfrm>
-          <a:prstGeom prst="rect">
-            <a:avLst/>
-          </a:prstGeom>
-        </p:spPr>
-        <p:txBody>
-          <a:bodyPr lIns="0" rIns="0" tIns="0" bIns="0">
+            <a:ext cx="2612160" cy="3976560"/>
+          </a:xfrm>
+          <a:prstGeom prst="rect">
+            <a:avLst/>
+          </a:prstGeom>
+          <a:noFill/>
+          <a:ln w="0">
+            <a:noFill/>
+          </a:ln>
+        </p:spPr>
+        <p:txBody>
+          <a:bodyPr lIns="0" rIns="0" tIns="0" bIns="0" anchor="t">
             <a:normAutofit/>
           </a:bodyPr>
           <a:p>
@@ -2473,18 +2770,24 @@
         <p:spPr>
           <a:xfrm>
             <a:off x="1523880" y="1122480"/>
-            <a:ext cx="9143280" cy="11064960"/>
-          </a:xfrm>
-          <a:prstGeom prst="rect">
-            <a:avLst/>
-          </a:prstGeom>
+            <a:ext cx="9142560" cy="11061720"/>
+          </a:xfrm>
+          <a:prstGeom prst="rect">
+            <a:avLst/>
+          </a:prstGeom>
+          <a:noFill/>
+          <a:ln w="0">
+            <a:noFill/>
+          </a:ln>
         </p:spPr>
         <p:txBody>
           <a:bodyPr lIns="0" rIns="0" tIns="0" bIns="0" anchor="ctr">
             <a:noAutofit/>
           </a:bodyPr>
           <a:p>
-            <a:pPr algn="ctr"/>
+            <a:pPr algn="ctr">
+              <a:buNone/>
+            </a:pPr>
             <a:endParaRPr b="0" lang="ru-RU" sz="3200" spc="-1" strike="noStrike">
               <a:latin typeface="Arial"/>
             </a:endParaRPr>
@@ -2526,18 +2829,24 @@
         <p:spPr>
           <a:xfrm>
             <a:off x="1523880" y="1122480"/>
-            <a:ext cx="9143280" cy="2386800"/>
-          </a:xfrm>
-          <a:prstGeom prst="rect">
-            <a:avLst/>
-          </a:prstGeom>
+            <a:ext cx="9142560" cy="2386080"/>
+          </a:xfrm>
+          <a:prstGeom prst="rect">
+            <a:avLst/>
+          </a:prstGeom>
+          <a:noFill/>
+          <a:ln w="0">
+            <a:noFill/>
+          </a:ln>
         </p:spPr>
         <p:txBody>
           <a:bodyPr lIns="0" rIns="0" tIns="0" bIns="0" anchor="ctr">
             <a:noAutofit/>
           </a:bodyPr>
           <a:p>
-            <a:pPr algn="ctr"/>
+            <a:pPr algn="ctr">
+              <a:buNone/>
+            </a:pPr>
             <a:endParaRPr b="0" lang="ru-RU" sz="4400" spc="-1" strike="noStrike">
               <a:latin typeface="Arial"/>
             </a:endParaRPr>
@@ -2551,21 +2860,25 @@
             <a:spLocks noGrp="1"/>
           </p:cNvSpPr>
           <p:nvPr>
-            <p:ph type="body"/>
+            <p:ph/>
           </p:nvPr>
         </p:nvSpPr>
         <p:spPr>
           <a:xfrm>
             <a:off x="609480" y="1604520"/>
-            <a:ext cx="5354280" cy="1896840"/>
-          </a:xfrm>
-          <a:prstGeom prst="rect">
-            <a:avLst/>
-          </a:prstGeom>
-        </p:spPr>
-        <p:txBody>
-          <a:bodyPr lIns="0" rIns="0" tIns="0" bIns="0">
-            <a:normAutofit/>
+            <a:ext cx="1274400" cy="1896480"/>
+          </a:xfrm>
+          <a:prstGeom prst="rect">
+            <a:avLst/>
+          </a:prstGeom>
+          <a:noFill/>
+          <a:ln w="0">
+            <a:noFill/>
+          </a:ln>
+        </p:spPr>
+        <p:txBody>
+          <a:bodyPr lIns="0" rIns="0" tIns="0" bIns="0" anchor="t">
+            <a:normAutofit fontScale="59000"/>
           </a:bodyPr>
           <a:p>
             <a:endParaRPr b="0" lang="ru-RU" sz="3200" spc="-1" strike="noStrike">
@@ -2581,21 +2894,25 @@
             <a:spLocks noGrp="1"/>
           </p:cNvSpPr>
           <p:nvPr>
-            <p:ph type="body"/>
-          </p:nvPr>
-        </p:nvSpPr>
-        <p:spPr>
-          <a:xfrm>
-            <a:off x="6231960" y="1604520"/>
-            <a:ext cx="5354280" cy="3977280"/>
-          </a:xfrm>
-          <a:prstGeom prst="rect">
-            <a:avLst/>
-          </a:prstGeom>
-        </p:spPr>
-        <p:txBody>
-          <a:bodyPr lIns="0" rIns="0" tIns="0" bIns="0">
-            <a:normAutofit/>
+            <p:ph/>
+          </p:nvPr>
+        </p:nvSpPr>
+        <p:spPr>
+          <a:xfrm>
+            <a:off x="1947960" y="1604520"/>
+            <a:ext cx="1274400" cy="3976560"/>
+          </a:xfrm>
+          <a:prstGeom prst="rect">
+            <a:avLst/>
+          </a:prstGeom>
+          <a:noFill/>
+          <a:ln w="0">
+            <a:noFill/>
+          </a:ln>
+        </p:spPr>
+        <p:txBody>
+          <a:bodyPr lIns="0" rIns="0" tIns="0" bIns="0" anchor="t">
+            <a:normAutofit fontScale="87000"/>
           </a:bodyPr>
           <a:p>
             <a:endParaRPr b="0" lang="ru-RU" sz="3200" spc="-1" strike="noStrike">
@@ -2611,21 +2928,25 @@
             <a:spLocks noGrp="1"/>
           </p:cNvSpPr>
           <p:nvPr>
-            <p:ph type="body"/>
-          </p:nvPr>
-        </p:nvSpPr>
-        <p:spPr>
-          <a:xfrm>
-            <a:off x="609480" y="3682080"/>
-            <a:ext cx="5354280" cy="1896840"/>
-          </a:xfrm>
-          <a:prstGeom prst="rect">
-            <a:avLst/>
-          </a:prstGeom>
-        </p:spPr>
-        <p:txBody>
-          <a:bodyPr lIns="0" rIns="0" tIns="0" bIns="0">
-            <a:normAutofit/>
+            <p:ph/>
+          </p:nvPr>
+        </p:nvSpPr>
+        <p:spPr>
+          <a:xfrm>
+            <a:off x="609480" y="3681720"/>
+            <a:ext cx="1274400" cy="1896480"/>
+          </a:xfrm>
+          <a:prstGeom prst="rect">
+            <a:avLst/>
+          </a:prstGeom>
+          <a:noFill/>
+          <a:ln w="0">
+            <a:noFill/>
+          </a:ln>
+        </p:spPr>
+        <p:txBody>
+          <a:bodyPr lIns="0" rIns="0" tIns="0" bIns="0" anchor="t">
+            <a:normAutofit fontScale="59000"/>
           </a:bodyPr>
           <a:p>
             <a:endParaRPr b="0" lang="ru-RU" sz="3200" spc="-1" strike="noStrike">
@@ -2669,18 +2990,24 @@
         <p:spPr>
           <a:xfrm>
             <a:off x="1523880" y="1122480"/>
-            <a:ext cx="9143280" cy="2386800"/>
-          </a:xfrm>
-          <a:prstGeom prst="rect">
-            <a:avLst/>
-          </a:prstGeom>
+            <a:ext cx="9142560" cy="2386080"/>
+          </a:xfrm>
+          <a:prstGeom prst="rect">
+            <a:avLst/>
+          </a:prstGeom>
+          <a:noFill/>
+          <a:ln w="0">
+            <a:noFill/>
+          </a:ln>
         </p:spPr>
         <p:txBody>
           <a:bodyPr lIns="0" rIns="0" tIns="0" bIns="0" anchor="ctr">
             <a:noAutofit/>
           </a:bodyPr>
           <a:p>
-            <a:pPr algn="ctr"/>
+            <a:pPr algn="ctr">
+              <a:buNone/>
+            </a:pPr>
             <a:endParaRPr b="0" lang="ru-RU" sz="4400" spc="-1" strike="noStrike">
               <a:latin typeface="Arial"/>
             </a:endParaRPr>
@@ -2694,21 +3021,25 @@
             <a:spLocks noGrp="1"/>
           </p:cNvSpPr>
           <p:nvPr>
-            <p:ph type="body"/>
+            <p:ph/>
           </p:nvPr>
         </p:nvSpPr>
         <p:spPr>
           <a:xfrm>
             <a:off x="609480" y="1604520"/>
-            <a:ext cx="5354280" cy="3977280"/>
-          </a:xfrm>
-          <a:prstGeom prst="rect">
-            <a:avLst/>
-          </a:prstGeom>
-        </p:spPr>
-        <p:txBody>
-          <a:bodyPr lIns="0" rIns="0" tIns="0" bIns="0">
-            <a:normAutofit/>
+            <a:ext cx="1274400" cy="3976560"/>
+          </a:xfrm>
+          <a:prstGeom prst="rect">
+            <a:avLst/>
+          </a:prstGeom>
+          <a:noFill/>
+          <a:ln w="0">
+            <a:noFill/>
+          </a:ln>
+        </p:spPr>
+        <p:txBody>
+          <a:bodyPr lIns="0" rIns="0" tIns="0" bIns="0" anchor="t">
+            <a:normAutofit fontScale="87000"/>
           </a:bodyPr>
           <a:p>
             <a:endParaRPr b="0" lang="ru-RU" sz="3200" spc="-1" strike="noStrike">
@@ -2724,21 +3055,25 @@
             <a:spLocks noGrp="1"/>
           </p:cNvSpPr>
           <p:nvPr>
-            <p:ph type="body"/>
-          </p:nvPr>
-        </p:nvSpPr>
-        <p:spPr>
-          <a:xfrm>
-            <a:off x="6231960" y="1604520"/>
-            <a:ext cx="5354280" cy="1896840"/>
-          </a:xfrm>
-          <a:prstGeom prst="rect">
-            <a:avLst/>
-          </a:prstGeom>
-        </p:spPr>
-        <p:txBody>
-          <a:bodyPr lIns="0" rIns="0" tIns="0" bIns="0">
-            <a:normAutofit/>
+            <p:ph/>
+          </p:nvPr>
+        </p:nvSpPr>
+        <p:spPr>
+          <a:xfrm>
+            <a:off x="1947960" y="1604520"/>
+            <a:ext cx="1274400" cy="1896480"/>
+          </a:xfrm>
+          <a:prstGeom prst="rect">
+            <a:avLst/>
+          </a:prstGeom>
+          <a:noFill/>
+          <a:ln w="0">
+            <a:noFill/>
+          </a:ln>
+        </p:spPr>
+        <p:txBody>
+          <a:bodyPr lIns="0" rIns="0" tIns="0" bIns="0" anchor="t">
+            <a:normAutofit fontScale="59000"/>
           </a:bodyPr>
           <a:p>
             <a:endParaRPr b="0" lang="ru-RU" sz="3200" spc="-1" strike="noStrike">
@@ -2754,21 +3089,25 @@
             <a:spLocks noGrp="1"/>
           </p:cNvSpPr>
           <p:nvPr>
-            <p:ph type="body"/>
-          </p:nvPr>
-        </p:nvSpPr>
-        <p:spPr>
-          <a:xfrm>
-            <a:off x="6231960" y="3682080"/>
-            <a:ext cx="5354280" cy="1896840"/>
-          </a:xfrm>
-          <a:prstGeom prst="rect">
-            <a:avLst/>
-          </a:prstGeom>
-        </p:spPr>
-        <p:txBody>
-          <a:bodyPr lIns="0" rIns="0" tIns="0" bIns="0">
-            <a:normAutofit/>
+            <p:ph/>
+          </p:nvPr>
+        </p:nvSpPr>
+        <p:spPr>
+          <a:xfrm>
+            <a:off x="1947960" y="3681720"/>
+            <a:ext cx="1274400" cy="1896480"/>
+          </a:xfrm>
+          <a:prstGeom prst="rect">
+            <a:avLst/>
+          </a:prstGeom>
+          <a:noFill/>
+          <a:ln w="0">
+            <a:noFill/>
+          </a:ln>
+        </p:spPr>
+        <p:txBody>
+          <a:bodyPr lIns="0" rIns="0" tIns="0" bIns="0" anchor="t">
+            <a:normAutofit fontScale="59000"/>
           </a:bodyPr>
           <a:p>
             <a:endParaRPr b="0" lang="ru-RU" sz="3200" spc="-1" strike="noStrike">
@@ -2812,18 +3151,24 @@
         <p:spPr>
           <a:xfrm>
             <a:off x="1523880" y="1122480"/>
-            <a:ext cx="9143280" cy="2386800"/>
-          </a:xfrm>
-          <a:prstGeom prst="rect">
-            <a:avLst/>
-          </a:prstGeom>
+            <a:ext cx="9142560" cy="2386080"/>
+          </a:xfrm>
+          <a:prstGeom prst="rect">
+            <a:avLst/>
+          </a:prstGeom>
+          <a:noFill/>
+          <a:ln w="0">
+            <a:noFill/>
+          </a:ln>
         </p:spPr>
         <p:txBody>
           <a:bodyPr lIns="0" rIns="0" tIns="0" bIns="0" anchor="ctr">
             <a:noAutofit/>
           </a:bodyPr>
           <a:p>
-            <a:pPr algn="ctr"/>
+            <a:pPr algn="ctr">
+              <a:buNone/>
+            </a:pPr>
             <a:endParaRPr b="0" lang="ru-RU" sz="4400" spc="-1" strike="noStrike">
               <a:latin typeface="Arial"/>
             </a:endParaRPr>
@@ -2837,21 +3182,25 @@
             <a:spLocks noGrp="1"/>
           </p:cNvSpPr>
           <p:nvPr>
-            <p:ph type="body"/>
+            <p:ph/>
           </p:nvPr>
         </p:nvSpPr>
         <p:spPr>
           <a:xfrm>
             <a:off x="609480" y="1604520"/>
-            <a:ext cx="5354280" cy="1896840"/>
-          </a:xfrm>
-          <a:prstGeom prst="rect">
-            <a:avLst/>
-          </a:prstGeom>
-        </p:spPr>
-        <p:txBody>
-          <a:bodyPr lIns="0" rIns="0" tIns="0" bIns="0">
-            <a:normAutofit/>
+            <a:ext cx="1274400" cy="1896480"/>
+          </a:xfrm>
+          <a:prstGeom prst="rect">
+            <a:avLst/>
+          </a:prstGeom>
+          <a:noFill/>
+          <a:ln w="0">
+            <a:noFill/>
+          </a:ln>
+        </p:spPr>
+        <p:txBody>
+          <a:bodyPr lIns="0" rIns="0" tIns="0" bIns="0" anchor="t">
+            <a:normAutofit fontScale="59000"/>
           </a:bodyPr>
           <a:p>
             <a:endParaRPr b="0" lang="ru-RU" sz="3200" spc="-1" strike="noStrike">
@@ -2867,21 +3216,25 @@
             <a:spLocks noGrp="1"/>
           </p:cNvSpPr>
           <p:nvPr>
-            <p:ph type="body"/>
-          </p:nvPr>
-        </p:nvSpPr>
-        <p:spPr>
-          <a:xfrm>
-            <a:off x="6231960" y="1604520"/>
-            <a:ext cx="5354280" cy="1896840"/>
-          </a:xfrm>
-          <a:prstGeom prst="rect">
-            <a:avLst/>
-          </a:prstGeom>
-        </p:spPr>
-        <p:txBody>
-          <a:bodyPr lIns="0" rIns="0" tIns="0" bIns="0">
-            <a:normAutofit/>
+            <p:ph/>
+          </p:nvPr>
+        </p:nvSpPr>
+        <p:spPr>
+          <a:xfrm>
+            <a:off x="1947960" y="1604520"/>
+            <a:ext cx="1274400" cy="1896480"/>
+          </a:xfrm>
+          <a:prstGeom prst="rect">
+            <a:avLst/>
+          </a:prstGeom>
+          <a:noFill/>
+          <a:ln w="0">
+            <a:noFill/>
+          </a:ln>
+        </p:spPr>
+        <p:txBody>
+          <a:bodyPr lIns="0" rIns="0" tIns="0" bIns="0" anchor="t">
+            <a:normAutofit fontScale="59000"/>
           </a:bodyPr>
           <a:p>
             <a:endParaRPr b="0" lang="ru-RU" sz="3200" spc="-1" strike="noStrike">
@@ -2897,21 +3250,25 @@
             <a:spLocks noGrp="1"/>
           </p:cNvSpPr>
           <p:nvPr>
-            <p:ph type="body"/>
-          </p:nvPr>
-        </p:nvSpPr>
-        <p:spPr>
-          <a:xfrm>
-            <a:off x="609480" y="3682080"/>
-            <a:ext cx="10972440" cy="1896840"/>
-          </a:xfrm>
-          <a:prstGeom prst="rect">
-            <a:avLst/>
-          </a:prstGeom>
-        </p:spPr>
-        <p:txBody>
-          <a:bodyPr lIns="0" rIns="0" tIns="0" bIns="0">
-            <a:normAutofit/>
+            <p:ph/>
+          </p:nvPr>
+        </p:nvSpPr>
+        <p:spPr>
+          <a:xfrm>
+            <a:off x="609480" y="3681720"/>
+            <a:ext cx="2612160" cy="1896480"/>
+          </a:xfrm>
+          <a:prstGeom prst="rect">
+            <a:avLst/>
+          </a:prstGeom>
+          <a:noFill/>
+          <a:ln w="0">
+            <a:noFill/>
+          </a:ln>
+        </p:spPr>
+        <p:txBody>
+          <a:bodyPr lIns="0" rIns="0" tIns="0" bIns="0" anchor="t">
+            <a:normAutofit fontScale="83000"/>
           </a:bodyPr>
           <a:p>
             <a:endParaRPr b="0" lang="ru-RU" sz="3200" spc="-1" strike="noStrike">
@@ -2955,18 +3312,24 @@
         <p:spPr>
           <a:xfrm>
             <a:off x="1523880" y="1122480"/>
-            <a:ext cx="9143280" cy="2386800"/>
-          </a:xfrm>
-          <a:prstGeom prst="rect">
-            <a:avLst/>
-          </a:prstGeom>
+            <a:ext cx="9142560" cy="2386080"/>
+          </a:xfrm>
+          <a:prstGeom prst="rect">
+            <a:avLst/>
+          </a:prstGeom>
+          <a:noFill/>
+          <a:ln w="0">
+            <a:noFill/>
+          </a:ln>
         </p:spPr>
         <p:txBody>
           <a:bodyPr lIns="0" rIns="0" tIns="0" bIns="0" anchor="ctr">
             <a:noAutofit/>
           </a:bodyPr>
           <a:p>
-            <a:pPr algn="ctr"/>
+            <a:pPr algn="ctr">
+              <a:buNone/>
+            </a:pPr>
             <a:endParaRPr b="0" lang="ru-RU" sz="4400" spc="-1" strike="noStrike">
               <a:latin typeface="Arial"/>
             </a:endParaRPr>
@@ -2980,21 +3343,25 @@
             <a:spLocks noGrp="1"/>
           </p:cNvSpPr>
           <p:nvPr>
-            <p:ph type="body"/>
+            <p:ph/>
           </p:nvPr>
         </p:nvSpPr>
         <p:spPr>
           <a:xfrm>
             <a:off x="609480" y="1604520"/>
-            <a:ext cx="10972440" cy="1896840"/>
-          </a:xfrm>
-          <a:prstGeom prst="rect">
-            <a:avLst/>
-          </a:prstGeom>
-        </p:spPr>
-        <p:txBody>
-          <a:bodyPr lIns="0" rIns="0" tIns="0" bIns="0">
-            <a:normAutofit/>
+            <a:ext cx="2612160" cy="1896480"/>
+          </a:xfrm>
+          <a:prstGeom prst="rect">
+            <a:avLst/>
+          </a:prstGeom>
+          <a:noFill/>
+          <a:ln w="0">
+            <a:noFill/>
+          </a:ln>
+        </p:spPr>
+        <p:txBody>
+          <a:bodyPr lIns="0" rIns="0" tIns="0" bIns="0" anchor="t">
+            <a:normAutofit fontScale="83000"/>
           </a:bodyPr>
           <a:p>
             <a:endParaRPr b="0" lang="ru-RU" sz="3200" spc="-1" strike="noStrike">
@@ -3010,21 +3377,25 @@
             <a:spLocks noGrp="1"/>
           </p:cNvSpPr>
           <p:nvPr>
-            <p:ph type="body"/>
-          </p:nvPr>
-        </p:nvSpPr>
-        <p:spPr>
-          <a:xfrm>
-            <a:off x="609480" y="3682080"/>
-            <a:ext cx="10972440" cy="1896840"/>
-          </a:xfrm>
-          <a:prstGeom prst="rect">
-            <a:avLst/>
-          </a:prstGeom>
-        </p:spPr>
-        <p:txBody>
-          <a:bodyPr lIns="0" rIns="0" tIns="0" bIns="0">
-            <a:normAutofit/>
+            <p:ph/>
+          </p:nvPr>
+        </p:nvSpPr>
+        <p:spPr>
+          <a:xfrm>
+            <a:off x="609480" y="3681720"/>
+            <a:ext cx="2612160" cy="1896480"/>
+          </a:xfrm>
+          <a:prstGeom prst="rect">
+            <a:avLst/>
+          </a:prstGeom>
+          <a:noFill/>
+          <a:ln w="0">
+            <a:noFill/>
+          </a:ln>
+        </p:spPr>
+        <p:txBody>
+          <a:bodyPr lIns="0" rIns="0" tIns="0" bIns="0" anchor="t">
+            <a:normAutofit fontScale="83000"/>
           </a:bodyPr>
           <a:p>
             <a:endParaRPr b="0" lang="ru-RU" sz="3200" spc="-1" strike="noStrike">
@@ -3068,18 +3439,24 @@
         <p:spPr>
           <a:xfrm>
             <a:off x="1523880" y="1122480"/>
-            <a:ext cx="9143280" cy="2386800"/>
-          </a:xfrm>
-          <a:prstGeom prst="rect">
-            <a:avLst/>
-          </a:prstGeom>
+            <a:ext cx="9142560" cy="2386080"/>
+          </a:xfrm>
+          <a:prstGeom prst="rect">
+            <a:avLst/>
+          </a:prstGeom>
+          <a:noFill/>
+          <a:ln w="0">
+            <a:noFill/>
+          </a:ln>
         </p:spPr>
         <p:txBody>
           <a:bodyPr lIns="0" rIns="0" tIns="0" bIns="0" anchor="ctr">
             <a:noAutofit/>
           </a:bodyPr>
           <a:p>
-            <a:pPr algn="ctr"/>
+            <a:pPr algn="ctr">
+              <a:buNone/>
+            </a:pPr>
             <a:endParaRPr b="0" lang="ru-RU" sz="4400" spc="-1" strike="noStrike">
               <a:latin typeface="Arial"/>
             </a:endParaRPr>
@@ -3093,21 +3470,25 @@
             <a:spLocks noGrp="1"/>
           </p:cNvSpPr>
           <p:nvPr>
-            <p:ph type="body"/>
+            <p:ph/>
           </p:nvPr>
         </p:nvSpPr>
         <p:spPr>
           <a:xfrm>
             <a:off x="609480" y="1604520"/>
-            <a:ext cx="5354280" cy="1896840"/>
-          </a:xfrm>
-          <a:prstGeom prst="rect">
-            <a:avLst/>
-          </a:prstGeom>
-        </p:spPr>
-        <p:txBody>
-          <a:bodyPr lIns="0" rIns="0" tIns="0" bIns="0">
-            <a:normAutofit/>
+            <a:ext cx="1274400" cy="1896480"/>
+          </a:xfrm>
+          <a:prstGeom prst="rect">
+            <a:avLst/>
+          </a:prstGeom>
+          <a:noFill/>
+          <a:ln w="0">
+            <a:noFill/>
+          </a:ln>
+        </p:spPr>
+        <p:txBody>
+          <a:bodyPr lIns="0" rIns="0" tIns="0" bIns="0" anchor="t">
+            <a:normAutofit fontScale="59000"/>
           </a:bodyPr>
           <a:p>
             <a:endParaRPr b="0" lang="ru-RU" sz="3200" spc="-1" strike="noStrike">
@@ -3123,21 +3504,25 @@
             <a:spLocks noGrp="1"/>
           </p:cNvSpPr>
           <p:nvPr>
-            <p:ph type="body"/>
-          </p:nvPr>
-        </p:nvSpPr>
-        <p:spPr>
-          <a:xfrm>
-            <a:off x="6231960" y="1604520"/>
-            <a:ext cx="5354280" cy="1896840"/>
-          </a:xfrm>
-          <a:prstGeom prst="rect">
-            <a:avLst/>
-          </a:prstGeom>
-        </p:spPr>
-        <p:txBody>
-          <a:bodyPr lIns="0" rIns="0" tIns="0" bIns="0">
-            <a:normAutofit/>
+            <p:ph/>
+          </p:nvPr>
+        </p:nvSpPr>
+        <p:spPr>
+          <a:xfrm>
+            <a:off x="1947960" y="1604520"/>
+            <a:ext cx="1274400" cy="1896480"/>
+          </a:xfrm>
+          <a:prstGeom prst="rect">
+            <a:avLst/>
+          </a:prstGeom>
+          <a:noFill/>
+          <a:ln w="0">
+            <a:noFill/>
+          </a:ln>
+        </p:spPr>
+        <p:txBody>
+          <a:bodyPr lIns="0" rIns="0" tIns="0" bIns="0" anchor="t">
+            <a:normAutofit fontScale="59000"/>
           </a:bodyPr>
           <a:p>
             <a:endParaRPr b="0" lang="ru-RU" sz="3200" spc="-1" strike="noStrike">
@@ -3153,21 +3538,25 @@
             <a:spLocks noGrp="1"/>
           </p:cNvSpPr>
           <p:nvPr>
-            <p:ph type="body"/>
-          </p:nvPr>
-        </p:nvSpPr>
-        <p:spPr>
-          <a:xfrm>
-            <a:off x="609480" y="3682080"/>
-            <a:ext cx="5354280" cy="1896840"/>
-          </a:xfrm>
-          <a:prstGeom prst="rect">
-            <a:avLst/>
-          </a:prstGeom>
-        </p:spPr>
-        <p:txBody>
-          <a:bodyPr lIns="0" rIns="0" tIns="0" bIns="0">
-            <a:normAutofit/>
+            <p:ph/>
+          </p:nvPr>
+        </p:nvSpPr>
+        <p:spPr>
+          <a:xfrm>
+            <a:off x="609480" y="3681720"/>
+            <a:ext cx="1274400" cy="1896480"/>
+          </a:xfrm>
+          <a:prstGeom prst="rect">
+            <a:avLst/>
+          </a:prstGeom>
+          <a:noFill/>
+          <a:ln w="0">
+            <a:noFill/>
+          </a:ln>
+        </p:spPr>
+        <p:txBody>
+          <a:bodyPr lIns="0" rIns="0" tIns="0" bIns="0" anchor="t">
+            <a:normAutofit fontScale="59000"/>
           </a:bodyPr>
           <a:p>
             <a:endParaRPr b="0" lang="ru-RU" sz="3200" spc="-1" strike="noStrike">
@@ -3183,21 +3572,25 @@
             <a:spLocks noGrp="1"/>
           </p:cNvSpPr>
           <p:nvPr>
-            <p:ph type="body"/>
-          </p:nvPr>
-        </p:nvSpPr>
-        <p:spPr>
-          <a:xfrm>
-            <a:off x="6231960" y="3682080"/>
-            <a:ext cx="5354280" cy="1896840"/>
-          </a:xfrm>
-          <a:prstGeom prst="rect">
-            <a:avLst/>
-          </a:prstGeom>
-        </p:spPr>
-        <p:txBody>
-          <a:bodyPr lIns="0" rIns="0" tIns="0" bIns="0">
-            <a:normAutofit/>
+            <p:ph/>
+          </p:nvPr>
+        </p:nvSpPr>
+        <p:spPr>
+          <a:xfrm>
+            <a:off x="1947960" y="3681720"/>
+            <a:ext cx="1274400" cy="1896480"/>
+          </a:xfrm>
+          <a:prstGeom prst="rect">
+            <a:avLst/>
+          </a:prstGeom>
+          <a:noFill/>
+          <a:ln w="0">
+            <a:noFill/>
+          </a:ln>
+        </p:spPr>
+        <p:txBody>
+          <a:bodyPr lIns="0" rIns="0" tIns="0" bIns="0" anchor="t">
+            <a:normAutofit fontScale="59000"/>
           </a:bodyPr>
           <a:p>
             <a:endParaRPr b="0" lang="ru-RU" sz="3200" spc="-1" strike="noStrike">
@@ -3241,18 +3634,24 @@
         <p:spPr>
           <a:xfrm>
             <a:off x="1523880" y="1122480"/>
-            <a:ext cx="9143280" cy="2386800"/>
-          </a:xfrm>
-          <a:prstGeom prst="rect">
-            <a:avLst/>
-          </a:prstGeom>
+            <a:ext cx="9142560" cy="2386080"/>
+          </a:xfrm>
+          <a:prstGeom prst="rect">
+            <a:avLst/>
+          </a:prstGeom>
+          <a:noFill/>
+          <a:ln w="0">
+            <a:noFill/>
+          </a:ln>
         </p:spPr>
         <p:txBody>
           <a:bodyPr lIns="0" rIns="0" tIns="0" bIns="0" anchor="ctr">
             <a:noAutofit/>
           </a:bodyPr>
           <a:p>
-            <a:pPr algn="ctr"/>
+            <a:pPr algn="ctr">
+              <a:buNone/>
+            </a:pPr>
             <a:endParaRPr b="0" lang="ru-RU" sz="4400" spc="-1" strike="noStrike">
               <a:latin typeface="Arial"/>
             </a:endParaRPr>
@@ -3266,21 +3665,25 @@
             <a:spLocks noGrp="1"/>
           </p:cNvSpPr>
           <p:nvPr>
-            <p:ph type="body"/>
+            <p:ph/>
           </p:nvPr>
         </p:nvSpPr>
         <p:spPr>
           <a:xfrm>
             <a:off x="609480" y="1604520"/>
-            <a:ext cx="3533040" cy="1896840"/>
-          </a:xfrm>
-          <a:prstGeom prst="rect">
-            <a:avLst/>
-          </a:prstGeom>
-        </p:spPr>
-        <p:txBody>
-          <a:bodyPr lIns="0" rIns="0" tIns="0" bIns="0">
-            <a:normAutofit/>
+            <a:ext cx="840960" cy="1896480"/>
+          </a:xfrm>
+          <a:prstGeom prst="rect">
+            <a:avLst/>
+          </a:prstGeom>
+          <a:noFill/>
+          <a:ln w="0">
+            <a:noFill/>
+          </a:ln>
+        </p:spPr>
+        <p:txBody>
+          <a:bodyPr lIns="0" rIns="0" tIns="0" bIns="0" anchor="t">
+            <a:normAutofit fontScale="51000"/>
           </a:bodyPr>
           <a:p>
             <a:endParaRPr b="0" lang="ru-RU" sz="3200" spc="-1" strike="noStrike">
@@ -3296,21 +3699,25 @@
             <a:spLocks noGrp="1"/>
           </p:cNvSpPr>
           <p:nvPr>
-            <p:ph type="body"/>
-          </p:nvPr>
-        </p:nvSpPr>
-        <p:spPr>
-          <a:xfrm>
-            <a:off x="4319640" y="1604520"/>
-            <a:ext cx="3533040" cy="1896840"/>
-          </a:xfrm>
-          <a:prstGeom prst="rect">
-            <a:avLst/>
-          </a:prstGeom>
-        </p:spPr>
-        <p:txBody>
-          <a:bodyPr lIns="0" rIns="0" tIns="0" bIns="0">
-            <a:normAutofit/>
+            <p:ph/>
+          </p:nvPr>
+        </p:nvSpPr>
+        <p:spPr>
+          <a:xfrm>
+            <a:off x="1492920" y="1604520"/>
+            <a:ext cx="840960" cy="1896480"/>
+          </a:xfrm>
+          <a:prstGeom prst="rect">
+            <a:avLst/>
+          </a:prstGeom>
+          <a:noFill/>
+          <a:ln w="0">
+            <a:noFill/>
+          </a:ln>
+        </p:spPr>
+        <p:txBody>
+          <a:bodyPr lIns="0" rIns="0" tIns="0" bIns="0" anchor="t">
+            <a:normAutofit fontScale="51000"/>
           </a:bodyPr>
           <a:p>
             <a:endParaRPr b="0" lang="ru-RU" sz="3200" spc="-1" strike="noStrike">
@@ -3326,21 +3733,25 @@
             <a:spLocks noGrp="1"/>
           </p:cNvSpPr>
           <p:nvPr>
-            <p:ph type="body"/>
-          </p:nvPr>
-        </p:nvSpPr>
-        <p:spPr>
-          <a:xfrm>
-            <a:off x="8029800" y="1604520"/>
-            <a:ext cx="3533040" cy="1896840"/>
-          </a:xfrm>
-          <a:prstGeom prst="rect">
-            <a:avLst/>
-          </a:prstGeom>
-        </p:spPr>
-        <p:txBody>
-          <a:bodyPr lIns="0" rIns="0" tIns="0" bIns="0">
-            <a:normAutofit/>
+            <p:ph/>
+          </p:nvPr>
+        </p:nvSpPr>
+        <p:spPr>
+          <a:xfrm>
+            <a:off x="2376360" y="1604520"/>
+            <a:ext cx="840960" cy="1896480"/>
+          </a:xfrm>
+          <a:prstGeom prst="rect">
+            <a:avLst/>
+          </a:prstGeom>
+          <a:noFill/>
+          <a:ln w="0">
+            <a:noFill/>
+          </a:ln>
+        </p:spPr>
+        <p:txBody>
+          <a:bodyPr lIns="0" rIns="0" tIns="0" bIns="0" anchor="t">
+            <a:normAutofit fontScale="51000"/>
           </a:bodyPr>
           <a:p>
             <a:endParaRPr b="0" lang="ru-RU" sz="3200" spc="-1" strike="noStrike">
@@ -3356,21 +3767,25 @@
             <a:spLocks noGrp="1"/>
           </p:cNvSpPr>
           <p:nvPr>
-            <p:ph type="body"/>
-          </p:nvPr>
-        </p:nvSpPr>
-        <p:spPr>
-          <a:xfrm>
-            <a:off x="609480" y="3682080"/>
-            <a:ext cx="3533040" cy="1896840"/>
-          </a:xfrm>
-          <a:prstGeom prst="rect">
-            <a:avLst/>
-          </a:prstGeom>
-        </p:spPr>
-        <p:txBody>
-          <a:bodyPr lIns="0" rIns="0" tIns="0" bIns="0">
-            <a:normAutofit/>
+            <p:ph/>
+          </p:nvPr>
+        </p:nvSpPr>
+        <p:spPr>
+          <a:xfrm>
+            <a:off x="609480" y="3681720"/>
+            <a:ext cx="840960" cy="1896480"/>
+          </a:xfrm>
+          <a:prstGeom prst="rect">
+            <a:avLst/>
+          </a:prstGeom>
+          <a:noFill/>
+          <a:ln w="0">
+            <a:noFill/>
+          </a:ln>
+        </p:spPr>
+        <p:txBody>
+          <a:bodyPr lIns="0" rIns="0" tIns="0" bIns="0" anchor="t">
+            <a:normAutofit fontScale="51000"/>
           </a:bodyPr>
           <a:p>
             <a:endParaRPr b="0" lang="ru-RU" sz="3200" spc="-1" strike="noStrike">
@@ -3386,21 +3801,25 @@
             <a:spLocks noGrp="1"/>
           </p:cNvSpPr>
           <p:nvPr>
-            <p:ph type="body"/>
-          </p:nvPr>
-        </p:nvSpPr>
-        <p:spPr>
-          <a:xfrm>
-            <a:off x="4319640" y="3682080"/>
-            <a:ext cx="3533040" cy="1896840"/>
-          </a:xfrm>
-          <a:prstGeom prst="rect">
-            <a:avLst/>
-          </a:prstGeom>
-        </p:spPr>
-        <p:txBody>
-          <a:bodyPr lIns="0" rIns="0" tIns="0" bIns="0">
-            <a:normAutofit/>
+            <p:ph/>
+          </p:nvPr>
+        </p:nvSpPr>
+        <p:spPr>
+          <a:xfrm>
+            <a:off x="1492920" y="3681720"/>
+            <a:ext cx="840960" cy="1896480"/>
+          </a:xfrm>
+          <a:prstGeom prst="rect">
+            <a:avLst/>
+          </a:prstGeom>
+          <a:noFill/>
+          <a:ln w="0">
+            <a:noFill/>
+          </a:ln>
+        </p:spPr>
+        <p:txBody>
+          <a:bodyPr lIns="0" rIns="0" tIns="0" bIns="0" anchor="t">
+            <a:normAutofit fontScale="51000"/>
           </a:bodyPr>
           <a:p>
             <a:endParaRPr b="0" lang="ru-RU" sz="3200" spc="-1" strike="noStrike">
@@ -3416,21 +3835,25 @@
             <a:spLocks noGrp="1"/>
           </p:cNvSpPr>
           <p:nvPr>
-            <p:ph type="body"/>
-          </p:nvPr>
-        </p:nvSpPr>
-        <p:spPr>
-          <a:xfrm>
-            <a:off x="8029800" y="3682080"/>
-            <a:ext cx="3533040" cy="1896840"/>
-          </a:xfrm>
-          <a:prstGeom prst="rect">
-            <a:avLst/>
-          </a:prstGeom>
-        </p:spPr>
-        <p:txBody>
-          <a:bodyPr lIns="0" rIns="0" tIns="0" bIns="0">
-            <a:normAutofit/>
+            <p:ph/>
+          </p:nvPr>
+        </p:nvSpPr>
+        <p:spPr>
+          <a:xfrm>
+            <a:off x="2376360" y="3681720"/>
+            <a:ext cx="840960" cy="1896480"/>
+          </a:xfrm>
+          <a:prstGeom prst="rect">
+            <a:avLst/>
+          </a:prstGeom>
+          <a:noFill/>
+          <a:ln w="0">
+            <a:noFill/>
+          </a:ln>
+        </p:spPr>
+        <p:txBody>
+          <a:bodyPr lIns="0" rIns="0" tIns="0" bIns="0" anchor="t">
+            <a:normAutofit fontScale="51000"/>
           </a:bodyPr>
           <a:p>
             <a:endParaRPr b="0" lang="ru-RU" sz="3200" spc="-1" strike="noStrike">
@@ -3474,18 +3897,24 @@
         <p:spPr>
           <a:xfrm>
             <a:off x="1523880" y="1122480"/>
-            <a:ext cx="9143280" cy="2386800"/>
-          </a:xfrm>
-          <a:prstGeom prst="rect">
-            <a:avLst/>
-          </a:prstGeom>
+            <a:ext cx="9142560" cy="2386080"/>
+          </a:xfrm>
+          <a:prstGeom prst="rect">
+            <a:avLst/>
+          </a:prstGeom>
+          <a:noFill/>
+          <a:ln w="0">
+            <a:noFill/>
+          </a:ln>
         </p:spPr>
         <p:txBody>
           <a:bodyPr lIns="0" rIns="0" tIns="0" bIns="0" anchor="ctr">
             <a:noAutofit/>
           </a:bodyPr>
           <a:p>
-            <a:pPr algn="ctr"/>
+            <a:pPr algn="ctr">
+              <a:buNone/>
+            </a:pPr>
             <a:endParaRPr b="0" lang="ru-RU" sz="4400" spc="-1" strike="noStrike">
               <a:latin typeface="Arial"/>
             </a:endParaRPr>
@@ -3499,21 +3928,25 @@
             <a:spLocks noGrp="1"/>
           </p:cNvSpPr>
           <p:nvPr>
-            <p:ph type="body"/>
+            <p:ph/>
           </p:nvPr>
         </p:nvSpPr>
         <p:spPr>
           <a:xfrm>
             <a:off x="609480" y="1604520"/>
-            <a:ext cx="5354280" cy="3977280"/>
-          </a:xfrm>
-          <a:prstGeom prst="rect">
-            <a:avLst/>
-          </a:prstGeom>
-        </p:spPr>
-        <p:txBody>
-          <a:bodyPr lIns="0" rIns="0" tIns="0" bIns="0">
-            <a:normAutofit/>
+            <a:ext cx="1274400" cy="3976560"/>
+          </a:xfrm>
+          <a:prstGeom prst="rect">
+            <a:avLst/>
+          </a:prstGeom>
+          <a:noFill/>
+          <a:ln w="0">
+            <a:noFill/>
+          </a:ln>
+        </p:spPr>
+        <p:txBody>
+          <a:bodyPr lIns="0" rIns="0" tIns="0" bIns="0" anchor="t">
+            <a:normAutofit fontScale="87000"/>
           </a:bodyPr>
           <a:p>
             <a:endParaRPr b="0" lang="ru-RU" sz="3200" spc="-1" strike="noStrike">
@@ -3529,21 +3962,25 @@
             <a:spLocks noGrp="1"/>
           </p:cNvSpPr>
           <p:nvPr>
-            <p:ph type="body"/>
-          </p:nvPr>
-        </p:nvSpPr>
-        <p:spPr>
-          <a:xfrm>
-            <a:off x="6231960" y="1604520"/>
-            <a:ext cx="5354280" cy="3977280"/>
-          </a:xfrm>
-          <a:prstGeom prst="rect">
-            <a:avLst/>
-          </a:prstGeom>
-        </p:spPr>
-        <p:txBody>
-          <a:bodyPr lIns="0" rIns="0" tIns="0" bIns="0">
-            <a:normAutofit/>
+            <p:ph/>
+          </p:nvPr>
+        </p:nvSpPr>
+        <p:spPr>
+          <a:xfrm>
+            <a:off x="1947960" y="1604520"/>
+            <a:ext cx="1274400" cy="3976560"/>
+          </a:xfrm>
+          <a:prstGeom prst="rect">
+            <a:avLst/>
+          </a:prstGeom>
+          <a:noFill/>
+          <a:ln w="0">
+            <a:noFill/>
+          </a:ln>
+        </p:spPr>
+        <p:txBody>
+          <a:bodyPr lIns="0" rIns="0" tIns="0" bIns="0" anchor="t">
+            <a:normAutofit fontScale="87000"/>
           </a:bodyPr>
           <a:p>
             <a:endParaRPr b="0" lang="ru-RU" sz="3200" spc="-1" strike="noStrike">
@@ -3587,18 +4024,24 @@
         <p:spPr>
           <a:xfrm>
             <a:off x="1523880" y="1122480"/>
-            <a:ext cx="9143280" cy="2386800"/>
-          </a:xfrm>
-          <a:prstGeom prst="rect">
-            <a:avLst/>
-          </a:prstGeom>
+            <a:ext cx="9142560" cy="2386080"/>
+          </a:xfrm>
+          <a:prstGeom prst="rect">
+            <a:avLst/>
+          </a:prstGeom>
+          <a:noFill/>
+          <a:ln w="0">
+            <a:noFill/>
+          </a:ln>
         </p:spPr>
         <p:txBody>
           <a:bodyPr lIns="0" rIns="0" tIns="0" bIns="0" anchor="ctr">
             <a:noAutofit/>
           </a:bodyPr>
           <a:p>
-            <a:pPr algn="ctr"/>
+            <a:pPr algn="ctr">
+              <a:buNone/>
+            </a:pPr>
             <a:endParaRPr b="0" lang="ru-RU" sz="4400" spc="-1" strike="noStrike">
               <a:latin typeface="Arial"/>
             </a:endParaRPr>
@@ -3640,18 +4083,24 @@
         <p:spPr>
           <a:xfrm>
             <a:off x="1523880" y="1122480"/>
-            <a:ext cx="9143280" cy="11064960"/>
-          </a:xfrm>
-          <a:prstGeom prst="rect">
-            <a:avLst/>
-          </a:prstGeom>
+            <a:ext cx="9142560" cy="11061720"/>
+          </a:xfrm>
+          <a:prstGeom prst="rect">
+            <a:avLst/>
+          </a:prstGeom>
+          <a:noFill/>
+          <a:ln w="0">
+            <a:noFill/>
+          </a:ln>
         </p:spPr>
         <p:txBody>
           <a:bodyPr lIns="0" rIns="0" tIns="0" bIns="0" anchor="ctr">
             <a:noAutofit/>
           </a:bodyPr>
           <a:p>
-            <a:pPr algn="ctr"/>
+            <a:pPr algn="ctr">
+              <a:buNone/>
+            </a:pPr>
             <a:endParaRPr b="0" lang="ru-RU" sz="3200" spc="-1" strike="noStrike">
               <a:latin typeface="Arial"/>
             </a:endParaRPr>
@@ -3693,18 +4142,24 @@
         <p:spPr>
           <a:xfrm>
             <a:off x="1523880" y="1122480"/>
-            <a:ext cx="9143280" cy="2386800"/>
-          </a:xfrm>
-          <a:prstGeom prst="rect">
-            <a:avLst/>
-          </a:prstGeom>
+            <a:ext cx="9142560" cy="2386080"/>
+          </a:xfrm>
+          <a:prstGeom prst="rect">
+            <a:avLst/>
+          </a:prstGeom>
+          <a:noFill/>
+          <a:ln w="0">
+            <a:noFill/>
+          </a:ln>
         </p:spPr>
         <p:txBody>
           <a:bodyPr lIns="0" rIns="0" tIns="0" bIns="0" anchor="ctr">
             <a:noAutofit/>
           </a:bodyPr>
           <a:p>
-            <a:pPr algn="ctr"/>
+            <a:pPr algn="ctr">
+              <a:buNone/>
+            </a:pPr>
             <a:endParaRPr b="0" lang="ru-RU" sz="4400" spc="-1" strike="noStrike">
               <a:latin typeface="Arial"/>
             </a:endParaRPr>
@@ -3718,21 +4173,25 @@
             <a:spLocks noGrp="1"/>
           </p:cNvSpPr>
           <p:nvPr>
-            <p:ph type="body"/>
+            <p:ph/>
           </p:nvPr>
         </p:nvSpPr>
         <p:spPr>
           <a:xfrm>
             <a:off x="609480" y="1604520"/>
-            <a:ext cx="5354280" cy="1896840"/>
-          </a:xfrm>
-          <a:prstGeom prst="rect">
-            <a:avLst/>
-          </a:prstGeom>
-        </p:spPr>
-        <p:txBody>
-          <a:bodyPr lIns="0" rIns="0" tIns="0" bIns="0">
-            <a:normAutofit/>
+            <a:ext cx="1274400" cy="1896480"/>
+          </a:xfrm>
+          <a:prstGeom prst="rect">
+            <a:avLst/>
+          </a:prstGeom>
+          <a:noFill/>
+          <a:ln w="0">
+            <a:noFill/>
+          </a:ln>
+        </p:spPr>
+        <p:txBody>
+          <a:bodyPr lIns="0" rIns="0" tIns="0" bIns="0" anchor="t">
+            <a:normAutofit fontScale="59000"/>
           </a:bodyPr>
           <a:p>
             <a:endParaRPr b="0" lang="ru-RU" sz="3200" spc="-1" strike="noStrike">
@@ -3748,21 +4207,25 @@
             <a:spLocks noGrp="1"/>
           </p:cNvSpPr>
           <p:nvPr>
-            <p:ph type="body"/>
-          </p:nvPr>
-        </p:nvSpPr>
-        <p:spPr>
-          <a:xfrm>
-            <a:off x="6231960" y="1604520"/>
-            <a:ext cx="5354280" cy="3977280"/>
-          </a:xfrm>
-          <a:prstGeom prst="rect">
-            <a:avLst/>
-          </a:prstGeom>
-        </p:spPr>
-        <p:txBody>
-          <a:bodyPr lIns="0" rIns="0" tIns="0" bIns="0">
-            <a:normAutofit/>
+            <p:ph/>
+          </p:nvPr>
+        </p:nvSpPr>
+        <p:spPr>
+          <a:xfrm>
+            <a:off x="1947960" y="1604520"/>
+            <a:ext cx="1274400" cy="3976560"/>
+          </a:xfrm>
+          <a:prstGeom prst="rect">
+            <a:avLst/>
+          </a:prstGeom>
+          <a:noFill/>
+          <a:ln w="0">
+            <a:noFill/>
+          </a:ln>
+        </p:spPr>
+        <p:txBody>
+          <a:bodyPr lIns="0" rIns="0" tIns="0" bIns="0" anchor="t">
+            <a:normAutofit fontScale="87000"/>
           </a:bodyPr>
           <a:p>
             <a:endParaRPr b="0" lang="ru-RU" sz="3200" spc="-1" strike="noStrike">
@@ -3778,21 +4241,25 @@
             <a:spLocks noGrp="1"/>
           </p:cNvSpPr>
           <p:nvPr>
-            <p:ph type="body"/>
-          </p:nvPr>
-        </p:nvSpPr>
-        <p:spPr>
-          <a:xfrm>
-            <a:off x="609480" y="3682080"/>
-            <a:ext cx="5354280" cy="1896840"/>
-          </a:xfrm>
-          <a:prstGeom prst="rect">
-            <a:avLst/>
-          </a:prstGeom>
-        </p:spPr>
-        <p:txBody>
-          <a:bodyPr lIns="0" rIns="0" tIns="0" bIns="0">
-            <a:normAutofit/>
+            <p:ph/>
+          </p:nvPr>
+        </p:nvSpPr>
+        <p:spPr>
+          <a:xfrm>
+            <a:off x="609480" y="3681720"/>
+            <a:ext cx="1274400" cy="1896480"/>
+          </a:xfrm>
+          <a:prstGeom prst="rect">
+            <a:avLst/>
+          </a:prstGeom>
+          <a:noFill/>
+          <a:ln w="0">
+            <a:noFill/>
+          </a:ln>
+        </p:spPr>
+        <p:txBody>
+          <a:bodyPr lIns="0" rIns="0" tIns="0" bIns="0" anchor="t">
+            <a:normAutofit fontScale="59000"/>
           </a:bodyPr>
           <a:p>
             <a:endParaRPr b="0" lang="ru-RU" sz="3200" spc="-1" strike="noStrike">
@@ -3836,18 +4303,24 @@
         <p:spPr>
           <a:xfrm>
             <a:off x="1523880" y="1122480"/>
-            <a:ext cx="9143280" cy="2386800"/>
-          </a:xfrm>
-          <a:prstGeom prst="rect">
-            <a:avLst/>
-          </a:prstGeom>
+            <a:ext cx="9142560" cy="2386080"/>
+          </a:xfrm>
+          <a:prstGeom prst="rect">
+            <a:avLst/>
+          </a:prstGeom>
+          <a:noFill/>
+          <a:ln w="0">
+            <a:noFill/>
+          </a:ln>
         </p:spPr>
         <p:txBody>
           <a:bodyPr lIns="0" rIns="0" tIns="0" bIns="0" anchor="ctr">
             <a:noAutofit/>
           </a:bodyPr>
           <a:p>
-            <a:pPr algn="ctr"/>
+            <a:pPr algn="ctr">
+              <a:buNone/>
+            </a:pPr>
             <a:endParaRPr b="0" lang="ru-RU" sz="4400" spc="-1" strike="noStrike">
               <a:latin typeface="Arial"/>
             </a:endParaRPr>
@@ -3861,21 +4334,25 @@
             <a:spLocks noGrp="1"/>
           </p:cNvSpPr>
           <p:nvPr>
-            <p:ph type="body"/>
+            <p:ph/>
           </p:nvPr>
         </p:nvSpPr>
         <p:spPr>
           <a:xfrm>
             <a:off x="609480" y="1604520"/>
-            <a:ext cx="5354280" cy="3977280"/>
-          </a:xfrm>
-          <a:prstGeom prst="rect">
-            <a:avLst/>
-          </a:prstGeom>
-        </p:spPr>
-        <p:txBody>
-          <a:bodyPr lIns="0" rIns="0" tIns="0" bIns="0">
-            <a:normAutofit/>
+            <a:ext cx="1274400" cy="3976560"/>
+          </a:xfrm>
+          <a:prstGeom prst="rect">
+            <a:avLst/>
+          </a:prstGeom>
+          <a:noFill/>
+          <a:ln w="0">
+            <a:noFill/>
+          </a:ln>
+        </p:spPr>
+        <p:txBody>
+          <a:bodyPr lIns="0" rIns="0" tIns="0" bIns="0" anchor="t">
+            <a:normAutofit fontScale="87000"/>
           </a:bodyPr>
           <a:p>
             <a:endParaRPr b="0" lang="ru-RU" sz="3200" spc="-1" strike="noStrike">
@@ -3891,21 +4368,25 @@
             <a:spLocks noGrp="1"/>
           </p:cNvSpPr>
           <p:nvPr>
-            <p:ph type="body"/>
-          </p:nvPr>
-        </p:nvSpPr>
-        <p:spPr>
-          <a:xfrm>
-            <a:off x="6231960" y="1604520"/>
-            <a:ext cx="5354280" cy="1896840"/>
-          </a:xfrm>
-          <a:prstGeom prst="rect">
-            <a:avLst/>
-          </a:prstGeom>
-        </p:spPr>
-        <p:txBody>
-          <a:bodyPr lIns="0" rIns="0" tIns="0" bIns="0">
-            <a:normAutofit/>
+            <p:ph/>
+          </p:nvPr>
+        </p:nvSpPr>
+        <p:spPr>
+          <a:xfrm>
+            <a:off x="1947960" y="1604520"/>
+            <a:ext cx="1274400" cy="1896480"/>
+          </a:xfrm>
+          <a:prstGeom prst="rect">
+            <a:avLst/>
+          </a:prstGeom>
+          <a:noFill/>
+          <a:ln w="0">
+            <a:noFill/>
+          </a:ln>
+        </p:spPr>
+        <p:txBody>
+          <a:bodyPr lIns="0" rIns="0" tIns="0" bIns="0" anchor="t">
+            <a:normAutofit fontScale="59000"/>
           </a:bodyPr>
           <a:p>
             <a:endParaRPr b="0" lang="ru-RU" sz="3200" spc="-1" strike="noStrike">
@@ -3921,21 +4402,25 @@
             <a:spLocks noGrp="1"/>
           </p:cNvSpPr>
           <p:nvPr>
-            <p:ph type="body"/>
-          </p:nvPr>
-        </p:nvSpPr>
-        <p:spPr>
-          <a:xfrm>
-            <a:off x="6231960" y="3682080"/>
-            <a:ext cx="5354280" cy="1896840"/>
-          </a:xfrm>
-          <a:prstGeom prst="rect">
-            <a:avLst/>
-          </a:prstGeom>
-        </p:spPr>
-        <p:txBody>
-          <a:bodyPr lIns="0" rIns="0" tIns="0" bIns="0">
-            <a:normAutofit/>
+            <p:ph/>
+          </p:nvPr>
+        </p:nvSpPr>
+        <p:spPr>
+          <a:xfrm>
+            <a:off x="1947960" y="3681720"/>
+            <a:ext cx="1274400" cy="1896480"/>
+          </a:xfrm>
+          <a:prstGeom prst="rect">
+            <a:avLst/>
+          </a:prstGeom>
+          <a:noFill/>
+          <a:ln w="0">
+            <a:noFill/>
+          </a:ln>
+        </p:spPr>
+        <p:txBody>
+          <a:bodyPr lIns="0" rIns="0" tIns="0" bIns="0" anchor="t">
+            <a:normAutofit fontScale="59000"/>
           </a:bodyPr>
           <a:p>
             <a:endParaRPr b="0" lang="ru-RU" sz="3200" spc="-1" strike="noStrike">
@@ -3979,18 +4464,24 @@
         <p:spPr>
           <a:xfrm>
             <a:off x="1523880" y="1122480"/>
-            <a:ext cx="9143280" cy="2386800"/>
-          </a:xfrm>
-          <a:prstGeom prst="rect">
-            <a:avLst/>
-          </a:prstGeom>
+            <a:ext cx="9142560" cy="2386080"/>
+          </a:xfrm>
+          <a:prstGeom prst="rect">
+            <a:avLst/>
+          </a:prstGeom>
+          <a:noFill/>
+          <a:ln w="0">
+            <a:noFill/>
+          </a:ln>
         </p:spPr>
         <p:txBody>
           <a:bodyPr lIns="0" rIns="0" tIns="0" bIns="0" anchor="ctr">
             <a:noAutofit/>
           </a:bodyPr>
           <a:p>
-            <a:pPr algn="ctr"/>
+            <a:pPr algn="ctr">
+              <a:buNone/>
+            </a:pPr>
             <a:endParaRPr b="0" lang="ru-RU" sz="4400" spc="-1" strike="noStrike">
               <a:latin typeface="Arial"/>
             </a:endParaRPr>
@@ -4004,21 +4495,25 @@
             <a:spLocks noGrp="1"/>
           </p:cNvSpPr>
           <p:nvPr>
-            <p:ph type="body"/>
+            <p:ph/>
           </p:nvPr>
         </p:nvSpPr>
         <p:spPr>
           <a:xfrm>
             <a:off x="609480" y="1604520"/>
-            <a:ext cx="5354280" cy="1896840"/>
-          </a:xfrm>
-          <a:prstGeom prst="rect">
-            <a:avLst/>
-          </a:prstGeom>
-        </p:spPr>
-        <p:txBody>
-          <a:bodyPr lIns="0" rIns="0" tIns="0" bIns="0">
-            <a:normAutofit/>
+            <a:ext cx="1274400" cy="1896480"/>
+          </a:xfrm>
+          <a:prstGeom prst="rect">
+            <a:avLst/>
+          </a:prstGeom>
+          <a:noFill/>
+          <a:ln w="0">
+            <a:noFill/>
+          </a:ln>
+        </p:spPr>
+        <p:txBody>
+          <a:bodyPr lIns="0" rIns="0" tIns="0" bIns="0" anchor="t">
+            <a:normAutofit fontScale="59000"/>
           </a:bodyPr>
           <a:p>
             <a:endParaRPr b="0" lang="ru-RU" sz="3200" spc="-1" strike="noStrike">
@@ -4034,21 +4529,25 @@
             <a:spLocks noGrp="1"/>
           </p:cNvSpPr>
           <p:nvPr>
-            <p:ph type="body"/>
-          </p:nvPr>
-        </p:nvSpPr>
-        <p:spPr>
-          <a:xfrm>
-            <a:off x="6231960" y="1604520"/>
-            <a:ext cx="5354280" cy="1896840"/>
-          </a:xfrm>
-          <a:prstGeom prst="rect">
-            <a:avLst/>
-          </a:prstGeom>
-        </p:spPr>
-        <p:txBody>
-          <a:bodyPr lIns="0" rIns="0" tIns="0" bIns="0">
-            <a:normAutofit/>
+            <p:ph/>
+          </p:nvPr>
+        </p:nvSpPr>
+        <p:spPr>
+          <a:xfrm>
+            <a:off x="1947960" y="1604520"/>
+            <a:ext cx="1274400" cy="1896480"/>
+          </a:xfrm>
+          <a:prstGeom prst="rect">
+            <a:avLst/>
+          </a:prstGeom>
+          <a:noFill/>
+          <a:ln w="0">
+            <a:noFill/>
+          </a:ln>
+        </p:spPr>
+        <p:txBody>
+          <a:bodyPr lIns="0" rIns="0" tIns="0" bIns="0" anchor="t">
+            <a:normAutofit fontScale="59000"/>
           </a:bodyPr>
           <a:p>
             <a:endParaRPr b="0" lang="ru-RU" sz="3200" spc="-1" strike="noStrike">
@@ -4064,21 +4563,25 @@
             <a:spLocks noGrp="1"/>
           </p:cNvSpPr>
           <p:nvPr>
-            <p:ph type="body"/>
-          </p:nvPr>
-        </p:nvSpPr>
-        <p:spPr>
-          <a:xfrm>
-            <a:off x="609480" y="3682080"/>
-            <a:ext cx="10972440" cy="1896840"/>
-          </a:xfrm>
-          <a:prstGeom prst="rect">
-            <a:avLst/>
-          </a:prstGeom>
-        </p:spPr>
-        <p:txBody>
-          <a:bodyPr lIns="0" rIns="0" tIns="0" bIns="0">
-            <a:normAutofit/>
+            <p:ph/>
+          </p:nvPr>
+        </p:nvSpPr>
+        <p:spPr>
+          <a:xfrm>
+            <a:off x="609480" y="3681720"/>
+            <a:ext cx="2612160" cy="1896480"/>
+          </a:xfrm>
+          <a:prstGeom prst="rect">
+            <a:avLst/>
+          </a:prstGeom>
+          <a:noFill/>
+          <a:ln w="0">
+            <a:noFill/>
+          </a:ln>
+        </p:spPr>
+        <p:txBody>
+          <a:bodyPr lIns="0" rIns="0" tIns="0" bIns="0" anchor="t">
+            <a:normAutofit fontScale="83000"/>
           </a:bodyPr>
           <a:p>
             <a:endParaRPr b="0" lang="ru-RU" sz="3200" spc="-1" strike="noStrike">
@@ -4128,25 +4631,32 @@
         </p:nvSpPr>
         <p:spPr>
           <a:xfrm>
-            <a:off x="1523880" y="1122480"/>
-            <a:ext cx="9143280" cy="2386800"/>
-          </a:xfrm>
-          <a:prstGeom prst="rect">
-            <a:avLst/>
-          </a:prstGeom>
+            <a:off x="609480" y="273600"/>
+            <a:ext cx="10972440" cy="1144800"/>
+          </a:xfrm>
+          <a:prstGeom prst="rect">
+            <a:avLst/>
+          </a:prstGeom>
+          <a:noFill/>
+          <a:ln w="0">
+            <a:noFill/>
+          </a:ln>
         </p:spPr>
         <p:txBody>
           <a:bodyPr lIns="0" rIns="0" tIns="0" bIns="0" anchor="ctr">
             <a:noAutofit/>
           </a:bodyPr>
           <a:p>
+            <a:pPr algn="ctr">
+              <a:buNone/>
+            </a:pPr>
             <a:r>
-              <a:rPr b="0" lang="ru-RU" sz="1800" spc="-1" strike="noStrike">
+              <a:rPr b="0" lang="ru-RU" sz="4400" spc="-1" strike="noStrike">
                 <a:latin typeface="Arial"/>
               </a:rPr>
-              <a:t>Click to edit the title text format</a:t>
+              <a:t>Для правки текста заглавия щёлкните мышью</a:t>
             </a:r>
-            <a:endParaRPr b="0" lang="ru-RU" sz="1800" spc="-1" strike="noStrike">
+            <a:endParaRPr b="0" lang="ru-RU" sz="4400" spc="-1" strike="noStrike">
               <a:latin typeface="Arial"/>
             </a:endParaRPr>
           </a:p>
@@ -4170,9 +4680,13 @@
           <a:prstGeom prst="rect">
             <a:avLst/>
           </a:prstGeom>
-        </p:spPr>
-        <p:txBody>
-          <a:bodyPr lIns="0" rIns="0" tIns="0" bIns="0">
+          <a:noFill/>
+          <a:ln w="0">
+            <a:noFill/>
+          </a:ln>
+        </p:spPr>
+        <p:txBody>
+          <a:bodyPr lIns="0" rIns="0" tIns="0" bIns="0" anchor="t">
             <a:normAutofit/>
           </a:bodyPr>
           <a:p>
@@ -4191,7 +4705,7 @@
               <a:rPr b="0" lang="ru-RU" sz="3200" spc="-1" strike="noStrike">
                 <a:latin typeface="Arial"/>
               </a:rPr>
-              <a:t>Click to edit the outline text format</a:t>
+              <a:t>Для правки структуры щёлкните мышью</a:t>
             </a:r>
             <a:endParaRPr b="0" lang="ru-RU" sz="3200" spc="-1" strike="noStrike">
               <a:latin typeface="Arial"/>
@@ -4213,7 +4727,7 @@
               <a:rPr b="0" lang="ru-RU" sz="2800" spc="-1" strike="noStrike">
                 <a:latin typeface="Arial"/>
               </a:rPr>
-              <a:t>Second Outline Level</a:t>
+              <a:t>Второй уровень структуры</a:t>
             </a:r>
             <a:endParaRPr b="0" lang="ru-RU" sz="2800" spc="-1" strike="noStrike">
               <a:latin typeface="Arial"/>
@@ -4235,7 +4749,7 @@
               <a:rPr b="0" lang="ru-RU" sz="2400" spc="-1" strike="noStrike">
                 <a:latin typeface="Arial"/>
               </a:rPr>
-              <a:t>Third Outline Level</a:t>
+              <a:t>Третий уровень структуры</a:t>
             </a:r>
             <a:endParaRPr b="0" lang="ru-RU" sz="2400" spc="-1" strike="noStrike">
               <a:latin typeface="Arial"/>
@@ -4257,7 +4771,7 @@
               <a:rPr b="0" lang="ru-RU" sz="2000" spc="-1" strike="noStrike">
                 <a:latin typeface="Arial"/>
               </a:rPr>
-              <a:t>Fourth Outline Level</a:t>
+              <a:t>Четвёртый уровень структуры</a:t>
             </a:r>
             <a:endParaRPr b="0" lang="ru-RU" sz="2000" spc="-1" strike="noStrike">
               <a:latin typeface="Arial"/>
@@ -4279,7 +4793,7 @@
               <a:rPr b="0" lang="ru-RU" sz="2000" spc="-1" strike="noStrike">
                 <a:latin typeface="Arial"/>
               </a:rPr>
-              <a:t>Fifth Outline Level</a:t>
+              <a:t>Пятый уровень структуры</a:t>
             </a:r>
             <a:endParaRPr b="0" lang="ru-RU" sz="2000" spc="-1" strike="noStrike">
               <a:latin typeface="Arial"/>
@@ -4301,7 +4815,7 @@
               <a:rPr b="0" lang="ru-RU" sz="2000" spc="-1" strike="noStrike">
                 <a:latin typeface="Arial"/>
               </a:rPr>
-              <a:t>Sixth Outline Level</a:t>
+              <a:t>Шестой уровень структуры</a:t>
             </a:r>
             <a:endParaRPr b="0" lang="ru-RU" sz="2000" spc="-1" strike="noStrike">
               <a:latin typeface="Arial"/>
@@ -4323,7 +4837,7 @@
               <a:rPr b="0" lang="ru-RU" sz="2000" spc="-1" strike="noStrike">
                 <a:latin typeface="Arial"/>
               </a:rPr>
-              <a:t>Seventh Outline Level</a:t>
+              <a:t>Седьмой уровень структуры</a:t>
             </a:r>
             <a:endParaRPr b="0" lang="ru-RU" sz="2000" spc="-1" strike="noStrike">
               <a:latin typeface="Arial"/>
@@ -4388,11 +4902,15 @@
         <p:spPr>
           <a:xfrm>
             <a:off x="1523880" y="1122480"/>
-            <a:ext cx="9143280" cy="2386800"/>
-          </a:xfrm>
-          <a:prstGeom prst="rect">
-            <a:avLst/>
-          </a:prstGeom>
+            <a:ext cx="9142560" cy="2386080"/>
+          </a:xfrm>
+          <a:prstGeom prst="rect">
+            <a:avLst/>
+          </a:prstGeom>
+          <a:noFill/>
+          <a:ln w="0">
+            <a:noFill/>
+          </a:ln>
         </p:spPr>
         <p:txBody>
           <a:bodyPr lIns="0" rIns="0" tIns="0" bIns="0" anchor="ctr">
@@ -4403,7 +4921,7 @@
               <a:rPr b="0" lang="ru-RU" sz="1800" spc="-1" strike="noStrike">
                 <a:latin typeface="Arial"/>
               </a:rPr>
-              <a:t>Click to edit the title text format</a:t>
+              <a:t>Для правки текста заглавия щёлкните мышью</a:t>
             </a:r>
             <a:endParaRPr b="0" lang="ru-RU" sz="1800" spc="-1" strike="noStrike">
               <a:latin typeface="Arial"/>
@@ -4424,15 +4942,19 @@
         <p:spPr>
           <a:xfrm>
             <a:off x="609480" y="1604520"/>
-            <a:ext cx="5353920" cy="3976920"/>
-          </a:xfrm>
-          <a:prstGeom prst="rect">
-            <a:avLst/>
-          </a:prstGeom>
-        </p:spPr>
-        <p:txBody>
-          <a:bodyPr lIns="0" rIns="0" tIns="0" bIns="0">
-            <a:normAutofit/>
+            <a:ext cx="2612160" cy="3976560"/>
+          </a:xfrm>
+          <a:prstGeom prst="rect">
+            <a:avLst/>
+          </a:prstGeom>
+          <a:noFill/>
+          <a:ln w="0">
+            <a:noFill/>
+          </a:ln>
+        </p:spPr>
+        <p:txBody>
+          <a:bodyPr lIns="0" rIns="0" tIns="0" bIns="0" anchor="t">
+            <a:normAutofit fontScale="52000"/>
           </a:bodyPr>
           <a:p>
             <a:pPr marL="432000" indent="-324000">
@@ -4450,7 +4972,7 @@
               <a:rPr b="0" lang="ru-RU" sz="1800" spc="-1" strike="noStrike">
                 <a:latin typeface="Arial"/>
               </a:rPr>
-              <a:t>Click to edit the outline text format</a:t>
+              <a:t>Для правки структуры щёлкните мышью</a:t>
             </a:r>
             <a:endParaRPr b="0" lang="ru-RU" sz="1800" spc="-1" strike="noStrike">
               <a:latin typeface="Arial"/>
@@ -4472,7 +4994,7 @@
               <a:rPr b="0" lang="ru-RU" sz="1800" spc="-1" strike="noStrike">
                 <a:latin typeface="Arial"/>
               </a:rPr>
-              <a:t>Second Outline Level</a:t>
+              <a:t>Второй уровень структуры</a:t>
             </a:r>
             <a:endParaRPr b="0" lang="ru-RU" sz="1800" spc="-1" strike="noStrike">
               <a:latin typeface="Arial"/>
@@ -4494,7 +5016,7 @@
               <a:rPr b="0" lang="ru-RU" sz="1800" spc="-1" strike="noStrike">
                 <a:latin typeface="Arial"/>
               </a:rPr>
-              <a:t>Third Outline Level</a:t>
+              <a:t>Третий уровень структуры</a:t>
             </a:r>
             <a:endParaRPr b="0" lang="ru-RU" sz="1800" spc="-1" strike="noStrike">
               <a:latin typeface="Arial"/>
@@ -4516,7 +5038,7 @@
               <a:rPr b="0" lang="ru-RU" sz="1800" spc="-1" strike="noStrike">
                 <a:latin typeface="Arial"/>
               </a:rPr>
-              <a:t>Fourth Outline Level</a:t>
+              <a:t>Четвёртый уровень структуры</a:t>
             </a:r>
             <a:endParaRPr b="0" lang="ru-RU" sz="1800" spc="-1" strike="noStrike">
               <a:latin typeface="Arial"/>
@@ -4538,7 +5060,7 @@
               <a:rPr b="0" lang="ru-RU" sz="1800" spc="-1" strike="noStrike">
                 <a:latin typeface="Arial"/>
               </a:rPr>
-              <a:t>Fifth Outline Level</a:t>
+              <a:t>Пятый уровень структуры</a:t>
             </a:r>
             <a:endParaRPr b="0" lang="ru-RU" sz="1800" spc="-1" strike="noStrike">
               <a:latin typeface="Arial"/>
@@ -4560,7 +5082,7 @@
               <a:rPr b="0" lang="ru-RU" sz="1800" spc="-1" strike="noStrike">
                 <a:latin typeface="Arial"/>
               </a:rPr>
-              <a:t>Sixth Outline Level</a:t>
+              <a:t>Шестой уровень структуры</a:t>
             </a:r>
             <a:endParaRPr b="0" lang="ru-RU" sz="1800" spc="-1" strike="noStrike">
               <a:latin typeface="Arial"/>
@@ -4582,7 +5104,7 @@
               <a:rPr b="0" lang="ru-RU" sz="1800" spc="-1" strike="noStrike">
                 <a:latin typeface="Arial"/>
               </a:rPr>
-              <a:t>Seventh Outline Level</a:t>
+              <a:t>Седьмой уровень структуры</a:t>
             </a:r>
             <a:endParaRPr b="0" lang="ru-RU" sz="1800" spc="-1" strike="noStrike">
               <a:latin typeface="Arial"/>
@@ -4602,16 +5124,20 @@
         </p:nvSpPr>
         <p:spPr>
           <a:xfrm>
-            <a:off x="6231960" y="1604520"/>
-            <a:ext cx="5353920" cy="3976920"/>
-          </a:xfrm>
-          <a:prstGeom prst="rect">
-            <a:avLst/>
-          </a:prstGeom>
-        </p:spPr>
-        <p:txBody>
-          <a:bodyPr lIns="0" rIns="0" tIns="0" bIns="0">
-            <a:normAutofit/>
+            <a:off x="3353040" y="1604520"/>
+            <a:ext cx="2612160" cy="3976560"/>
+          </a:xfrm>
+          <a:prstGeom prst="rect">
+            <a:avLst/>
+          </a:prstGeom>
+          <a:noFill/>
+          <a:ln w="0">
+            <a:noFill/>
+          </a:ln>
+        </p:spPr>
+        <p:txBody>
+          <a:bodyPr lIns="0" rIns="0" tIns="0" bIns="0" anchor="t">
+            <a:normAutofit fontScale="52000"/>
           </a:bodyPr>
           <a:p>
             <a:pPr marL="432000" indent="-324000">
@@ -4629,7 +5155,7 @@
               <a:rPr b="0" lang="ru-RU" sz="1800" spc="-1" strike="noStrike">
                 <a:latin typeface="Arial"/>
               </a:rPr>
-              <a:t>Click to edit the outline text format</a:t>
+              <a:t>Для правки структуры щёлкните мышью</a:t>
             </a:r>
             <a:endParaRPr b="0" lang="ru-RU" sz="1800" spc="-1" strike="noStrike">
               <a:latin typeface="Arial"/>
@@ -4651,7 +5177,7 @@
               <a:rPr b="0" lang="ru-RU" sz="1800" spc="-1" strike="noStrike">
                 <a:latin typeface="Arial"/>
               </a:rPr>
-              <a:t>Second Outline Level</a:t>
+              <a:t>Второй уровень структуры</a:t>
             </a:r>
             <a:endParaRPr b="0" lang="ru-RU" sz="1800" spc="-1" strike="noStrike">
               <a:latin typeface="Arial"/>
@@ -4673,7 +5199,7 @@
               <a:rPr b="0" lang="ru-RU" sz="1800" spc="-1" strike="noStrike">
                 <a:latin typeface="Arial"/>
               </a:rPr>
-              <a:t>Third Outline Level</a:t>
+              <a:t>Третий уровень структуры</a:t>
             </a:r>
             <a:endParaRPr b="0" lang="ru-RU" sz="1800" spc="-1" strike="noStrike">
               <a:latin typeface="Arial"/>
@@ -4695,7 +5221,7 @@
               <a:rPr b="0" lang="ru-RU" sz="1800" spc="-1" strike="noStrike">
                 <a:latin typeface="Arial"/>
               </a:rPr>
-              <a:t>Fourth Outline Level</a:t>
+              <a:t>Четвёртый уровень структуры</a:t>
             </a:r>
             <a:endParaRPr b="0" lang="ru-RU" sz="1800" spc="-1" strike="noStrike">
               <a:latin typeface="Arial"/>
@@ -4717,7 +5243,7 @@
               <a:rPr b="0" lang="ru-RU" sz="1800" spc="-1" strike="noStrike">
                 <a:latin typeface="Arial"/>
               </a:rPr>
-              <a:t>Fifth Outline Level</a:t>
+              <a:t>Пятый уровень структуры</a:t>
             </a:r>
             <a:endParaRPr b="0" lang="ru-RU" sz="1800" spc="-1" strike="noStrike">
               <a:latin typeface="Arial"/>
@@ -4739,7 +5265,7 @@
               <a:rPr b="0" lang="ru-RU" sz="1800" spc="-1" strike="noStrike">
                 <a:latin typeface="Arial"/>
               </a:rPr>
-              <a:t>Sixth Outline Level</a:t>
+              <a:t>Шестой уровень структуры</a:t>
             </a:r>
             <a:endParaRPr b="0" lang="ru-RU" sz="1800" spc="-1" strike="noStrike">
               <a:latin typeface="Arial"/>
@@ -4761,7 +5287,7 @@
               <a:rPr b="0" lang="ru-RU" sz="1800" spc="-1" strike="noStrike">
                 <a:latin typeface="Arial"/>
               </a:rPr>
-              <a:t>Seventh Outline Level</a:t>
+              <a:t>Седьмой уровень структуры</a:t>
             </a:r>
             <a:endParaRPr b="0" lang="ru-RU" sz="1800" spc="-1" strike="noStrike">
               <a:latin typeface="Arial"/>
@@ -4831,18 +5357,24 @@
           <a:prstGeom prst="rect">
             <a:avLst/>
           </a:prstGeom>
+          <a:noFill/>
+          <a:ln w="0">
+            <a:noFill/>
+          </a:ln>
         </p:spPr>
         <p:txBody>
           <a:bodyPr lIns="0" rIns="0" tIns="0" bIns="0" anchor="ctr">
             <a:noAutofit/>
           </a:bodyPr>
           <a:p>
-            <a:pPr algn="ctr"/>
+            <a:pPr algn="ctr">
+              <a:buNone/>
+            </a:pPr>
             <a:r>
               <a:rPr b="0" lang="ru-RU" sz="4400" spc="-1" strike="noStrike">
                 <a:latin typeface="Arial"/>
               </a:rPr>
-              <a:t>Click to edit the title text format</a:t>
+              <a:t>Для правки текста заглавия щёлкните мышью</a:t>
             </a:r>
             <a:endParaRPr b="0" lang="ru-RU" sz="4400" spc="-1" strike="noStrike">
               <a:latin typeface="Arial"/>
@@ -4868,9 +5400,13 @@
           <a:prstGeom prst="rect">
             <a:avLst/>
           </a:prstGeom>
-        </p:spPr>
-        <p:txBody>
-          <a:bodyPr lIns="0" rIns="0" tIns="0" bIns="0">
+          <a:noFill/>
+          <a:ln w="0">
+            <a:noFill/>
+          </a:ln>
+        </p:spPr>
+        <p:txBody>
+          <a:bodyPr lIns="0" rIns="0" tIns="0" bIns="0" anchor="t">
             <a:normAutofit/>
           </a:bodyPr>
           <a:p>
@@ -4889,7 +5425,7 @@
               <a:rPr b="0" lang="ru-RU" sz="3200" spc="-1" strike="noStrike">
                 <a:latin typeface="Arial"/>
               </a:rPr>
-              <a:t>Click to edit the outline text format</a:t>
+              <a:t>Для правки структуры щёлкните мышью</a:t>
             </a:r>
             <a:endParaRPr b="0" lang="ru-RU" sz="3200" spc="-1" strike="noStrike">
               <a:latin typeface="Arial"/>
@@ -4911,7 +5447,7 @@
               <a:rPr b="0" lang="ru-RU" sz="2800" spc="-1" strike="noStrike">
                 <a:latin typeface="Arial"/>
               </a:rPr>
-              <a:t>Second Outline Level</a:t>
+              <a:t>Второй уровень структуры</a:t>
             </a:r>
             <a:endParaRPr b="0" lang="ru-RU" sz="2800" spc="-1" strike="noStrike">
               <a:latin typeface="Arial"/>
@@ -4933,7 +5469,7 @@
               <a:rPr b="0" lang="ru-RU" sz="2400" spc="-1" strike="noStrike">
                 <a:latin typeface="Arial"/>
               </a:rPr>
-              <a:t>Third Outline Level</a:t>
+              <a:t>Третий уровень структуры</a:t>
             </a:r>
             <a:endParaRPr b="0" lang="ru-RU" sz="2400" spc="-1" strike="noStrike">
               <a:latin typeface="Arial"/>
@@ -4955,7 +5491,7 @@
               <a:rPr b="0" lang="ru-RU" sz="2000" spc="-1" strike="noStrike">
                 <a:latin typeface="Arial"/>
               </a:rPr>
-              <a:t>Fourth Outline Level</a:t>
+              <a:t>Четвёртый уровень структуры</a:t>
             </a:r>
             <a:endParaRPr b="0" lang="ru-RU" sz="2000" spc="-1" strike="noStrike">
               <a:latin typeface="Arial"/>
@@ -4977,7 +5513,7 @@
               <a:rPr b="0" lang="ru-RU" sz="2000" spc="-1" strike="noStrike">
                 <a:latin typeface="Arial"/>
               </a:rPr>
-              <a:t>Fifth Outline Level</a:t>
+              <a:t>Пятый уровень структуры</a:t>
             </a:r>
             <a:endParaRPr b="0" lang="ru-RU" sz="2000" spc="-1" strike="noStrike">
               <a:latin typeface="Arial"/>
@@ -4999,7 +5535,7 @@
               <a:rPr b="0" lang="ru-RU" sz="2000" spc="-1" strike="noStrike">
                 <a:latin typeface="Arial"/>
               </a:rPr>
-              <a:t>Sixth Outline Level</a:t>
+              <a:t>Шестой уровень структуры</a:t>
             </a:r>
             <a:endParaRPr b="0" lang="ru-RU" sz="2000" spc="-1" strike="noStrike">
               <a:latin typeface="Arial"/>
@@ -5021,7 +5557,7 @@
               <a:rPr b="0" lang="ru-RU" sz="2000" spc="-1" strike="noStrike">
                 <a:latin typeface="Arial"/>
               </a:rPr>
-              <a:t>Seventh Outline Level</a:t>
+              <a:t>Седьмой уровень структуры</a:t>
             </a:r>
             <a:endParaRPr b="0" lang="ru-RU" sz="2000" spc="-1" strike="noStrike">
               <a:latin typeface="Arial"/>
@@ -5086,12 +5622,12 @@
         <p:spPr>
           <a:xfrm>
             <a:off x="10667880" y="183600"/>
-            <a:ext cx="1148040" cy="1232280"/>
-          </a:xfrm>
-          <a:prstGeom prst="rect">
-            <a:avLst/>
-          </a:prstGeom>
-          <a:ln>
+            <a:ext cx="1147320" cy="1231560"/>
+          </a:xfrm>
+          <a:prstGeom prst="rect">
+            <a:avLst/>
+          </a:prstGeom>
+          <a:ln w="0">
             <a:noFill/>
           </a:ln>
         </p:spPr>
@@ -5105,13 +5641,13 @@
         <p:spPr>
           <a:xfrm>
             <a:off x="1523880" y="1600200"/>
-            <a:ext cx="9143280" cy="2677320"/>
-          </a:xfrm>
-          <a:prstGeom prst="rect">
-            <a:avLst/>
-          </a:prstGeom>
-          <a:noFill/>
-          <a:ln>
+            <a:ext cx="9142560" cy="2676600"/>
+          </a:xfrm>
+          <a:prstGeom prst="rect">
+            <a:avLst/>
+          </a:prstGeom>
+          <a:noFill/>
+          <a:ln w="0">
             <a:noFill/>
           </a:ln>
         </p:spPr>
@@ -5123,13 +5659,14 @@
         </p:style>
         <p:txBody>
           <a:bodyPr lIns="90000" rIns="90000" tIns="45000" bIns="45000" anchor="b">
-            <a:normAutofit fontScale="40000"/>
+            <a:normAutofit fontScale="74000"/>
           </a:bodyPr>
           <a:p>
             <a:pPr algn="ctr">
               <a:lnSpc>
                 <a:spcPct val="90000"/>
               </a:lnSpc>
+              <a:buNone/>
             </a:pPr>
             <a:r>
               <a:rPr b="0" lang="ru-RU" sz="6000" spc="-1" strike="noStrike">
@@ -5137,6 +5674,7 @@
                   <a:srgbClr val="ffffff"/>
                 </a:solidFill>
                 <a:latin typeface="Circe Bold"/>
+                <a:ea typeface="DejaVu Sans"/>
               </a:rPr>
               <a:t>RayTensor</a:t>
             </a:r>
@@ -5147,6 +5685,7 @@
                   <a:srgbClr val="ffffff"/>
                 </a:solidFill>
                 <a:latin typeface="Circe Bold"/>
+                <a:ea typeface="DejaVu Sans"/>
               </a:rPr>
               <a:t>Нейронная сеть для диагностики заболеваний лёгких и дыхательных путей.</a:t>
             </a:r>
@@ -5165,13 +5704,13 @@
         <p:spPr>
           <a:xfrm>
             <a:off x="7959600" y="5202360"/>
-            <a:ext cx="4231800" cy="1654920"/>
-          </a:xfrm>
-          <a:prstGeom prst="rect">
-            <a:avLst/>
-          </a:prstGeom>
-          <a:noFill/>
-          <a:ln>
+            <a:ext cx="4231080" cy="1654200"/>
+          </a:xfrm>
+          <a:prstGeom prst="rect">
+            <a:avLst/>
+          </a:prstGeom>
+          <a:noFill/>
+          <a:ln w="0">
             <a:noFill/>
           </a:ln>
         </p:spPr>
@@ -5182,7 +5721,7 @@
           <a:fontRef idx="minor"/>
         </p:style>
         <p:txBody>
-          <a:bodyPr lIns="90000" rIns="90000" tIns="45000" bIns="45000">
+          <a:bodyPr lIns="90000" rIns="90000" tIns="45000" bIns="45000" anchor="t">
             <a:normAutofit/>
           </a:bodyPr>
           <a:p>
@@ -5193,6 +5732,7 @@
               <a:spcBef>
                 <a:spcPts val="1001"/>
               </a:spcBef>
+              <a:buNone/>
               <a:tabLst>
                 <a:tab algn="l" pos="0"/>
               </a:tabLst>
@@ -5219,6 +5759,7 @@
               <a:spcBef>
                 <a:spcPts val="1001"/>
               </a:spcBef>
+              <a:buNone/>
               <a:tabLst>
                 <a:tab algn="l" pos="0"/>
               </a:tabLst>
@@ -5245,6 +5786,7 @@
               <a:spcBef>
                 <a:spcPts val="1001"/>
               </a:spcBef>
+              <a:buNone/>
               <a:tabLst>
                 <a:tab algn="l" pos="0"/>
               </a:tabLst>
@@ -5264,13 +5806,13 @@
         <p:spPr>
           <a:xfrm>
             <a:off x="617760" y="4278240"/>
-            <a:ext cx="8068320" cy="1662840"/>
-          </a:xfrm>
-          <a:prstGeom prst="rect">
-            <a:avLst/>
-          </a:prstGeom>
-          <a:noFill/>
-          <a:ln>
+            <a:ext cx="8067600" cy="1662120"/>
+          </a:xfrm>
+          <a:prstGeom prst="rect">
+            <a:avLst/>
+          </a:prstGeom>
+          <a:noFill/>
+          <a:ln w="0">
             <a:noFill/>
           </a:ln>
         </p:spPr>
@@ -5281,7 +5823,7 @@
           <a:fontRef idx="minor"/>
         </p:style>
         <p:txBody>
-          <a:bodyPr lIns="90000" rIns="90000" tIns="45000" bIns="45000">
+          <a:bodyPr lIns="90000" rIns="90000" tIns="45000" bIns="45000" anchor="t">
             <a:normAutofit/>
           </a:bodyPr>
           <a:p>
@@ -5292,6 +5834,7 @@
               <a:spcBef>
                 <a:spcPts val="1001"/>
               </a:spcBef>
+              <a:buNone/>
               <a:tabLst>
                 <a:tab algn="l" pos="0"/>
               </a:tabLst>
@@ -5318,6 +5861,7 @@
               <a:spcBef>
                 <a:spcPts val="1001"/>
               </a:spcBef>
+              <a:buNone/>
               <a:tabLst>
                 <a:tab algn="l" pos="0"/>
               </a:tabLst>
@@ -5370,7 +5914,7 @@
       </p:grpSpPr>
       <p:pic>
         <p:nvPicPr>
-          <p:cNvPr id="177" name="Рисунок 5" descr=""/>
+          <p:cNvPr id="168" name="Рисунок 15_0" descr=""/>
           <p:cNvPicPr/>
           <p:nvPr/>
         </p:nvPicPr>
@@ -5380,70 +5924,141 @@
         </p:blipFill>
         <p:spPr>
           <a:xfrm>
+            <a:off x="0" y="343800"/>
+            <a:ext cx="12190680" cy="6512760"/>
+          </a:xfrm>
+          <a:prstGeom prst="rect">
+            <a:avLst/>
+          </a:prstGeom>
+          <a:ln w="0">
+            <a:noFill/>
+          </a:ln>
+        </p:spPr>
+      </p:pic>
+      <p:pic>
+        <p:nvPicPr>
+          <p:cNvPr id="169" name="Рисунок 4_1" descr=""/>
+          <p:cNvPicPr/>
+          <p:nvPr/>
+        </p:nvPicPr>
+        <p:blipFill>
+          <a:blip r:embed="rId2"/>
+          <a:stretch/>
+        </p:blipFill>
+        <p:spPr>
+          <a:xfrm>
             <a:off x="0" y="0"/>
-            <a:ext cx="12191400" cy="5363280"/>
-          </a:xfrm>
-          <a:prstGeom prst="rect">
-            <a:avLst/>
-          </a:prstGeom>
-          <a:ln>
+            <a:ext cx="12190680" cy="342360"/>
+          </a:xfrm>
+          <a:prstGeom prst="rect">
+            <a:avLst/>
+          </a:prstGeom>
+          <a:ln w="0">
             <a:noFill/>
           </a:ln>
         </p:spPr>
       </p:pic>
-    </p:spTree>
-  </p:cSld>
-  <mc:AlternateContent>
-    <mc:Choice Requires="p14">
-      <p:transition spd="slow" p14:dur="2000"/>
-    </mc:Choice>
-    <mc:Fallback>
-      <p:transition spd="slow"/>
-    </mc:Fallback>
-  </mc:AlternateContent>
-</p:sld>
-</file>
-
-<file path=ppt/slides/slide11.xml><?xml version="1.0" encoding="utf-8"?>
-<p:sld xmlns:a="http://schemas.openxmlformats.org/drawingml/2006/main" xmlns:p="http://schemas.openxmlformats.org/presentationml/2006/main" xmlns:r="http://schemas.openxmlformats.org/officeDocument/2006/relationships" xmlns:p14="http://schemas.microsoft.com/office/powerpoint/2010/main" xmlns:p15="http://schemas.microsoft.com/office/powerpoint/2012/main" xmlns:mc="http://schemas.openxmlformats.org/markup-compatibility/2006">
-  <p:cSld>
-    <p:bg>
-      <p:bgPr>
-        <a:solidFill>
-          <a:srgbClr val="fecc16"/>
-        </a:solidFill>
-      </p:bgPr>
-    </p:bg>
-    <p:spTree>
-      <p:nvGrpSpPr>
-        <p:cNvPr id="1" name=""/>
-        <p:cNvGrpSpPr/>
-        <p:nvPr/>
-      </p:nvGrpSpPr>
-      <p:grpSpPr>
-        <a:xfrm>
-          <a:off x="0" y="0"/>
-          <a:ext cx="0" cy="0"/>
-          <a:chOff x="0" y="0"/>
-          <a:chExt cx="0" cy="0"/>
-        </a:xfrm>
-      </p:grpSpPr>
-      <p:sp>
-        <p:nvSpPr>
-          <p:cNvPr id="178" name="CustomShape 1"/>
+      <p:pic>
+        <p:nvPicPr>
+          <p:cNvPr id="170" name="Рисунок 5_1" descr=""/>
+          <p:cNvPicPr/>
+          <p:nvPr/>
+        </p:nvPicPr>
+        <p:blipFill>
+          <a:blip r:embed="rId3"/>
+          <a:stretch/>
+        </p:blipFill>
+        <p:spPr>
+          <a:xfrm>
+            <a:off x="6095880" y="6537240"/>
+            <a:ext cx="6094440" cy="319320"/>
+          </a:xfrm>
+          <a:prstGeom prst="rect">
+            <a:avLst/>
+          </a:prstGeom>
+          <a:ln w="0">
+            <a:noFill/>
+          </a:ln>
+        </p:spPr>
+      </p:pic>
+      <p:sp>
+        <p:nvSpPr>
+          <p:cNvPr id="171" name="CustomShape 1"/>
           <p:cNvSpPr/>
           <p:nvPr/>
         </p:nvSpPr>
         <p:spPr>
           <a:xfrm>
-            <a:off x="1523880" y="1600200"/>
-            <a:ext cx="9143280" cy="1909080"/>
-          </a:xfrm>
-          <a:prstGeom prst="rect">
-            <a:avLst/>
-          </a:prstGeom>
-          <a:noFill/>
+            <a:off x="9840240" y="188280"/>
+            <a:ext cx="1653840" cy="1457280"/>
+          </a:xfrm>
+          <a:prstGeom prst="hexagon">
+            <a:avLst>
+              <a:gd name="adj" fmla="val 25000"/>
+              <a:gd name="vf" fmla="val 115470"/>
+            </a:avLst>
+          </a:prstGeom>
+          <a:solidFill>
+            <a:srgbClr val="fecc16"/>
+          </a:solidFill>
           <a:ln>
+            <a:noFill/>
+          </a:ln>
+        </p:spPr>
+        <p:style>
+          <a:lnRef idx="2">
+            <a:schemeClr val="accent1">
+              <a:shade val="50000"/>
+            </a:schemeClr>
+          </a:lnRef>
+          <a:fillRef idx="1">
+            <a:schemeClr val="accent1"/>
+          </a:fillRef>
+          <a:effectRef idx="0">
+            <a:schemeClr val="accent1"/>
+          </a:effectRef>
+          <a:fontRef idx="minor"/>
+        </p:style>
+      </p:sp>
+      <p:pic>
+        <p:nvPicPr>
+          <p:cNvPr id="172" name="Рисунок 8_1" descr=""/>
+          <p:cNvPicPr/>
+          <p:nvPr/>
+        </p:nvPicPr>
+        <p:blipFill>
+          <a:blip r:embed="rId4"/>
+          <a:stretch/>
+        </p:blipFill>
+        <p:spPr>
+          <a:xfrm>
+            <a:off x="10159560" y="371880"/>
+            <a:ext cx="1015560" cy="1089720"/>
+          </a:xfrm>
+          <a:prstGeom prst="rect">
+            <a:avLst/>
+          </a:prstGeom>
+          <a:ln w="0">
+            <a:noFill/>
+          </a:ln>
+        </p:spPr>
+      </p:pic>
+      <p:sp>
+        <p:nvSpPr>
+          <p:cNvPr id="173" name="CustomShape 2"/>
+          <p:cNvSpPr/>
+          <p:nvPr/>
+        </p:nvSpPr>
+        <p:spPr>
+          <a:xfrm>
+            <a:off x="439920" y="-12600"/>
+            <a:ext cx="4001760" cy="363960"/>
+          </a:xfrm>
+          <a:prstGeom prst="rect">
+            <a:avLst/>
+          </a:prstGeom>
+          <a:noFill/>
+          <a:ln w="0">
             <a:noFill/>
           </a:ln>
         </p:spPr>
@@ -5454,46 +6069,48 @@
           <a:fontRef idx="minor"/>
         </p:style>
         <p:txBody>
-          <a:bodyPr lIns="90000" rIns="90000" tIns="45000" bIns="45000" anchor="b">
-            <a:noAutofit/>
-          </a:bodyPr>
-          <a:p>
-            <a:pPr algn="ctr">
+          <a:bodyPr wrap="none" lIns="90000" rIns="90000" tIns="45000" bIns="45000" anchor="t">
+            <a:spAutoFit/>
+          </a:bodyPr>
+          <a:p>
+            <a:pPr>
               <a:lnSpc>
-                <a:spcPct val="90000"/>
+                <a:spcPct val="100000"/>
               </a:lnSpc>
+              <a:buNone/>
             </a:pPr>
             <a:r>
-              <a:rPr b="0" lang="ru-RU" sz="6000" spc="-1" strike="noStrike">
+              <a:rPr b="0" lang="ru-RU" sz="1800" spc="-1" strike="noStrike">
                 <a:solidFill>
                   <a:srgbClr val="ffffff"/>
                 </a:solidFill>
                 <a:latin typeface="Circe Bold"/>
+                <a:ea typeface="DejaVu Sans"/>
               </a:rPr>
-              <a:t>Спасибо за внимание!</a:t>
+              <a:t>Направление обучения: Python </a:t>
             </a:r>
-            <a:endParaRPr b="0" lang="ru-RU" sz="6000" spc="-1" strike="noStrike">
-              <a:latin typeface="Arial"/>
-            </a:endParaRPr>
-          </a:p>
-        </p:txBody>
-      </p:sp>
-      <p:sp>
-        <p:nvSpPr>
-          <p:cNvPr id="179" name="CustomShape 2"/>
+            <a:endParaRPr b="0" lang="ru-RU" sz="1800" spc="-1" strike="noStrike">
+              <a:latin typeface="Arial"/>
+            </a:endParaRPr>
+          </a:p>
+        </p:txBody>
+      </p:sp>
+      <p:sp>
+        <p:nvSpPr>
+          <p:cNvPr id="174" name="CustomShape 3"/>
           <p:cNvSpPr/>
           <p:nvPr/>
         </p:nvSpPr>
         <p:spPr>
           <a:xfrm>
-            <a:off x="1523880" y="3875760"/>
-            <a:ext cx="9143280" cy="1381320"/>
-          </a:xfrm>
-          <a:prstGeom prst="rect">
-            <a:avLst/>
-          </a:prstGeom>
-          <a:noFill/>
-          <a:ln>
+            <a:off x="6208560" y="6521400"/>
+            <a:ext cx="5870160" cy="363960"/>
+          </a:xfrm>
+          <a:prstGeom prst="rect">
+            <a:avLst/>
+          </a:prstGeom>
+          <a:noFill/>
+          <a:ln w="0">
             <a:noFill/>
           </a:ln>
         </p:spPr>
@@ -5504,47 +6121,131 @@
           <a:fontRef idx="minor"/>
         </p:style>
         <p:txBody>
-          <a:bodyPr lIns="90000" rIns="90000" tIns="45000" bIns="45000">
-            <a:noAutofit/>
-          </a:bodyPr>
-          <a:p>
-            <a:pPr algn="ctr">
+          <a:bodyPr wrap="none" lIns="90000" rIns="90000" tIns="45000" bIns="45000" anchor="t">
+            <a:spAutoFit/>
+          </a:bodyPr>
+          <a:p>
+            <a:pPr>
               <a:lnSpc>
-                <a:spcPct val="90000"/>
+                <a:spcPct val="100000"/>
               </a:lnSpc>
-              <a:spcBef>
-                <a:spcPts val="1001"/>
-              </a:spcBef>
-              <a:tabLst>
-                <a:tab algn="l" pos="0"/>
-              </a:tabLst>
+              <a:buNone/>
             </a:pPr>
             <a:r>
-              <a:rPr b="0" lang="ru-RU" sz="2400" spc="-1" strike="noStrike">
+              <a:rPr b="0" lang="ru-RU" sz="1800" spc="-1" strike="noStrike">
                 <a:solidFill>
                   <a:srgbClr val="ffffff"/>
                 </a:solidFill>
                 <a:latin typeface="Circe Bold"/>
+                <a:ea typeface="DejaVu Sans"/>
               </a:rPr>
               <a:t>Центр цифрового образования детей «IT-КУБ» </a:t>
             </a:r>
-            <a:endParaRPr b="0" lang="ru-RU" sz="2400" spc="-1" strike="noStrike">
-              <a:latin typeface="Arial"/>
-            </a:endParaRPr>
-          </a:p>
-          <a:p>
-            <a:pPr algn="ctr">
+            <a:endParaRPr b="0" lang="ru-RU" sz="1800" spc="-1" strike="noStrike">
+              <a:latin typeface="Arial"/>
+            </a:endParaRPr>
+          </a:p>
+        </p:txBody>
+      </p:sp>
+      <p:sp>
+        <p:nvSpPr>
+          <p:cNvPr id="175" name="CustomShape 4"/>
+          <p:cNvSpPr/>
+          <p:nvPr/>
+        </p:nvSpPr>
+        <p:spPr>
+          <a:xfrm>
+            <a:off x="838080" y="716760"/>
+            <a:ext cx="8681400" cy="972360"/>
+          </a:xfrm>
+          <a:prstGeom prst="rect">
+            <a:avLst/>
+          </a:prstGeom>
+          <a:noFill/>
+          <a:ln w="0">
+            <a:noFill/>
+          </a:ln>
+        </p:spPr>
+        <p:style>
+          <a:lnRef idx="0"/>
+          <a:fillRef idx="0"/>
+          <a:effectRef idx="0"/>
+          <a:fontRef idx="minor"/>
+        </p:style>
+        <p:txBody>
+          <a:bodyPr lIns="90000" rIns="90000" tIns="45000" bIns="45000" anchor="ctr">
+            <a:noAutofit/>
+          </a:bodyPr>
+          <a:p>
+            <a:pPr>
               <a:lnSpc>
                 <a:spcPct val="90000"/>
               </a:lnSpc>
-              <a:spcBef>
-                <a:spcPts val="1001"/>
-              </a:spcBef>
-              <a:tabLst>
-                <a:tab algn="l" pos="0"/>
-              </a:tabLst>
-            </a:pPr>
-            <a:endParaRPr b="0" lang="ru-RU" sz="2400" spc="-1" strike="noStrike">
+              <a:buNone/>
+            </a:pPr>
+            <a:r>
+              <a:rPr b="0" lang="ru-RU" sz="4400" spc="-1" strike="noStrike">
+                <a:solidFill>
+                  <a:srgbClr val="000000"/>
+                </a:solidFill>
+                <a:latin typeface="Circe Bold"/>
+                <a:ea typeface="DejaVu Sans"/>
+              </a:rPr>
+              <a:t>Репозиторий GitHub</a:t>
+            </a:r>
+            <a:endParaRPr b="0" lang="ru-RU" sz="4400" spc="-1" strike="noStrike">
+              <a:latin typeface="Arial"/>
+            </a:endParaRPr>
+          </a:p>
+        </p:txBody>
+      </p:sp>
+      <p:sp>
+        <p:nvSpPr>
+          <p:cNvPr id="176" name="CustomShape 5"/>
+          <p:cNvSpPr/>
+          <p:nvPr/>
+        </p:nvSpPr>
+        <p:spPr>
+          <a:xfrm>
+            <a:off x="838080" y="6352560"/>
+            <a:ext cx="2741760" cy="363600"/>
+          </a:xfrm>
+          <a:prstGeom prst="rect">
+            <a:avLst/>
+          </a:prstGeom>
+          <a:noFill/>
+          <a:ln w="0">
+            <a:noFill/>
+          </a:ln>
+        </p:spPr>
+        <p:style>
+          <a:lnRef idx="0"/>
+          <a:fillRef idx="0"/>
+          <a:effectRef idx="0"/>
+          <a:fontRef idx="minor"/>
+        </p:style>
+        <p:txBody>
+          <a:bodyPr lIns="90000" rIns="90000" tIns="45000" bIns="45000" anchor="ctr">
+            <a:noAutofit/>
+          </a:bodyPr>
+          <a:p>
+            <a:pPr>
+              <a:lnSpc>
+                <a:spcPct val="100000"/>
+              </a:lnSpc>
+              <a:buNone/>
+            </a:pPr>
+            <a:fld id="{AD0DE3E1-8255-4729-A039-AD1EC145C4AD}" type="slidenum">
+              <a:rPr b="1" lang="ru-RU" sz="1600" spc="-1" strike="noStrike">
+                <a:solidFill>
+                  <a:srgbClr val="000000"/>
+                </a:solidFill>
+                <a:latin typeface="Circe Bold"/>
+                <a:ea typeface="DejaVu Sans"/>
+              </a:rPr>
+              <a:t>&lt;номер&gt;</a:t>
+            </a:fld>
+            <a:endParaRPr b="0" lang="ru-RU" sz="1600" spc="-1" strike="noStrike">
               <a:latin typeface="Arial"/>
             </a:endParaRPr>
           </a:p>
@@ -5552,23 +6253,23 @@
       </p:sp>
       <p:pic>
         <p:nvPicPr>
-          <p:cNvPr id="180" name="Рисунок 12" descr=""/>
+          <p:cNvPr id="177" name="" descr=""/>
           <p:cNvPicPr/>
           <p:nvPr/>
         </p:nvPicPr>
         <p:blipFill>
-          <a:blip r:embed="rId1"/>
+          <a:blip r:embed="rId5"/>
           <a:stretch/>
         </p:blipFill>
         <p:spPr>
           <a:xfrm>
-            <a:off x="10667880" y="183600"/>
-            <a:ext cx="1148040" cy="1232280"/>
-          </a:xfrm>
-          <a:prstGeom prst="rect">
-            <a:avLst/>
-          </a:prstGeom>
-          <a:ln>
+            <a:off x="4003560" y="1584000"/>
+            <a:ext cx="4131720" cy="4131720"/>
+          </a:xfrm>
+          <a:prstGeom prst="rect">
+            <a:avLst/>
+          </a:prstGeom>
+          <a:ln w="0">
             <a:noFill/>
           </a:ln>
         </p:spPr>
@@ -5616,12 +6317,12 @@
         <p:spPr>
           <a:xfrm>
             <a:off x="0" y="343800"/>
-            <a:ext cx="12191400" cy="6513480"/>
-          </a:xfrm>
-          <a:prstGeom prst="rect">
-            <a:avLst/>
-          </a:prstGeom>
-          <a:ln>
+            <a:ext cx="12190680" cy="6512760"/>
+          </a:xfrm>
+          <a:prstGeom prst="rect">
+            <a:avLst/>
+          </a:prstGeom>
+          <a:ln w="0">
             <a:noFill/>
           </a:ln>
         </p:spPr>
@@ -5639,12 +6340,12 @@
         <p:spPr>
           <a:xfrm>
             <a:off x="0" y="0"/>
-            <a:ext cx="12191400" cy="343080"/>
-          </a:xfrm>
-          <a:prstGeom prst="rect">
-            <a:avLst/>
-          </a:prstGeom>
-          <a:ln>
+            <a:ext cx="12190680" cy="342360"/>
+          </a:xfrm>
+          <a:prstGeom prst="rect">
+            <a:avLst/>
+          </a:prstGeom>
+          <a:ln w="0">
             <a:noFill/>
           </a:ln>
         </p:spPr>
@@ -5662,12 +6363,12 @@
         <p:spPr>
           <a:xfrm>
             <a:off x="6095880" y="6537240"/>
-            <a:ext cx="6095160" cy="320040"/>
-          </a:xfrm>
-          <a:prstGeom prst="rect">
-            <a:avLst/>
-          </a:prstGeom>
-          <a:ln>
+            <a:ext cx="6094440" cy="319320"/>
+          </a:xfrm>
+          <a:prstGeom prst="rect">
+            <a:avLst/>
+          </a:prstGeom>
+          <a:ln w="0">
             <a:noFill/>
           </a:ln>
         </p:spPr>
@@ -5681,7 +6382,7 @@
         <p:spPr>
           <a:xfrm>
             <a:off x="9840240" y="188280"/>
-            <a:ext cx="1654560" cy="1458000"/>
+            <a:ext cx="1653840" cy="1457280"/>
           </a:xfrm>
           <a:prstGeom prst="hexagon">
             <a:avLst>
@@ -5724,12 +6425,12 @@
         <p:spPr>
           <a:xfrm>
             <a:off x="10159560" y="371880"/>
-            <a:ext cx="1016280" cy="1090440"/>
-          </a:xfrm>
-          <a:prstGeom prst="rect">
-            <a:avLst/>
-          </a:prstGeom>
-          <a:ln>
+            <a:ext cx="1015560" cy="1089720"/>
+          </a:xfrm>
+          <a:prstGeom prst="rect">
+            <a:avLst/>
+          </a:prstGeom>
+          <a:ln w="0">
             <a:noFill/>
           </a:ln>
         </p:spPr>
@@ -5742,14 +6443,14 @@
         </p:nvSpPr>
         <p:spPr>
           <a:xfrm>
-            <a:off x="547560" y="-12600"/>
-            <a:ext cx="3786840" cy="364320"/>
-          </a:xfrm>
-          <a:prstGeom prst="rect">
-            <a:avLst/>
-          </a:prstGeom>
-          <a:noFill/>
-          <a:ln>
+            <a:off x="439920" y="-12600"/>
+            <a:ext cx="4001760" cy="363960"/>
+          </a:xfrm>
+          <a:prstGeom prst="rect">
+            <a:avLst/>
+          </a:prstGeom>
+          <a:noFill/>
+          <a:ln w="0">
             <a:noFill/>
           </a:ln>
         </p:spPr>
@@ -5760,7 +6461,7 @@
           <a:fontRef idx="minor"/>
         </p:style>
         <p:txBody>
-          <a:bodyPr wrap="none" lIns="90000" rIns="90000" tIns="45000" bIns="45000">
+          <a:bodyPr wrap="none" lIns="90000" rIns="90000" tIns="45000" bIns="45000" anchor="t">
             <a:spAutoFit/>
           </a:bodyPr>
           <a:p>
@@ -5768,6 +6469,7 @@
               <a:lnSpc>
                 <a:spcPct val="100000"/>
               </a:lnSpc>
+              <a:buNone/>
             </a:pPr>
             <a:r>
               <a:rPr b="0" lang="ru-RU" sz="1800" spc="-1" strike="noStrike">
@@ -5793,14 +6495,14 @@
         </p:nvSpPr>
         <p:spPr>
           <a:xfrm>
-            <a:off x="6415920" y="6521400"/>
-            <a:ext cx="5455800" cy="364320"/>
-          </a:xfrm>
-          <a:prstGeom prst="rect">
-            <a:avLst/>
-          </a:prstGeom>
-          <a:noFill/>
-          <a:ln>
+            <a:off x="6208560" y="6521400"/>
+            <a:ext cx="5870160" cy="363960"/>
+          </a:xfrm>
+          <a:prstGeom prst="rect">
+            <a:avLst/>
+          </a:prstGeom>
+          <a:noFill/>
+          <a:ln w="0">
             <a:noFill/>
           </a:ln>
         </p:spPr>
@@ -5811,7 +6513,7 @@
           <a:fontRef idx="minor"/>
         </p:style>
         <p:txBody>
-          <a:bodyPr wrap="none" lIns="90000" rIns="90000" tIns="45000" bIns="45000">
+          <a:bodyPr wrap="none" lIns="90000" rIns="90000" tIns="45000" bIns="45000" anchor="t">
             <a:spAutoFit/>
           </a:bodyPr>
           <a:p>
@@ -5819,6 +6521,7 @@
               <a:lnSpc>
                 <a:spcPct val="100000"/>
               </a:lnSpc>
+              <a:buNone/>
             </a:pPr>
             <a:r>
               <a:rPr b="0" lang="ru-RU" sz="1800" spc="-1" strike="noStrike">
@@ -5845,13 +6548,13 @@
         <p:spPr>
           <a:xfrm>
             <a:off x="838080" y="716760"/>
-            <a:ext cx="8682120" cy="973080"/>
-          </a:xfrm>
-          <a:prstGeom prst="rect">
-            <a:avLst/>
-          </a:prstGeom>
-          <a:noFill/>
-          <a:ln>
+            <a:ext cx="8681400" cy="972360"/>
+          </a:xfrm>
+          <a:prstGeom prst="rect">
+            <a:avLst/>
+          </a:prstGeom>
+          <a:noFill/>
+          <a:ln w="0">
             <a:noFill/>
           </a:ln>
         </p:spPr>
@@ -5870,6 +6573,7 @@
               <a:lnSpc>
                 <a:spcPct val="90000"/>
               </a:lnSpc>
+              <a:buNone/>
             </a:pPr>
             <a:r>
               <a:rPr b="0" lang="ru-RU" sz="4400" spc="-1" strike="noStrike">
@@ -5877,6 +6581,7 @@
                   <a:srgbClr val="000000"/>
                 </a:solidFill>
                 <a:latin typeface="Circe Bold"/>
+                <a:ea typeface="DejaVu Sans"/>
               </a:rPr>
               <a:t>Актуальность</a:t>
             </a:r>
@@ -5895,13 +6600,13 @@
         <p:spPr>
           <a:xfrm>
             <a:off x="329760" y="1425240"/>
-            <a:ext cx="10337400" cy="4350600"/>
-          </a:xfrm>
-          <a:prstGeom prst="rect">
-            <a:avLst/>
-          </a:prstGeom>
-          <a:noFill/>
-          <a:ln>
+            <a:ext cx="10336680" cy="4349880"/>
+          </a:xfrm>
+          <a:prstGeom prst="rect">
+            <a:avLst/>
+          </a:prstGeom>
+          <a:noFill/>
+          <a:ln w="0">
             <a:noFill/>
           </a:ln>
         </p:spPr>
@@ -5912,7 +6617,7 @@
           <a:fontRef idx="minor"/>
         </p:style>
         <p:txBody>
-          <a:bodyPr lIns="90000" rIns="90000" tIns="45000" bIns="45000">
+          <a:bodyPr lIns="90000" rIns="90000" tIns="45000" bIns="45000" anchor="t">
             <a:noAutofit/>
           </a:bodyPr>
           <a:p>
@@ -5935,8 +6640,9 @@
                   <a:srgbClr val="000000"/>
                 </a:solidFill>
                 <a:latin typeface="Circe"/>
+                <a:ea typeface="DejaVu Sans"/>
               </a:rPr>
-              <a:t>В настоящее время технологическое развитие больниц в нашей стране отстаёт от мировых стандартов. Шагом к цифровизации и автоматизации больниц станет разработанная мной нейронная сеть, способная автоматически диагностировать с точностью более 90% заболевания лёгких и дыхательной системы. Минималистичный дизайн, совмещённый с высоким функционалом обеспечит быструю постановку диагноза любым человеком с любым устройством, имеющим выход в интернет, т.к. для использования программы не требуются медицинские знания или глубокие знания компьютера. </a:t>
+              <a:t>В настоящее время технологическое развитие больниц в нашей стране отстаёт от мировых стандартов. Шагом к цифровизации и автоматизации больниц станет разработанная мной нейронная сеть, способная автоматически диагностировать с точностью более 90% заболевания лёгких и дыхательной системы.  </a:t>
             </a:r>
             <a:endParaRPr b="0" lang="ru-RU" sz="2800" spc="-1" strike="noStrike">
               <a:latin typeface="Arial"/>
@@ -5953,13 +6659,13 @@
         <p:spPr>
           <a:xfrm>
             <a:off x="838080" y="6352560"/>
-            <a:ext cx="2742480" cy="364320"/>
-          </a:xfrm>
-          <a:prstGeom prst="rect">
-            <a:avLst/>
-          </a:prstGeom>
-          <a:noFill/>
-          <a:ln>
+            <a:ext cx="2741760" cy="363600"/>
+          </a:xfrm>
+          <a:prstGeom prst="rect">
+            <a:avLst/>
+          </a:prstGeom>
+          <a:noFill/>
+          <a:ln w="0">
             <a:noFill/>
           </a:ln>
         </p:spPr>
@@ -5978,15 +6684,17 @@
               <a:lnSpc>
                 <a:spcPct val="100000"/>
               </a:lnSpc>
-            </a:pPr>
-            <a:fld id="{369C2F72-C582-43A5-BC90-74983EEDC9B6}" type="slidenum">
+              <a:buNone/>
+            </a:pPr>
+            <a:fld id="{8BE6AC49-1C65-4AD7-9A03-54B675F8F2A4}" type="slidenum">
               <a:rPr b="1" lang="ru-RU" sz="1600" spc="-1" strike="noStrike">
                 <a:solidFill>
                   <a:srgbClr val="000000"/>
                 </a:solidFill>
                 <a:latin typeface="Circe Bold"/>
+                <a:ea typeface="DejaVu Sans"/>
               </a:rPr>
-              <a:t>&lt;number&gt;</a:t>
+              <a:t>1</a:t>
             </a:fld>
             <a:endParaRPr b="0" lang="ru-RU" sz="1600" spc="-1" strike="noStrike">
               <a:latin typeface="Arial"/>
@@ -6006,13 +6714,13 @@
         </p:blipFill>
         <p:spPr>
           <a:xfrm>
-            <a:off x="1656000" y="6061320"/>
-            <a:ext cx="10541880" cy="418320"/>
-          </a:xfrm>
-          <a:prstGeom prst="rect">
-            <a:avLst/>
-          </a:prstGeom>
-          <a:ln>
+            <a:off x="1158480" y="5220000"/>
+            <a:ext cx="10541160" cy="539640"/>
+          </a:xfrm>
+          <a:prstGeom prst="rect">
+            <a:avLst/>
+          </a:prstGeom>
+          <a:ln w="0">
             <a:noFill/>
           </a:ln>
         </p:spPr>
@@ -6060,12 +6768,12 @@
         <p:spPr>
           <a:xfrm>
             <a:off x="0" y="343800"/>
-            <a:ext cx="12191400" cy="6513480"/>
-          </a:xfrm>
-          <a:prstGeom prst="rect">
-            <a:avLst/>
-          </a:prstGeom>
-          <a:ln>
+            <a:ext cx="12190680" cy="6512760"/>
+          </a:xfrm>
+          <a:prstGeom prst="rect">
+            <a:avLst/>
+          </a:prstGeom>
+          <a:ln w="0">
             <a:noFill/>
           </a:ln>
         </p:spPr>
@@ -6083,12 +6791,12 @@
         <p:spPr>
           <a:xfrm>
             <a:off x="0" y="0"/>
-            <a:ext cx="12191400" cy="343080"/>
-          </a:xfrm>
-          <a:prstGeom prst="rect">
-            <a:avLst/>
-          </a:prstGeom>
-          <a:ln>
+            <a:ext cx="12190680" cy="342360"/>
+          </a:xfrm>
+          <a:prstGeom prst="rect">
+            <a:avLst/>
+          </a:prstGeom>
+          <a:ln w="0">
             <a:noFill/>
           </a:ln>
         </p:spPr>
@@ -6106,12 +6814,12 @@
         <p:spPr>
           <a:xfrm>
             <a:off x="6095880" y="6537240"/>
-            <a:ext cx="6095160" cy="320040"/>
-          </a:xfrm>
-          <a:prstGeom prst="rect">
-            <a:avLst/>
-          </a:prstGeom>
-          <a:ln>
+            <a:ext cx="6094440" cy="319320"/>
+          </a:xfrm>
+          <a:prstGeom prst="rect">
+            <a:avLst/>
+          </a:prstGeom>
+          <a:ln w="0">
             <a:noFill/>
           </a:ln>
         </p:spPr>
@@ -6125,7 +6833,7 @@
         <p:spPr>
           <a:xfrm>
             <a:off x="9840240" y="188280"/>
-            <a:ext cx="1654560" cy="1458000"/>
+            <a:ext cx="1653840" cy="1457280"/>
           </a:xfrm>
           <a:prstGeom prst="hexagon">
             <a:avLst>
@@ -6168,12 +6876,12 @@
         <p:spPr>
           <a:xfrm>
             <a:off x="10159560" y="371880"/>
-            <a:ext cx="1016280" cy="1090440"/>
-          </a:xfrm>
-          <a:prstGeom prst="rect">
-            <a:avLst/>
-          </a:prstGeom>
-          <a:ln>
+            <a:ext cx="1015560" cy="1089720"/>
+          </a:xfrm>
+          <a:prstGeom prst="rect">
+            <a:avLst/>
+          </a:prstGeom>
+          <a:ln w="0">
             <a:noFill/>
           </a:ln>
         </p:spPr>
@@ -6186,14 +6894,14 @@
         </p:nvSpPr>
         <p:spPr>
           <a:xfrm>
-            <a:off x="547560" y="-12600"/>
-            <a:ext cx="3786840" cy="364320"/>
-          </a:xfrm>
-          <a:prstGeom prst="rect">
-            <a:avLst/>
-          </a:prstGeom>
-          <a:noFill/>
-          <a:ln>
+            <a:off x="439920" y="-12600"/>
+            <a:ext cx="4001760" cy="363960"/>
+          </a:xfrm>
+          <a:prstGeom prst="rect">
+            <a:avLst/>
+          </a:prstGeom>
+          <a:noFill/>
+          <a:ln w="0">
             <a:noFill/>
           </a:ln>
         </p:spPr>
@@ -6204,7 +6912,7 @@
           <a:fontRef idx="minor"/>
         </p:style>
         <p:txBody>
-          <a:bodyPr wrap="none" lIns="90000" rIns="90000" tIns="45000" bIns="45000">
+          <a:bodyPr wrap="none" lIns="90000" rIns="90000" tIns="45000" bIns="45000" anchor="t">
             <a:spAutoFit/>
           </a:bodyPr>
           <a:p>
@@ -6212,6 +6920,7 @@
               <a:lnSpc>
                 <a:spcPct val="100000"/>
               </a:lnSpc>
+              <a:buNone/>
             </a:pPr>
             <a:r>
               <a:rPr b="0" lang="ru-RU" sz="1800" spc="-1" strike="noStrike">
@@ -6237,14 +6946,14 @@
         </p:nvSpPr>
         <p:spPr>
           <a:xfrm>
-            <a:off x="6415920" y="6521400"/>
-            <a:ext cx="5455800" cy="364320"/>
-          </a:xfrm>
-          <a:prstGeom prst="rect">
-            <a:avLst/>
-          </a:prstGeom>
-          <a:noFill/>
-          <a:ln>
+            <a:off x="6208560" y="6521400"/>
+            <a:ext cx="5870160" cy="363960"/>
+          </a:xfrm>
+          <a:prstGeom prst="rect">
+            <a:avLst/>
+          </a:prstGeom>
+          <a:noFill/>
+          <a:ln w="0">
             <a:noFill/>
           </a:ln>
         </p:spPr>
@@ -6255,7 +6964,7 @@
           <a:fontRef idx="minor"/>
         </p:style>
         <p:txBody>
-          <a:bodyPr wrap="none" lIns="90000" rIns="90000" tIns="45000" bIns="45000">
+          <a:bodyPr wrap="none" lIns="90000" rIns="90000" tIns="45000" bIns="45000" anchor="t">
             <a:spAutoFit/>
           </a:bodyPr>
           <a:p>
@@ -6263,6 +6972,7 @@
               <a:lnSpc>
                 <a:spcPct val="100000"/>
               </a:lnSpc>
+              <a:buNone/>
             </a:pPr>
             <a:r>
               <a:rPr b="0" lang="ru-RU" sz="1800" spc="-1" strike="noStrike">
@@ -6289,13 +6999,13 @@
         <p:spPr>
           <a:xfrm>
             <a:off x="838080" y="716760"/>
-            <a:ext cx="8682120" cy="973080"/>
-          </a:xfrm>
-          <a:prstGeom prst="rect">
-            <a:avLst/>
-          </a:prstGeom>
-          <a:noFill/>
-          <a:ln>
+            <a:ext cx="8681400" cy="972360"/>
+          </a:xfrm>
+          <a:prstGeom prst="rect">
+            <a:avLst/>
+          </a:prstGeom>
+          <a:noFill/>
+          <a:ln w="0">
             <a:noFill/>
           </a:ln>
         </p:spPr>
@@ -6314,6 +7024,7 @@
               <a:lnSpc>
                 <a:spcPct val="90000"/>
               </a:lnSpc>
+              <a:buNone/>
             </a:pPr>
             <a:r>
               <a:rPr b="0" lang="ru-RU" sz="4400" spc="-1" strike="noStrike">
@@ -6321,6 +7032,7 @@
                   <a:srgbClr val="000000"/>
                 </a:solidFill>
                 <a:latin typeface="Circe Bold"/>
+                <a:ea typeface="DejaVu Sans"/>
               </a:rPr>
               <a:t>Целевая аудитория</a:t>
             </a:r>
@@ -6339,13 +7051,13 @@
         <p:spPr>
           <a:xfrm>
             <a:off x="838080" y="1825560"/>
-            <a:ext cx="10337400" cy="4350600"/>
-          </a:xfrm>
-          <a:prstGeom prst="rect">
-            <a:avLst/>
-          </a:prstGeom>
-          <a:noFill/>
-          <a:ln>
+            <a:ext cx="10336680" cy="4349880"/>
+          </a:xfrm>
+          <a:prstGeom prst="rect">
+            <a:avLst/>
+          </a:prstGeom>
+          <a:noFill/>
+          <a:ln w="0">
             <a:noFill/>
           </a:ln>
         </p:spPr>
@@ -6356,7 +7068,7 @@
           <a:fontRef idx="minor"/>
         </p:style>
         <p:txBody>
-          <a:bodyPr lIns="90000" rIns="90000" tIns="45000" bIns="45000">
+          <a:bodyPr lIns="90000" rIns="90000" tIns="45000" bIns="45000" anchor="t">
             <a:noAutofit/>
           </a:bodyPr>
           <a:p>
@@ -6379,8 +7091,19 @@
                   <a:srgbClr val="000000"/>
                 </a:solidFill>
                 <a:latin typeface="Circe"/>
+                <a:ea typeface="DejaVu Sans"/>
               </a:rPr>
-              <a:t>Целевой аудиторией моего проекта являются любые медицинские учреждения, желающие ускорить постановку диагноза пациентам, заметно повысив производительность лечения.</a:t>
+              <a:t> </a:t>
+            </a:r>
+            <a:r>
+              <a:rPr b="0" lang="ru-RU" sz="2800" spc="-1" strike="noStrike">
+                <a:solidFill>
+                  <a:srgbClr val="000000"/>
+                </a:solidFill>
+                <a:latin typeface="Circe"/>
+                <a:ea typeface="DejaVu Sans"/>
+              </a:rPr>
+              <a:t>Любые медицинские учреждения, желающие ускорить постановку диагноза пациентам, заметно повысив производительность лечения.</a:t>
             </a:r>
             <a:endParaRPr b="0" lang="ru-RU" sz="2800" spc="-1" strike="noStrike">
               <a:latin typeface="Arial"/>
@@ -6397,13 +7120,13 @@
         <p:spPr>
           <a:xfrm>
             <a:off x="838080" y="6352560"/>
-            <a:ext cx="2742480" cy="364320"/>
-          </a:xfrm>
-          <a:prstGeom prst="rect">
-            <a:avLst/>
-          </a:prstGeom>
-          <a:noFill/>
-          <a:ln>
+            <a:ext cx="2741760" cy="363600"/>
+          </a:xfrm>
+          <a:prstGeom prst="rect">
+            <a:avLst/>
+          </a:prstGeom>
+          <a:noFill/>
+          <a:ln w="0">
             <a:noFill/>
           </a:ln>
         </p:spPr>
@@ -6422,15 +7145,17 @@
               <a:lnSpc>
                 <a:spcPct val="100000"/>
               </a:lnSpc>
-            </a:pPr>
-            <a:fld id="{F1018010-46AB-4769-8D41-EB51FCB440BB}" type="slidenum">
+              <a:buNone/>
+            </a:pPr>
+            <a:fld id="{AA204433-9699-4AE6-83F1-CD67B40F3386}" type="slidenum">
               <a:rPr b="1" lang="ru-RU" sz="1600" spc="-1" strike="noStrike">
                 <a:solidFill>
                   <a:srgbClr val="000000"/>
                 </a:solidFill>
                 <a:latin typeface="Circe Bold"/>
+                <a:ea typeface="DejaVu Sans"/>
               </a:rPr>
-              <a:t>&lt;number&gt;</a:t>
+              <a:t>1</a:t>
             </a:fld>
             <a:endParaRPr b="0" lang="ru-RU" sz="1600" spc="-1" strike="noStrike">
               <a:latin typeface="Arial"/>
@@ -6451,12 +7176,12 @@
         <p:spPr>
           <a:xfrm>
             <a:off x="5328000" y="3493080"/>
-            <a:ext cx="6863400" cy="3019320"/>
-          </a:xfrm>
-          <a:prstGeom prst="rect">
-            <a:avLst/>
-          </a:prstGeom>
-          <a:ln>
+            <a:ext cx="6862680" cy="3018600"/>
+          </a:xfrm>
+          <a:prstGeom prst="rect">
+            <a:avLst/>
+          </a:prstGeom>
+          <a:ln w="0">
             <a:noFill/>
           </a:ln>
         </p:spPr>
@@ -6504,12 +7229,12 @@
         <p:spPr>
           <a:xfrm>
             <a:off x="0" y="343800"/>
-            <a:ext cx="12191400" cy="6513480"/>
-          </a:xfrm>
-          <a:prstGeom prst="rect">
-            <a:avLst/>
-          </a:prstGeom>
-          <a:ln>
+            <a:ext cx="12190680" cy="6512760"/>
+          </a:xfrm>
+          <a:prstGeom prst="rect">
+            <a:avLst/>
+          </a:prstGeom>
+          <a:ln w="0">
             <a:noFill/>
           </a:ln>
         </p:spPr>
@@ -6527,12 +7252,12 @@
         <p:spPr>
           <a:xfrm>
             <a:off x="0" y="0"/>
-            <a:ext cx="12191400" cy="343080"/>
-          </a:xfrm>
-          <a:prstGeom prst="rect">
-            <a:avLst/>
-          </a:prstGeom>
-          <a:ln>
+            <a:ext cx="12190680" cy="342360"/>
+          </a:xfrm>
+          <a:prstGeom prst="rect">
+            <a:avLst/>
+          </a:prstGeom>
+          <a:ln w="0">
             <a:noFill/>
           </a:ln>
         </p:spPr>
@@ -6550,12 +7275,12 @@
         <p:spPr>
           <a:xfrm>
             <a:off x="6095880" y="6537240"/>
-            <a:ext cx="6095160" cy="320040"/>
-          </a:xfrm>
-          <a:prstGeom prst="rect">
-            <a:avLst/>
-          </a:prstGeom>
-          <a:ln>
+            <a:ext cx="6094440" cy="319320"/>
+          </a:xfrm>
+          <a:prstGeom prst="rect">
+            <a:avLst/>
+          </a:prstGeom>
+          <a:ln w="0">
             <a:noFill/>
           </a:ln>
         </p:spPr>
@@ -6569,7 +7294,7 @@
         <p:spPr>
           <a:xfrm>
             <a:off x="9840240" y="188280"/>
-            <a:ext cx="1654560" cy="1458000"/>
+            <a:ext cx="1653840" cy="1457280"/>
           </a:xfrm>
           <a:prstGeom prst="hexagon">
             <a:avLst>
@@ -6612,12 +7337,12 @@
         <p:spPr>
           <a:xfrm>
             <a:off x="10159560" y="371880"/>
-            <a:ext cx="1016280" cy="1090440"/>
-          </a:xfrm>
-          <a:prstGeom prst="rect">
-            <a:avLst/>
-          </a:prstGeom>
-          <a:ln>
+            <a:ext cx="1015560" cy="1089720"/>
+          </a:xfrm>
+          <a:prstGeom prst="rect">
+            <a:avLst/>
+          </a:prstGeom>
+          <a:ln w="0">
             <a:noFill/>
           </a:ln>
         </p:spPr>
@@ -6630,14 +7355,14 @@
         </p:nvSpPr>
         <p:spPr>
           <a:xfrm>
-            <a:off x="547560" y="-12600"/>
-            <a:ext cx="3786840" cy="364320"/>
-          </a:xfrm>
-          <a:prstGeom prst="rect">
-            <a:avLst/>
-          </a:prstGeom>
-          <a:noFill/>
-          <a:ln>
+            <a:off x="439920" y="-12600"/>
+            <a:ext cx="4001760" cy="363960"/>
+          </a:xfrm>
+          <a:prstGeom prst="rect">
+            <a:avLst/>
+          </a:prstGeom>
+          <a:noFill/>
+          <a:ln w="0">
             <a:noFill/>
           </a:ln>
         </p:spPr>
@@ -6648,7 +7373,7 @@
           <a:fontRef idx="minor"/>
         </p:style>
         <p:txBody>
-          <a:bodyPr wrap="none" lIns="90000" rIns="90000" tIns="45000" bIns="45000">
+          <a:bodyPr wrap="none" lIns="90000" rIns="90000" tIns="45000" bIns="45000" anchor="t">
             <a:spAutoFit/>
           </a:bodyPr>
           <a:p>
@@ -6656,6 +7381,7 @@
               <a:lnSpc>
                 <a:spcPct val="100000"/>
               </a:lnSpc>
+              <a:buNone/>
             </a:pPr>
             <a:r>
               <a:rPr b="0" lang="ru-RU" sz="1800" spc="-1" strike="noStrike">
@@ -6681,14 +7407,14 @@
         </p:nvSpPr>
         <p:spPr>
           <a:xfrm>
-            <a:off x="6415920" y="6521400"/>
-            <a:ext cx="5455800" cy="364320"/>
-          </a:xfrm>
-          <a:prstGeom prst="rect">
-            <a:avLst/>
-          </a:prstGeom>
-          <a:noFill/>
-          <a:ln>
+            <a:off x="6208560" y="6521400"/>
+            <a:ext cx="5870160" cy="363960"/>
+          </a:xfrm>
+          <a:prstGeom prst="rect">
+            <a:avLst/>
+          </a:prstGeom>
+          <a:noFill/>
+          <a:ln w="0">
             <a:noFill/>
           </a:ln>
         </p:spPr>
@@ -6699,7 +7425,7 @@
           <a:fontRef idx="minor"/>
         </p:style>
         <p:txBody>
-          <a:bodyPr wrap="none" lIns="90000" rIns="90000" tIns="45000" bIns="45000">
+          <a:bodyPr wrap="none" lIns="90000" rIns="90000" tIns="45000" bIns="45000" anchor="t">
             <a:spAutoFit/>
           </a:bodyPr>
           <a:p>
@@ -6707,6 +7433,7 @@
               <a:lnSpc>
                 <a:spcPct val="100000"/>
               </a:lnSpc>
+              <a:buNone/>
             </a:pPr>
             <a:r>
               <a:rPr b="0" lang="ru-RU" sz="1800" spc="-1" strike="noStrike">
@@ -6733,13 +7460,13 @@
         <p:spPr>
           <a:xfrm>
             <a:off x="838080" y="805320"/>
-            <a:ext cx="9001440" cy="884520"/>
-          </a:xfrm>
-          <a:prstGeom prst="rect">
-            <a:avLst/>
-          </a:prstGeom>
-          <a:noFill/>
-          <a:ln>
+            <a:ext cx="9000720" cy="883800"/>
+          </a:xfrm>
+          <a:prstGeom prst="rect">
+            <a:avLst/>
+          </a:prstGeom>
+          <a:noFill/>
+          <a:ln w="0">
             <a:noFill/>
           </a:ln>
         </p:spPr>
@@ -6758,6 +7485,7 @@
               <a:lnSpc>
                 <a:spcPct val="90000"/>
               </a:lnSpc>
+              <a:buNone/>
             </a:pPr>
             <a:r>
               <a:rPr b="0" lang="ru-RU" sz="4400" spc="-1" strike="noStrike">
@@ -6765,6 +7493,7 @@
                   <a:srgbClr val="000000"/>
                 </a:solidFill>
                 <a:latin typeface="Circe Bold"/>
+                <a:ea typeface="DejaVu Sans"/>
               </a:rPr>
               <a:t>Цели и задачи</a:t>
             </a:r>
@@ -6783,13 +7512,13 @@
         <p:spPr>
           <a:xfrm>
             <a:off x="838080" y="1825560"/>
-            <a:ext cx="10514880" cy="4350600"/>
-          </a:xfrm>
-          <a:prstGeom prst="rect">
-            <a:avLst/>
-          </a:prstGeom>
-          <a:noFill/>
-          <a:ln>
+            <a:ext cx="10514160" cy="4349880"/>
+          </a:xfrm>
+          <a:prstGeom prst="rect">
+            <a:avLst/>
+          </a:prstGeom>
+          <a:noFill/>
+          <a:ln w="0">
             <a:noFill/>
           </a:ln>
         </p:spPr>
@@ -6800,7 +7529,7 @@
           <a:fontRef idx="minor"/>
         </p:style>
         <p:txBody>
-          <a:bodyPr lIns="90000" rIns="90000" tIns="45000" bIns="45000">
+          <a:bodyPr lIns="90000" rIns="90000" tIns="45000" bIns="45000" anchor="t">
             <a:noAutofit/>
           </a:bodyPr>
           <a:p>
@@ -6818,15 +7547,16 @@
               <a:buChar char="•"/>
             </a:pPr>
             <a:r>
-              <a:rPr b="0" lang="ru-RU" sz="2800" spc="-1" strike="noStrike">
+              <a:rPr b="0" lang="ru-RU" sz="2200" spc="-1" strike="noStrike">
                 <a:solidFill>
                   <a:srgbClr val="000000"/>
                 </a:solidFill>
                 <a:latin typeface="Circe"/>
+                <a:ea typeface="DejaVu Sans"/>
               </a:rPr>
-              <a:t>Цели: бучить нейронную сеть на наборе снимков КТ и рентгена, добиться высокой точности определения диагноза, интегрировать нейронную сеть с микрофреймворком Flask, написать простой интуитивно понятный HTML каркас, подкреплённый стилями Bootstrap CSS.</a:t>
+              <a:t>Цели: Разработать нейронную сеть, определяющую заболевания дыхательной системы с помощью рентгена или компьютерной томографии.</a:t>
             </a:r>
-            <a:endParaRPr b="0" lang="ru-RU" sz="2800" spc="-1" strike="noStrike">
+            <a:endParaRPr b="0" lang="ru-RU" sz="2200" spc="-1" strike="noStrike">
               <a:latin typeface="Arial"/>
             </a:endParaRPr>
           </a:p>
@@ -6845,15 +7575,16 @@
               <a:buChar char="•"/>
             </a:pPr>
             <a:r>
-              <a:rPr b="0" lang="ru-RU" sz="2800" spc="-1" strike="noStrike">
+              <a:rPr b="0" lang="ru-RU" sz="2200" spc="-1" strike="noStrike">
                 <a:solidFill>
                   <a:srgbClr val="000000"/>
                 </a:solidFill>
                 <a:latin typeface="Circe"/>
+                <a:ea typeface="DejaVu Sans"/>
               </a:rPr>
               <a:t>Задачи:</a:t>
             </a:r>
-            <a:endParaRPr b="0" lang="ru-RU" sz="2800" spc="-1" strike="noStrike">
+            <a:endParaRPr b="0" lang="ru-RU" sz="2200" spc="-1" strike="noStrike">
               <a:latin typeface="Arial"/>
             </a:endParaRPr>
           </a:p>
@@ -6872,15 +7603,100 @@
               <a:buChar char="•"/>
             </a:pPr>
             <a:r>
-              <a:rPr b="0" lang="ru-RU" sz="2800" spc="-1" strike="noStrike">
+              <a:rPr b="0" lang="ru-RU" sz="2200" spc="-1" strike="noStrike">
                 <a:solidFill>
                   <a:srgbClr val="000000"/>
                 </a:solidFill>
                 <a:latin typeface="Circe"/>
+                <a:ea typeface="DejaVu Sans"/>
               </a:rPr>
               <a:t>1. Изучить устройство необходимых библиотек: Tensorflow, keras, flask, werkzeug, jinja, os, pillow, requests, pytest, numpy.</a:t>
             </a:r>
-            <a:endParaRPr b="0" lang="ru-RU" sz="2800" spc="-1" strike="noStrike">
+            <a:endParaRPr b="0" lang="ru-RU" sz="2200" spc="-1" strike="noStrike">
+              <a:latin typeface="Arial"/>
+            </a:endParaRPr>
+          </a:p>
+          <a:p>
+            <a:pPr marL="228600" indent="-227880">
+              <a:lnSpc>
+                <a:spcPct val="90000"/>
+              </a:lnSpc>
+              <a:spcBef>
+                <a:spcPts val="1001"/>
+              </a:spcBef>
+              <a:buClr>
+                <a:srgbClr val="000000"/>
+              </a:buClr>
+              <a:buFont typeface="Arial"/>
+              <a:buChar char="•"/>
+            </a:pPr>
+            <a:r>
+              <a:rPr b="0" lang="ru-RU" sz="2200" spc="-1" strike="noStrike">
+                <a:solidFill>
+                  <a:srgbClr val="000000"/>
+                </a:solidFill>
+                <a:latin typeface="Circe"/>
+                <a:ea typeface="DejaVu Sans"/>
+              </a:rPr>
+              <a:t>2. Обучить нейронную сеть на наборе снимков КТ и рентгена, добиться высокой точности определения диагноза.</a:t>
+            </a:r>
+            <a:endParaRPr b="0" lang="ru-RU" sz="2200" spc="-1" strike="noStrike">
+              <a:latin typeface="Arial"/>
+            </a:endParaRPr>
+          </a:p>
+          <a:p>
+            <a:pPr marL="228600" indent="-227880">
+              <a:lnSpc>
+                <a:spcPct val="90000"/>
+              </a:lnSpc>
+              <a:spcBef>
+                <a:spcPts val="1001"/>
+              </a:spcBef>
+              <a:buClr>
+                <a:srgbClr val="000000"/>
+              </a:buClr>
+              <a:buFont typeface="Arial"/>
+              <a:buChar char="•"/>
+            </a:pPr>
+            <a:r>
+              <a:rPr b="0" lang="ru-RU" sz="2200" spc="-1" strike="noStrike">
+                <a:solidFill>
+                  <a:srgbClr val="000000"/>
+                </a:solidFill>
+                <a:latin typeface="Circe"/>
+                <a:ea typeface="DejaVu Sans"/>
+              </a:rPr>
+              <a:t>3. интегрировать нейронную сеть с микрофреймворком Flask.</a:t>
+            </a:r>
+            <a:endParaRPr b="0" lang="ru-RU" sz="2200" spc="-1" strike="noStrike">
+              <a:latin typeface="Arial"/>
+            </a:endParaRPr>
+          </a:p>
+          <a:p>
+            <a:pPr marL="228600" indent="-227880">
+              <a:lnSpc>
+                <a:spcPct val="90000"/>
+              </a:lnSpc>
+              <a:spcBef>
+                <a:spcPts val="1001"/>
+              </a:spcBef>
+              <a:buClr>
+                <a:srgbClr val="000000"/>
+              </a:buClr>
+              <a:buFont typeface="Arial"/>
+              <a:buChar char="•"/>
+            </a:pPr>
+            <a:r>
+              <a:rPr b="0" lang="ru-RU" sz="2200" spc="-1" strike="noStrike">
+                <a:solidFill>
+                  <a:srgbClr val="000000"/>
+                </a:solidFill>
+                <a:latin typeface="Circe"/>
+                <a:ea typeface="DejaVu Sans"/>
+              </a:rPr>
+              <a:t>4. написать простой интуитивно понятный HTML каркас, подкреплённый стилями Bootstrap CSS. </a:t>
+            </a:r>
+            <a:endParaRPr b="0" lang="ru-RU" sz="2200" spc="-1" strike="noStrike">
               <a:latin typeface="Arial"/>
             </a:endParaRPr>
           </a:p>
@@ -6895,13 +7711,13 @@
         <p:spPr>
           <a:xfrm>
             <a:off x="838080" y="6352560"/>
-            <a:ext cx="2742480" cy="364320"/>
-          </a:xfrm>
-          <a:prstGeom prst="rect">
-            <a:avLst/>
-          </a:prstGeom>
-          <a:noFill/>
-          <a:ln>
+            <a:ext cx="2741760" cy="363600"/>
+          </a:xfrm>
+          <a:prstGeom prst="rect">
+            <a:avLst/>
+          </a:prstGeom>
+          <a:noFill/>
+          <a:ln w="0">
             <a:noFill/>
           </a:ln>
         </p:spPr>
@@ -6920,15 +7736,17 @@
               <a:lnSpc>
                 <a:spcPct val="100000"/>
               </a:lnSpc>
-            </a:pPr>
-            <a:fld id="{6A5C4D1D-580B-442C-AB2D-356DCD82B97F}" type="slidenum">
+              <a:buNone/>
+            </a:pPr>
+            <a:fld id="{1F478F41-32FE-4472-B6FD-D88EB9F9183E}" type="slidenum">
               <a:rPr b="1" lang="ru-RU" sz="1600" spc="-1" strike="noStrike">
                 <a:solidFill>
                   <a:srgbClr val="000000"/>
                 </a:solidFill>
                 <a:latin typeface="Circe Bold"/>
+                <a:ea typeface="DejaVu Sans"/>
               </a:rPr>
-              <a:t>&lt;number&gt;</a:t>
+              <a:t>1</a:t>
             </a:fld>
             <a:endParaRPr b="0" lang="ru-RU" sz="1600" spc="-1" strike="noStrike">
               <a:latin typeface="Arial"/>
@@ -6968,7 +7786,7 @@
       </p:grpSpPr>
       <p:pic>
         <p:nvPicPr>
-          <p:cNvPr id="151" name="Рисунок 15" descr=""/>
+          <p:cNvPr id="151" name="Рисунок 5" descr=""/>
           <p:cNvPicPr/>
           <p:nvPr/>
         </p:nvPicPr>
@@ -6978,20 +7796,20 @@
         </p:blipFill>
         <p:spPr>
           <a:xfrm>
-            <a:off x="0" y="343800"/>
-            <a:ext cx="12191400" cy="6513480"/>
-          </a:xfrm>
-          <a:prstGeom prst="rect">
-            <a:avLst/>
-          </a:prstGeom>
-          <a:ln>
+            <a:off x="0" y="0"/>
+            <a:ext cx="5235840" cy="3059640"/>
+          </a:xfrm>
+          <a:prstGeom prst="rect">
+            <a:avLst/>
+          </a:prstGeom>
+          <a:ln w="0">
             <a:noFill/>
           </a:ln>
         </p:spPr>
       </p:pic>
       <p:pic>
         <p:nvPicPr>
-          <p:cNvPr id="152" name="Рисунок 4" descr=""/>
+          <p:cNvPr id="152" name="Рисунок 7" descr=""/>
           <p:cNvPicPr/>
           <p:nvPr/>
         </p:nvPicPr>
@@ -7001,20 +7819,20 @@
         </p:blipFill>
         <p:spPr>
           <a:xfrm>
-            <a:off x="0" y="0"/>
-            <a:ext cx="12191400" cy="343080"/>
-          </a:xfrm>
-          <a:prstGeom prst="rect">
-            <a:avLst/>
-          </a:prstGeom>
-          <a:ln>
+            <a:off x="7020000" y="-8640"/>
+            <a:ext cx="5171760" cy="3312000"/>
+          </a:xfrm>
+          <a:prstGeom prst="rect">
+            <a:avLst/>
+          </a:prstGeom>
+          <a:ln w="0">
             <a:noFill/>
           </a:ln>
         </p:spPr>
       </p:pic>
       <p:pic>
         <p:nvPicPr>
-          <p:cNvPr id="153" name="Рисунок 5" descr=""/>
+          <p:cNvPr id="153" name="Рисунок 9" descr=""/>
           <p:cNvPicPr/>
           <p:nvPr/>
         </p:nvPicPr>
@@ -7024,59 +7842,20 @@
         </p:blipFill>
         <p:spPr>
           <a:xfrm>
-            <a:off x="6095880" y="6537240"/>
-            <a:ext cx="6095160" cy="320040"/>
-          </a:xfrm>
-          <a:prstGeom prst="rect">
-            <a:avLst/>
-          </a:prstGeom>
-          <a:ln>
+            <a:off x="0" y="3718080"/>
+            <a:ext cx="5399640" cy="3139560"/>
+          </a:xfrm>
+          <a:prstGeom prst="rect">
+            <a:avLst/>
+          </a:prstGeom>
+          <a:ln w="0">
             <a:noFill/>
           </a:ln>
         </p:spPr>
       </p:pic>
-      <p:sp>
-        <p:nvSpPr>
-          <p:cNvPr id="154" name="CustomShape 1"/>
-          <p:cNvSpPr/>
-          <p:nvPr/>
-        </p:nvSpPr>
-        <p:spPr>
-          <a:xfrm>
-            <a:off x="9840240" y="188280"/>
-            <a:ext cx="1654560" cy="1458000"/>
-          </a:xfrm>
-          <a:prstGeom prst="hexagon">
-            <a:avLst>
-              <a:gd name="adj" fmla="val 25000"/>
-              <a:gd name="vf" fmla="val 115470"/>
-            </a:avLst>
-          </a:prstGeom>
-          <a:solidFill>
-            <a:srgbClr val="fecc16"/>
-          </a:solidFill>
-          <a:ln>
-            <a:noFill/>
-          </a:ln>
-        </p:spPr>
-        <p:style>
-          <a:lnRef idx="2">
-            <a:schemeClr val="accent1">
-              <a:shade val="50000"/>
-            </a:schemeClr>
-          </a:lnRef>
-          <a:fillRef idx="1">
-            <a:schemeClr val="accent1"/>
-          </a:fillRef>
-          <a:effectRef idx="0">
-            <a:schemeClr val="accent1"/>
-          </a:effectRef>
-          <a:fontRef idx="minor"/>
-        </p:style>
-      </p:sp>
       <p:pic>
         <p:nvPicPr>
-          <p:cNvPr id="155" name="Рисунок 8" descr=""/>
+          <p:cNvPr id="154" name="Рисунок 11" descr=""/>
           <p:cNvPicPr/>
           <p:nvPr/>
         </p:nvPicPr>
@@ -7086,385 +7865,17 @@
         </p:blipFill>
         <p:spPr>
           <a:xfrm>
-            <a:off x="10159560" y="371880"/>
-            <a:ext cx="1016280" cy="1090440"/>
-          </a:xfrm>
-          <a:prstGeom prst="rect">
-            <a:avLst/>
-          </a:prstGeom>
-          <a:ln>
+            <a:off x="6840000" y="3960000"/>
+            <a:ext cx="5350320" cy="2890800"/>
+          </a:xfrm>
+          <a:prstGeom prst="rect">
+            <a:avLst/>
+          </a:prstGeom>
+          <a:ln w="0">
             <a:noFill/>
           </a:ln>
         </p:spPr>
       </p:pic>
-      <p:sp>
-        <p:nvSpPr>
-          <p:cNvPr id="156" name="CustomShape 2"/>
-          <p:cNvSpPr/>
-          <p:nvPr/>
-        </p:nvSpPr>
-        <p:spPr>
-          <a:xfrm>
-            <a:off x="547560" y="-12600"/>
-            <a:ext cx="3786840" cy="364320"/>
-          </a:xfrm>
-          <a:prstGeom prst="rect">
-            <a:avLst/>
-          </a:prstGeom>
-          <a:noFill/>
-          <a:ln>
-            <a:noFill/>
-          </a:ln>
-        </p:spPr>
-        <p:style>
-          <a:lnRef idx="0"/>
-          <a:fillRef idx="0"/>
-          <a:effectRef idx="0"/>
-          <a:fontRef idx="minor"/>
-        </p:style>
-        <p:txBody>
-          <a:bodyPr wrap="none" lIns="90000" rIns="90000" tIns="45000" bIns="45000">
-            <a:spAutoFit/>
-          </a:bodyPr>
-          <a:p>
-            <a:pPr>
-              <a:lnSpc>
-                <a:spcPct val="100000"/>
-              </a:lnSpc>
-            </a:pPr>
-            <a:r>
-              <a:rPr b="0" lang="ru-RU" sz="1800" spc="-1" strike="noStrike">
-                <a:solidFill>
-                  <a:srgbClr val="ffffff"/>
-                </a:solidFill>
-                <a:latin typeface="Circe Bold"/>
-                <a:ea typeface="DejaVu Sans"/>
-              </a:rPr>
-              <a:t>Направление обучения: Python </a:t>
-            </a:r>
-            <a:endParaRPr b="0" lang="ru-RU" sz="1800" spc="-1" strike="noStrike">
-              <a:latin typeface="Arial"/>
-            </a:endParaRPr>
-          </a:p>
-        </p:txBody>
-      </p:sp>
-      <p:sp>
-        <p:nvSpPr>
-          <p:cNvPr id="157" name="CustomShape 3"/>
-          <p:cNvSpPr/>
-          <p:nvPr/>
-        </p:nvSpPr>
-        <p:spPr>
-          <a:xfrm>
-            <a:off x="6415920" y="6521400"/>
-            <a:ext cx="5455800" cy="364320"/>
-          </a:xfrm>
-          <a:prstGeom prst="rect">
-            <a:avLst/>
-          </a:prstGeom>
-          <a:noFill/>
-          <a:ln>
-            <a:noFill/>
-          </a:ln>
-        </p:spPr>
-        <p:style>
-          <a:lnRef idx="0"/>
-          <a:fillRef idx="0"/>
-          <a:effectRef idx="0"/>
-          <a:fontRef idx="minor"/>
-        </p:style>
-        <p:txBody>
-          <a:bodyPr wrap="none" lIns="90000" rIns="90000" tIns="45000" bIns="45000">
-            <a:spAutoFit/>
-          </a:bodyPr>
-          <a:p>
-            <a:pPr>
-              <a:lnSpc>
-                <a:spcPct val="100000"/>
-              </a:lnSpc>
-            </a:pPr>
-            <a:r>
-              <a:rPr b="0" lang="ru-RU" sz="1800" spc="-1" strike="noStrike">
-                <a:solidFill>
-                  <a:srgbClr val="ffffff"/>
-                </a:solidFill>
-                <a:latin typeface="Circe Bold"/>
-                <a:ea typeface="DejaVu Sans"/>
-              </a:rPr>
-              <a:t>Центр цифрового образования детей «IT-КУБ» </a:t>
-            </a:r>
-            <a:endParaRPr b="0" lang="ru-RU" sz="1800" spc="-1" strike="noStrike">
-              <a:latin typeface="Arial"/>
-            </a:endParaRPr>
-          </a:p>
-        </p:txBody>
-      </p:sp>
-      <p:sp>
-        <p:nvSpPr>
-          <p:cNvPr id="158" name="CustomShape 4"/>
-          <p:cNvSpPr/>
-          <p:nvPr/>
-        </p:nvSpPr>
-        <p:spPr>
-          <a:xfrm>
-            <a:off x="838080" y="716760"/>
-            <a:ext cx="8682120" cy="973080"/>
-          </a:xfrm>
-          <a:prstGeom prst="rect">
-            <a:avLst/>
-          </a:prstGeom>
-          <a:noFill/>
-          <a:ln>
-            <a:noFill/>
-          </a:ln>
-        </p:spPr>
-        <p:style>
-          <a:lnRef idx="0"/>
-          <a:fillRef idx="0"/>
-          <a:effectRef idx="0"/>
-          <a:fontRef idx="minor"/>
-        </p:style>
-        <p:txBody>
-          <a:bodyPr lIns="90000" rIns="90000" tIns="45000" bIns="45000" anchor="ctr">
-            <a:noAutofit/>
-          </a:bodyPr>
-          <a:p>
-            <a:pPr>
-              <a:lnSpc>
-                <a:spcPct val="90000"/>
-              </a:lnSpc>
-            </a:pPr>
-            <a:r>
-              <a:rPr b="0" lang="ru-RU" sz="4400" spc="-1" strike="noStrike">
-                <a:solidFill>
-                  <a:srgbClr val="000000"/>
-                </a:solidFill>
-                <a:latin typeface="Circe Bold"/>
-              </a:rPr>
-              <a:t>Перспективы развития</a:t>
-            </a:r>
-            <a:endParaRPr b="0" lang="ru-RU" sz="4400" spc="-1" strike="noStrike">
-              <a:latin typeface="Arial"/>
-            </a:endParaRPr>
-          </a:p>
-        </p:txBody>
-      </p:sp>
-      <p:sp>
-        <p:nvSpPr>
-          <p:cNvPr id="159" name="CustomShape 5"/>
-          <p:cNvSpPr/>
-          <p:nvPr/>
-        </p:nvSpPr>
-        <p:spPr>
-          <a:xfrm>
-            <a:off x="838080" y="1825560"/>
-            <a:ext cx="10337400" cy="4350600"/>
-          </a:xfrm>
-          <a:prstGeom prst="rect">
-            <a:avLst/>
-          </a:prstGeom>
-          <a:noFill/>
-          <a:ln>
-            <a:noFill/>
-          </a:ln>
-        </p:spPr>
-        <p:style>
-          <a:lnRef idx="0"/>
-          <a:fillRef idx="0"/>
-          <a:effectRef idx="0"/>
-          <a:fontRef idx="minor"/>
-        </p:style>
-        <p:txBody>
-          <a:bodyPr lIns="90000" rIns="90000" tIns="45000" bIns="45000">
-            <a:normAutofit fontScale="63000"/>
-          </a:bodyPr>
-          <a:p>
-            <a:pPr marL="228600" indent="-227880">
-              <a:lnSpc>
-                <a:spcPct val="90000"/>
-              </a:lnSpc>
-              <a:spcBef>
-                <a:spcPts val="1001"/>
-              </a:spcBef>
-              <a:buClr>
-                <a:srgbClr val="000000"/>
-              </a:buClr>
-              <a:buFont typeface="Arial"/>
-              <a:buChar char="•"/>
-            </a:pPr>
-            <a:r>
-              <a:rPr b="0" lang="ru-RU" sz="2800" spc="-1" strike="noStrike">
-                <a:solidFill>
-                  <a:srgbClr val="000000"/>
-                </a:solidFill>
-                <a:latin typeface="Circe"/>
-              </a:rPr>
-              <a:t>В дальнейшие планы развития проекта входит:</a:t>
-            </a:r>
-            <a:endParaRPr b="0" lang="ru-RU" sz="2800" spc="-1" strike="noStrike">
-              <a:latin typeface="Arial"/>
-            </a:endParaRPr>
-          </a:p>
-          <a:p>
-            <a:pPr marL="228600" indent="-227880">
-              <a:lnSpc>
-                <a:spcPct val="90000"/>
-              </a:lnSpc>
-              <a:spcBef>
-                <a:spcPts val="1001"/>
-              </a:spcBef>
-              <a:buClr>
-                <a:srgbClr val="000000"/>
-              </a:buClr>
-              <a:buFont typeface="Arial"/>
-              <a:buChar char="•"/>
-            </a:pPr>
-            <a:r>
-              <a:rPr b="0" lang="ru-RU" sz="2800" spc="-1" strike="noStrike">
-                <a:solidFill>
-                  <a:srgbClr val="000000"/>
-                </a:solidFill>
-                <a:latin typeface="Circe"/>
-              </a:rPr>
-              <a:t>1. Повышение точности определения диагноза у двух режимов.</a:t>
-            </a:r>
-            <a:endParaRPr b="0" lang="ru-RU" sz="2800" spc="-1" strike="noStrike">
-              <a:latin typeface="Arial"/>
-            </a:endParaRPr>
-          </a:p>
-          <a:p>
-            <a:pPr marL="228600" indent="-227880">
-              <a:lnSpc>
-                <a:spcPct val="90000"/>
-              </a:lnSpc>
-              <a:spcBef>
-                <a:spcPts val="1001"/>
-              </a:spcBef>
-              <a:buClr>
-                <a:srgbClr val="000000"/>
-              </a:buClr>
-              <a:buFont typeface="Arial"/>
-              <a:buChar char="•"/>
-            </a:pPr>
-            <a:r>
-              <a:rPr b="0" lang="ru-RU" sz="2800" spc="-1" strike="noStrike">
-                <a:solidFill>
-                  <a:srgbClr val="000000"/>
-                </a:solidFill>
-                <a:latin typeface="Circe"/>
-              </a:rPr>
-              <a:t>2. Повышение визуального качества сайта.</a:t>
-            </a:r>
-            <a:endParaRPr b="0" lang="ru-RU" sz="2800" spc="-1" strike="noStrike">
-              <a:latin typeface="Arial"/>
-            </a:endParaRPr>
-          </a:p>
-          <a:p>
-            <a:pPr marL="228600" indent="-227880">
-              <a:lnSpc>
-                <a:spcPct val="90000"/>
-              </a:lnSpc>
-              <a:spcBef>
-                <a:spcPts val="1001"/>
-              </a:spcBef>
-              <a:buClr>
-                <a:srgbClr val="000000"/>
-              </a:buClr>
-              <a:buFont typeface="Arial"/>
-              <a:buChar char="•"/>
-            </a:pPr>
-            <a:r>
-              <a:rPr b="0" lang="ru-RU" sz="2800" spc="-1" strike="noStrike">
-                <a:solidFill>
-                  <a:srgbClr val="000000"/>
-                </a:solidFill>
-                <a:latin typeface="Circe"/>
-              </a:rPr>
-              <a:t>3. Добавление определения других заболеваний (рак лёгких, ХОБЛ, аллергический альвеолит, бронхит, отёк лёгких (для реанимационных КТ), ОРДС ).</a:t>
-            </a:r>
-            <a:endParaRPr b="0" lang="ru-RU" sz="2800" spc="-1" strike="noStrike">
-              <a:latin typeface="Arial"/>
-            </a:endParaRPr>
-          </a:p>
-          <a:p>
-            <a:pPr marL="228600" indent="-227880">
-              <a:lnSpc>
-                <a:spcPct val="90000"/>
-              </a:lnSpc>
-              <a:spcBef>
-                <a:spcPts val="1001"/>
-              </a:spcBef>
-              <a:buClr>
-                <a:srgbClr val="000000"/>
-              </a:buClr>
-              <a:buFont typeface="Arial"/>
-              <a:buChar char="•"/>
-            </a:pPr>
-            <a:r>
-              <a:rPr b="0" lang="ru-RU" sz="2800" spc="-1" strike="noStrike">
-                <a:solidFill>
-                  <a:srgbClr val="000000"/>
-                </a:solidFill>
-                <a:latin typeface="Circe"/>
-              </a:rPr>
-              <a:t>4. Создание обширной библиотеки для INOBITEC DICOM, позволяющая диагностировать заболевания автоматически после создания снимка, а так же отправлять данные в медицинскую базу данных пациентов.</a:t>
-            </a:r>
-            <a:endParaRPr b="0" lang="ru-RU" sz="2800" spc="-1" strike="noStrike">
-              <a:latin typeface="Arial"/>
-            </a:endParaRPr>
-          </a:p>
-        </p:txBody>
-      </p:sp>
-      <p:sp>
-        <p:nvSpPr>
-          <p:cNvPr id="160" name="CustomShape 6"/>
-          <p:cNvSpPr/>
-          <p:nvPr/>
-        </p:nvSpPr>
-        <p:spPr>
-          <a:xfrm>
-            <a:off x="838080" y="6352560"/>
-            <a:ext cx="2742480" cy="364320"/>
-          </a:xfrm>
-          <a:prstGeom prst="rect">
-            <a:avLst/>
-          </a:prstGeom>
-          <a:noFill/>
-          <a:ln>
-            <a:noFill/>
-          </a:ln>
-        </p:spPr>
-        <p:style>
-          <a:lnRef idx="0"/>
-          <a:fillRef idx="0"/>
-          <a:effectRef idx="0"/>
-          <a:fontRef idx="minor"/>
-        </p:style>
-        <p:txBody>
-          <a:bodyPr lIns="90000" rIns="90000" tIns="45000" bIns="45000" anchor="ctr">
-            <a:noAutofit/>
-          </a:bodyPr>
-          <a:p>
-            <a:pPr>
-              <a:lnSpc>
-                <a:spcPct val="100000"/>
-              </a:lnSpc>
-            </a:pPr>
-            <a:fld id="{E3008EE2-CB42-4D0B-B88B-4E21241323CC}" type="slidenum">
-              <a:rPr b="1" lang="ru-RU" sz="1600" spc="-1" strike="noStrike">
-                <a:solidFill>
-                  <a:srgbClr val="000000"/>
-                </a:solidFill>
-                <a:latin typeface="Circe Bold"/>
-              </a:rPr>
-              <a:t>5</a:t>
-            </a:fld>
-            <a:endParaRPr b="0" lang="ru-RU" sz="1600" spc="-1" strike="noStrike">
-              <a:latin typeface="Arial"/>
-            </a:endParaRPr>
-          </a:p>
-        </p:txBody>
-      </p:sp>
     </p:spTree>
   </p:cSld>
   <mc:AlternateContent>
@@ -7497,7 +7908,7 @@
       </p:grpSpPr>
       <p:pic>
         <p:nvPicPr>
-          <p:cNvPr id="161" name="Рисунок 15_0" descr=""/>
+          <p:cNvPr id="155" name="Рисунок 5" descr=""/>
           <p:cNvPicPr/>
           <p:nvPr/>
         </p:nvPicPr>
@@ -7507,346 +7918,13 @@
         </p:blipFill>
         <p:spPr>
           <a:xfrm>
-            <a:off x="0" y="343800"/>
-            <a:ext cx="12191400" cy="6513480"/>
-          </a:xfrm>
-          <a:prstGeom prst="rect">
-            <a:avLst/>
-          </a:prstGeom>
-          <a:ln>
-            <a:noFill/>
-          </a:ln>
-        </p:spPr>
-      </p:pic>
-      <p:pic>
-        <p:nvPicPr>
-          <p:cNvPr id="162" name="Рисунок 4_1" descr=""/>
-          <p:cNvPicPr/>
-          <p:nvPr/>
-        </p:nvPicPr>
-        <p:blipFill>
-          <a:blip r:embed="rId2"/>
-          <a:stretch/>
-        </p:blipFill>
-        <p:spPr>
-          <a:xfrm>
             <a:off x="0" y="0"/>
-            <a:ext cx="12191400" cy="343080"/>
-          </a:xfrm>
-          <a:prstGeom prst="rect">
-            <a:avLst/>
-          </a:prstGeom>
-          <a:ln>
-            <a:noFill/>
-          </a:ln>
-        </p:spPr>
-      </p:pic>
-      <p:pic>
-        <p:nvPicPr>
-          <p:cNvPr id="163" name="Рисунок 5_1" descr=""/>
-          <p:cNvPicPr/>
-          <p:nvPr/>
-        </p:nvPicPr>
-        <p:blipFill>
-          <a:blip r:embed="rId3"/>
-          <a:stretch/>
-        </p:blipFill>
-        <p:spPr>
-          <a:xfrm>
-            <a:off x="6095880" y="6537240"/>
-            <a:ext cx="6095160" cy="320040"/>
-          </a:xfrm>
-          <a:prstGeom prst="rect">
-            <a:avLst/>
-          </a:prstGeom>
-          <a:ln>
-            <a:noFill/>
-          </a:ln>
-        </p:spPr>
-      </p:pic>
-      <p:sp>
-        <p:nvSpPr>
-          <p:cNvPr id="164" name="CustomShape 1"/>
-          <p:cNvSpPr/>
-          <p:nvPr/>
-        </p:nvSpPr>
-        <p:spPr>
-          <a:xfrm>
-            <a:off x="9840240" y="188280"/>
-            <a:ext cx="1654560" cy="1458000"/>
-          </a:xfrm>
-          <a:prstGeom prst="hexagon">
-            <a:avLst>
-              <a:gd name="adj" fmla="val 25000"/>
-              <a:gd name="vf" fmla="val 115470"/>
-            </a:avLst>
-          </a:prstGeom>
-          <a:solidFill>
-            <a:srgbClr val="fecc16"/>
-          </a:solidFill>
-          <a:ln>
-            <a:noFill/>
-          </a:ln>
-        </p:spPr>
-        <p:style>
-          <a:lnRef idx="2">
-            <a:schemeClr val="accent1">
-              <a:shade val="50000"/>
-            </a:schemeClr>
-          </a:lnRef>
-          <a:fillRef idx="1">
-            <a:schemeClr val="accent1"/>
-          </a:fillRef>
-          <a:effectRef idx="0">
-            <a:schemeClr val="accent1"/>
-          </a:effectRef>
-          <a:fontRef idx="minor"/>
-        </p:style>
-      </p:sp>
-      <p:pic>
-        <p:nvPicPr>
-          <p:cNvPr id="165" name="Рисунок 8_1" descr=""/>
-          <p:cNvPicPr/>
-          <p:nvPr/>
-        </p:nvPicPr>
-        <p:blipFill>
-          <a:blip r:embed="rId4"/>
-          <a:stretch/>
-        </p:blipFill>
-        <p:spPr>
-          <a:xfrm>
-            <a:off x="10159560" y="371880"/>
-            <a:ext cx="1016280" cy="1090440"/>
-          </a:xfrm>
-          <a:prstGeom prst="rect">
-            <a:avLst/>
-          </a:prstGeom>
-          <a:ln>
-            <a:noFill/>
-          </a:ln>
-        </p:spPr>
-      </p:pic>
-      <p:sp>
-        <p:nvSpPr>
-          <p:cNvPr id="166" name="CustomShape 2"/>
-          <p:cNvSpPr/>
-          <p:nvPr/>
-        </p:nvSpPr>
-        <p:spPr>
-          <a:xfrm>
-            <a:off x="547560" y="-12600"/>
-            <a:ext cx="3786840" cy="364320"/>
-          </a:xfrm>
-          <a:prstGeom prst="rect">
-            <a:avLst/>
-          </a:prstGeom>
-          <a:noFill/>
-          <a:ln>
-            <a:noFill/>
-          </a:ln>
-        </p:spPr>
-        <p:style>
-          <a:lnRef idx="0"/>
-          <a:fillRef idx="0"/>
-          <a:effectRef idx="0"/>
-          <a:fontRef idx="minor"/>
-        </p:style>
-        <p:txBody>
-          <a:bodyPr wrap="none" lIns="90000" rIns="90000" tIns="45000" bIns="45000">
-            <a:spAutoFit/>
-          </a:bodyPr>
-          <a:p>
-            <a:pPr>
-              <a:lnSpc>
-                <a:spcPct val="100000"/>
-              </a:lnSpc>
-            </a:pPr>
-            <a:r>
-              <a:rPr b="0" lang="ru-RU" sz="1800" spc="-1" strike="noStrike">
-                <a:solidFill>
-                  <a:srgbClr val="ffffff"/>
-                </a:solidFill>
-                <a:latin typeface="Circe Bold"/>
-                <a:ea typeface="DejaVu Sans"/>
-              </a:rPr>
-              <a:t>Направление обучения: Python </a:t>
-            </a:r>
-            <a:endParaRPr b="0" lang="ru-RU" sz="1800" spc="-1" strike="noStrike">
-              <a:latin typeface="Arial"/>
-            </a:endParaRPr>
-          </a:p>
-        </p:txBody>
-      </p:sp>
-      <p:sp>
-        <p:nvSpPr>
-          <p:cNvPr id="167" name="CustomShape 3"/>
-          <p:cNvSpPr/>
-          <p:nvPr/>
-        </p:nvSpPr>
-        <p:spPr>
-          <a:xfrm>
-            <a:off x="6415920" y="6521400"/>
-            <a:ext cx="5455800" cy="364320"/>
-          </a:xfrm>
-          <a:prstGeom prst="rect">
-            <a:avLst/>
-          </a:prstGeom>
-          <a:noFill/>
-          <a:ln>
-            <a:noFill/>
-          </a:ln>
-        </p:spPr>
-        <p:style>
-          <a:lnRef idx="0"/>
-          <a:fillRef idx="0"/>
-          <a:effectRef idx="0"/>
-          <a:fontRef idx="minor"/>
-        </p:style>
-        <p:txBody>
-          <a:bodyPr wrap="none" lIns="90000" rIns="90000" tIns="45000" bIns="45000">
-            <a:spAutoFit/>
-          </a:bodyPr>
-          <a:p>
-            <a:pPr>
-              <a:lnSpc>
-                <a:spcPct val="100000"/>
-              </a:lnSpc>
-            </a:pPr>
-            <a:r>
-              <a:rPr b="0" lang="ru-RU" sz="1800" spc="-1" strike="noStrike">
-                <a:solidFill>
-                  <a:srgbClr val="ffffff"/>
-                </a:solidFill>
-                <a:latin typeface="Circe Bold"/>
-                <a:ea typeface="DejaVu Sans"/>
-              </a:rPr>
-              <a:t>Центр цифрового образования детей «IT-КУБ» </a:t>
-            </a:r>
-            <a:endParaRPr b="0" lang="ru-RU" sz="1800" spc="-1" strike="noStrike">
-              <a:latin typeface="Arial"/>
-            </a:endParaRPr>
-          </a:p>
-        </p:txBody>
-      </p:sp>
-      <p:sp>
-        <p:nvSpPr>
-          <p:cNvPr id="168" name="CustomShape 4"/>
-          <p:cNvSpPr/>
-          <p:nvPr/>
-        </p:nvSpPr>
-        <p:spPr>
-          <a:xfrm>
-            <a:off x="838080" y="716760"/>
-            <a:ext cx="8682120" cy="973080"/>
-          </a:xfrm>
-          <a:prstGeom prst="rect">
-            <a:avLst/>
-          </a:prstGeom>
-          <a:noFill/>
-          <a:ln>
-            <a:noFill/>
-          </a:ln>
-        </p:spPr>
-        <p:style>
-          <a:lnRef idx="0"/>
-          <a:fillRef idx="0"/>
-          <a:effectRef idx="0"/>
-          <a:fontRef idx="minor"/>
-        </p:style>
-        <p:txBody>
-          <a:bodyPr lIns="90000" rIns="90000" tIns="45000" bIns="45000" anchor="ctr">
-            <a:noAutofit/>
-          </a:bodyPr>
-          <a:p>
-            <a:pPr>
-              <a:lnSpc>
-                <a:spcPct val="90000"/>
-              </a:lnSpc>
-            </a:pPr>
-            <a:r>
-              <a:rPr b="0" lang="ru-RU" sz="4400" spc="-1" strike="noStrike">
-                <a:solidFill>
-                  <a:srgbClr val="000000"/>
-                </a:solidFill>
-                <a:latin typeface="Circe Bold"/>
-              </a:rPr>
-              <a:t>Репозиторий GitHub</a:t>
-            </a:r>
-            <a:endParaRPr b="0" lang="ru-RU" sz="4400" spc="-1" strike="noStrike">
-              <a:latin typeface="Arial"/>
-            </a:endParaRPr>
-          </a:p>
-        </p:txBody>
-      </p:sp>
-      <p:sp>
-        <p:nvSpPr>
-          <p:cNvPr id="169" name="CustomShape 5"/>
-          <p:cNvSpPr/>
-          <p:nvPr/>
-        </p:nvSpPr>
-        <p:spPr>
-          <a:xfrm>
-            <a:off x="838080" y="6352560"/>
-            <a:ext cx="2742480" cy="364320"/>
-          </a:xfrm>
-          <a:prstGeom prst="rect">
-            <a:avLst/>
-          </a:prstGeom>
-          <a:noFill/>
-          <a:ln>
-            <a:noFill/>
-          </a:ln>
-        </p:spPr>
-        <p:style>
-          <a:lnRef idx="0"/>
-          <a:fillRef idx="0"/>
-          <a:effectRef idx="0"/>
-          <a:fontRef idx="minor"/>
-        </p:style>
-        <p:txBody>
-          <a:bodyPr lIns="90000" rIns="90000" tIns="45000" bIns="45000" anchor="ctr">
-            <a:noAutofit/>
-          </a:bodyPr>
-          <a:p>
-            <a:pPr>
-              <a:lnSpc>
-                <a:spcPct val="100000"/>
-              </a:lnSpc>
-            </a:pPr>
-            <a:fld id="{DBFAA9D5-4166-4868-B80F-D95019C061EF}" type="slidenum">
-              <a:rPr b="1" lang="ru-RU" sz="1600" spc="-1" strike="noStrike">
-                <a:solidFill>
-                  <a:srgbClr val="000000"/>
-                </a:solidFill>
-                <a:latin typeface="Circe Bold"/>
-              </a:rPr>
-              <a:t>&lt;number&gt;</a:t>
-            </a:fld>
-            <a:endParaRPr b="0" lang="ru-RU" sz="1600" spc="-1" strike="noStrike">
-              <a:latin typeface="Arial"/>
-            </a:endParaRPr>
-          </a:p>
-        </p:txBody>
-      </p:sp>
-      <p:pic>
-        <p:nvPicPr>
-          <p:cNvPr id="170" name="" descr=""/>
-          <p:cNvPicPr/>
-          <p:nvPr/>
-        </p:nvPicPr>
-        <p:blipFill>
-          <a:blip r:embed="rId5"/>
-          <a:stretch/>
-        </p:blipFill>
-        <p:spPr>
-          <a:xfrm>
-            <a:off x="4003560" y="1584000"/>
-            <a:ext cx="4132440" cy="4132440"/>
-          </a:xfrm>
-          <a:prstGeom prst="rect">
-            <a:avLst/>
-          </a:prstGeom>
-          <a:ln>
+            <a:ext cx="12167280" cy="5352480"/>
+          </a:xfrm>
+          <a:prstGeom prst="rect">
+            <a:avLst/>
+          </a:prstGeom>
+          <a:ln w="0">
             <a:noFill/>
           </a:ln>
         </p:spPr>
@@ -7883,7 +7961,7 @@
       </p:grpSpPr>
       <p:pic>
         <p:nvPicPr>
-          <p:cNvPr id="171" name="Рисунок 5" descr=""/>
+          <p:cNvPr id="156" name="Рисунок 9" descr=""/>
           <p:cNvPicPr/>
           <p:nvPr/>
         </p:nvPicPr>
@@ -7894,81 +7972,12 @@
         <p:spPr>
           <a:xfrm>
             <a:off x="0" y="0"/>
-            <a:ext cx="6370560" cy="3723120"/>
-          </a:xfrm>
-          <a:prstGeom prst="rect">
-            <a:avLst/>
-          </a:prstGeom>
-          <a:ln>
-            <a:noFill/>
-          </a:ln>
-        </p:spPr>
-      </p:pic>
-      <p:pic>
-        <p:nvPicPr>
-          <p:cNvPr id="172" name="Рисунок 7" descr=""/>
-          <p:cNvPicPr/>
-          <p:nvPr/>
-        </p:nvPicPr>
-        <p:blipFill>
-          <a:blip r:embed="rId2"/>
-          <a:stretch/>
-        </p:blipFill>
-        <p:spPr>
-          <a:xfrm>
-            <a:off x="6371280" y="-8640"/>
-            <a:ext cx="5813280" cy="3723120"/>
-          </a:xfrm>
-          <a:prstGeom prst="rect">
-            <a:avLst/>
-          </a:prstGeom>
-          <a:ln>
-            <a:noFill/>
-          </a:ln>
-        </p:spPr>
-      </p:pic>
-      <p:pic>
-        <p:nvPicPr>
-          <p:cNvPr id="173" name="Рисунок 9" descr=""/>
-          <p:cNvPicPr/>
-          <p:nvPr/>
-        </p:nvPicPr>
-        <p:blipFill>
-          <a:blip r:embed="rId3"/>
-          <a:stretch/>
-        </p:blipFill>
-        <p:spPr>
-          <a:xfrm>
-            <a:off x="-87840" y="3486240"/>
-            <a:ext cx="6183000" cy="3595320"/>
-          </a:xfrm>
-          <a:prstGeom prst="rect">
-            <a:avLst/>
-          </a:prstGeom>
-          <a:ln>
-            <a:noFill/>
-          </a:ln>
-        </p:spPr>
-      </p:pic>
-      <p:pic>
-        <p:nvPicPr>
-          <p:cNvPr id="174" name="Рисунок 11" descr=""/>
-          <p:cNvPicPr/>
-          <p:nvPr/>
-        </p:nvPicPr>
-        <p:blipFill>
-          <a:blip r:embed="rId4"/>
-          <a:stretch/>
-        </p:blipFill>
-        <p:spPr>
-          <a:xfrm>
-            <a:off x="6008040" y="3715200"/>
-            <a:ext cx="6183000" cy="3341160"/>
-          </a:xfrm>
-          <a:prstGeom prst="rect">
-            <a:avLst/>
-          </a:prstGeom>
-          <a:ln>
+            <a:ext cx="12190680" cy="5380560"/>
+          </a:xfrm>
+          <a:prstGeom prst="rect">
+            <a:avLst/>
+          </a:prstGeom>
+          <a:ln w="0">
             <a:noFill/>
           </a:ln>
         </p:spPr>
@@ -8005,7 +8014,7 @@
       </p:grpSpPr>
       <p:pic>
         <p:nvPicPr>
-          <p:cNvPr id="175" name="Рисунок 5" descr=""/>
+          <p:cNvPr id="157" name="Рисунок 5" descr=""/>
           <p:cNvPicPr/>
           <p:nvPr/>
         </p:nvPicPr>
@@ -8016,12 +8025,12 @@
         <p:spPr>
           <a:xfrm>
             <a:off x="0" y="0"/>
-            <a:ext cx="12168000" cy="5353200"/>
-          </a:xfrm>
-          <a:prstGeom prst="rect">
-            <a:avLst/>
-          </a:prstGeom>
-          <a:ln>
+            <a:ext cx="12190680" cy="5362560"/>
+          </a:xfrm>
+          <a:prstGeom prst="rect">
+            <a:avLst/>
+          </a:prstGeom>
+          <a:ln w="0">
             <a:noFill/>
           </a:ln>
         </p:spPr>
@@ -8058,7 +8067,7 @@
       </p:grpSpPr>
       <p:pic>
         <p:nvPicPr>
-          <p:cNvPr id="176" name="Рисунок 9" descr=""/>
+          <p:cNvPr id="158" name="Рисунок 15" descr=""/>
           <p:cNvPicPr/>
           <p:nvPr/>
         </p:nvPicPr>
@@ -8068,17 +8077,504 @@
         </p:blipFill>
         <p:spPr>
           <a:xfrm>
+            <a:off x="0" y="343800"/>
+            <a:ext cx="12190680" cy="6512760"/>
+          </a:xfrm>
+          <a:prstGeom prst="rect">
+            <a:avLst/>
+          </a:prstGeom>
+          <a:ln w="0">
+            <a:noFill/>
+          </a:ln>
+        </p:spPr>
+      </p:pic>
+      <p:pic>
+        <p:nvPicPr>
+          <p:cNvPr id="159" name="Рисунок 4" descr=""/>
+          <p:cNvPicPr/>
+          <p:nvPr/>
+        </p:nvPicPr>
+        <p:blipFill>
+          <a:blip r:embed="rId2"/>
+          <a:stretch/>
+        </p:blipFill>
+        <p:spPr>
+          <a:xfrm>
             <a:off x="0" y="0"/>
-            <a:ext cx="12191400" cy="5381280"/>
-          </a:xfrm>
-          <a:prstGeom prst="rect">
-            <a:avLst/>
-          </a:prstGeom>
+            <a:ext cx="12190680" cy="342360"/>
+          </a:xfrm>
+          <a:prstGeom prst="rect">
+            <a:avLst/>
+          </a:prstGeom>
+          <a:ln w="0">
+            <a:noFill/>
+          </a:ln>
+        </p:spPr>
+      </p:pic>
+      <p:pic>
+        <p:nvPicPr>
+          <p:cNvPr id="160" name="Рисунок 5" descr=""/>
+          <p:cNvPicPr/>
+          <p:nvPr/>
+        </p:nvPicPr>
+        <p:blipFill>
+          <a:blip r:embed="rId3"/>
+          <a:stretch/>
+        </p:blipFill>
+        <p:spPr>
+          <a:xfrm>
+            <a:off x="6095880" y="6537240"/>
+            <a:ext cx="6094440" cy="319320"/>
+          </a:xfrm>
+          <a:prstGeom prst="rect">
+            <a:avLst/>
+          </a:prstGeom>
+          <a:ln w="0">
+            <a:noFill/>
+          </a:ln>
+        </p:spPr>
+      </p:pic>
+      <p:sp>
+        <p:nvSpPr>
+          <p:cNvPr id="161" name="CustomShape 1"/>
+          <p:cNvSpPr/>
+          <p:nvPr/>
+        </p:nvSpPr>
+        <p:spPr>
+          <a:xfrm>
+            <a:off x="9840240" y="188280"/>
+            <a:ext cx="1653840" cy="1457280"/>
+          </a:xfrm>
+          <a:prstGeom prst="hexagon">
+            <a:avLst>
+              <a:gd name="adj" fmla="val 25000"/>
+              <a:gd name="vf" fmla="val 115470"/>
+            </a:avLst>
+          </a:prstGeom>
+          <a:solidFill>
+            <a:srgbClr val="fecc16"/>
+          </a:solidFill>
           <a:ln>
             <a:noFill/>
           </a:ln>
         </p:spPr>
+        <p:style>
+          <a:lnRef idx="2">
+            <a:schemeClr val="accent1">
+              <a:shade val="50000"/>
+            </a:schemeClr>
+          </a:lnRef>
+          <a:fillRef idx="1">
+            <a:schemeClr val="accent1"/>
+          </a:fillRef>
+          <a:effectRef idx="0">
+            <a:schemeClr val="accent1"/>
+          </a:effectRef>
+          <a:fontRef idx="minor"/>
+        </p:style>
+      </p:sp>
+      <p:pic>
+        <p:nvPicPr>
+          <p:cNvPr id="162" name="Рисунок 8" descr=""/>
+          <p:cNvPicPr/>
+          <p:nvPr/>
+        </p:nvPicPr>
+        <p:blipFill>
+          <a:blip r:embed="rId4"/>
+          <a:stretch/>
+        </p:blipFill>
+        <p:spPr>
+          <a:xfrm>
+            <a:off x="10159560" y="371880"/>
+            <a:ext cx="1015560" cy="1089720"/>
+          </a:xfrm>
+          <a:prstGeom prst="rect">
+            <a:avLst/>
+          </a:prstGeom>
+          <a:ln w="0">
+            <a:noFill/>
+          </a:ln>
+        </p:spPr>
       </p:pic>
+      <p:sp>
+        <p:nvSpPr>
+          <p:cNvPr id="163" name="CustomShape 2"/>
+          <p:cNvSpPr/>
+          <p:nvPr/>
+        </p:nvSpPr>
+        <p:spPr>
+          <a:xfrm>
+            <a:off x="439920" y="-12600"/>
+            <a:ext cx="4001760" cy="363960"/>
+          </a:xfrm>
+          <a:prstGeom prst="rect">
+            <a:avLst/>
+          </a:prstGeom>
+          <a:noFill/>
+          <a:ln w="0">
+            <a:noFill/>
+          </a:ln>
+        </p:spPr>
+        <p:style>
+          <a:lnRef idx="0"/>
+          <a:fillRef idx="0"/>
+          <a:effectRef idx="0"/>
+          <a:fontRef idx="minor"/>
+        </p:style>
+        <p:txBody>
+          <a:bodyPr wrap="none" lIns="90000" rIns="90000" tIns="45000" bIns="45000" anchor="t">
+            <a:spAutoFit/>
+          </a:bodyPr>
+          <a:p>
+            <a:pPr>
+              <a:lnSpc>
+                <a:spcPct val="100000"/>
+              </a:lnSpc>
+              <a:buNone/>
+            </a:pPr>
+            <a:r>
+              <a:rPr b="0" lang="ru-RU" sz="1800" spc="-1" strike="noStrike">
+                <a:solidFill>
+                  <a:srgbClr val="ffffff"/>
+                </a:solidFill>
+                <a:latin typeface="Circe Bold"/>
+                <a:ea typeface="DejaVu Sans"/>
+              </a:rPr>
+              <a:t>Направление обучения: Python </a:t>
+            </a:r>
+            <a:endParaRPr b="0" lang="ru-RU" sz="1800" spc="-1" strike="noStrike">
+              <a:latin typeface="Arial"/>
+            </a:endParaRPr>
+          </a:p>
+        </p:txBody>
+      </p:sp>
+      <p:sp>
+        <p:nvSpPr>
+          <p:cNvPr id="164" name="CustomShape 3"/>
+          <p:cNvSpPr/>
+          <p:nvPr/>
+        </p:nvSpPr>
+        <p:spPr>
+          <a:xfrm>
+            <a:off x="6208560" y="6521400"/>
+            <a:ext cx="5870160" cy="363960"/>
+          </a:xfrm>
+          <a:prstGeom prst="rect">
+            <a:avLst/>
+          </a:prstGeom>
+          <a:noFill/>
+          <a:ln w="0">
+            <a:noFill/>
+          </a:ln>
+        </p:spPr>
+        <p:style>
+          <a:lnRef idx="0"/>
+          <a:fillRef idx="0"/>
+          <a:effectRef idx="0"/>
+          <a:fontRef idx="minor"/>
+        </p:style>
+        <p:txBody>
+          <a:bodyPr wrap="none" lIns="90000" rIns="90000" tIns="45000" bIns="45000" anchor="t">
+            <a:spAutoFit/>
+          </a:bodyPr>
+          <a:p>
+            <a:pPr>
+              <a:lnSpc>
+                <a:spcPct val="100000"/>
+              </a:lnSpc>
+              <a:buNone/>
+            </a:pPr>
+            <a:r>
+              <a:rPr b="0" lang="ru-RU" sz="1800" spc="-1" strike="noStrike">
+                <a:solidFill>
+                  <a:srgbClr val="ffffff"/>
+                </a:solidFill>
+                <a:latin typeface="Circe Bold"/>
+                <a:ea typeface="DejaVu Sans"/>
+              </a:rPr>
+              <a:t>Центр цифрового образования детей «IT-КУБ» </a:t>
+            </a:r>
+            <a:endParaRPr b="0" lang="ru-RU" sz="1800" spc="-1" strike="noStrike">
+              <a:latin typeface="Arial"/>
+            </a:endParaRPr>
+          </a:p>
+        </p:txBody>
+      </p:sp>
+      <p:sp>
+        <p:nvSpPr>
+          <p:cNvPr id="165" name="CustomShape 4"/>
+          <p:cNvSpPr/>
+          <p:nvPr/>
+        </p:nvSpPr>
+        <p:spPr>
+          <a:xfrm>
+            <a:off x="838080" y="716760"/>
+            <a:ext cx="8681400" cy="972360"/>
+          </a:xfrm>
+          <a:prstGeom prst="rect">
+            <a:avLst/>
+          </a:prstGeom>
+          <a:noFill/>
+          <a:ln w="0">
+            <a:noFill/>
+          </a:ln>
+        </p:spPr>
+        <p:style>
+          <a:lnRef idx="0"/>
+          <a:fillRef idx="0"/>
+          <a:effectRef idx="0"/>
+          <a:fontRef idx="minor"/>
+        </p:style>
+        <p:txBody>
+          <a:bodyPr lIns="90000" rIns="90000" tIns="45000" bIns="45000" anchor="ctr">
+            <a:noAutofit/>
+          </a:bodyPr>
+          <a:p>
+            <a:pPr>
+              <a:lnSpc>
+                <a:spcPct val="90000"/>
+              </a:lnSpc>
+              <a:buNone/>
+            </a:pPr>
+            <a:r>
+              <a:rPr b="0" lang="ru-RU" sz="4400" spc="-1" strike="noStrike">
+                <a:solidFill>
+                  <a:srgbClr val="000000"/>
+                </a:solidFill>
+                <a:latin typeface="Circe Bold"/>
+                <a:ea typeface="DejaVu Sans"/>
+              </a:rPr>
+              <a:t>Перспективы развития</a:t>
+            </a:r>
+            <a:endParaRPr b="0" lang="ru-RU" sz="4400" spc="-1" strike="noStrike">
+              <a:latin typeface="Arial"/>
+            </a:endParaRPr>
+          </a:p>
+        </p:txBody>
+      </p:sp>
+      <p:sp>
+        <p:nvSpPr>
+          <p:cNvPr id="166" name="CustomShape 5"/>
+          <p:cNvSpPr/>
+          <p:nvPr/>
+        </p:nvSpPr>
+        <p:spPr>
+          <a:xfrm>
+            <a:off x="838080" y="1825560"/>
+            <a:ext cx="10336680" cy="4349880"/>
+          </a:xfrm>
+          <a:prstGeom prst="rect">
+            <a:avLst/>
+          </a:prstGeom>
+          <a:noFill/>
+          <a:ln w="0">
+            <a:noFill/>
+          </a:ln>
+        </p:spPr>
+        <p:style>
+          <a:lnRef idx="0"/>
+          <a:fillRef idx="0"/>
+          <a:effectRef idx="0"/>
+          <a:fontRef idx="minor"/>
+        </p:style>
+        <p:txBody>
+          <a:bodyPr lIns="90000" rIns="90000" tIns="45000" bIns="45000" anchor="t">
+            <a:normAutofit fontScale="87000"/>
+          </a:bodyPr>
+          <a:p>
+            <a:pPr marL="228600" indent="-227880">
+              <a:lnSpc>
+                <a:spcPct val="90000"/>
+              </a:lnSpc>
+              <a:spcBef>
+                <a:spcPts val="1001"/>
+              </a:spcBef>
+              <a:buClr>
+                <a:srgbClr val="000000"/>
+              </a:buClr>
+              <a:buFont typeface="Arial"/>
+              <a:buChar char="•"/>
+            </a:pPr>
+            <a:r>
+              <a:rPr b="0" lang="ru-RU" sz="2800" spc="-1" strike="noStrike">
+                <a:solidFill>
+                  <a:srgbClr val="000000"/>
+                </a:solidFill>
+                <a:latin typeface="Circe"/>
+                <a:ea typeface="DejaVu Sans"/>
+              </a:rPr>
+              <a:t>В дальнейшие планы развития проекта входит:</a:t>
+            </a:r>
+            <a:endParaRPr b="0" lang="ru-RU" sz="2800" spc="-1" strike="noStrike">
+              <a:latin typeface="Arial"/>
+            </a:endParaRPr>
+          </a:p>
+          <a:p>
+            <a:pPr marL="228600" indent="-227880">
+              <a:lnSpc>
+                <a:spcPct val="90000"/>
+              </a:lnSpc>
+              <a:spcBef>
+                <a:spcPts val="1001"/>
+              </a:spcBef>
+              <a:buClr>
+                <a:srgbClr val="000000"/>
+              </a:buClr>
+              <a:buFont typeface="Arial"/>
+              <a:buChar char="•"/>
+            </a:pPr>
+            <a:r>
+              <a:rPr b="0" lang="ru-RU" sz="2800" spc="-1" strike="noStrike">
+                <a:solidFill>
+                  <a:srgbClr val="000000"/>
+                </a:solidFill>
+                <a:latin typeface="Circe"/>
+                <a:ea typeface="DejaVu Sans"/>
+              </a:rPr>
+              <a:t>1. Повышение точности определения диагноза у двух режимов.</a:t>
+            </a:r>
+            <a:endParaRPr b="0" lang="ru-RU" sz="2800" spc="-1" strike="noStrike">
+              <a:latin typeface="Arial"/>
+            </a:endParaRPr>
+          </a:p>
+          <a:p>
+            <a:pPr marL="228600" indent="-227880">
+              <a:lnSpc>
+                <a:spcPct val="90000"/>
+              </a:lnSpc>
+              <a:spcBef>
+                <a:spcPts val="1001"/>
+              </a:spcBef>
+              <a:buClr>
+                <a:srgbClr val="000000"/>
+              </a:buClr>
+              <a:buFont typeface="Arial"/>
+              <a:buChar char="•"/>
+            </a:pPr>
+            <a:r>
+              <a:rPr b="0" lang="ru-RU" sz="2800" spc="-1" strike="noStrike">
+                <a:solidFill>
+                  <a:srgbClr val="000000"/>
+                </a:solidFill>
+                <a:latin typeface="Circe"/>
+                <a:ea typeface="DejaVu Sans"/>
+              </a:rPr>
+              <a:t>2. Повышение визуального качества сайта.</a:t>
+            </a:r>
+            <a:endParaRPr b="0" lang="ru-RU" sz="2800" spc="-1" strike="noStrike">
+              <a:latin typeface="Arial"/>
+            </a:endParaRPr>
+          </a:p>
+          <a:p>
+            <a:pPr marL="228600" indent="-227880">
+              <a:lnSpc>
+                <a:spcPct val="90000"/>
+              </a:lnSpc>
+              <a:spcBef>
+                <a:spcPts val="1001"/>
+              </a:spcBef>
+              <a:buClr>
+                <a:srgbClr val="000000"/>
+              </a:buClr>
+              <a:buFont typeface="Arial"/>
+              <a:buChar char="•"/>
+            </a:pPr>
+            <a:r>
+              <a:rPr b="0" lang="ru-RU" sz="2800" spc="-1" strike="noStrike">
+                <a:solidFill>
+                  <a:srgbClr val="000000"/>
+                </a:solidFill>
+                <a:latin typeface="Circe"/>
+                <a:ea typeface="DejaVu Sans"/>
+              </a:rPr>
+              <a:t>3. Добавление определения других заболеваний (рак лёгких, ХОБЛ, аллергический альвеолит, бронхит, отёк лёгких (для реанимационных КТ), ОРДС ).</a:t>
+            </a:r>
+            <a:endParaRPr b="0" lang="ru-RU" sz="2800" spc="-1" strike="noStrike">
+              <a:latin typeface="Arial"/>
+            </a:endParaRPr>
+          </a:p>
+          <a:p>
+            <a:pPr marL="228600" indent="-227880">
+              <a:lnSpc>
+                <a:spcPct val="90000"/>
+              </a:lnSpc>
+              <a:spcBef>
+                <a:spcPts val="1001"/>
+              </a:spcBef>
+              <a:buClr>
+                <a:srgbClr val="000000"/>
+              </a:buClr>
+              <a:buFont typeface="Arial"/>
+              <a:buChar char="•"/>
+            </a:pPr>
+            <a:r>
+              <a:rPr b="0" lang="ru-RU" sz="2800" spc="-1" strike="noStrike">
+                <a:solidFill>
+                  <a:srgbClr val="000000"/>
+                </a:solidFill>
+                <a:latin typeface="Circe"/>
+                <a:ea typeface="DejaVu Sans"/>
+              </a:rPr>
+              <a:t>4. Создание обширной библиотеки для INOBITEC DICOM, позволяющая диагностировать заболевания автоматически после создания снимка, а так же отправлять данные в медицинскую базу данных пациентов.</a:t>
+            </a:r>
+            <a:endParaRPr b="0" lang="ru-RU" sz="2800" spc="-1" strike="noStrike">
+              <a:latin typeface="Arial"/>
+            </a:endParaRPr>
+          </a:p>
+        </p:txBody>
+      </p:sp>
+      <p:sp>
+        <p:nvSpPr>
+          <p:cNvPr id="167" name="CustomShape 6"/>
+          <p:cNvSpPr/>
+          <p:nvPr/>
+        </p:nvSpPr>
+        <p:spPr>
+          <a:xfrm>
+            <a:off x="838080" y="6352560"/>
+            <a:ext cx="2741760" cy="363600"/>
+          </a:xfrm>
+          <a:prstGeom prst="rect">
+            <a:avLst/>
+          </a:prstGeom>
+          <a:noFill/>
+          <a:ln w="0">
+            <a:noFill/>
+          </a:ln>
+        </p:spPr>
+        <p:style>
+          <a:lnRef idx="0"/>
+          <a:fillRef idx="0"/>
+          <a:effectRef idx="0"/>
+          <a:fontRef idx="minor"/>
+        </p:style>
+        <p:txBody>
+          <a:bodyPr lIns="90000" rIns="90000" tIns="45000" bIns="45000" anchor="ctr">
+            <a:noAutofit/>
+          </a:bodyPr>
+          <a:p>
+            <a:pPr>
+              <a:lnSpc>
+                <a:spcPct val="100000"/>
+              </a:lnSpc>
+              <a:buNone/>
+            </a:pPr>
+            <a:fld id="{3E0743E1-4784-4155-9A8E-F2840FD534DD}" type="slidenum">
+              <a:rPr b="1" lang="ru-RU" sz="1600" spc="-1" strike="noStrike">
+                <a:solidFill>
+                  <a:srgbClr val="000000"/>
+                </a:solidFill>
+                <a:latin typeface="Circe Bold"/>
+                <a:ea typeface="DejaVu Sans"/>
+              </a:rPr>
+              <a:t>9</a:t>
+            </a:fld>
+            <a:endParaRPr b="0" lang="ru-RU" sz="1600" spc="-1" strike="noStrike">
+              <a:latin typeface="Arial"/>
+            </a:endParaRPr>
+          </a:p>
+        </p:txBody>
+      </p:sp>
     </p:spTree>
   </p:cSld>
   <mc:AlternateContent>

--- a/static/presentation/RayTensor.pptx
+++ b/static/presentation/RayTensor.pptx
@@ -75,7 +75,7 @@
         <p:spPr>
           <a:xfrm>
             <a:off x="1523880" y="1122480"/>
-            <a:ext cx="9142560" cy="2386080"/>
+            <a:ext cx="9141840" cy="2385360"/>
           </a:xfrm>
           <a:prstGeom prst="rect">
             <a:avLst/>
@@ -112,7 +112,7 @@
         <p:spPr>
           <a:xfrm>
             <a:off x="609480" y="1604520"/>
-            <a:ext cx="2612160" cy="1896480"/>
+            <a:ext cx="621360" cy="1896120"/>
           </a:xfrm>
           <a:prstGeom prst="rect">
             <a:avLst/>
@@ -124,7 +124,7 @@
         </p:spPr>
         <p:txBody>
           <a:bodyPr lIns="0" rIns="0" tIns="0" bIns="0" anchor="t">
-            <a:normAutofit fontScale="83000"/>
+            <a:normAutofit fontScale="41000"/>
           </a:bodyPr>
           <a:p>
             <a:endParaRPr b="0" lang="ru-RU" sz="3200" spc="-1" strike="noStrike">
@@ -145,8 +145,8 @@
         </p:nvSpPr>
         <p:spPr>
           <a:xfrm>
-            <a:off x="609480" y="3681720"/>
-            <a:ext cx="2612160" cy="1896480"/>
+            <a:off x="609480" y="3681000"/>
+            <a:ext cx="621360" cy="1896120"/>
           </a:xfrm>
           <a:prstGeom prst="rect">
             <a:avLst/>
@@ -158,7 +158,7 @@
         </p:spPr>
         <p:txBody>
           <a:bodyPr lIns="0" rIns="0" tIns="0" bIns="0" anchor="t">
-            <a:normAutofit fontScale="83000"/>
+            <a:normAutofit fontScale="41000"/>
           </a:bodyPr>
           <a:p>
             <a:endParaRPr b="0" lang="ru-RU" sz="3200" spc="-1" strike="noStrike">
@@ -202,7 +202,7 @@
         <p:spPr>
           <a:xfrm>
             <a:off x="1523880" y="1122480"/>
-            <a:ext cx="9142560" cy="2386080"/>
+            <a:ext cx="9141840" cy="2385360"/>
           </a:xfrm>
           <a:prstGeom prst="rect">
             <a:avLst/>
@@ -239,7 +239,7 @@
         <p:spPr>
           <a:xfrm>
             <a:off x="609480" y="1604520"/>
-            <a:ext cx="1274400" cy="1896480"/>
+            <a:ext cx="303120" cy="1896120"/>
           </a:xfrm>
           <a:prstGeom prst="rect">
             <a:avLst/>
@@ -251,7 +251,7 @@
         </p:spPr>
         <p:txBody>
           <a:bodyPr lIns="0" rIns="0" tIns="0" bIns="0" anchor="t">
-            <a:normAutofit fontScale="59000"/>
+            <a:normAutofit fontScale="27000"/>
           </a:bodyPr>
           <a:p>
             <a:endParaRPr b="0" lang="ru-RU" sz="3200" spc="-1" strike="noStrike">
@@ -272,8 +272,8 @@
         </p:nvSpPr>
         <p:spPr>
           <a:xfrm>
-            <a:off x="1947960" y="1604520"/>
-            <a:ext cx="1274400" cy="1896480"/>
+            <a:off x="928080" y="1604520"/>
+            <a:ext cx="303120" cy="1896120"/>
           </a:xfrm>
           <a:prstGeom prst="rect">
             <a:avLst/>
@@ -285,7 +285,7 @@
         </p:spPr>
         <p:txBody>
           <a:bodyPr lIns="0" rIns="0" tIns="0" bIns="0" anchor="t">
-            <a:normAutofit fontScale="59000"/>
+            <a:normAutofit fontScale="27000"/>
           </a:bodyPr>
           <a:p>
             <a:endParaRPr b="0" lang="ru-RU" sz="3200" spc="-1" strike="noStrike">
@@ -306,8 +306,8 @@
         </p:nvSpPr>
         <p:spPr>
           <a:xfrm>
-            <a:off x="609480" y="3681720"/>
-            <a:ext cx="1274400" cy="1896480"/>
+            <a:off x="609480" y="3681000"/>
+            <a:ext cx="303120" cy="1896120"/>
           </a:xfrm>
           <a:prstGeom prst="rect">
             <a:avLst/>
@@ -319,7 +319,7 @@
         </p:spPr>
         <p:txBody>
           <a:bodyPr lIns="0" rIns="0" tIns="0" bIns="0" anchor="t">
-            <a:normAutofit fontScale="59000"/>
+            <a:normAutofit fontScale="27000"/>
           </a:bodyPr>
           <a:p>
             <a:endParaRPr b="0" lang="ru-RU" sz="3200" spc="-1" strike="noStrike">
@@ -340,8 +340,8 @@
         </p:nvSpPr>
         <p:spPr>
           <a:xfrm>
-            <a:off x="1947960" y="3681720"/>
-            <a:ext cx="1274400" cy="1896480"/>
+            <a:off x="928080" y="3681000"/>
+            <a:ext cx="303120" cy="1896120"/>
           </a:xfrm>
           <a:prstGeom prst="rect">
             <a:avLst/>
@@ -353,7 +353,7 @@
         </p:spPr>
         <p:txBody>
           <a:bodyPr lIns="0" rIns="0" tIns="0" bIns="0" anchor="t">
-            <a:normAutofit fontScale="59000"/>
+            <a:normAutofit fontScale="27000"/>
           </a:bodyPr>
           <a:p>
             <a:endParaRPr b="0" lang="ru-RU" sz="3200" spc="-1" strike="noStrike">
@@ -397,7 +397,7 @@
         <p:spPr>
           <a:xfrm>
             <a:off x="1523880" y="1122480"/>
-            <a:ext cx="9142560" cy="2386080"/>
+            <a:ext cx="9141840" cy="2385360"/>
           </a:xfrm>
           <a:prstGeom prst="rect">
             <a:avLst/>
@@ -434,7 +434,7 @@
         <p:spPr>
           <a:xfrm>
             <a:off x="609480" y="1604520"/>
-            <a:ext cx="840960" cy="1896480"/>
+            <a:ext cx="199800" cy="1896120"/>
           </a:xfrm>
           <a:prstGeom prst="rect">
             <a:avLst/>
@@ -446,7 +446,7 @@
         </p:spPr>
         <p:txBody>
           <a:bodyPr lIns="0" rIns="0" tIns="0" bIns="0" anchor="t">
-            <a:normAutofit fontScale="51000"/>
+            <a:normAutofit fontScale="21000"/>
           </a:bodyPr>
           <a:p>
             <a:endParaRPr b="0" lang="ru-RU" sz="3200" spc="-1" strike="noStrike">
@@ -467,8 +467,8 @@
         </p:nvSpPr>
         <p:spPr>
           <a:xfrm>
-            <a:off x="1492920" y="1604520"/>
-            <a:ext cx="840960" cy="1896480"/>
+            <a:off x="819720" y="1604520"/>
+            <a:ext cx="199800" cy="1896120"/>
           </a:xfrm>
           <a:prstGeom prst="rect">
             <a:avLst/>
@@ -480,7 +480,7 @@
         </p:spPr>
         <p:txBody>
           <a:bodyPr lIns="0" rIns="0" tIns="0" bIns="0" anchor="t">
-            <a:normAutofit fontScale="51000"/>
+            <a:normAutofit fontScale="21000"/>
           </a:bodyPr>
           <a:p>
             <a:endParaRPr b="0" lang="ru-RU" sz="3200" spc="-1" strike="noStrike">
@@ -501,8 +501,8 @@
         </p:nvSpPr>
         <p:spPr>
           <a:xfrm>
-            <a:off x="2376360" y="1604520"/>
-            <a:ext cx="840960" cy="1896480"/>
+            <a:off x="1029960" y="1604520"/>
+            <a:ext cx="199800" cy="1896120"/>
           </a:xfrm>
           <a:prstGeom prst="rect">
             <a:avLst/>
@@ -514,7 +514,7 @@
         </p:spPr>
         <p:txBody>
           <a:bodyPr lIns="0" rIns="0" tIns="0" bIns="0" anchor="t">
-            <a:normAutofit fontScale="51000"/>
+            <a:normAutofit fontScale="21000"/>
           </a:bodyPr>
           <a:p>
             <a:endParaRPr b="0" lang="ru-RU" sz="3200" spc="-1" strike="noStrike">
@@ -535,8 +535,8 @@
         </p:nvSpPr>
         <p:spPr>
           <a:xfrm>
-            <a:off x="609480" y="3681720"/>
-            <a:ext cx="840960" cy="1896480"/>
+            <a:off x="609480" y="3681000"/>
+            <a:ext cx="199800" cy="1896120"/>
           </a:xfrm>
           <a:prstGeom prst="rect">
             <a:avLst/>
@@ -548,7 +548,7 @@
         </p:spPr>
         <p:txBody>
           <a:bodyPr lIns="0" rIns="0" tIns="0" bIns="0" anchor="t">
-            <a:normAutofit fontScale="51000"/>
+            <a:normAutofit fontScale="21000"/>
           </a:bodyPr>
           <a:p>
             <a:endParaRPr b="0" lang="ru-RU" sz="3200" spc="-1" strike="noStrike">
@@ -569,8 +569,8 @@
         </p:nvSpPr>
         <p:spPr>
           <a:xfrm>
-            <a:off x="1492920" y="3681720"/>
-            <a:ext cx="840960" cy="1896480"/>
+            <a:off x="819720" y="3681000"/>
+            <a:ext cx="199800" cy="1896120"/>
           </a:xfrm>
           <a:prstGeom prst="rect">
             <a:avLst/>
@@ -582,7 +582,7 @@
         </p:spPr>
         <p:txBody>
           <a:bodyPr lIns="0" rIns="0" tIns="0" bIns="0" anchor="t">
-            <a:normAutofit fontScale="51000"/>
+            <a:normAutofit fontScale="21000"/>
           </a:bodyPr>
           <a:p>
             <a:endParaRPr b="0" lang="ru-RU" sz="3200" spc="-1" strike="noStrike">
@@ -603,8 +603,8 @@
         </p:nvSpPr>
         <p:spPr>
           <a:xfrm>
-            <a:off x="2376360" y="3681720"/>
-            <a:ext cx="840960" cy="1896480"/>
+            <a:off x="1029960" y="3681000"/>
+            <a:ext cx="199800" cy="1896120"/>
           </a:xfrm>
           <a:prstGeom prst="rect">
             <a:avLst/>
@@ -616,7 +616,7 @@
         </p:spPr>
         <p:txBody>
           <a:bodyPr lIns="0" rIns="0" tIns="0" bIns="0" anchor="t">
-            <a:normAutofit fontScale="51000"/>
+            <a:normAutofit fontScale="21000"/>
           </a:bodyPr>
           <a:p>
             <a:endParaRPr b="0" lang="ru-RU" sz="3200" spc="-1" strike="noStrike">
@@ -682,7 +682,7 @@
         <p:spPr>
           <a:xfrm>
             <a:off x="1523880" y="1122480"/>
-            <a:ext cx="9142560" cy="2386080"/>
+            <a:ext cx="9141840" cy="2385360"/>
           </a:xfrm>
           <a:prstGeom prst="rect">
             <a:avLst/>
@@ -718,8 +718,8 @@
         </p:nvSpPr>
         <p:spPr>
           <a:xfrm>
-            <a:off x="609480" y="1604520"/>
-            <a:ext cx="2612160" cy="3976560"/>
+            <a:off x="609480" y="-53640"/>
+            <a:ext cx="621360" cy="7292520"/>
           </a:xfrm>
           <a:prstGeom prst="rect">
             <a:avLst/>
@@ -778,7 +778,7 @@
         <p:spPr>
           <a:xfrm>
             <a:off x="1523880" y="1122480"/>
-            <a:ext cx="9142560" cy="2386080"/>
+            <a:ext cx="9141840" cy="2385360"/>
           </a:xfrm>
           <a:prstGeom prst="rect">
             <a:avLst/>
@@ -815,7 +815,7 @@
         <p:spPr>
           <a:xfrm>
             <a:off x="609480" y="1604520"/>
-            <a:ext cx="2612160" cy="3976560"/>
+            <a:ext cx="621360" cy="3975840"/>
           </a:xfrm>
           <a:prstGeom prst="rect">
             <a:avLst/>
@@ -827,7 +827,7 @@
         </p:spPr>
         <p:txBody>
           <a:bodyPr lIns="0" rIns="0" tIns="0" bIns="0" anchor="t">
-            <a:normAutofit/>
+            <a:normAutofit fontScale="57000"/>
           </a:bodyPr>
           <a:p>
             <a:endParaRPr b="0" lang="ru-RU" sz="3200" spc="-1" strike="noStrike">
@@ -871,7 +871,7 @@
         <p:spPr>
           <a:xfrm>
             <a:off x="1523880" y="1122480"/>
-            <a:ext cx="9142560" cy="2386080"/>
+            <a:ext cx="9141840" cy="2385360"/>
           </a:xfrm>
           <a:prstGeom prst="rect">
             <a:avLst/>
@@ -908,7 +908,7 @@
         <p:spPr>
           <a:xfrm>
             <a:off x="609480" y="1604520"/>
-            <a:ext cx="1274400" cy="3976560"/>
+            <a:ext cx="303120" cy="3975840"/>
           </a:xfrm>
           <a:prstGeom prst="rect">
             <a:avLst/>
@@ -920,7 +920,7 @@
         </p:spPr>
         <p:txBody>
           <a:bodyPr lIns="0" rIns="0" tIns="0" bIns="0" anchor="t">
-            <a:normAutofit fontScale="87000"/>
+            <a:normAutofit fontScale="34000"/>
           </a:bodyPr>
           <a:p>
             <a:endParaRPr b="0" lang="ru-RU" sz="3200" spc="-1" strike="noStrike">
@@ -941,8 +941,8 @@
         </p:nvSpPr>
         <p:spPr>
           <a:xfrm>
-            <a:off x="1947960" y="1604520"/>
-            <a:ext cx="1274400" cy="3976560"/>
+            <a:off x="928080" y="1604520"/>
+            <a:ext cx="303120" cy="3975840"/>
           </a:xfrm>
           <a:prstGeom prst="rect">
             <a:avLst/>
@@ -954,7 +954,7 @@
         </p:spPr>
         <p:txBody>
           <a:bodyPr lIns="0" rIns="0" tIns="0" bIns="0" anchor="t">
-            <a:normAutofit fontScale="87000"/>
+            <a:normAutofit fontScale="34000"/>
           </a:bodyPr>
           <a:p>
             <a:endParaRPr b="0" lang="ru-RU" sz="3200" spc="-1" strike="noStrike">
@@ -998,7 +998,7 @@
         <p:spPr>
           <a:xfrm>
             <a:off x="1523880" y="1122480"/>
-            <a:ext cx="9142560" cy="2386080"/>
+            <a:ext cx="9141840" cy="2385360"/>
           </a:xfrm>
           <a:prstGeom prst="rect">
             <a:avLst/>
@@ -1057,7 +1057,7 @@
         <p:spPr>
           <a:xfrm>
             <a:off x="1523880" y="1122480"/>
-            <a:ext cx="9142560" cy="11061720"/>
+            <a:ext cx="9141840" cy="11058480"/>
           </a:xfrm>
           <a:prstGeom prst="rect">
             <a:avLst/>
@@ -1116,7 +1116,7 @@
         <p:spPr>
           <a:xfrm>
             <a:off x="1523880" y="1122480"/>
-            <a:ext cx="9142560" cy="2386080"/>
+            <a:ext cx="9141840" cy="2385360"/>
           </a:xfrm>
           <a:prstGeom prst="rect">
             <a:avLst/>
@@ -1153,7 +1153,7 @@
         <p:spPr>
           <a:xfrm>
             <a:off x="609480" y="1604520"/>
-            <a:ext cx="1274400" cy="1896480"/>
+            <a:ext cx="303120" cy="1896120"/>
           </a:xfrm>
           <a:prstGeom prst="rect">
             <a:avLst/>
@@ -1165,7 +1165,7 @@
         </p:spPr>
         <p:txBody>
           <a:bodyPr lIns="0" rIns="0" tIns="0" bIns="0" anchor="t">
-            <a:normAutofit fontScale="59000"/>
+            <a:normAutofit fontScale="27000"/>
           </a:bodyPr>
           <a:p>
             <a:endParaRPr b="0" lang="ru-RU" sz="3200" spc="-1" strike="noStrike">
@@ -1186,8 +1186,8 @@
         </p:nvSpPr>
         <p:spPr>
           <a:xfrm>
-            <a:off x="1947960" y="1604520"/>
-            <a:ext cx="1274400" cy="3976560"/>
+            <a:off x="928080" y="1604520"/>
+            <a:ext cx="303120" cy="3975840"/>
           </a:xfrm>
           <a:prstGeom prst="rect">
             <a:avLst/>
@@ -1199,7 +1199,7 @@
         </p:spPr>
         <p:txBody>
           <a:bodyPr lIns="0" rIns="0" tIns="0" bIns="0" anchor="t">
-            <a:normAutofit fontScale="87000"/>
+            <a:normAutofit fontScale="34000"/>
           </a:bodyPr>
           <a:p>
             <a:endParaRPr b="0" lang="ru-RU" sz="3200" spc="-1" strike="noStrike">
@@ -1220,8 +1220,8 @@
         </p:nvSpPr>
         <p:spPr>
           <a:xfrm>
-            <a:off x="609480" y="3681720"/>
-            <a:ext cx="1274400" cy="1896480"/>
+            <a:off x="609480" y="3681000"/>
+            <a:ext cx="303120" cy="1896120"/>
           </a:xfrm>
           <a:prstGeom prst="rect">
             <a:avLst/>
@@ -1233,7 +1233,7 @@
         </p:spPr>
         <p:txBody>
           <a:bodyPr lIns="0" rIns="0" tIns="0" bIns="0" anchor="t">
-            <a:normAutofit fontScale="59000"/>
+            <a:normAutofit fontScale="27000"/>
           </a:bodyPr>
           <a:p>
             <a:endParaRPr b="0" lang="ru-RU" sz="3200" spc="-1" strike="noStrike">
@@ -1277,7 +1277,7 @@
         <p:spPr>
           <a:xfrm>
             <a:off x="1523880" y="1122480"/>
-            <a:ext cx="9142560" cy="2386080"/>
+            <a:ext cx="9141840" cy="2385360"/>
           </a:xfrm>
           <a:prstGeom prst="rect">
             <a:avLst/>
@@ -1313,8 +1313,8 @@
         </p:nvSpPr>
         <p:spPr>
           <a:xfrm>
-            <a:off x="609480" y="1604520"/>
-            <a:ext cx="2612160" cy="3976560"/>
+            <a:off x="609480" y="-53640"/>
+            <a:ext cx="621360" cy="7292520"/>
           </a:xfrm>
           <a:prstGeom prst="rect">
             <a:avLst/>
@@ -1373,7 +1373,7 @@
         <p:spPr>
           <a:xfrm>
             <a:off x="1523880" y="1122480"/>
-            <a:ext cx="9142560" cy="2386080"/>
+            <a:ext cx="9141840" cy="2385360"/>
           </a:xfrm>
           <a:prstGeom prst="rect">
             <a:avLst/>
@@ -1410,7 +1410,7 @@
         <p:spPr>
           <a:xfrm>
             <a:off x="609480" y="1604520"/>
-            <a:ext cx="1274400" cy="3976560"/>
+            <a:ext cx="303120" cy="3975840"/>
           </a:xfrm>
           <a:prstGeom prst="rect">
             <a:avLst/>
@@ -1422,7 +1422,7 @@
         </p:spPr>
         <p:txBody>
           <a:bodyPr lIns="0" rIns="0" tIns="0" bIns="0" anchor="t">
-            <a:normAutofit fontScale="87000"/>
+            <a:normAutofit fontScale="34000"/>
           </a:bodyPr>
           <a:p>
             <a:endParaRPr b="0" lang="ru-RU" sz="3200" spc="-1" strike="noStrike">
@@ -1443,8 +1443,8 @@
         </p:nvSpPr>
         <p:spPr>
           <a:xfrm>
-            <a:off x="1947960" y="1604520"/>
-            <a:ext cx="1274400" cy="1896480"/>
+            <a:off x="928080" y="1604520"/>
+            <a:ext cx="303120" cy="1896120"/>
           </a:xfrm>
           <a:prstGeom prst="rect">
             <a:avLst/>
@@ -1456,7 +1456,7 @@
         </p:spPr>
         <p:txBody>
           <a:bodyPr lIns="0" rIns="0" tIns="0" bIns="0" anchor="t">
-            <a:normAutofit fontScale="59000"/>
+            <a:normAutofit fontScale="27000"/>
           </a:bodyPr>
           <a:p>
             <a:endParaRPr b="0" lang="ru-RU" sz="3200" spc="-1" strike="noStrike">
@@ -1477,8 +1477,8 @@
         </p:nvSpPr>
         <p:spPr>
           <a:xfrm>
-            <a:off x="1947960" y="3681720"/>
-            <a:ext cx="1274400" cy="1896480"/>
+            <a:off x="928080" y="3681000"/>
+            <a:ext cx="303120" cy="1896120"/>
           </a:xfrm>
           <a:prstGeom prst="rect">
             <a:avLst/>
@@ -1490,7 +1490,7 @@
         </p:spPr>
         <p:txBody>
           <a:bodyPr lIns="0" rIns="0" tIns="0" bIns="0" anchor="t">
-            <a:normAutofit fontScale="59000"/>
+            <a:normAutofit fontScale="27000"/>
           </a:bodyPr>
           <a:p>
             <a:endParaRPr b="0" lang="ru-RU" sz="3200" spc="-1" strike="noStrike">
@@ -1534,7 +1534,7 @@
         <p:spPr>
           <a:xfrm>
             <a:off x="1523880" y="1122480"/>
-            <a:ext cx="9142560" cy="2386080"/>
+            <a:ext cx="9141840" cy="2385360"/>
           </a:xfrm>
           <a:prstGeom prst="rect">
             <a:avLst/>
@@ -1571,7 +1571,7 @@
         <p:spPr>
           <a:xfrm>
             <a:off x="609480" y="1604520"/>
-            <a:ext cx="1274400" cy="1896480"/>
+            <a:ext cx="303120" cy="1896120"/>
           </a:xfrm>
           <a:prstGeom prst="rect">
             <a:avLst/>
@@ -1583,7 +1583,7 @@
         </p:spPr>
         <p:txBody>
           <a:bodyPr lIns="0" rIns="0" tIns="0" bIns="0" anchor="t">
-            <a:normAutofit fontScale="59000"/>
+            <a:normAutofit fontScale="27000"/>
           </a:bodyPr>
           <a:p>
             <a:endParaRPr b="0" lang="ru-RU" sz="3200" spc="-1" strike="noStrike">
@@ -1604,8 +1604,8 @@
         </p:nvSpPr>
         <p:spPr>
           <a:xfrm>
-            <a:off x="1947960" y="1604520"/>
-            <a:ext cx="1274400" cy="1896480"/>
+            <a:off x="928080" y="1604520"/>
+            <a:ext cx="303120" cy="1896120"/>
           </a:xfrm>
           <a:prstGeom prst="rect">
             <a:avLst/>
@@ -1617,7 +1617,7 @@
         </p:spPr>
         <p:txBody>
           <a:bodyPr lIns="0" rIns="0" tIns="0" bIns="0" anchor="t">
-            <a:normAutofit fontScale="59000"/>
+            <a:normAutofit fontScale="27000"/>
           </a:bodyPr>
           <a:p>
             <a:endParaRPr b="0" lang="ru-RU" sz="3200" spc="-1" strike="noStrike">
@@ -1638,8 +1638,8 @@
         </p:nvSpPr>
         <p:spPr>
           <a:xfrm>
-            <a:off x="609480" y="3681720"/>
-            <a:ext cx="2612160" cy="1896480"/>
+            <a:off x="609480" y="3681000"/>
+            <a:ext cx="621360" cy="1896120"/>
           </a:xfrm>
           <a:prstGeom prst="rect">
             <a:avLst/>
@@ -1651,7 +1651,7 @@
         </p:spPr>
         <p:txBody>
           <a:bodyPr lIns="0" rIns="0" tIns="0" bIns="0" anchor="t">
-            <a:normAutofit fontScale="83000"/>
+            <a:normAutofit fontScale="41000"/>
           </a:bodyPr>
           <a:p>
             <a:endParaRPr b="0" lang="ru-RU" sz="3200" spc="-1" strike="noStrike">
@@ -1695,7 +1695,7 @@
         <p:spPr>
           <a:xfrm>
             <a:off x="1523880" y="1122480"/>
-            <a:ext cx="9142560" cy="2386080"/>
+            <a:ext cx="9141840" cy="2385360"/>
           </a:xfrm>
           <a:prstGeom prst="rect">
             <a:avLst/>
@@ -1732,7 +1732,7 @@
         <p:spPr>
           <a:xfrm>
             <a:off x="609480" y="1604520"/>
-            <a:ext cx="2612160" cy="1896480"/>
+            <a:ext cx="621360" cy="1896120"/>
           </a:xfrm>
           <a:prstGeom prst="rect">
             <a:avLst/>
@@ -1744,7 +1744,7 @@
         </p:spPr>
         <p:txBody>
           <a:bodyPr lIns="0" rIns="0" tIns="0" bIns="0" anchor="t">
-            <a:normAutofit fontScale="83000"/>
+            <a:normAutofit fontScale="41000"/>
           </a:bodyPr>
           <a:p>
             <a:endParaRPr b="0" lang="ru-RU" sz="3200" spc="-1" strike="noStrike">
@@ -1765,8 +1765,8 @@
         </p:nvSpPr>
         <p:spPr>
           <a:xfrm>
-            <a:off x="609480" y="3681720"/>
-            <a:ext cx="2612160" cy="1896480"/>
+            <a:off x="609480" y="3681000"/>
+            <a:ext cx="621360" cy="1896120"/>
           </a:xfrm>
           <a:prstGeom prst="rect">
             <a:avLst/>
@@ -1778,7 +1778,7 @@
         </p:spPr>
         <p:txBody>
           <a:bodyPr lIns="0" rIns="0" tIns="0" bIns="0" anchor="t">
-            <a:normAutofit fontScale="83000"/>
+            <a:normAutofit fontScale="41000"/>
           </a:bodyPr>
           <a:p>
             <a:endParaRPr b="0" lang="ru-RU" sz="3200" spc="-1" strike="noStrike">
@@ -1822,7 +1822,7 @@
         <p:spPr>
           <a:xfrm>
             <a:off x="1523880" y="1122480"/>
-            <a:ext cx="9142560" cy="2386080"/>
+            <a:ext cx="9141840" cy="2385360"/>
           </a:xfrm>
           <a:prstGeom prst="rect">
             <a:avLst/>
@@ -1859,7 +1859,7 @@
         <p:spPr>
           <a:xfrm>
             <a:off x="609480" y="1604520"/>
-            <a:ext cx="1274400" cy="1896480"/>
+            <a:ext cx="303120" cy="1896120"/>
           </a:xfrm>
           <a:prstGeom prst="rect">
             <a:avLst/>
@@ -1871,7 +1871,7 @@
         </p:spPr>
         <p:txBody>
           <a:bodyPr lIns="0" rIns="0" tIns="0" bIns="0" anchor="t">
-            <a:normAutofit fontScale="59000"/>
+            <a:normAutofit fontScale="27000"/>
           </a:bodyPr>
           <a:p>
             <a:endParaRPr b="0" lang="ru-RU" sz="3200" spc="-1" strike="noStrike">
@@ -1892,8 +1892,8 @@
         </p:nvSpPr>
         <p:spPr>
           <a:xfrm>
-            <a:off x="1947960" y="1604520"/>
-            <a:ext cx="1274400" cy="1896480"/>
+            <a:off x="928080" y="1604520"/>
+            <a:ext cx="303120" cy="1896120"/>
           </a:xfrm>
           <a:prstGeom prst="rect">
             <a:avLst/>
@@ -1905,7 +1905,7 @@
         </p:spPr>
         <p:txBody>
           <a:bodyPr lIns="0" rIns="0" tIns="0" bIns="0" anchor="t">
-            <a:normAutofit fontScale="59000"/>
+            <a:normAutofit fontScale="27000"/>
           </a:bodyPr>
           <a:p>
             <a:endParaRPr b="0" lang="ru-RU" sz="3200" spc="-1" strike="noStrike">
@@ -1926,8 +1926,8 @@
         </p:nvSpPr>
         <p:spPr>
           <a:xfrm>
-            <a:off x="609480" y="3681720"/>
-            <a:ext cx="1274400" cy="1896480"/>
+            <a:off x="609480" y="3681000"/>
+            <a:ext cx="303120" cy="1896120"/>
           </a:xfrm>
           <a:prstGeom prst="rect">
             <a:avLst/>
@@ -1939,7 +1939,7 @@
         </p:spPr>
         <p:txBody>
           <a:bodyPr lIns="0" rIns="0" tIns="0" bIns="0" anchor="t">
-            <a:normAutofit fontScale="59000"/>
+            <a:normAutofit fontScale="27000"/>
           </a:bodyPr>
           <a:p>
             <a:endParaRPr b="0" lang="ru-RU" sz="3200" spc="-1" strike="noStrike">
@@ -1960,8 +1960,8 @@
         </p:nvSpPr>
         <p:spPr>
           <a:xfrm>
-            <a:off x="1947960" y="3681720"/>
-            <a:ext cx="1274400" cy="1896480"/>
+            <a:off x="928080" y="3681000"/>
+            <a:ext cx="303120" cy="1896120"/>
           </a:xfrm>
           <a:prstGeom prst="rect">
             <a:avLst/>
@@ -1973,7 +1973,7 @@
         </p:spPr>
         <p:txBody>
           <a:bodyPr lIns="0" rIns="0" tIns="0" bIns="0" anchor="t">
-            <a:normAutofit fontScale="59000"/>
+            <a:normAutofit fontScale="27000"/>
           </a:bodyPr>
           <a:p>
             <a:endParaRPr b="0" lang="ru-RU" sz="3200" spc="-1" strike="noStrike">
@@ -2017,7 +2017,7 @@
         <p:spPr>
           <a:xfrm>
             <a:off x="1523880" y="1122480"/>
-            <a:ext cx="9142560" cy="2386080"/>
+            <a:ext cx="9141840" cy="2385360"/>
           </a:xfrm>
           <a:prstGeom prst="rect">
             <a:avLst/>
@@ -2054,7 +2054,7 @@
         <p:spPr>
           <a:xfrm>
             <a:off x="609480" y="1604520"/>
-            <a:ext cx="840960" cy="1896480"/>
+            <a:ext cx="199800" cy="1896120"/>
           </a:xfrm>
           <a:prstGeom prst="rect">
             <a:avLst/>
@@ -2066,7 +2066,7 @@
         </p:spPr>
         <p:txBody>
           <a:bodyPr lIns="0" rIns="0" tIns="0" bIns="0" anchor="t">
-            <a:normAutofit fontScale="51000"/>
+            <a:normAutofit fontScale="21000"/>
           </a:bodyPr>
           <a:p>
             <a:endParaRPr b="0" lang="ru-RU" sz="3200" spc="-1" strike="noStrike">
@@ -2087,8 +2087,8 @@
         </p:nvSpPr>
         <p:spPr>
           <a:xfrm>
-            <a:off x="1492920" y="1604520"/>
-            <a:ext cx="840960" cy="1896480"/>
+            <a:off x="819720" y="1604520"/>
+            <a:ext cx="199800" cy="1896120"/>
           </a:xfrm>
           <a:prstGeom prst="rect">
             <a:avLst/>
@@ -2100,7 +2100,7 @@
         </p:spPr>
         <p:txBody>
           <a:bodyPr lIns="0" rIns="0" tIns="0" bIns="0" anchor="t">
-            <a:normAutofit fontScale="51000"/>
+            <a:normAutofit fontScale="21000"/>
           </a:bodyPr>
           <a:p>
             <a:endParaRPr b="0" lang="ru-RU" sz="3200" spc="-1" strike="noStrike">
@@ -2121,8 +2121,8 @@
         </p:nvSpPr>
         <p:spPr>
           <a:xfrm>
-            <a:off x="2376360" y="1604520"/>
-            <a:ext cx="840960" cy="1896480"/>
+            <a:off x="1029960" y="1604520"/>
+            <a:ext cx="199800" cy="1896120"/>
           </a:xfrm>
           <a:prstGeom prst="rect">
             <a:avLst/>
@@ -2134,7 +2134,7 @@
         </p:spPr>
         <p:txBody>
           <a:bodyPr lIns="0" rIns="0" tIns="0" bIns="0" anchor="t">
-            <a:normAutofit fontScale="51000"/>
+            <a:normAutofit fontScale="21000"/>
           </a:bodyPr>
           <a:p>
             <a:endParaRPr b="0" lang="ru-RU" sz="3200" spc="-1" strike="noStrike">
@@ -2155,8 +2155,8 @@
         </p:nvSpPr>
         <p:spPr>
           <a:xfrm>
-            <a:off x="609480" y="3681720"/>
-            <a:ext cx="840960" cy="1896480"/>
+            <a:off x="609480" y="3681000"/>
+            <a:ext cx="199800" cy="1896120"/>
           </a:xfrm>
           <a:prstGeom prst="rect">
             <a:avLst/>
@@ -2168,7 +2168,7 @@
         </p:spPr>
         <p:txBody>
           <a:bodyPr lIns="0" rIns="0" tIns="0" bIns="0" anchor="t">
-            <a:normAutofit fontScale="51000"/>
+            <a:normAutofit fontScale="21000"/>
           </a:bodyPr>
           <a:p>
             <a:endParaRPr b="0" lang="ru-RU" sz="3200" spc="-1" strike="noStrike">
@@ -2189,8 +2189,8 @@
         </p:nvSpPr>
         <p:spPr>
           <a:xfrm>
-            <a:off x="1492920" y="3681720"/>
-            <a:ext cx="840960" cy="1896480"/>
+            <a:off x="819720" y="3681000"/>
+            <a:ext cx="199800" cy="1896120"/>
           </a:xfrm>
           <a:prstGeom prst="rect">
             <a:avLst/>
@@ -2202,7 +2202,7 @@
         </p:spPr>
         <p:txBody>
           <a:bodyPr lIns="0" rIns="0" tIns="0" bIns="0" anchor="t">
-            <a:normAutofit fontScale="51000"/>
+            <a:normAutofit fontScale="21000"/>
           </a:bodyPr>
           <a:p>
             <a:endParaRPr b="0" lang="ru-RU" sz="3200" spc="-1" strike="noStrike">
@@ -2223,8 +2223,8 @@
         </p:nvSpPr>
         <p:spPr>
           <a:xfrm>
-            <a:off x="2376360" y="3681720"/>
-            <a:ext cx="840960" cy="1896480"/>
+            <a:off x="1029960" y="3681000"/>
+            <a:ext cx="199800" cy="1896120"/>
           </a:xfrm>
           <a:prstGeom prst="rect">
             <a:avLst/>
@@ -2236,7 +2236,7 @@
         </p:spPr>
         <p:txBody>
           <a:bodyPr lIns="0" rIns="0" tIns="0" bIns="0" anchor="t">
-            <a:normAutofit fontScale="51000"/>
+            <a:normAutofit fontScale="21000"/>
           </a:bodyPr>
           <a:p>
             <a:endParaRPr b="0" lang="ru-RU" sz="3200" spc="-1" strike="noStrike">
@@ -2302,7 +2302,7 @@
         <p:spPr>
           <a:xfrm>
             <a:off x="1523880" y="1122480"/>
-            <a:ext cx="9142560" cy="2386080"/>
+            <a:ext cx="9141840" cy="2385360"/>
           </a:xfrm>
           <a:prstGeom prst="rect">
             <a:avLst/>
@@ -2338,8 +2338,8 @@
         </p:nvSpPr>
         <p:spPr>
           <a:xfrm>
-            <a:off x="609480" y="1604520"/>
-            <a:ext cx="2612160" cy="3976560"/>
+            <a:off x="609480" y="-53640"/>
+            <a:ext cx="621360" cy="7292520"/>
           </a:xfrm>
           <a:prstGeom prst="rect">
             <a:avLst/>
@@ -2398,7 +2398,7 @@
         <p:spPr>
           <a:xfrm>
             <a:off x="1523880" y="1122480"/>
-            <a:ext cx="9142560" cy="2386080"/>
+            <a:ext cx="9141840" cy="2385360"/>
           </a:xfrm>
           <a:prstGeom prst="rect">
             <a:avLst/>
@@ -2435,7 +2435,7 @@
         <p:spPr>
           <a:xfrm>
             <a:off x="609480" y="1604520"/>
-            <a:ext cx="2612160" cy="3976560"/>
+            <a:ext cx="621360" cy="3975840"/>
           </a:xfrm>
           <a:prstGeom prst="rect">
             <a:avLst/>
@@ -2447,7 +2447,7 @@
         </p:spPr>
         <p:txBody>
           <a:bodyPr lIns="0" rIns="0" tIns="0" bIns="0" anchor="t">
-            <a:normAutofit/>
+            <a:normAutofit fontScale="57000"/>
           </a:bodyPr>
           <a:p>
             <a:endParaRPr b="0" lang="ru-RU" sz="3200" spc="-1" strike="noStrike">
@@ -2491,7 +2491,7 @@
         <p:spPr>
           <a:xfrm>
             <a:off x="1523880" y="1122480"/>
-            <a:ext cx="9142560" cy="2386080"/>
+            <a:ext cx="9141840" cy="2385360"/>
           </a:xfrm>
           <a:prstGeom prst="rect">
             <a:avLst/>
@@ -2528,7 +2528,7 @@
         <p:spPr>
           <a:xfrm>
             <a:off x="609480" y="1604520"/>
-            <a:ext cx="1274400" cy="3976560"/>
+            <a:ext cx="303120" cy="3975840"/>
           </a:xfrm>
           <a:prstGeom prst="rect">
             <a:avLst/>
@@ -2540,7 +2540,7 @@
         </p:spPr>
         <p:txBody>
           <a:bodyPr lIns="0" rIns="0" tIns="0" bIns="0" anchor="t">
-            <a:normAutofit fontScale="87000"/>
+            <a:normAutofit fontScale="34000"/>
           </a:bodyPr>
           <a:p>
             <a:endParaRPr b="0" lang="ru-RU" sz="3200" spc="-1" strike="noStrike">
@@ -2561,8 +2561,8 @@
         </p:nvSpPr>
         <p:spPr>
           <a:xfrm>
-            <a:off x="1947960" y="1604520"/>
-            <a:ext cx="1274400" cy="3976560"/>
+            <a:off x="928080" y="1604520"/>
+            <a:ext cx="303120" cy="3975840"/>
           </a:xfrm>
           <a:prstGeom prst="rect">
             <a:avLst/>
@@ -2574,7 +2574,7 @@
         </p:spPr>
         <p:txBody>
           <a:bodyPr lIns="0" rIns="0" tIns="0" bIns="0" anchor="t">
-            <a:normAutofit fontScale="87000"/>
+            <a:normAutofit fontScale="34000"/>
           </a:bodyPr>
           <a:p>
             <a:endParaRPr b="0" lang="ru-RU" sz="3200" spc="-1" strike="noStrike">
@@ -2618,7 +2618,7 @@
         <p:spPr>
           <a:xfrm>
             <a:off x="1523880" y="1122480"/>
-            <a:ext cx="9142560" cy="2386080"/>
+            <a:ext cx="9141840" cy="2385360"/>
           </a:xfrm>
           <a:prstGeom prst="rect">
             <a:avLst/>
@@ -2677,7 +2677,7 @@
         <p:spPr>
           <a:xfrm>
             <a:off x="1523880" y="1122480"/>
-            <a:ext cx="9142560" cy="2386080"/>
+            <a:ext cx="9141840" cy="2385360"/>
           </a:xfrm>
           <a:prstGeom prst="rect">
             <a:avLst/>
@@ -2714,7 +2714,7 @@
         <p:spPr>
           <a:xfrm>
             <a:off x="609480" y="1604520"/>
-            <a:ext cx="2612160" cy="3976560"/>
+            <a:ext cx="621360" cy="3975840"/>
           </a:xfrm>
           <a:prstGeom prst="rect">
             <a:avLst/>
@@ -2726,7 +2726,7 @@
         </p:spPr>
         <p:txBody>
           <a:bodyPr lIns="0" rIns="0" tIns="0" bIns="0" anchor="t">
-            <a:normAutofit/>
+            <a:normAutofit fontScale="57000"/>
           </a:bodyPr>
           <a:p>
             <a:endParaRPr b="0" lang="ru-RU" sz="3200" spc="-1" strike="noStrike">
@@ -2770,7 +2770,7 @@
         <p:spPr>
           <a:xfrm>
             <a:off x="1523880" y="1122480"/>
-            <a:ext cx="9142560" cy="11061720"/>
+            <a:ext cx="9141840" cy="11058480"/>
           </a:xfrm>
           <a:prstGeom prst="rect">
             <a:avLst/>
@@ -2829,7 +2829,7 @@
         <p:spPr>
           <a:xfrm>
             <a:off x="1523880" y="1122480"/>
-            <a:ext cx="9142560" cy="2386080"/>
+            <a:ext cx="9141840" cy="2385360"/>
           </a:xfrm>
           <a:prstGeom prst="rect">
             <a:avLst/>
@@ -2866,7 +2866,7 @@
         <p:spPr>
           <a:xfrm>
             <a:off x="609480" y="1604520"/>
-            <a:ext cx="1274400" cy="1896480"/>
+            <a:ext cx="303120" cy="1896120"/>
           </a:xfrm>
           <a:prstGeom prst="rect">
             <a:avLst/>
@@ -2878,7 +2878,7 @@
         </p:spPr>
         <p:txBody>
           <a:bodyPr lIns="0" rIns="0" tIns="0" bIns="0" anchor="t">
-            <a:normAutofit fontScale="59000"/>
+            <a:normAutofit fontScale="27000"/>
           </a:bodyPr>
           <a:p>
             <a:endParaRPr b="0" lang="ru-RU" sz="3200" spc="-1" strike="noStrike">
@@ -2899,8 +2899,8 @@
         </p:nvSpPr>
         <p:spPr>
           <a:xfrm>
-            <a:off x="1947960" y="1604520"/>
-            <a:ext cx="1274400" cy="3976560"/>
+            <a:off x="928080" y="1604520"/>
+            <a:ext cx="303120" cy="3975840"/>
           </a:xfrm>
           <a:prstGeom prst="rect">
             <a:avLst/>
@@ -2912,7 +2912,7 @@
         </p:spPr>
         <p:txBody>
           <a:bodyPr lIns="0" rIns="0" tIns="0" bIns="0" anchor="t">
-            <a:normAutofit fontScale="87000"/>
+            <a:normAutofit fontScale="34000"/>
           </a:bodyPr>
           <a:p>
             <a:endParaRPr b="0" lang="ru-RU" sz="3200" spc="-1" strike="noStrike">
@@ -2933,8 +2933,8 @@
         </p:nvSpPr>
         <p:spPr>
           <a:xfrm>
-            <a:off x="609480" y="3681720"/>
-            <a:ext cx="1274400" cy="1896480"/>
+            <a:off x="609480" y="3681000"/>
+            <a:ext cx="303120" cy="1896120"/>
           </a:xfrm>
           <a:prstGeom prst="rect">
             <a:avLst/>
@@ -2946,7 +2946,7 @@
         </p:spPr>
         <p:txBody>
           <a:bodyPr lIns="0" rIns="0" tIns="0" bIns="0" anchor="t">
-            <a:normAutofit fontScale="59000"/>
+            <a:normAutofit fontScale="27000"/>
           </a:bodyPr>
           <a:p>
             <a:endParaRPr b="0" lang="ru-RU" sz="3200" spc="-1" strike="noStrike">
@@ -2990,7 +2990,7 @@
         <p:spPr>
           <a:xfrm>
             <a:off x="1523880" y="1122480"/>
-            <a:ext cx="9142560" cy="2386080"/>
+            <a:ext cx="9141840" cy="2385360"/>
           </a:xfrm>
           <a:prstGeom prst="rect">
             <a:avLst/>
@@ -3027,7 +3027,7 @@
         <p:spPr>
           <a:xfrm>
             <a:off x="609480" y="1604520"/>
-            <a:ext cx="1274400" cy="3976560"/>
+            <a:ext cx="303120" cy="3975840"/>
           </a:xfrm>
           <a:prstGeom prst="rect">
             <a:avLst/>
@@ -3039,7 +3039,7 @@
         </p:spPr>
         <p:txBody>
           <a:bodyPr lIns="0" rIns="0" tIns="0" bIns="0" anchor="t">
-            <a:normAutofit fontScale="87000"/>
+            <a:normAutofit fontScale="34000"/>
           </a:bodyPr>
           <a:p>
             <a:endParaRPr b="0" lang="ru-RU" sz="3200" spc="-1" strike="noStrike">
@@ -3060,8 +3060,8 @@
         </p:nvSpPr>
         <p:spPr>
           <a:xfrm>
-            <a:off x="1947960" y="1604520"/>
-            <a:ext cx="1274400" cy="1896480"/>
+            <a:off x="928080" y="1604520"/>
+            <a:ext cx="303120" cy="1896120"/>
           </a:xfrm>
           <a:prstGeom prst="rect">
             <a:avLst/>
@@ -3073,7 +3073,7 @@
         </p:spPr>
         <p:txBody>
           <a:bodyPr lIns="0" rIns="0" tIns="0" bIns="0" anchor="t">
-            <a:normAutofit fontScale="59000"/>
+            <a:normAutofit fontScale="27000"/>
           </a:bodyPr>
           <a:p>
             <a:endParaRPr b="0" lang="ru-RU" sz="3200" spc="-1" strike="noStrike">
@@ -3094,8 +3094,8 @@
         </p:nvSpPr>
         <p:spPr>
           <a:xfrm>
-            <a:off x="1947960" y="3681720"/>
-            <a:ext cx="1274400" cy="1896480"/>
+            <a:off x="928080" y="3681000"/>
+            <a:ext cx="303120" cy="1896120"/>
           </a:xfrm>
           <a:prstGeom prst="rect">
             <a:avLst/>
@@ -3107,7 +3107,7 @@
         </p:spPr>
         <p:txBody>
           <a:bodyPr lIns="0" rIns="0" tIns="0" bIns="0" anchor="t">
-            <a:normAutofit fontScale="59000"/>
+            <a:normAutofit fontScale="27000"/>
           </a:bodyPr>
           <a:p>
             <a:endParaRPr b="0" lang="ru-RU" sz="3200" spc="-1" strike="noStrike">
@@ -3151,7 +3151,7 @@
         <p:spPr>
           <a:xfrm>
             <a:off x="1523880" y="1122480"/>
-            <a:ext cx="9142560" cy="2386080"/>
+            <a:ext cx="9141840" cy="2385360"/>
           </a:xfrm>
           <a:prstGeom prst="rect">
             <a:avLst/>
@@ -3188,7 +3188,7 @@
         <p:spPr>
           <a:xfrm>
             <a:off x="609480" y="1604520"/>
-            <a:ext cx="1274400" cy="1896480"/>
+            <a:ext cx="303120" cy="1896120"/>
           </a:xfrm>
           <a:prstGeom prst="rect">
             <a:avLst/>
@@ -3200,7 +3200,7 @@
         </p:spPr>
         <p:txBody>
           <a:bodyPr lIns="0" rIns="0" tIns="0" bIns="0" anchor="t">
-            <a:normAutofit fontScale="59000"/>
+            <a:normAutofit fontScale="27000"/>
           </a:bodyPr>
           <a:p>
             <a:endParaRPr b="0" lang="ru-RU" sz="3200" spc="-1" strike="noStrike">
@@ -3221,8 +3221,8 @@
         </p:nvSpPr>
         <p:spPr>
           <a:xfrm>
-            <a:off x="1947960" y="1604520"/>
-            <a:ext cx="1274400" cy="1896480"/>
+            <a:off x="928080" y="1604520"/>
+            <a:ext cx="303120" cy="1896120"/>
           </a:xfrm>
           <a:prstGeom prst="rect">
             <a:avLst/>
@@ -3234,7 +3234,7 @@
         </p:spPr>
         <p:txBody>
           <a:bodyPr lIns="0" rIns="0" tIns="0" bIns="0" anchor="t">
-            <a:normAutofit fontScale="59000"/>
+            <a:normAutofit fontScale="27000"/>
           </a:bodyPr>
           <a:p>
             <a:endParaRPr b="0" lang="ru-RU" sz="3200" spc="-1" strike="noStrike">
@@ -3255,8 +3255,8 @@
         </p:nvSpPr>
         <p:spPr>
           <a:xfrm>
-            <a:off x="609480" y="3681720"/>
-            <a:ext cx="2612160" cy="1896480"/>
+            <a:off x="609480" y="3681000"/>
+            <a:ext cx="621360" cy="1896120"/>
           </a:xfrm>
           <a:prstGeom prst="rect">
             <a:avLst/>
@@ -3268,7 +3268,7 @@
         </p:spPr>
         <p:txBody>
           <a:bodyPr lIns="0" rIns="0" tIns="0" bIns="0" anchor="t">
-            <a:normAutofit fontScale="83000"/>
+            <a:normAutofit fontScale="41000"/>
           </a:bodyPr>
           <a:p>
             <a:endParaRPr b="0" lang="ru-RU" sz="3200" spc="-1" strike="noStrike">
@@ -3312,7 +3312,7 @@
         <p:spPr>
           <a:xfrm>
             <a:off x="1523880" y="1122480"/>
-            <a:ext cx="9142560" cy="2386080"/>
+            <a:ext cx="9141840" cy="2385360"/>
           </a:xfrm>
           <a:prstGeom prst="rect">
             <a:avLst/>
@@ -3349,7 +3349,7 @@
         <p:spPr>
           <a:xfrm>
             <a:off x="609480" y="1604520"/>
-            <a:ext cx="2612160" cy="1896480"/>
+            <a:ext cx="621360" cy="1896120"/>
           </a:xfrm>
           <a:prstGeom prst="rect">
             <a:avLst/>
@@ -3361,7 +3361,7 @@
         </p:spPr>
         <p:txBody>
           <a:bodyPr lIns="0" rIns="0" tIns="0" bIns="0" anchor="t">
-            <a:normAutofit fontScale="83000"/>
+            <a:normAutofit fontScale="41000"/>
           </a:bodyPr>
           <a:p>
             <a:endParaRPr b="0" lang="ru-RU" sz="3200" spc="-1" strike="noStrike">
@@ -3382,8 +3382,8 @@
         </p:nvSpPr>
         <p:spPr>
           <a:xfrm>
-            <a:off x="609480" y="3681720"/>
-            <a:ext cx="2612160" cy="1896480"/>
+            <a:off x="609480" y="3681000"/>
+            <a:ext cx="621360" cy="1896120"/>
           </a:xfrm>
           <a:prstGeom prst="rect">
             <a:avLst/>
@@ -3395,7 +3395,7 @@
         </p:spPr>
         <p:txBody>
           <a:bodyPr lIns="0" rIns="0" tIns="0" bIns="0" anchor="t">
-            <a:normAutofit fontScale="83000"/>
+            <a:normAutofit fontScale="41000"/>
           </a:bodyPr>
           <a:p>
             <a:endParaRPr b="0" lang="ru-RU" sz="3200" spc="-1" strike="noStrike">
@@ -3439,7 +3439,7 @@
         <p:spPr>
           <a:xfrm>
             <a:off x="1523880" y="1122480"/>
-            <a:ext cx="9142560" cy="2386080"/>
+            <a:ext cx="9141840" cy="2385360"/>
           </a:xfrm>
           <a:prstGeom prst="rect">
             <a:avLst/>
@@ -3476,7 +3476,7 @@
         <p:spPr>
           <a:xfrm>
             <a:off x="609480" y="1604520"/>
-            <a:ext cx="1274400" cy="1896480"/>
+            <a:ext cx="303120" cy="1896120"/>
           </a:xfrm>
           <a:prstGeom prst="rect">
             <a:avLst/>
@@ -3488,7 +3488,7 @@
         </p:spPr>
         <p:txBody>
           <a:bodyPr lIns="0" rIns="0" tIns="0" bIns="0" anchor="t">
-            <a:normAutofit fontScale="59000"/>
+            <a:normAutofit fontScale="27000"/>
           </a:bodyPr>
           <a:p>
             <a:endParaRPr b="0" lang="ru-RU" sz="3200" spc="-1" strike="noStrike">
@@ -3509,8 +3509,8 @@
         </p:nvSpPr>
         <p:spPr>
           <a:xfrm>
-            <a:off x="1947960" y="1604520"/>
-            <a:ext cx="1274400" cy="1896480"/>
+            <a:off x="928080" y="1604520"/>
+            <a:ext cx="303120" cy="1896120"/>
           </a:xfrm>
           <a:prstGeom prst="rect">
             <a:avLst/>
@@ -3522,7 +3522,7 @@
         </p:spPr>
         <p:txBody>
           <a:bodyPr lIns="0" rIns="0" tIns="0" bIns="0" anchor="t">
-            <a:normAutofit fontScale="59000"/>
+            <a:normAutofit fontScale="27000"/>
           </a:bodyPr>
           <a:p>
             <a:endParaRPr b="0" lang="ru-RU" sz="3200" spc="-1" strike="noStrike">
@@ -3543,8 +3543,8 @@
         </p:nvSpPr>
         <p:spPr>
           <a:xfrm>
-            <a:off x="609480" y="3681720"/>
-            <a:ext cx="1274400" cy="1896480"/>
+            <a:off x="609480" y="3681000"/>
+            <a:ext cx="303120" cy="1896120"/>
           </a:xfrm>
           <a:prstGeom prst="rect">
             <a:avLst/>
@@ -3556,7 +3556,7 @@
         </p:spPr>
         <p:txBody>
           <a:bodyPr lIns="0" rIns="0" tIns="0" bIns="0" anchor="t">
-            <a:normAutofit fontScale="59000"/>
+            <a:normAutofit fontScale="27000"/>
           </a:bodyPr>
           <a:p>
             <a:endParaRPr b="0" lang="ru-RU" sz="3200" spc="-1" strike="noStrike">
@@ -3577,8 +3577,8 @@
         </p:nvSpPr>
         <p:spPr>
           <a:xfrm>
-            <a:off x="1947960" y="3681720"/>
-            <a:ext cx="1274400" cy="1896480"/>
+            <a:off x="928080" y="3681000"/>
+            <a:ext cx="303120" cy="1896120"/>
           </a:xfrm>
           <a:prstGeom prst="rect">
             <a:avLst/>
@@ -3590,7 +3590,7 @@
         </p:spPr>
         <p:txBody>
           <a:bodyPr lIns="0" rIns="0" tIns="0" bIns="0" anchor="t">
-            <a:normAutofit fontScale="59000"/>
+            <a:normAutofit fontScale="27000"/>
           </a:bodyPr>
           <a:p>
             <a:endParaRPr b="0" lang="ru-RU" sz="3200" spc="-1" strike="noStrike">
@@ -3634,7 +3634,7 @@
         <p:spPr>
           <a:xfrm>
             <a:off x="1523880" y="1122480"/>
-            <a:ext cx="9142560" cy="2386080"/>
+            <a:ext cx="9141840" cy="2385360"/>
           </a:xfrm>
           <a:prstGeom prst="rect">
             <a:avLst/>
@@ -3671,7 +3671,7 @@
         <p:spPr>
           <a:xfrm>
             <a:off x="609480" y="1604520"/>
-            <a:ext cx="840960" cy="1896480"/>
+            <a:ext cx="199800" cy="1896120"/>
           </a:xfrm>
           <a:prstGeom prst="rect">
             <a:avLst/>
@@ -3683,7 +3683,7 @@
         </p:spPr>
         <p:txBody>
           <a:bodyPr lIns="0" rIns="0" tIns="0" bIns="0" anchor="t">
-            <a:normAutofit fontScale="51000"/>
+            <a:normAutofit fontScale="21000"/>
           </a:bodyPr>
           <a:p>
             <a:endParaRPr b="0" lang="ru-RU" sz="3200" spc="-1" strike="noStrike">
@@ -3704,8 +3704,8 @@
         </p:nvSpPr>
         <p:spPr>
           <a:xfrm>
-            <a:off x="1492920" y="1604520"/>
-            <a:ext cx="840960" cy="1896480"/>
+            <a:off x="819720" y="1604520"/>
+            <a:ext cx="199800" cy="1896120"/>
           </a:xfrm>
           <a:prstGeom prst="rect">
             <a:avLst/>
@@ -3717,7 +3717,7 @@
         </p:spPr>
         <p:txBody>
           <a:bodyPr lIns="0" rIns="0" tIns="0" bIns="0" anchor="t">
-            <a:normAutofit fontScale="51000"/>
+            <a:normAutofit fontScale="21000"/>
           </a:bodyPr>
           <a:p>
             <a:endParaRPr b="0" lang="ru-RU" sz="3200" spc="-1" strike="noStrike">
@@ -3738,8 +3738,8 @@
         </p:nvSpPr>
         <p:spPr>
           <a:xfrm>
-            <a:off x="2376360" y="1604520"/>
-            <a:ext cx="840960" cy="1896480"/>
+            <a:off x="1029960" y="1604520"/>
+            <a:ext cx="199800" cy="1896120"/>
           </a:xfrm>
           <a:prstGeom prst="rect">
             <a:avLst/>
@@ -3751,7 +3751,7 @@
         </p:spPr>
         <p:txBody>
           <a:bodyPr lIns="0" rIns="0" tIns="0" bIns="0" anchor="t">
-            <a:normAutofit fontScale="51000"/>
+            <a:normAutofit fontScale="21000"/>
           </a:bodyPr>
           <a:p>
             <a:endParaRPr b="0" lang="ru-RU" sz="3200" spc="-1" strike="noStrike">
@@ -3772,8 +3772,8 @@
         </p:nvSpPr>
         <p:spPr>
           <a:xfrm>
-            <a:off x="609480" y="3681720"/>
-            <a:ext cx="840960" cy="1896480"/>
+            <a:off x="609480" y="3681000"/>
+            <a:ext cx="199800" cy="1896120"/>
           </a:xfrm>
           <a:prstGeom prst="rect">
             <a:avLst/>
@@ -3785,7 +3785,7 @@
         </p:spPr>
         <p:txBody>
           <a:bodyPr lIns="0" rIns="0" tIns="0" bIns="0" anchor="t">
-            <a:normAutofit fontScale="51000"/>
+            <a:normAutofit fontScale="21000"/>
           </a:bodyPr>
           <a:p>
             <a:endParaRPr b="0" lang="ru-RU" sz="3200" spc="-1" strike="noStrike">
@@ -3806,8 +3806,8 @@
         </p:nvSpPr>
         <p:spPr>
           <a:xfrm>
-            <a:off x="1492920" y="3681720"/>
-            <a:ext cx="840960" cy="1896480"/>
+            <a:off x="819720" y="3681000"/>
+            <a:ext cx="199800" cy="1896120"/>
           </a:xfrm>
           <a:prstGeom prst="rect">
             <a:avLst/>
@@ -3819,7 +3819,7 @@
         </p:spPr>
         <p:txBody>
           <a:bodyPr lIns="0" rIns="0" tIns="0" bIns="0" anchor="t">
-            <a:normAutofit fontScale="51000"/>
+            <a:normAutofit fontScale="21000"/>
           </a:bodyPr>
           <a:p>
             <a:endParaRPr b="0" lang="ru-RU" sz="3200" spc="-1" strike="noStrike">
@@ -3840,8 +3840,8 @@
         </p:nvSpPr>
         <p:spPr>
           <a:xfrm>
-            <a:off x="2376360" y="3681720"/>
-            <a:ext cx="840960" cy="1896480"/>
+            <a:off x="1029960" y="3681000"/>
+            <a:ext cx="199800" cy="1896120"/>
           </a:xfrm>
           <a:prstGeom prst="rect">
             <a:avLst/>
@@ -3853,7 +3853,7 @@
         </p:spPr>
         <p:txBody>
           <a:bodyPr lIns="0" rIns="0" tIns="0" bIns="0" anchor="t">
-            <a:normAutofit fontScale="51000"/>
+            <a:normAutofit fontScale="21000"/>
           </a:bodyPr>
           <a:p>
             <a:endParaRPr b="0" lang="ru-RU" sz="3200" spc="-1" strike="noStrike">
@@ -3897,7 +3897,7 @@
         <p:spPr>
           <a:xfrm>
             <a:off x="1523880" y="1122480"/>
-            <a:ext cx="9142560" cy="2386080"/>
+            <a:ext cx="9141840" cy="2385360"/>
           </a:xfrm>
           <a:prstGeom prst="rect">
             <a:avLst/>
@@ -3934,7 +3934,7 @@
         <p:spPr>
           <a:xfrm>
             <a:off x="609480" y="1604520"/>
-            <a:ext cx="1274400" cy="3976560"/>
+            <a:ext cx="303120" cy="3975840"/>
           </a:xfrm>
           <a:prstGeom prst="rect">
             <a:avLst/>
@@ -3946,7 +3946,7 @@
         </p:spPr>
         <p:txBody>
           <a:bodyPr lIns="0" rIns="0" tIns="0" bIns="0" anchor="t">
-            <a:normAutofit fontScale="87000"/>
+            <a:normAutofit fontScale="34000"/>
           </a:bodyPr>
           <a:p>
             <a:endParaRPr b="0" lang="ru-RU" sz="3200" spc="-1" strike="noStrike">
@@ -3967,8 +3967,8 @@
         </p:nvSpPr>
         <p:spPr>
           <a:xfrm>
-            <a:off x="1947960" y="1604520"/>
-            <a:ext cx="1274400" cy="3976560"/>
+            <a:off x="928080" y="1604520"/>
+            <a:ext cx="303120" cy="3975840"/>
           </a:xfrm>
           <a:prstGeom prst="rect">
             <a:avLst/>
@@ -3980,7 +3980,7 @@
         </p:spPr>
         <p:txBody>
           <a:bodyPr lIns="0" rIns="0" tIns="0" bIns="0" anchor="t">
-            <a:normAutofit fontScale="87000"/>
+            <a:normAutofit fontScale="34000"/>
           </a:bodyPr>
           <a:p>
             <a:endParaRPr b="0" lang="ru-RU" sz="3200" spc="-1" strike="noStrike">
@@ -4024,7 +4024,7 @@
         <p:spPr>
           <a:xfrm>
             <a:off x="1523880" y="1122480"/>
-            <a:ext cx="9142560" cy="2386080"/>
+            <a:ext cx="9141840" cy="2385360"/>
           </a:xfrm>
           <a:prstGeom prst="rect">
             <a:avLst/>
@@ -4083,7 +4083,7 @@
         <p:spPr>
           <a:xfrm>
             <a:off x="1523880" y="1122480"/>
-            <a:ext cx="9142560" cy="11061720"/>
+            <a:ext cx="9141840" cy="11058480"/>
           </a:xfrm>
           <a:prstGeom prst="rect">
             <a:avLst/>
@@ -4142,7 +4142,7 @@
         <p:spPr>
           <a:xfrm>
             <a:off x="1523880" y="1122480"/>
-            <a:ext cx="9142560" cy="2386080"/>
+            <a:ext cx="9141840" cy="2385360"/>
           </a:xfrm>
           <a:prstGeom prst="rect">
             <a:avLst/>
@@ -4179,7 +4179,7 @@
         <p:spPr>
           <a:xfrm>
             <a:off x="609480" y="1604520"/>
-            <a:ext cx="1274400" cy="1896480"/>
+            <a:ext cx="303120" cy="1896120"/>
           </a:xfrm>
           <a:prstGeom prst="rect">
             <a:avLst/>
@@ -4191,7 +4191,7 @@
         </p:spPr>
         <p:txBody>
           <a:bodyPr lIns="0" rIns="0" tIns="0" bIns="0" anchor="t">
-            <a:normAutofit fontScale="59000"/>
+            <a:normAutofit fontScale="27000"/>
           </a:bodyPr>
           <a:p>
             <a:endParaRPr b="0" lang="ru-RU" sz="3200" spc="-1" strike="noStrike">
@@ -4212,8 +4212,8 @@
         </p:nvSpPr>
         <p:spPr>
           <a:xfrm>
-            <a:off x="1947960" y="1604520"/>
-            <a:ext cx="1274400" cy="3976560"/>
+            <a:off x="928080" y="1604520"/>
+            <a:ext cx="303120" cy="3975840"/>
           </a:xfrm>
           <a:prstGeom prst="rect">
             <a:avLst/>
@@ -4225,7 +4225,7 @@
         </p:spPr>
         <p:txBody>
           <a:bodyPr lIns="0" rIns="0" tIns="0" bIns="0" anchor="t">
-            <a:normAutofit fontScale="87000"/>
+            <a:normAutofit fontScale="34000"/>
           </a:bodyPr>
           <a:p>
             <a:endParaRPr b="0" lang="ru-RU" sz="3200" spc="-1" strike="noStrike">
@@ -4246,8 +4246,8 @@
         </p:nvSpPr>
         <p:spPr>
           <a:xfrm>
-            <a:off x="609480" y="3681720"/>
-            <a:ext cx="1274400" cy="1896480"/>
+            <a:off x="609480" y="3681000"/>
+            <a:ext cx="303120" cy="1896120"/>
           </a:xfrm>
           <a:prstGeom prst="rect">
             <a:avLst/>
@@ -4259,7 +4259,7 @@
         </p:spPr>
         <p:txBody>
           <a:bodyPr lIns="0" rIns="0" tIns="0" bIns="0" anchor="t">
-            <a:normAutofit fontScale="59000"/>
+            <a:normAutofit fontScale="27000"/>
           </a:bodyPr>
           <a:p>
             <a:endParaRPr b="0" lang="ru-RU" sz="3200" spc="-1" strike="noStrike">
@@ -4303,7 +4303,7 @@
         <p:spPr>
           <a:xfrm>
             <a:off x="1523880" y="1122480"/>
-            <a:ext cx="9142560" cy="2386080"/>
+            <a:ext cx="9141840" cy="2385360"/>
           </a:xfrm>
           <a:prstGeom prst="rect">
             <a:avLst/>
@@ -4340,7 +4340,7 @@
         <p:spPr>
           <a:xfrm>
             <a:off x="609480" y="1604520"/>
-            <a:ext cx="1274400" cy="3976560"/>
+            <a:ext cx="303120" cy="3975840"/>
           </a:xfrm>
           <a:prstGeom prst="rect">
             <a:avLst/>
@@ -4352,7 +4352,7 @@
         </p:spPr>
         <p:txBody>
           <a:bodyPr lIns="0" rIns="0" tIns="0" bIns="0" anchor="t">
-            <a:normAutofit fontScale="87000"/>
+            <a:normAutofit fontScale="34000"/>
           </a:bodyPr>
           <a:p>
             <a:endParaRPr b="0" lang="ru-RU" sz="3200" spc="-1" strike="noStrike">
@@ -4373,8 +4373,8 @@
         </p:nvSpPr>
         <p:spPr>
           <a:xfrm>
-            <a:off x="1947960" y="1604520"/>
-            <a:ext cx="1274400" cy="1896480"/>
+            <a:off x="928080" y="1604520"/>
+            <a:ext cx="303120" cy="1896120"/>
           </a:xfrm>
           <a:prstGeom prst="rect">
             <a:avLst/>
@@ -4386,7 +4386,7 @@
         </p:spPr>
         <p:txBody>
           <a:bodyPr lIns="0" rIns="0" tIns="0" bIns="0" anchor="t">
-            <a:normAutofit fontScale="59000"/>
+            <a:normAutofit fontScale="27000"/>
           </a:bodyPr>
           <a:p>
             <a:endParaRPr b="0" lang="ru-RU" sz="3200" spc="-1" strike="noStrike">
@@ -4407,8 +4407,8 @@
         </p:nvSpPr>
         <p:spPr>
           <a:xfrm>
-            <a:off x="1947960" y="3681720"/>
-            <a:ext cx="1274400" cy="1896480"/>
+            <a:off x="928080" y="3681000"/>
+            <a:ext cx="303120" cy="1896120"/>
           </a:xfrm>
           <a:prstGeom prst="rect">
             <a:avLst/>
@@ -4420,7 +4420,7 @@
         </p:spPr>
         <p:txBody>
           <a:bodyPr lIns="0" rIns="0" tIns="0" bIns="0" anchor="t">
-            <a:normAutofit fontScale="59000"/>
+            <a:normAutofit fontScale="27000"/>
           </a:bodyPr>
           <a:p>
             <a:endParaRPr b="0" lang="ru-RU" sz="3200" spc="-1" strike="noStrike">
@@ -4464,7 +4464,7 @@
         <p:spPr>
           <a:xfrm>
             <a:off x="1523880" y="1122480"/>
-            <a:ext cx="9142560" cy="2386080"/>
+            <a:ext cx="9141840" cy="2385360"/>
           </a:xfrm>
           <a:prstGeom prst="rect">
             <a:avLst/>
@@ -4501,7 +4501,7 @@
         <p:spPr>
           <a:xfrm>
             <a:off x="609480" y="1604520"/>
-            <a:ext cx="1274400" cy="1896480"/>
+            <a:ext cx="303120" cy="1896120"/>
           </a:xfrm>
           <a:prstGeom prst="rect">
             <a:avLst/>
@@ -4513,7 +4513,7 @@
         </p:spPr>
         <p:txBody>
           <a:bodyPr lIns="0" rIns="0" tIns="0" bIns="0" anchor="t">
-            <a:normAutofit fontScale="59000"/>
+            <a:normAutofit fontScale="27000"/>
           </a:bodyPr>
           <a:p>
             <a:endParaRPr b="0" lang="ru-RU" sz="3200" spc="-1" strike="noStrike">
@@ -4534,8 +4534,8 @@
         </p:nvSpPr>
         <p:spPr>
           <a:xfrm>
-            <a:off x="1947960" y="1604520"/>
-            <a:ext cx="1274400" cy="1896480"/>
+            <a:off x="928080" y="1604520"/>
+            <a:ext cx="303120" cy="1896120"/>
           </a:xfrm>
           <a:prstGeom prst="rect">
             <a:avLst/>
@@ -4547,7 +4547,7 @@
         </p:spPr>
         <p:txBody>
           <a:bodyPr lIns="0" rIns="0" tIns="0" bIns="0" anchor="t">
-            <a:normAutofit fontScale="59000"/>
+            <a:normAutofit fontScale="27000"/>
           </a:bodyPr>
           <a:p>
             <a:endParaRPr b="0" lang="ru-RU" sz="3200" spc="-1" strike="noStrike">
@@ -4568,8 +4568,8 @@
         </p:nvSpPr>
         <p:spPr>
           <a:xfrm>
-            <a:off x="609480" y="3681720"/>
-            <a:ext cx="2612160" cy="1896480"/>
+            <a:off x="609480" y="3681000"/>
+            <a:ext cx="621360" cy="1896120"/>
           </a:xfrm>
           <a:prstGeom prst="rect">
             <a:avLst/>
@@ -4581,7 +4581,7 @@
         </p:spPr>
         <p:txBody>
           <a:bodyPr lIns="0" rIns="0" tIns="0" bIns="0" anchor="t">
-            <a:normAutofit fontScale="83000"/>
+            <a:normAutofit fontScale="41000"/>
           </a:bodyPr>
           <a:p>
             <a:endParaRPr b="0" lang="ru-RU" sz="3200" spc="-1" strike="noStrike">
@@ -4902,7 +4902,7 @@
         <p:spPr>
           <a:xfrm>
             <a:off x="1523880" y="1122480"/>
-            <a:ext cx="9142560" cy="2386080"/>
+            <a:ext cx="9141840" cy="2385360"/>
           </a:xfrm>
           <a:prstGeom prst="rect">
             <a:avLst/>
@@ -4942,7 +4942,7 @@
         <p:spPr>
           <a:xfrm>
             <a:off x="609480" y="1604520"/>
-            <a:ext cx="2612160" cy="3976560"/>
+            <a:ext cx="621360" cy="3975840"/>
           </a:xfrm>
           <a:prstGeom prst="rect">
             <a:avLst/>
@@ -4954,7 +4954,7 @@
         </p:spPr>
         <p:txBody>
           <a:bodyPr lIns="0" rIns="0" tIns="0" bIns="0" anchor="t">
-            <a:normAutofit fontScale="52000"/>
+            <a:normAutofit fontScale="21000"/>
           </a:bodyPr>
           <a:p>
             <a:pPr marL="432000" indent="-324000">
@@ -5124,8 +5124,8 @@
         </p:nvSpPr>
         <p:spPr>
           <a:xfrm>
-            <a:off x="3353040" y="1604520"/>
-            <a:ext cx="2612160" cy="3976560"/>
+            <a:off x="1262520" y="1604520"/>
+            <a:ext cx="621360" cy="3975840"/>
           </a:xfrm>
           <a:prstGeom prst="rect">
             <a:avLst/>
@@ -5137,7 +5137,7 @@
         </p:spPr>
         <p:txBody>
           <a:bodyPr lIns="0" rIns="0" tIns="0" bIns="0" anchor="t">
-            <a:normAutofit fontScale="52000"/>
+            <a:normAutofit fontScale="21000"/>
           </a:bodyPr>
           <a:p>
             <a:pPr marL="432000" indent="-324000">
@@ -5622,7 +5622,7 @@
         <p:spPr>
           <a:xfrm>
             <a:off x="10667880" y="183600"/>
-            <a:ext cx="1147320" cy="1231560"/>
+            <a:ext cx="1146600" cy="1230840"/>
           </a:xfrm>
           <a:prstGeom prst="rect">
             <a:avLst/>
@@ -5641,7 +5641,7 @@
         <p:spPr>
           <a:xfrm>
             <a:off x="1523880" y="1600200"/>
-            <a:ext cx="9142560" cy="2676600"/>
+            <a:ext cx="9141840" cy="2675880"/>
           </a:xfrm>
           <a:prstGeom prst="rect">
             <a:avLst/>
@@ -5704,7 +5704,7 @@
         <p:spPr>
           <a:xfrm>
             <a:off x="7959600" y="5202360"/>
-            <a:ext cx="4231080" cy="1654200"/>
+            <a:ext cx="4230360" cy="1653480"/>
           </a:xfrm>
           <a:prstGeom prst="rect">
             <a:avLst/>
@@ -5806,7 +5806,7 @@
         <p:spPr>
           <a:xfrm>
             <a:off x="617760" y="4278240"/>
-            <a:ext cx="8067600" cy="1662120"/>
+            <a:ext cx="8066880" cy="1661400"/>
           </a:xfrm>
           <a:prstGeom prst="rect">
             <a:avLst/>
@@ -5925,7 +5925,7 @@
         <p:spPr>
           <a:xfrm>
             <a:off x="0" y="343800"/>
-            <a:ext cx="12190680" cy="6512760"/>
+            <a:ext cx="12189960" cy="6512040"/>
           </a:xfrm>
           <a:prstGeom prst="rect">
             <a:avLst/>
@@ -5948,7 +5948,7 @@
         <p:spPr>
           <a:xfrm>
             <a:off x="0" y="0"/>
-            <a:ext cx="12190680" cy="342360"/>
+            <a:ext cx="12189960" cy="341640"/>
           </a:xfrm>
           <a:prstGeom prst="rect">
             <a:avLst/>
@@ -5971,7 +5971,7 @@
         <p:spPr>
           <a:xfrm>
             <a:off x="6095880" y="6537240"/>
-            <a:ext cx="6094440" cy="319320"/>
+            <a:ext cx="6093720" cy="318600"/>
           </a:xfrm>
           <a:prstGeom prst="rect">
             <a:avLst/>
@@ -5990,7 +5990,7 @@
         <p:spPr>
           <a:xfrm>
             <a:off x="9840240" y="188280"/>
-            <a:ext cx="1653840" cy="1457280"/>
+            <a:ext cx="1653120" cy="1456560"/>
           </a:xfrm>
           <a:prstGeom prst="hexagon">
             <a:avLst>
@@ -6033,7 +6033,7 @@
         <p:spPr>
           <a:xfrm>
             <a:off x="10159560" y="371880"/>
-            <a:ext cx="1015560" cy="1089720"/>
+            <a:ext cx="1014840" cy="1089000"/>
           </a:xfrm>
           <a:prstGeom prst="rect">
             <a:avLst/>
@@ -6156,7 +6156,7 @@
         <p:spPr>
           <a:xfrm>
             <a:off x="838080" y="716760"/>
-            <a:ext cx="8681400" cy="972360"/>
+            <a:ext cx="8680680" cy="971640"/>
           </a:xfrm>
           <a:prstGeom prst="rect">
             <a:avLst/>
@@ -6177,7 +6177,7 @@
             <a:noAutofit/>
           </a:bodyPr>
           <a:p>
-            <a:pPr>
+            <a:pPr algn="r">
               <a:lnSpc>
                 <a:spcPct val="90000"/>
               </a:lnSpc>
@@ -6208,7 +6208,7 @@
         <p:spPr>
           <a:xfrm>
             <a:off x="838080" y="6352560"/>
-            <a:ext cx="2741760" cy="363600"/>
+            <a:ext cx="2741040" cy="362880"/>
           </a:xfrm>
           <a:prstGeom prst="rect">
             <a:avLst/>
@@ -6235,7 +6235,7 @@
               </a:lnSpc>
               <a:buNone/>
             </a:pPr>
-            <a:fld id="{AD0DE3E1-8255-4729-A039-AD1EC145C4AD}" type="slidenum">
+            <a:fld id="{369067D6-771D-45F5-8477-6061B33E705B}" type="slidenum">
               <a:rPr b="1" lang="ru-RU" sz="1600" spc="-1" strike="noStrike">
                 <a:solidFill>
                   <a:srgbClr val="000000"/>
@@ -6264,7 +6264,7 @@
         <p:spPr>
           <a:xfrm>
             <a:off x="4003560" y="1584000"/>
-            <a:ext cx="4131720" cy="4131720"/>
+            <a:ext cx="4131000" cy="4131000"/>
           </a:xfrm>
           <a:prstGeom prst="rect">
             <a:avLst/>
@@ -6317,7 +6317,7 @@
         <p:spPr>
           <a:xfrm>
             <a:off x="0" y="343800"/>
-            <a:ext cx="12190680" cy="6512760"/>
+            <a:ext cx="12189960" cy="6512040"/>
           </a:xfrm>
           <a:prstGeom prst="rect">
             <a:avLst/>
@@ -6340,7 +6340,7 @@
         <p:spPr>
           <a:xfrm>
             <a:off x="0" y="0"/>
-            <a:ext cx="12190680" cy="342360"/>
+            <a:ext cx="12189960" cy="341640"/>
           </a:xfrm>
           <a:prstGeom prst="rect">
             <a:avLst/>
@@ -6363,7 +6363,7 @@
         <p:spPr>
           <a:xfrm>
             <a:off x="6095880" y="6537240"/>
-            <a:ext cx="6094440" cy="319320"/>
+            <a:ext cx="6093720" cy="318600"/>
           </a:xfrm>
           <a:prstGeom prst="rect">
             <a:avLst/>
@@ -6382,7 +6382,7 @@
         <p:spPr>
           <a:xfrm>
             <a:off x="9840240" y="188280"/>
-            <a:ext cx="1653840" cy="1457280"/>
+            <a:ext cx="1653120" cy="1456560"/>
           </a:xfrm>
           <a:prstGeom prst="hexagon">
             <a:avLst>
@@ -6425,7 +6425,7 @@
         <p:spPr>
           <a:xfrm>
             <a:off x="10159560" y="371880"/>
-            <a:ext cx="1015560" cy="1089720"/>
+            <a:ext cx="1014840" cy="1089000"/>
           </a:xfrm>
           <a:prstGeom prst="rect">
             <a:avLst/>
@@ -6548,7 +6548,7 @@
         <p:spPr>
           <a:xfrm>
             <a:off x="838080" y="716760"/>
-            <a:ext cx="8681400" cy="972360"/>
+            <a:ext cx="8680680" cy="971640"/>
           </a:xfrm>
           <a:prstGeom prst="rect">
             <a:avLst/>
@@ -6600,7 +6600,7 @@
         <p:spPr>
           <a:xfrm>
             <a:off x="329760" y="1425240"/>
-            <a:ext cx="10336680" cy="4349880"/>
+            <a:ext cx="10335960" cy="4349160"/>
           </a:xfrm>
           <a:prstGeom prst="rect">
             <a:avLst/>
@@ -6659,7 +6659,7 @@
         <p:spPr>
           <a:xfrm>
             <a:off x="838080" y="6352560"/>
-            <a:ext cx="2741760" cy="363600"/>
+            <a:ext cx="2741040" cy="362880"/>
           </a:xfrm>
           <a:prstGeom prst="rect">
             <a:avLst/>
@@ -6686,7 +6686,7 @@
               </a:lnSpc>
               <a:buNone/>
             </a:pPr>
-            <a:fld id="{8BE6AC49-1C65-4AD7-9A03-54B675F8F2A4}" type="slidenum">
+            <a:fld id="{84129288-8F74-41F8-9DE4-11CE1BEE5457}" type="slidenum">
               <a:rPr b="1" lang="ru-RU" sz="1600" spc="-1" strike="noStrike">
                 <a:solidFill>
                   <a:srgbClr val="000000"/>
@@ -6694,7 +6694,7 @@
                 <a:latin typeface="Circe Bold"/>
                 <a:ea typeface="DejaVu Sans"/>
               </a:rPr>
-              <a:t>1</a:t>
+              <a:t>&lt;номер&gt;</a:t>
             </a:fld>
             <a:endParaRPr b="0" lang="ru-RU" sz="1600" spc="-1" strike="noStrike">
               <a:latin typeface="Arial"/>
@@ -6715,7 +6715,7 @@
         <p:spPr>
           <a:xfrm>
             <a:off x="1158480" y="5220000"/>
-            <a:ext cx="10541160" cy="539640"/>
+            <a:ext cx="10540440" cy="538920"/>
           </a:xfrm>
           <a:prstGeom prst="rect">
             <a:avLst/>
@@ -6768,7 +6768,7 @@
         <p:spPr>
           <a:xfrm>
             <a:off x="0" y="343800"/>
-            <a:ext cx="12190680" cy="6512760"/>
+            <a:ext cx="12189960" cy="6512040"/>
           </a:xfrm>
           <a:prstGeom prst="rect">
             <a:avLst/>
@@ -6791,7 +6791,7 @@
         <p:spPr>
           <a:xfrm>
             <a:off x="0" y="0"/>
-            <a:ext cx="12190680" cy="342360"/>
+            <a:ext cx="12189960" cy="341640"/>
           </a:xfrm>
           <a:prstGeom prst="rect">
             <a:avLst/>
@@ -6814,7 +6814,7 @@
         <p:spPr>
           <a:xfrm>
             <a:off x="6095880" y="6537240"/>
-            <a:ext cx="6094440" cy="319320"/>
+            <a:ext cx="6093720" cy="318600"/>
           </a:xfrm>
           <a:prstGeom prst="rect">
             <a:avLst/>
@@ -6833,7 +6833,7 @@
         <p:spPr>
           <a:xfrm>
             <a:off x="9840240" y="188280"/>
-            <a:ext cx="1653840" cy="1457280"/>
+            <a:ext cx="1653120" cy="1456560"/>
           </a:xfrm>
           <a:prstGeom prst="hexagon">
             <a:avLst>
@@ -6876,7 +6876,7 @@
         <p:spPr>
           <a:xfrm>
             <a:off x="10159560" y="371880"/>
-            <a:ext cx="1015560" cy="1089720"/>
+            <a:ext cx="1014840" cy="1089000"/>
           </a:xfrm>
           <a:prstGeom prst="rect">
             <a:avLst/>
@@ -6999,7 +6999,7 @@
         <p:spPr>
           <a:xfrm>
             <a:off x="838080" y="716760"/>
-            <a:ext cx="8681400" cy="972360"/>
+            <a:ext cx="8680680" cy="971640"/>
           </a:xfrm>
           <a:prstGeom prst="rect">
             <a:avLst/>
@@ -7051,7 +7051,7 @@
         <p:spPr>
           <a:xfrm>
             <a:off x="838080" y="1825560"/>
-            <a:ext cx="10336680" cy="4349880"/>
+            <a:ext cx="10335960" cy="4349160"/>
           </a:xfrm>
           <a:prstGeom prst="rect">
             <a:avLst/>
@@ -7120,7 +7120,7 @@
         <p:spPr>
           <a:xfrm>
             <a:off x="838080" y="6352560"/>
-            <a:ext cx="2741760" cy="363600"/>
+            <a:ext cx="2741040" cy="362880"/>
           </a:xfrm>
           <a:prstGeom prst="rect">
             <a:avLst/>
@@ -7147,7 +7147,7 @@
               </a:lnSpc>
               <a:buNone/>
             </a:pPr>
-            <a:fld id="{AA204433-9699-4AE6-83F1-CD67B40F3386}" type="slidenum">
+            <a:fld id="{518D3BF1-441E-4C56-8BEE-68F1FCFA475E}" type="slidenum">
               <a:rPr b="1" lang="ru-RU" sz="1600" spc="-1" strike="noStrike">
                 <a:solidFill>
                   <a:srgbClr val="000000"/>
@@ -7155,7 +7155,7 @@
                 <a:latin typeface="Circe Bold"/>
                 <a:ea typeface="DejaVu Sans"/>
               </a:rPr>
-              <a:t>1</a:t>
+              <a:t>&lt;номер&gt;</a:t>
             </a:fld>
             <a:endParaRPr b="0" lang="ru-RU" sz="1600" spc="-1" strike="noStrike">
               <a:latin typeface="Arial"/>
@@ -7176,7 +7176,7 @@
         <p:spPr>
           <a:xfrm>
             <a:off x="5328000" y="3493080"/>
-            <a:ext cx="6862680" cy="3018600"/>
+            <a:ext cx="6861960" cy="3017880"/>
           </a:xfrm>
           <a:prstGeom prst="rect">
             <a:avLst/>
@@ -7229,7 +7229,7 @@
         <p:spPr>
           <a:xfrm>
             <a:off x="0" y="343800"/>
-            <a:ext cx="12190680" cy="6512760"/>
+            <a:ext cx="12189960" cy="6512040"/>
           </a:xfrm>
           <a:prstGeom prst="rect">
             <a:avLst/>
@@ -7252,7 +7252,7 @@
         <p:spPr>
           <a:xfrm>
             <a:off x="0" y="0"/>
-            <a:ext cx="12190680" cy="342360"/>
+            <a:ext cx="12189960" cy="341640"/>
           </a:xfrm>
           <a:prstGeom prst="rect">
             <a:avLst/>
@@ -7275,7 +7275,7 @@
         <p:spPr>
           <a:xfrm>
             <a:off x="6095880" y="6537240"/>
-            <a:ext cx="6094440" cy="319320"/>
+            <a:ext cx="6093720" cy="318600"/>
           </a:xfrm>
           <a:prstGeom prst="rect">
             <a:avLst/>
@@ -7294,7 +7294,7 @@
         <p:spPr>
           <a:xfrm>
             <a:off x="9840240" y="188280"/>
-            <a:ext cx="1653840" cy="1457280"/>
+            <a:ext cx="1653120" cy="1456560"/>
           </a:xfrm>
           <a:prstGeom prst="hexagon">
             <a:avLst>
@@ -7337,7 +7337,7 @@
         <p:spPr>
           <a:xfrm>
             <a:off x="10159560" y="371880"/>
-            <a:ext cx="1015560" cy="1089720"/>
+            <a:ext cx="1014840" cy="1089000"/>
           </a:xfrm>
           <a:prstGeom prst="rect">
             <a:avLst/>
@@ -7460,7 +7460,7 @@
         <p:spPr>
           <a:xfrm>
             <a:off x="838080" y="805320"/>
-            <a:ext cx="9000720" cy="883800"/>
+            <a:ext cx="9000000" cy="883080"/>
           </a:xfrm>
           <a:prstGeom prst="rect">
             <a:avLst/>
@@ -7512,7 +7512,7 @@
         <p:spPr>
           <a:xfrm>
             <a:off x="838080" y="1825560"/>
-            <a:ext cx="10514160" cy="4349880"/>
+            <a:ext cx="10513440" cy="4349160"/>
           </a:xfrm>
           <a:prstGeom prst="rect">
             <a:avLst/>
@@ -7554,7 +7554,7 @@
                 <a:latin typeface="Circe"/>
                 <a:ea typeface="DejaVu Sans"/>
               </a:rPr>
-              <a:t>Цели: Разработать нейронную сеть, определяющую заболевания дыхательной системы с помощью рентгена или компьютерной томографии.</a:t>
+              <a:t>Цель: Разработать нейронную сеть, определяющую заболевания дыхательной системы с помощью рентгена или компьютерной томографии.</a:t>
             </a:r>
             <a:endParaRPr b="0" lang="ru-RU" sz="2200" spc="-1" strike="noStrike">
               <a:latin typeface="Arial"/>
@@ -7711,7 +7711,7 @@
         <p:spPr>
           <a:xfrm>
             <a:off x="838080" y="6352560"/>
-            <a:ext cx="2741760" cy="363600"/>
+            <a:ext cx="2741040" cy="362880"/>
           </a:xfrm>
           <a:prstGeom prst="rect">
             <a:avLst/>
@@ -7738,7 +7738,7 @@
               </a:lnSpc>
               <a:buNone/>
             </a:pPr>
-            <a:fld id="{1F478F41-32FE-4472-B6FD-D88EB9F9183E}" type="slidenum">
+            <a:fld id="{0CB4C616-6320-4905-8D3C-5812D5349421}" type="slidenum">
               <a:rPr b="1" lang="ru-RU" sz="1600" spc="-1" strike="noStrike">
                 <a:solidFill>
                   <a:srgbClr val="000000"/>
@@ -7746,7 +7746,7 @@
                 <a:latin typeface="Circe Bold"/>
                 <a:ea typeface="DejaVu Sans"/>
               </a:rPr>
-              <a:t>1</a:t>
+              <a:t>&lt;номер&gt;</a:t>
             </a:fld>
             <a:endParaRPr b="0" lang="ru-RU" sz="1600" spc="-1" strike="noStrike">
               <a:latin typeface="Arial"/>
@@ -7797,7 +7797,7 @@
         <p:spPr>
           <a:xfrm>
             <a:off x="0" y="0"/>
-            <a:ext cx="5235840" cy="3059640"/>
+            <a:ext cx="5235120" cy="3058920"/>
           </a:xfrm>
           <a:prstGeom prst="rect">
             <a:avLst/>
@@ -7820,7 +7820,7 @@
         <p:spPr>
           <a:xfrm>
             <a:off x="7020000" y="-8640"/>
-            <a:ext cx="5171760" cy="3312000"/>
+            <a:ext cx="5171040" cy="3311280"/>
           </a:xfrm>
           <a:prstGeom prst="rect">
             <a:avLst/>
@@ -7843,7 +7843,7 @@
         <p:spPr>
           <a:xfrm>
             <a:off x="0" y="3718080"/>
-            <a:ext cx="5399640" cy="3139560"/>
+            <a:ext cx="5398920" cy="3138840"/>
           </a:xfrm>
           <a:prstGeom prst="rect">
             <a:avLst/>
@@ -7866,7 +7866,7 @@
         <p:spPr>
           <a:xfrm>
             <a:off x="6840000" y="3960000"/>
-            <a:ext cx="5350320" cy="2890800"/>
+            <a:ext cx="5349600" cy="2890080"/>
           </a:xfrm>
           <a:prstGeom prst="rect">
             <a:avLst/>
@@ -7919,7 +7919,7 @@
         <p:spPr>
           <a:xfrm>
             <a:off x="0" y="0"/>
-            <a:ext cx="12167280" cy="5352480"/>
+            <a:ext cx="12166560" cy="5351760"/>
           </a:xfrm>
           <a:prstGeom prst="rect">
             <a:avLst/>
@@ -7972,7 +7972,7 @@
         <p:spPr>
           <a:xfrm>
             <a:off x="0" y="0"/>
-            <a:ext cx="12190680" cy="5380560"/>
+            <a:ext cx="12189960" cy="5379840"/>
           </a:xfrm>
           <a:prstGeom prst="rect">
             <a:avLst/>
@@ -8025,7 +8025,7 @@
         <p:spPr>
           <a:xfrm>
             <a:off x="0" y="0"/>
-            <a:ext cx="12190680" cy="5362560"/>
+            <a:ext cx="12189960" cy="5361840"/>
           </a:xfrm>
           <a:prstGeom prst="rect">
             <a:avLst/>
@@ -8078,7 +8078,7 @@
         <p:spPr>
           <a:xfrm>
             <a:off x="0" y="343800"/>
-            <a:ext cx="12190680" cy="6512760"/>
+            <a:ext cx="12189960" cy="6512040"/>
           </a:xfrm>
           <a:prstGeom prst="rect">
             <a:avLst/>
@@ -8101,7 +8101,7 @@
         <p:spPr>
           <a:xfrm>
             <a:off x="0" y="0"/>
-            <a:ext cx="12190680" cy="342360"/>
+            <a:ext cx="12189960" cy="341640"/>
           </a:xfrm>
           <a:prstGeom prst="rect">
             <a:avLst/>
@@ -8124,7 +8124,7 @@
         <p:spPr>
           <a:xfrm>
             <a:off x="6095880" y="6537240"/>
-            <a:ext cx="6094440" cy="319320"/>
+            <a:ext cx="6093720" cy="318600"/>
           </a:xfrm>
           <a:prstGeom prst="rect">
             <a:avLst/>
@@ -8143,7 +8143,7 @@
         <p:spPr>
           <a:xfrm>
             <a:off x="9840240" y="188280"/>
-            <a:ext cx="1653840" cy="1457280"/>
+            <a:ext cx="1653120" cy="1456560"/>
           </a:xfrm>
           <a:prstGeom prst="hexagon">
             <a:avLst>
@@ -8186,7 +8186,7 @@
         <p:spPr>
           <a:xfrm>
             <a:off x="10159560" y="371880"/>
-            <a:ext cx="1015560" cy="1089720"/>
+            <a:ext cx="1014840" cy="1089000"/>
           </a:xfrm>
           <a:prstGeom prst="rect">
             <a:avLst/>
@@ -8309,7 +8309,7 @@
         <p:spPr>
           <a:xfrm>
             <a:off x="838080" y="716760"/>
-            <a:ext cx="8681400" cy="972360"/>
+            <a:ext cx="8680680" cy="971640"/>
           </a:xfrm>
           <a:prstGeom prst="rect">
             <a:avLst/>
@@ -8361,7 +8361,7 @@
         <p:spPr>
           <a:xfrm>
             <a:off x="838080" y="1825560"/>
-            <a:ext cx="10336680" cy="4349880"/>
+            <a:ext cx="10335960" cy="4349160"/>
           </a:xfrm>
           <a:prstGeom prst="rect">
             <a:avLst/>
@@ -8532,7 +8532,7 @@
         <p:spPr>
           <a:xfrm>
             <a:off x="838080" y="6352560"/>
-            <a:ext cx="2741760" cy="363600"/>
+            <a:ext cx="2741040" cy="362880"/>
           </a:xfrm>
           <a:prstGeom prst="rect">
             <a:avLst/>
@@ -8559,7 +8559,7 @@
               </a:lnSpc>
               <a:buNone/>
             </a:pPr>
-            <a:fld id="{3E0743E1-4784-4155-9A8E-F2840FD534DD}" type="slidenum">
+            <a:fld id="{887C2B23-82BA-4AB5-AF43-5CD0B16B14CF}" type="slidenum">
               <a:rPr b="1" lang="ru-RU" sz="1600" spc="-1" strike="noStrike">
                 <a:solidFill>
                   <a:srgbClr val="000000"/>
